--- a/ProyectoFinal/Intervenciones de Seguridad Vial.pptx
+++ b/ProyectoFinal/Intervenciones de Seguridad Vial.pptx
@@ -26,21 +26,26 @@
     <p:sldId id="271" r:id="rId21"/>
     <p:sldId id="272" r:id="rId22"/>
     <p:sldId id="273" r:id="rId23"/>
+    <p:sldId id="274" r:id="rId24"/>
+    <p:sldId id="275" r:id="rId25"/>
+    <p:sldId id="276" r:id="rId26"/>
+    <p:sldId id="277" r:id="rId27"/>
+    <p:sldId id="278" r:id="rId28"/>
   </p:sldIdLst>
   <p:sldSz cy="5143500" cx="9144000"/>
   <p:notesSz cx="6858000" cy="9144000"/>
   <p:embeddedFontLst>
     <p:embeddedFont>
       <p:font typeface="Nunito"/>
-      <p:regular r:id="rId24"/>
-      <p:bold r:id="rId25"/>
-      <p:italic r:id="rId26"/>
-      <p:boldItalic r:id="rId27"/>
+      <p:regular r:id="rId29"/>
+      <p:bold r:id="rId30"/>
+      <p:italic r:id="rId31"/>
+      <p:boldItalic r:id="rId32"/>
     </p:embeddedFont>
     <p:embeddedFont>
       <p:font typeface="Maven Pro"/>
-      <p:regular r:id="rId28"/>
-      <p:bold r:id="rId29"/>
+      <p:regular r:id="rId33"/>
+      <p:bold r:id="rId34"/>
     </p:embeddedFont>
   </p:embeddedFontLst>
   <p:defaultTextStyle>
@@ -821,7 +826,7 @@
   <p:cSld>
     <p:spTree>
       <p:nvGrpSpPr>
-        <p:cNvPr id="388" name="Shape 388"/>
+        <p:cNvPr id="394" name="Shape 394"/>
         <p:cNvGrpSpPr/>
         <p:nvPr/>
       </p:nvGrpSpPr>
@@ -835,7 +840,7 @@
       </p:grpSpPr>
       <p:sp>
         <p:nvSpPr>
-          <p:cNvPr id="389" name="Google Shape;389;g1fadd5c8964_0_1773:notes"/>
+          <p:cNvPr id="395" name="Google Shape;395;g1fadd5c8964_0_1756:notes"/>
           <p:cNvSpPr/>
           <p:nvPr>
             <p:ph idx="2" type="sldImg"/>
@@ -870,7 +875,7 @@
       </p:sp>
       <p:sp>
         <p:nvSpPr>
-          <p:cNvPr id="390" name="Google Shape;390;g1fadd5c8964_0_1773:notes"/>
+          <p:cNvPr id="396" name="Google Shape;396;g1fadd5c8964_0_1756:notes"/>
           <p:cNvSpPr txBox="1"/>
           <p:nvPr>
             <p:ph idx="1" type="body"/>
@@ -920,7 +925,7 @@
   <p:cSld>
     <p:spTree>
       <p:nvGrpSpPr>
-        <p:cNvPr id="400" name="Shape 400"/>
+        <p:cNvPr id="408" name="Shape 408"/>
         <p:cNvGrpSpPr/>
         <p:nvPr/>
       </p:nvGrpSpPr>
@@ -934,7 +939,7 @@
       </p:grpSpPr>
       <p:sp>
         <p:nvSpPr>
-          <p:cNvPr id="401" name="Google Shape;401;g1fadd5c8964_0_1784:notes"/>
+          <p:cNvPr id="409" name="Google Shape;409;g1fadd5c8964_0_1773:notes"/>
           <p:cNvSpPr/>
           <p:nvPr>
             <p:ph idx="2" type="sldImg"/>
@@ -969,7 +974,7 @@
       </p:sp>
       <p:sp>
         <p:nvSpPr>
-          <p:cNvPr id="402" name="Google Shape;402;g1fadd5c8964_0_1784:notes"/>
+          <p:cNvPr id="410" name="Google Shape;410;g1fadd5c8964_0_1773:notes"/>
           <p:cNvSpPr txBox="1"/>
           <p:nvPr>
             <p:ph idx="1" type="body"/>
@@ -1019,7 +1024,7 @@
   <p:cSld>
     <p:spTree>
       <p:nvGrpSpPr>
-        <p:cNvPr id="414" name="Shape 414"/>
+        <p:cNvPr id="420" name="Shape 420"/>
         <p:cNvGrpSpPr/>
         <p:nvPr/>
       </p:nvGrpSpPr>
@@ -1033,7 +1038,7 @@
       </p:grpSpPr>
       <p:sp>
         <p:nvSpPr>
-          <p:cNvPr id="415" name="Google Shape;415;g1fadd5c8964_0_1794:notes"/>
+          <p:cNvPr id="421" name="Google Shape;421;g1fadd5c8964_0_1784:notes"/>
           <p:cNvSpPr/>
           <p:nvPr>
             <p:ph idx="2" type="sldImg"/>
@@ -1068,7 +1073,7 @@
       </p:sp>
       <p:sp>
         <p:nvSpPr>
-          <p:cNvPr id="416" name="Google Shape;416;g1fadd5c8964_0_1794:notes"/>
+          <p:cNvPr id="422" name="Google Shape;422;g1fadd5c8964_0_1784:notes"/>
           <p:cNvSpPr txBox="1"/>
           <p:nvPr>
             <p:ph idx="1" type="body"/>
@@ -1118,7 +1123,7 @@
   <p:cSld>
     <p:spTree>
       <p:nvGrpSpPr>
-        <p:cNvPr id="425" name="Shape 425"/>
+        <p:cNvPr id="434" name="Shape 434"/>
         <p:cNvGrpSpPr/>
         <p:nvPr/>
       </p:nvGrpSpPr>
@@ -1132,7 +1137,7 @@
       </p:grpSpPr>
       <p:sp>
         <p:nvSpPr>
-          <p:cNvPr id="426" name="Google Shape;426;g1fadd5c8964_0_1800:notes"/>
+          <p:cNvPr id="435" name="Google Shape;435;g1fadd5c8964_0_1794:notes"/>
           <p:cNvSpPr/>
           <p:nvPr>
             <p:ph idx="2" type="sldImg"/>
@@ -1167,7 +1172,7 @@
       </p:sp>
       <p:sp>
         <p:nvSpPr>
-          <p:cNvPr id="427" name="Google Shape;427;g1fadd5c8964_0_1800:notes"/>
+          <p:cNvPr id="436" name="Google Shape;436;g1fadd5c8964_0_1794:notes"/>
           <p:cNvSpPr txBox="1"/>
           <p:nvPr>
             <p:ph idx="1" type="body"/>
@@ -1217,7 +1222,7 @@
   <p:cSld>
     <p:spTree>
       <p:nvGrpSpPr>
-        <p:cNvPr id="442" name="Shape 442"/>
+        <p:cNvPr id="445" name="Shape 445"/>
         <p:cNvGrpSpPr/>
         <p:nvPr/>
       </p:nvGrpSpPr>
@@ -1231,7 +1236,7 @@
       </p:grpSpPr>
       <p:sp>
         <p:nvSpPr>
-          <p:cNvPr id="443" name="Google Shape;443;g1fadd5c8964_0_1813:notes"/>
+          <p:cNvPr id="446" name="Google Shape;446;g1fadd5c8964_0_1800:notes"/>
           <p:cNvSpPr/>
           <p:nvPr>
             <p:ph idx="2" type="sldImg"/>
@@ -1266,7 +1271,7 @@
       </p:sp>
       <p:sp>
         <p:nvSpPr>
-          <p:cNvPr id="444" name="Google Shape;444;g1fadd5c8964_0_1813:notes"/>
+          <p:cNvPr id="447" name="Google Shape;447;g1fadd5c8964_0_1800:notes"/>
           <p:cNvSpPr txBox="1"/>
           <p:nvPr>
             <p:ph idx="1" type="body"/>
@@ -1316,7 +1321,7 @@
   <p:cSld>
     <p:spTree>
       <p:nvGrpSpPr>
-        <p:cNvPr id="452" name="Shape 452"/>
+        <p:cNvPr id="462" name="Shape 462"/>
         <p:cNvGrpSpPr/>
         <p:nvPr/>
       </p:nvGrpSpPr>
@@ -1330,7 +1335,7 @@
       </p:grpSpPr>
       <p:sp>
         <p:nvSpPr>
-          <p:cNvPr id="453" name="Google Shape;453;g1fadd5c8964_1_0:notes"/>
+          <p:cNvPr id="463" name="Google Shape;463;g1fadd5c8964_0_1813:notes"/>
           <p:cNvSpPr/>
           <p:nvPr>
             <p:ph idx="2" type="sldImg"/>
@@ -1365,7 +1370,7 @@
       </p:sp>
       <p:sp>
         <p:nvSpPr>
-          <p:cNvPr id="454" name="Google Shape;454;g1fadd5c8964_1_0:notes"/>
+          <p:cNvPr id="464" name="Google Shape;464;g1fadd5c8964_0_1813:notes"/>
           <p:cNvSpPr txBox="1"/>
           <p:nvPr>
             <p:ph idx="1" type="body"/>
@@ -1415,7 +1420,7 @@
   <p:cSld>
     <p:spTree>
       <p:nvGrpSpPr>
-        <p:cNvPr id="461" name="Shape 461"/>
+        <p:cNvPr id="472" name="Shape 472"/>
         <p:cNvGrpSpPr/>
         <p:nvPr/>
       </p:nvGrpSpPr>
@@ -1429,7 +1434,7 @@
       </p:grpSpPr>
       <p:sp>
         <p:nvSpPr>
-          <p:cNvPr id="462" name="Google Shape;462;g1fadd5c8964_1_9:notes"/>
+          <p:cNvPr id="473" name="Google Shape;473;g1fadd5c8964_1_0:notes"/>
           <p:cNvSpPr/>
           <p:nvPr>
             <p:ph idx="2" type="sldImg"/>
@@ -1464,7 +1469,7 @@
       </p:sp>
       <p:sp>
         <p:nvSpPr>
-          <p:cNvPr id="463" name="Google Shape;463;g1fadd5c8964_1_9:notes"/>
+          <p:cNvPr id="474" name="Google Shape;474;g1fadd5c8964_1_0:notes"/>
           <p:cNvSpPr txBox="1"/>
           <p:nvPr>
             <p:ph idx="1" type="body"/>
@@ -1514,7 +1519,7 @@
   <p:cSld>
     <p:spTree>
       <p:nvGrpSpPr>
-        <p:cNvPr id="488" name="Shape 488"/>
+        <p:cNvPr id="481" name="Shape 481"/>
         <p:cNvGrpSpPr/>
         <p:nvPr/>
       </p:nvGrpSpPr>
@@ -1528,7 +1533,7 @@
       </p:grpSpPr>
       <p:sp>
         <p:nvSpPr>
-          <p:cNvPr id="489" name="Google Shape;489;g1fadd5c8964_1_35:notes"/>
+          <p:cNvPr id="482" name="Google Shape;482;g1fadd5c8964_1_9:notes"/>
           <p:cNvSpPr/>
           <p:nvPr>
             <p:ph idx="2" type="sldImg"/>
@@ -1563,7 +1568,7 @@
       </p:sp>
       <p:sp>
         <p:nvSpPr>
-          <p:cNvPr id="490" name="Google Shape;490;g1fadd5c8964_1_35:notes"/>
+          <p:cNvPr id="483" name="Google Shape;483;g1fadd5c8964_1_9:notes"/>
           <p:cNvSpPr txBox="1"/>
           <p:nvPr>
             <p:ph idx="1" type="body"/>
@@ -1613,7 +1618,7 @@
   <p:cSld>
     <p:spTree>
       <p:nvGrpSpPr>
-        <p:cNvPr id="494" name="Shape 494"/>
+        <p:cNvPr id="508" name="Shape 508"/>
         <p:cNvGrpSpPr/>
         <p:nvPr/>
       </p:nvGrpSpPr>
@@ -1627,7 +1632,7 @@
       </p:grpSpPr>
       <p:sp>
         <p:nvSpPr>
-          <p:cNvPr id="495" name="Google Shape;495;g1fadd5c8964_1_40:notes"/>
+          <p:cNvPr id="509" name="Google Shape;509;g1fadd5c8964_1_35:notes"/>
           <p:cNvSpPr/>
           <p:nvPr>
             <p:ph idx="2" type="sldImg"/>
@@ -1662,7 +1667,106 @@
       </p:sp>
       <p:sp>
         <p:nvSpPr>
-          <p:cNvPr id="496" name="Google Shape;496;g1fadd5c8964_1_40:notes"/>
+          <p:cNvPr id="510" name="Google Shape;510;g1fadd5c8964_1_35:notes"/>
+          <p:cNvSpPr txBox="1"/>
+          <p:nvPr>
+            <p:ph idx="1" type="body"/>
+          </p:nvPr>
+        </p:nvSpPr>
+        <p:spPr>
+          <a:xfrm>
+            <a:off x="685800" y="4343400"/>
+            <a:ext cx="5486400" cy="4114800"/>
+          </a:xfrm>
+          <a:prstGeom prst="rect">
+            <a:avLst/>
+          </a:prstGeom>
+        </p:spPr>
+        <p:txBody>
+          <a:bodyPr anchorCtr="0" anchor="t" bIns="91425" lIns="91425" spcFirstLastPara="1" rIns="91425" wrap="square" tIns="91425">
+            <a:noAutofit/>
+          </a:bodyPr>
+          <a:lstStyle/>
+          <a:p>
+            <a:pPr indent="0" lvl="0" marL="0" rtl="0" algn="l">
+              <a:spcBef>
+                <a:spcPts val="0"/>
+              </a:spcBef>
+              <a:spcAft>
+                <a:spcPts val="0"/>
+              </a:spcAft>
+              <a:buNone/>
+            </a:pPr>
+            <a:r>
+              <a:t/>
+            </a:r>
+            <a:endParaRPr/>
+          </a:p>
+        </p:txBody>
+      </p:sp>
+    </p:spTree>
+  </p:cSld>
+  <p:clrMapOvr>
+    <a:masterClrMapping/>
+  </p:clrMapOvr>
+</p:notes>
+</file>
+
+<file path=ppt/notesSlides/notesSlide19.xml><?xml version="1.0" encoding="utf-8"?>
+<p:notes xmlns:a="http://schemas.openxmlformats.org/drawingml/2006/main" xmlns:r="http://schemas.openxmlformats.org/officeDocument/2006/relationships" xmlns:mc="http://schemas.openxmlformats.org/markup-compatibility/2006" xmlns:mv="urn:schemas-microsoft-com:mac:vml" xmlns:p="http://schemas.openxmlformats.org/presentationml/2006/main" xmlns:c="http://schemas.openxmlformats.org/drawingml/2006/chart" xmlns:dgm="http://schemas.openxmlformats.org/drawingml/2006/diagram" xmlns:o="urn:schemas-microsoft-com:office:office" xmlns:v="urn:schemas-microsoft-com:vml" xmlns:pvml="urn:schemas-microsoft-com:office:powerpoint" xmlns:com="http://schemas.openxmlformats.org/drawingml/2006/compatibility" xmlns:p14="http://schemas.microsoft.com/office/powerpoint/2010/main" xmlns:p15="http://schemas.microsoft.com/office/powerpoint/2012/main" xmlns:ahyp="http://schemas.microsoft.com/office/drawing/2018/hyperlinkcolor" showMasterPhAnim="0" showMasterSp="0">
+  <p:cSld>
+    <p:spTree>
+      <p:nvGrpSpPr>
+        <p:cNvPr id="514" name="Shape 514"/>
+        <p:cNvGrpSpPr/>
+        <p:nvPr/>
+      </p:nvGrpSpPr>
+      <p:grpSpPr>
+        <a:xfrm>
+          <a:off x="0" y="0"/>
+          <a:ext cx="0" cy="0"/>
+          <a:chOff x="0" y="0"/>
+          <a:chExt cx="0" cy="0"/>
+        </a:xfrm>
+      </p:grpSpPr>
+      <p:sp>
+        <p:nvSpPr>
+          <p:cNvPr id="515" name="Google Shape;515;g22620716a6d_0_29:notes"/>
+          <p:cNvSpPr/>
+          <p:nvPr>
+            <p:ph idx="2" type="sldImg"/>
+          </p:nvPr>
+        </p:nvSpPr>
+        <p:spPr>
+          <a:xfrm>
+            <a:off x="381300" y="685800"/>
+            <a:ext cx="6096000" cy="3429000"/>
+          </a:xfrm>
+          <a:custGeom>
+            <a:rect b="b" l="l" r="r" t="t"/>
+            <a:pathLst>
+              <a:path extrusionOk="0" h="120000" w="120000">
+                <a:moveTo>
+                  <a:pt x="0" y="0"/>
+                </a:moveTo>
+                <a:lnTo>
+                  <a:pt x="120000" y="0"/>
+                </a:lnTo>
+                <a:lnTo>
+                  <a:pt x="120000" y="120000"/>
+                </a:lnTo>
+                <a:lnTo>
+                  <a:pt x="0" y="120000"/>
+                </a:lnTo>
+                <a:close/>
+              </a:path>
+            </a:pathLst>
+          </a:custGeom>
+        </p:spPr>
+      </p:sp>
+      <p:sp>
+        <p:nvSpPr>
+          <p:cNvPr id="516" name="Google Shape;516;g22620716a6d_0_29:notes"/>
           <p:cNvSpPr txBox="1"/>
           <p:nvPr>
             <p:ph idx="1" type="body"/>
@@ -1806,6 +1910,402 @@
 </p:notes>
 </file>
 
+<file path=ppt/notesSlides/notesSlide20.xml><?xml version="1.0" encoding="utf-8"?>
+<p:notes xmlns:a="http://schemas.openxmlformats.org/drawingml/2006/main" xmlns:r="http://schemas.openxmlformats.org/officeDocument/2006/relationships" xmlns:mc="http://schemas.openxmlformats.org/markup-compatibility/2006" xmlns:mv="urn:schemas-microsoft-com:mac:vml" xmlns:p="http://schemas.openxmlformats.org/presentationml/2006/main" xmlns:c="http://schemas.openxmlformats.org/drawingml/2006/chart" xmlns:dgm="http://schemas.openxmlformats.org/drawingml/2006/diagram" xmlns:o="urn:schemas-microsoft-com:office:office" xmlns:v="urn:schemas-microsoft-com:vml" xmlns:pvml="urn:schemas-microsoft-com:office:powerpoint" xmlns:com="http://schemas.openxmlformats.org/drawingml/2006/compatibility" xmlns:p14="http://schemas.microsoft.com/office/powerpoint/2010/main" xmlns:p15="http://schemas.microsoft.com/office/powerpoint/2012/main" xmlns:ahyp="http://schemas.microsoft.com/office/drawing/2018/hyperlinkcolor" showMasterPhAnim="0" showMasterSp="0">
+  <p:cSld>
+    <p:spTree>
+      <p:nvGrpSpPr>
+        <p:cNvPr id="527" name="Shape 527"/>
+        <p:cNvGrpSpPr/>
+        <p:nvPr/>
+      </p:nvGrpSpPr>
+      <p:grpSpPr>
+        <a:xfrm>
+          <a:off x="0" y="0"/>
+          <a:ext cx="0" cy="0"/>
+          <a:chOff x="0" y="0"/>
+          <a:chExt cx="0" cy="0"/>
+        </a:xfrm>
+      </p:grpSpPr>
+      <p:sp>
+        <p:nvSpPr>
+          <p:cNvPr id="528" name="Google Shape;528;g22620716a6d_0_44:notes"/>
+          <p:cNvSpPr/>
+          <p:nvPr>
+            <p:ph idx="2" type="sldImg"/>
+          </p:nvPr>
+        </p:nvSpPr>
+        <p:spPr>
+          <a:xfrm>
+            <a:off x="381300" y="685800"/>
+            <a:ext cx="6096000" cy="3429000"/>
+          </a:xfrm>
+          <a:custGeom>
+            <a:rect b="b" l="l" r="r" t="t"/>
+            <a:pathLst>
+              <a:path extrusionOk="0" h="120000" w="120000">
+                <a:moveTo>
+                  <a:pt x="0" y="0"/>
+                </a:moveTo>
+                <a:lnTo>
+                  <a:pt x="120000" y="0"/>
+                </a:lnTo>
+                <a:lnTo>
+                  <a:pt x="120000" y="120000"/>
+                </a:lnTo>
+                <a:lnTo>
+                  <a:pt x="0" y="120000"/>
+                </a:lnTo>
+                <a:close/>
+              </a:path>
+            </a:pathLst>
+          </a:custGeom>
+        </p:spPr>
+      </p:sp>
+      <p:sp>
+        <p:nvSpPr>
+          <p:cNvPr id="529" name="Google Shape;529;g22620716a6d_0_44:notes"/>
+          <p:cNvSpPr txBox="1"/>
+          <p:nvPr>
+            <p:ph idx="1" type="body"/>
+          </p:nvPr>
+        </p:nvSpPr>
+        <p:spPr>
+          <a:xfrm>
+            <a:off x="685800" y="4343400"/>
+            <a:ext cx="5486400" cy="4114800"/>
+          </a:xfrm>
+          <a:prstGeom prst="rect">
+            <a:avLst/>
+          </a:prstGeom>
+        </p:spPr>
+        <p:txBody>
+          <a:bodyPr anchorCtr="0" anchor="t" bIns="91425" lIns="91425" spcFirstLastPara="1" rIns="91425" wrap="square" tIns="91425">
+            <a:noAutofit/>
+          </a:bodyPr>
+          <a:lstStyle/>
+          <a:p>
+            <a:pPr indent="0" lvl="0" marL="0" rtl="0" algn="l">
+              <a:spcBef>
+                <a:spcPts val="0"/>
+              </a:spcBef>
+              <a:spcAft>
+                <a:spcPts val="0"/>
+              </a:spcAft>
+              <a:buNone/>
+            </a:pPr>
+            <a:r>
+              <a:t/>
+            </a:r>
+            <a:endParaRPr/>
+          </a:p>
+        </p:txBody>
+      </p:sp>
+    </p:spTree>
+  </p:cSld>
+  <p:clrMapOvr>
+    <a:masterClrMapping/>
+  </p:clrMapOvr>
+</p:notes>
+</file>
+
+<file path=ppt/notesSlides/notesSlide21.xml><?xml version="1.0" encoding="utf-8"?>
+<p:notes xmlns:a="http://schemas.openxmlformats.org/drawingml/2006/main" xmlns:r="http://schemas.openxmlformats.org/officeDocument/2006/relationships" xmlns:mc="http://schemas.openxmlformats.org/markup-compatibility/2006" xmlns:mv="urn:schemas-microsoft-com:mac:vml" xmlns:p="http://schemas.openxmlformats.org/presentationml/2006/main" xmlns:c="http://schemas.openxmlformats.org/drawingml/2006/chart" xmlns:dgm="http://schemas.openxmlformats.org/drawingml/2006/diagram" xmlns:o="urn:schemas-microsoft-com:office:office" xmlns:v="urn:schemas-microsoft-com:vml" xmlns:pvml="urn:schemas-microsoft-com:office:powerpoint" xmlns:com="http://schemas.openxmlformats.org/drawingml/2006/compatibility" xmlns:p14="http://schemas.microsoft.com/office/powerpoint/2010/main" xmlns:p15="http://schemas.microsoft.com/office/powerpoint/2012/main" xmlns:ahyp="http://schemas.microsoft.com/office/drawing/2018/hyperlinkcolor" showMasterPhAnim="0" showMasterSp="0">
+  <p:cSld>
+    <p:spTree>
+      <p:nvGrpSpPr>
+        <p:cNvPr id="533" name="Shape 533"/>
+        <p:cNvGrpSpPr/>
+        <p:nvPr/>
+      </p:nvGrpSpPr>
+      <p:grpSpPr>
+        <a:xfrm>
+          <a:off x="0" y="0"/>
+          <a:ext cx="0" cy="0"/>
+          <a:chOff x="0" y="0"/>
+          <a:chExt cx="0" cy="0"/>
+        </a:xfrm>
+      </p:grpSpPr>
+      <p:sp>
+        <p:nvSpPr>
+          <p:cNvPr id="534" name="Google Shape;534;g22620716a6d_0_49:notes"/>
+          <p:cNvSpPr/>
+          <p:nvPr>
+            <p:ph idx="2" type="sldImg"/>
+          </p:nvPr>
+        </p:nvSpPr>
+        <p:spPr>
+          <a:xfrm>
+            <a:off x="381300" y="685800"/>
+            <a:ext cx="6096000" cy="3429000"/>
+          </a:xfrm>
+          <a:custGeom>
+            <a:rect b="b" l="l" r="r" t="t"/>
+            <a:pathLst>
+              <a:path extrusionOk="0" h="120000" w="120000">
+                <a:moveTo>
+                  <a:pt x="0" y="0"/>
+                </a:moveTo>
+                <a:lnTo>
+                  <a:pt x="120000" y="0"/>
+                </a:lnTo>
+                <a:lnTo>
+                  <a:pt x="120000" y="120000"/>
+                </a:lnTo>
+                <a:lnTo>
+                  <a:pt x="0" y="120000"/>
+                </a:lnTo>
+                <a:close/>
+              </a:path>
+            </a:pathLst>
+          </a:custGeom>
+        </p:spPr>
+      </p:sp>
+      <p:sp>
+        <p:nvSpPr>
+          <p:cNvPr id="535" name="Google Shape;535;g22620716a6d_0_49:notes"/>
+          <p:cNvSpPr txBox="1"/>
+          <p:nvPr>
+            <p:ph idx="1" type="body"/>
+          </p:nvPr>
+        </p:nvSpPr>
+        <p:spPr>
+          <a:xfrm>
+            <a:off x="685800" y="4343400"/>
+            <a:ext cx="5486400" cy="4114800"/>
+          </a:xfrm>
+          <a:prstGeom prst="rect">
+            <a:avLst/>
+          </a:prstGeom>
+        </p:spPr>
+        <p:txBody>
+          <a:bodyPr anchorCtr="0" anchor="t" bIns="91425" lIns="91425" spcFirstLastPara="1" rIns="91425" wrap="square" tIns="91425">
+            <a:noAutofit/>
+          </a:bodyPr>
+          <a:lstStyle/>
+          <a:p>
+            <a:pPr indent="0" lvl="0" marL="0" rtl="0" algn="l">
+              <a:spcBef>
+                <a:spcPts val="0"/>
+              </a:spcBef>
+              <a:spcAft>
+                <a:spcPts val="0"/>
+              </a:spcAft>
+              <a:buNone/>
+            </a:pPr>
+            <a:r>
+              <a:t/>
+            </a:r>
+            <a:endParaRPr/>
+          </a:p>
+        </p:txBody>
+      </p:sp>
+    </p:spTree>
+  </p:cSld>
+  <p:clrMapOvr>
+    <a:masterClrMapping/>
+  </p:clrMapOvr>
+</p:notes>
+</file>
+
+<file path=ppt/notesSlides/notesSlide22.xml><?xml version="1.0" encoding="utf-8"?>
+<p:notes xmlns:a="http://schemas.openxmlformats.org/drawingml/2006/main" xmlns:r="http://schemas.openxmlformats.org/officeDocument/2006/relationships" xmlns:mc="http://schemas.openxmlformats.org/markup-compatibility/2006" xmlns:mv="urn:schemas-microsoft-com:mac:vml" xmlns:p="http://schemas.openxmlformats.org/presentationml/2006/main" xmlns:c="http://schemas.openxmlformats.org/drawingml/2006/chart" xmlns:dgm="http://schemas.openxmlformats.org/drawingml/2006/diagram" xmlns:o="urn:schemas-microsoft-com:office:office" xmlns:v="urn:schemas-microsoft-com:vml" xmlns:pvml="urn:schemas-microsoft-com:office:powerpoint" xmlns:com="http://schemas.openxmlformats.org/drawingml/2006/compatibility" xmlns:p14="http://schemas.microsoft.com/office/powerpoint/2010/main" xmlns:p15="http://schemas.microsoft.com/office/powerpoint/2012/main" xmlns:ahyp="http://schemas.microsoft.com/office/drawing/2018/hyperlinkcolor" showMasterPhAnim="0" showMasterSp="0">
+  <p:cSld>
+    <p:spTree>
+      <p:nvGrpSpPr>
+        <p:cNvPr id="547" name="Shape 547"/>
+        <p:cNvGrpSpPr/>
+        <p:nvPr/>
+      </p:nvGrpSpPr>
+      <p:grpSpPr>
+        <a:xfrm>
+          <a:off x="0" y="0"/>
+          <a:ext cx="0" cy="0"/>
+          <a:chOff x="0" y="0"/>
+          <a:chExt cx="0" cy="0"/>
+        </a:xfrm>
+      </p:grpSpPr>
+      <p:sp>
+        <p:nvSpPr>
+          <p:cNvPr id="548" name="Google Shape;548;g22620716a6d_0_7:notes"/>
+          <p:cNvSpPr/>
+          <p:nvPr>
+            <p:ph idx="2" type="sldImg"/>
+          </p:nvPr>
+        </p:nvSpPr>
+        <p:spPr>
+          <a:xfrm>
+            <a:off x="381300" y="685800"/>
+            <a:ext cx="6096000" cy="3429000"/>
+          </a:xfrm>
+          <a:custGeom>
+            <a:rect b="b" l="l" r="r" t="t"/>
+            <a:pathLst>
+              <a:path extrusionOk="0" h="120000" w="120000">
+                <a:moveTo>
+                  <a:pt x="0" y="0"/>
+                </a:moveTo>
+                <a:lnTo>
+                  <a:pt x="120000" y="0"/>
+                </a:lnTo>
+                <a:lnTo>
+                  <a:pt x="120000" y="120000"/>
+                </a:lnTo>
+                <a:lnTo>
+                  <a:pt x="0" y="120000"/>
+                </a:lnTo>
+                <a:close/>
+              </a:path>
+            </a:pathLst>
+          </a:custGeom>
+        </p:spPr>
+      </p:sp>
+      <p:sp>
+        <p:nvSpPr>
+          <p:cNvPr id="549" name="Google Shape;549;g22620716a6d_0_7:notes"/>
+          <p:cNvSpPr txBox="1"/>
+          <p:nvPr>
+            <p:ph idx="1" type="body"/>
+          </p:nvPr>
+        </p:nvSpPr>
+        <p:spPr>
+          <a:xfrm>
+            <a:off x="685800" y="4343400"/>
+            <a:ext cx="5486400" cy="4114800"/>
+          </a:xfrm>
+          <a:prstGeom prst="rect">
+            <a:avLst/>
+          </a:prstGeom>
+        </p:spPr>
+        <p:txBody>
+          <a:bodyPr anchorCtr="0" anchor="t" bIns="91425" lIns="91425" spcFirstLastPara="1" rIns="91425" wrap="square" tIns="91425">
+            <a:noAutofit/>
+          </a:bodyPr>
+          <a:lstStyle/>
+          <a:p>
+            <a:pPr indent="0" lvl="0" marL="0" rtl="0" algn="l">
+              <a:spcBef>
+                <a:spcPts val="0"/>
+              </a:spcBef>
+              <a:spcAft>
+                <a:spcPts val="0"/>
+              </a:spcAft>
+              <a:buNone/>
+            </a:pPr>
+            <a:r>
+              <a:t/>
+            </a:r>
+            <a:endParaRPr/>
+          </a:p>
+        </p:txBody>
+      </p:sp>
+    </p:spTree>
+  </p:cSld>
+  <p:clrMapOvr>
+    <a:masterClrMapping/>
+  </p:clrMapOvr>
+</p:notes>
+</file>
+
+<file path=ppt/notesSlides/notesSlide23.xml><?xml version="1.0" encoding="utf-8"?>
+<p:notes xmlns:a="http://schemas.openxmlformats.org/drawingml/2006/main" xmlns:r="http://schemas.openxmlformats.org/officeDocument/2006/relationships" xmlns:mc="http://schemas.openxmlformats.org/markup-compatibility/2006" xmlns:mv="urn:schemas-microsoft-com:mac:vml" xmlns:p="http://schemas.openxmlformats.org/presentationml/2006/main" xmlns:c="http://schemas.openxmlformats.org/drawingml/2006/chart" xmlns:dgm="http://schemas.openxmlformats.org/drawingml/2006/diagram" xmlns:o="urn:schemas-microsoft-com:office:office" xmlns:v="urn:schemas-microsoft-com:vml" xmlns:pvml="urn:schemas-microsoft-com:office:powerpoint" xmlns:com="http://schemas.openxmlformats.org/drawingml/2006/compatibility" xmlns:p14="http://schemas.microsoft.com/office/powerpoint/2010/main" xmlns:p15="http://schemas.microsoft.com/office/powerpoint/2012/main" xmlns:ahyp="http://schemas.microsoft.com/office/drawing/2018/hyperlinkcolor" showMasterPhAnim="0" showMasterSp="0">
+  <p:cSld>
+    <p:spTree>
+      <p:nvGrpSpPr>
+        <p:cNvPr id="553" name="Shape 553"/>
+        <p:cNvGrpSpPr/>
+        <p:nvPr/>
+      </p:nvGrpSpPr>
+      <p:grpSpPr>
+        <a:xfrm>
+          <a:off x="0" y="0"/>
+          <a:ext cx="0" cy="0"/>
+          <a:chOff x="0" y="0"/>
+          <a:chExt cx="0" cy="0"/>
+        </a:xfrm>
+      </p:grpSpPr>
+      <p:sp>
+        <p:nvSpPr>
+          <p:cNvPr id="554" name="Google Shape;554;g1fadd5c8964_1_40:notes"/>
+          <p:cNvSpPr/>
+          <p:nvPr>
+            <p:ph idx="2" type="sldImg"/>
+          </p:nvPr>
+        </p:nvSpPr>
+        <p:spPr>
+          <a:xfrm>
+            <a:off x="381300" y="685800"/>
+            <a:ext cx="6096000" cy="3429000"/>
+          </a:xfrm>
+          <a:custGeom>
+            <a:rect b="b" l="l" r="r" t="t"/>
+            <a:pathLst>
+              <a:path extrusionOk="0" h="120000" w="120000">
+                <a:moveTo>
+                  <a:pt x="0" y="0"/>
+                </a:moveTo>
+                <a:lnTo>
+                  <a:pt x="120000" y="0"/>
+                </a:lnTo>
+                <a:lnTo>
+                  <a:pt x="120000" y="120000"/>
+                </a:lnTo>
+                <a:lnTo>
+                  <a:pt x="0" y="120000"/>
+                </a:lnTo>
+                <a:close/>
+              </a:path>
+            </a:pathLst>
+          </a:custGeom>
+        </p:spPr>
+      </p:sp>
+      <p:sp>
+        <p:nvSpPr>
+          <p:cNvPr id="555" name="Google Shape;555;g1fadd5c8964_1_40:notes"/>
+          <p:cNvSpPr txBox="1"/>
+          <p:nvPr>
+            <p:ph idx="1" type="body"/>
+          </p:nvPr>
+        </p:nvSpPr>
+        <p:spPr>
+          <a:xfrm>
+            <a:off x="685800" y="4343400"/>
+            <a:ext cx="5486400" cy="4114800"/>
+          </a:xfrm>
+          <a:prstGeom prst="rect">
+            <a:avLst/>
+          </a:prstGeom>
+        </p:spPr>
+        <p:txBody>
+          <a:bodyPr anchorCtr="0" anchor="t" bIns="91425" lIns="91425" spcFirstLastPara="1" rIns="91425" wrap="square" tIns="91425">
+            <a:noAutofit/>
+          </a:bodyPr>
+          <a:lstStyle/>
+          <a:p>
+            <a:pPr indent="0" lvl="0" marL="0" rtl="0" algn="l">
+              <a:spcBef>
+                <a:spcPts val="0"/>
+              </a:spcBef>
+              <a:spcAft>
+                <a:spcPts val="0"/>
+              </a:spcAft>
+              <a:buNone/>
+            </a:pPr>
+            <a:r>
+              <a:t/>
+            </a:r>
+            <a:endParaRPr/>
+          </a:p>
+        </p:txBody>
+      </p:sp>
+    </p:spTree>
+  </p:cSld>
+  <p:clrMapOvr>
+    <a:masterClrMapping/>
+  </p:clrMapOvr>
+</p:notes>
+</file>
+
 <file path=ppt/notesSlides/notesSlide3.xml><?xml version="1.0" encoding="utf-8"?>
 <p:notes xmlns:a="http://schemas.openxmlformats.org/drawingml/2006/main" xmlns:r="http://schemas.openxmlformats.org/officeDocument/2006/relationships" xmlns:mc="http://schemas.openxmlformats.org/markup-compatibility/2006" xmlns:mv="urn:schemas-microsoft-com:mac:vml" xmlns:p="http://schemas.openxmlformats.org/presentationml/2006/main" xmlns:c="http://schemas.openxmlformats.org/drawingml/2006/chart" xmlns:dgm="http://schemas.openxmlformats.org/drawingml/2006/diagram" xmlns:o="urn:schemas-microsoft-com:office:office" xmlns:v="urn:schemas-microsoft-com:vml" xmlns:pvml="urn:schemas-microsoft-com:office:powerpoint" xmlns:com="http://schemas.openxmlformats.org/drawingml/2006/compatibility" xmlns:p14="http://schemas.microsoft.com/office/powerpoint/2010/main" xmlns:p15="http://schemas.microsoft.com/office/powerpoint/2012/main" xmlns:ahyp="http://schemas.microsoft.com/office/drawing/2018/hyperlinkcolor" showMasterPhAnim="0" showMasterSp="0">
   <p:cSld>
@@ -1924,7 +2424,7 @@
       </p:grpSpPr>
       <p:sp>
         <p:nvSpPr>
-          <p:cNvPr id="295" name="Google Shape;295;g1fadd5c8964_0_1694:notes"/>
+          <p:cNvPr id="295" name="Google Shape;295;g22620716a6d_0_0:notes"/>
           <p:cNvSpPr/>
           <p:nvPr>
             <p:ph idx="2" type="sldImg"/>
@@ -1959,7 +2459,7 @@
       </p:sp>
       <p:sp>
         <p:nvSpPr>
-          <p:cNvPr id="296" name="Google Shape;296;g1fadd5c8964_0_1694:notes"/>
+          <p:cNvPr id="296" name="Google Shape;296;g22620716a6d_0_0:notes"/>
           <p:cNvSpPr txBox="1"/>
           <p:nvPr>
             <p:ph idx="1" type="body"/>
@@ -2009,7 +2509,7 @@
   <p:cSld>
     <p:spTree>
       <p:nvGrpSpPr>
-        <p:cNvPr id="301" name="Shape 301"/>
+        <p:cNvPr id="314" name="Shape 314"/>
         <p:cNvGrpSpPr/>
         <p:nvPr/>
       </p:nvGrpSpPr>
@@ -2023,7 +2523,7 @@
       </p:grpSpPr>
       <p:sp>
         <p:nvSpPr>
-          <p:cNvPr id="302" name="Google Shape;302;g1fadd5c8964_0_1704:notes"/>
+          <p:cNvPr id="315" name="Google Shape;315;g1fadd5c8964_0_1694:notes"/>
           <p:cNvSpPr/>
           <p:nvPr>
             <p:ph idx="2" type="sldImg"/>
@@ -2058,7 +2558,7 @@
       </p:sp>
       <p:sp>
         <p:nvSpPr>
-          <p:cNvPr id="303" name="Google Shape;303;g1fadd5c8964_0_1704:notes"/>
+          <p:cNvPr id="316" name="Google Shape;316;g1fadd5c8964_0_1694:notes"/>
           <p:cNvSpPr txBox="1"/>
           <p:nvPr>
             <p:ph idx="1" type="body"/>
@@ -2108,7 +2608,7 @@
   <p:cSld>
     <p:spTree>
       <p:nvGrpSpPr>
-        <p:cNvPr id="315" name="Shape 315"/>
+        <p:cNvPr id="321" name="Shape 321"/>
         <p:cNvGrpSpPr/>
         <p:nvPr/>
       </p:nvGrpSpPr>
@@ -2122,7 +2622,7 @@
       </p:grpSpPr>
       <p:sp>
         <p:nvSpPr>
-          <p:cNvPr id="316" name="Google Shape;316;g1fadd5c8964_0_1710:notes"/>
+          <p:cNvPr id="322" name="Google Shape;322;g1fadd5c8964_0_1704:notes"/>
           <p:cNvSpPr/>
           <p:nvPr>
             <p:ph idx="2" type="sldImg"/>
@@ -2157,7 +2657,7 @@
       </p:sp>
       <p:sp>
         <p:nvSpPr>
-          <p:cNvPr id="317" name="Google Shape;317;g1fadd5c8964_0_1710:notes"/>
+          <p:cNvPr id="323" name="Google Shape;323;g1fadd5c8964_0_1704:notes"/>
           <p:cNvSpPr txBox="1"/>
           <p:nvPr>
             <p:ph idx="1" type="body"/>
@@ -2207,7 +2707,7 @@
   <p:cSld>
     <p:spTree>
       <p:nvGrpSpPr>
-        <p:cNvPr id="357" name="Shape 357"/>
+        <p:cNvPr id="335" name="Shape 335"/>
         <p:cNvGrpSpPr/>
         <p:nvPr/>
       </p:nvGrpSpPr>
@@ -2221,7 +2721,7 @@
       </p:grpSpPr>
       <p:sp>
         <p:nvSpPr>
-          <p:cNvPr id="358" name="Google Shape;358;g1fadd5c8964_0_1730:notes"/>
+          <p:cNvPr id="336" name="Google Shape;336;g1fadd5c8964_0_1710:notes"/>
           <p:cNvSpPr/>
           <p:nvPr>
             <p:ph idx="2" type="sldImg"/>
@@ -2256,7 +2756,7 @@
       </p:sp>
       <p:sp>
         <p:nvSpPr>
-          <p:cNvPr id="359" name="Google Shape;359;g1fadd5c8964_0_1730:notes"/>
+          <p:cNvPr id="337" name="Google Shape;337;g1fadd5c8964_0_1710:notes"/>
           <p:cNvSpPr txBox="1"/>
           <p:nvPr>
             <p:ph idx="1" type="body"/>
@@ -2306,7 +2806,7 @@
   <p:cSld>
     <p:spTree>
       <p:nvGrpSpPr>
-        <p:cNvPr id="364" name="Shape 364"/>
+        <p:cNvPr id="377" name="Shape 377"/>
         <p:cNvGrpSpPr/>
         <p:nvPr/>
       </p:nvGrpSpPr>
@@ -2320,7 +2820,7 @@
       </p:grpSpPr>
       <p:sp>
         <p:nvSpPr>
-          <p:cNvPr id="365" name="Google Shape;365;g1fadd5c8964_0_1738:notes"/>
+          <p:cNvPr id="378" name="Google Shape;378;g1fadd5c8964_0_1730:notes"/>
           <p:cNvSpPr/>
           <p:nvPr>
             <p:ph idx="2" type="sldImg"/>
@@ -2355,7 +2855,7 @@
       </p:sp>
       <p:sp>
         <p:nvSpPr>
-          <p:cNvPr id="366" name="Google Shape;366;g1fadd5c8964_0_1738:notes"/>
+          <p:cNvPr id="379" name="Google Shape;379;g1fadd5c8964_0_1730:notes"/>
           <p:cNvSpPr txBox="1"/>
           <p:nvPr>
             <p:ph idx="1" type="body"/>
@@ -2405,7 +2905,7 @@
   <p:cSld>
     <p:spTree>
       <p:nvGrpSpPr>
-        <p:cNvPr id="374" name="Shape 374"/>
+        <p:cNvPr id="384" name="Shape 384"/>
         <p:cNvGrpSpPr/>
         <p:nvPr/>
       </p:nvGrpSpPr>
@@ -2419,7 +2919,7 @@
       </p:grpSpPr>
       <p:sp>
         <p:nvSpPr>
-          <p:cNvPr id="375" name="Google Shape;375;g1fadd5c8964_0_1756:notes"/>
+          <p:cNvPr id="385" name="Google Shape;385;g1fadd5c8964_0_1738:notes"/>
           <p:cNvSpPr/>
           <p:nvPr>
             <p:ph idx="2" type="sldImg"/>
@@ -2454,7 +2954,7 @@
       </p:sp>
       <p:sp>
         <p:nvSpPr>
-          <p:cNvPr id="376" name="Google Shape;376;g1fadd5c8964_0_1756:notes"/>
+          <p:cNvPr id="386" name="Google Shape;386;g1fadd5c8964_0_1738:notes"/>
           <p:cNvSpPr txBox="1"/>
           <p:nvPr>
             <p:ph idx="1" type="body"/>
@@ -16930,7 +17430,7 @@
   <p:cSld>
     <p:spTree>
       <p:nvGrpSpPr>
-        <p:cNvPr id="391" name="Shape 391"/>
+        <p:cNvPr id="397" name="Shape 397"/>
         <p:cNvGrpSpPr/>
         <p:nvPr/>
       </p:nvGrpSpPr>
@@ -16944,7 +17444,7 @@
       </p:grpSpPr>
       <p:sp>
         <p:nvSpPr>
-          <p:cNvPr id="392" name="Google Shape;392;p22"/>
+          <p:cNvPr id="398" name="Google Shape;398;p22"/>
           <p:cNvSpPr txBox="1"/>
           <p:nvPr>
             <p:ph type="title"/>
@@ -16953,7 +17453,7 @@
         <p:spPr>
           <a:xfrm>
             <a:off x="1303800" y="598575"/>
-            <a:ext cx="7299900" cy="999300"/>
+            <a:ext cx="7030500" cy="999300"/>
           </a:xfrm>
           <a:prstGeom prst="rect">
             <a:avLst/>
@@ -16976,22 +17476,78 @@
             </a:pPr>
             <a:r>
               <a:rPr lang="es"/>
-              <a:t>Lesionados por autopista (por km)</a:t>
+              <a:t>Accidentes por km por Autopista</a:t>
             </a:r>
             <a:endParaRPr/>
           </a:p>
         </p:txBody>
       </p:sp>
+      <p:pic>
+        <p:nvPicPr>
+          <p:cNvPr id="399" name="Google Shape;399;p22"/>
+          <p:cNvPicPr preferRelativeResize="0"/>
+          <p:nvPr/>
+        </p:nvPicPr>
+        <p:blipFill>
+          <a:blip r:embed="rId3">
+            <a:alphaModFix/>
+          </a:blip>
+          <a:stretch>
+            <a:fillRect/>
+          </a:stretch>
+        </p:blipFill>
+        <p:spPr>
+          <a:xfrm>
+            <a:off x="6418850" y="1208450"/>
+            <a:ext cx="1754600" cy="1363300"/>
+          </a:xfrm>
+          <a:prstGeom prst="rect">
+            <a:avLst/>
+          </a:prstGeom>
+          <a:noFill/>
+          <a:ln>
+            <a:noFill/>
+          </a:ln>
+        </p:spPr>
+      </p:pic>
+      <p:pic>
+        <p:nvPicPr>
+          <p:cNvPr id="400" name="Google Shape;400;p22"/>
+          <p:cNvPicPr preferRelativeResize="0"/>
+          <p:nvPr/>
+        </p:nvPicPr>
+        <p:blipFill>
+          <a:blip r:embed="rId4">
+            <a:alphaModFix/>
+          </a:blip>
+          <a:stretch>
+            <a:fillRect/>
+          </a:stretch>
+        </p:blipFill>
+        <p:spPr>
+          <a:xfrm>
+            <a:off x="3069500" y="2834125"/>
+            <a:ext cx="5962450" cy="2234250"/>
+          </a:xfrm>
+          <a:prstGeom prst="rect">
+            <a:avLst/>
+          </a:prstGeom>
+          <a:noFill/>
+          <a:ln>
+            <a:noFill/>
+          </a:ln>
+        </p:spPr>
+      </p:pic>
       <p:sp>
         <p:nvSpPr>
-          <p:cNvPr id="393" name="Google Shape;393;p22"/>
+          <p:cNvPr id="401" name="Google Shape;401;p22"/>
           <p:cNvSpPr txBox="1"/>
           <p:nvPr/>
         </p:nvSpPr>
         <p:spPr>
           <a:xfrm>
-            <a:off x="355025" y="1481575"/>
-            <a:ext cx="2867100" cy="1262100"/>
+            <a:off x="221825" y="1414575"/>
+            <a:ext cx="2695500" cy="1046700"/>
           </a:xfrm>
           <a:prstGeom prst="rect">
             <a:avLst/>
@@ -17023,7 +17579,7 @@
                 <a:cs typeface="Nunito"/>
                 <a:sym typeface="Nunito"/>
               </a:rPr>
-              <a:t>Al igual que en el caso anterior, escalaremos la cantidad de lesionados y fallecidos de acuerdo a la extensión en km de la Autopista</a:t>
+              <a:t>Contamos con la extensión de cada autopista, por lo que podemos calcular la cantidad de accidentes por km</a:t>
             </a:r>
             <a:endParaRPr>
               <a:latin typeface="Nunito"/>
@@ -17036,12 +17592,12 @@
       </p:sp>
       <p:pic>
         <p:nvPicPr>
-          <p:cNvPr id="394" name="Google Shape;394;p22"/>
+          <p:cNvPr id="402" name="Google Shape;402;p22"/>
           <p:cNvPicPr preferRelativeResize="0"/>
           <p:nvPr/>
         </p:nvPicPr>
         <p:blipFill>
-          <a:blip r:embed="rId3">
+          <a:blip r:embed="rId5">
             <a:alphaModFix/>
           </a:blip>
           <a:stretch>
@@ -17050,36 +17606,8 @@
         </p:blipFill>
         <p:spPr>
           <a:xfrm>
-            <a:off x="3843100" y="1619488"/>
-            <a:ext cx="2472300" cy="499725"/>
-          </a:xfrm>
-          <a:prstGeom prst="rect">
-            <a:avLst/>
-          </a:prstGeom>
-          <a:noFill/>
-          <a:ln>
-            <a:noFill/>
-          </a:ln>
-        </p:spPr>
-      </p:pic>
-      <p:pic>
-        <p:nvPicPr>
-          <p:cNvPr id="395" name="Google Shape;395;p22"/>
-          <p:cNvPicPr preferRelativeResize="0"/>
-          <p:nvPr/>
-        </p:nvPicPr>
-        <p:blipFill>
-          <a:blip r:embed="rId4">
-            <a:alphaModFix/>
-          </a:blip>
-          <a:stretch>
-            <a:fillRect/>
-          </a:stretch>
-        </p:blipFill>
-        <p:spPr>
-          <a:xfrm>
-            <a:off x="3588250" y="2974550"/>
-            <a:ext cx="5323976" cy="1983675"/>
+            <a:off x="3445925" y="1597875"/>
+            <a:ext cx="2062600" cy="412550"/>
           </a:xfrm>
           <a:prstGeom prst="rect">
             <a:avLst/>
@@ -17092,14 +17620,14 @@
       </p:pic>
       <p:sp>
         <p:nvSpPr>
-          <p:cNvPr id="396" name="Google Shape;396;p22"/>
+          <p:cNvPr id="403" name="Google Shape;403;p22"/>
           <p:cNvSpPr txBox="1"/>
           <p:nvPr/>
         </p:nvSpPr>
         <p:spPr>
           <a:xfrm>
-            <a:off x="355025" y="3157025"/>
-            <a:ext cx="2867100" cy="1262100"/>
+            <a:off x="355025" y="3198675"/>
+            <a:ext cx="2562300" cy="1262100"/>
           </a:xfrm>
           <a:prstGeom prst="rect">
             <a:avLst/>
@@ -17131,7 +17659,7 @@
                 <a:cs typeface="Nunito"/>
                 <a:sym typeface="Nunito"/>
               </a:rPr>
-              <a:t>La autopista </a:t>
+              <a:t>Luego de escalar los datos observamos que la autopista </a:t>
             </a:r>
             <a:r>
               <a:rPr b="1" lang="es">
@@ -17140,7 +17668,7 @@
                 <a:cs typeface="Nunito"/>
                 <a:sym typeface="Nunito"/>
               </a:rPr>
-              <a:t>Dellepiane </a:t>
+              <a:t>Dellepiane</a:t>
             </a:r>
             <a:r>
               <a:rPr lang="es">
@@ -17149,7 +17677,7 @@
                 <a:cs typeface="Nunito"/>
                 <a:sym typeface="Nunito"/>
               </a:rPr>
-              <a:t>cuenta con la mayor cantidad de lesionados por km (esto coincide con la autopista con mayor cantidad de accidentes por km)</a:t>
+              <a:t> presenta mayor cantidad de accidentes por km.</a:t>
             </a:r>
             <a:endParaRPr>
               <a:latin typeface="Nunito"/>
@@ -17162,12 +17690,12 @@
       </p:sp>
       <p:pic>
         <p:nvPicPr>
-          <p:cNvPr id="397" name="Google Shape;397;p22"/>
+          <p:cNvPr id="404" name="Google Shape;404;p22"/>
           <p:cNvPicPr preferRelativeResize="0"/>
           <p:nvPr/>
         </p:nvPicPr>
         <p:blipFill>
-          <a:blip r:embed="rId5">
+          <a:blip r:embed="rId6">
             <a:alphaModFix amt="36000"/>
           </a:blip>
           <a:stretch>
@@ -17176,7 +17704,7 @@
         </p:blipFill>
         <p:spPr>
           <a:xfrm>
-            <a:off x="123825" y="3222325"/>
+            <a:off x="152400" y="3279475"/>
             <a:ext cx="259500" cy="259500"/>
           </a:xfrm>
           <a:prstGeom prst="rect">
@@ -17190,13 +17718,13 @@
       </p:pic>
       <p:sp>
         <p:nvSpPr>
-          <p:cNvPr id="398" name="Google Shape;398;p22"/>
+          <p:cNvPr id="405" name="Google Shape;405;p22"/>
           <p:cNvSpPr/>
           <p:nvPr/>
         </p:nvSpPr>
         <p:spPr>
           <a:xfrm rot="-5400000">
-            <a:off x="3302513" y="1667288"/>
+            <a:off x="2951725" y="1602100"/>
             <a:ext cx="307800" cy="404100"/>
           </a:xfrm>
           <a:prstGeom prst="downArrow">
@@ -17256,369 +17784,13 @@
       </p:sp>
       <p:sp>
         <p:nvSpPr>
-          <p:cNvPr id="399" name="Google Shape;399;p22"/>
-          <p:cNvSpPr txBox="1"/>
-          <p:nvPr>
-            <p:ph idx="12" type="sldNum"/>
-          </p:nvPr>
-        </p:nvSpPr>
-        <p:spPr>
-          <a:xfrm>
-            <a:off x="8451046" y="4736976"/>
-            <a:ext cx="548700" cy="393600"/>
-          </a:xfrm>
-          <a:prstGeom prst="rect">
-            <a:avLst/>
-          </a:prstGeom>
-        </p:spPr>
-        <p:txBody>
-          <a:bodyPr anchorCtr="0" anchor="ctr" bIns="91425" lIns="91425" spcFirstLastPara="1" rIns="91425" wrap="square" tIns="91425">
-            <a:normAutofit/>
-          </a:bodyPr>
-          <a:lstStyle/>
-          <a:p>
-            <a:pPr indent="0" lvl="0" marL="0" rtl="0" algn="r">
-              <a:spcBef>
-                <a:spcPts val="0"/>
-              </a:spcBef>
-              <a:spcAft>
-                <a:spcPts val="0"/>
-              </a:spcAft>
-              <a:buNone/>
-            </a:pPr>
-            <a:fld id="{00000000-1234-1234-1234-123412341234}" type="slidenum">
-              <a:rPr lang="es"/>
-              <a:t>‹#›</a:t>
-            </a:fld>
-            <a:endParaRPr/>
-          </a:p>
-        </p:txBody>
-      </p:sp>
-    </p:spTree>
-  </p:cSld>
-  <p:clrMapOvr>
-    <a:masterClrMapping/>
-  </p:clrMapOvr>
-</p:sld>
-</file>
-
-<file path=ppt/slides/slide11.xml><?xml version="1.0" encoding="utf-8"?>
-<p:sld xmlns:a="http://schemas.openxmlformats.org/drawingml/2006/main" xmlns:r="http://schemas.openxmlformats.org/officeDocument/2006/relationships" xmlns:mc="http://schemas.openxmlformats.org/markup-compatibility/2006" xmlns:mv="urn:schemas-microsoft-com:mac:vml" xmlns:p="http://schemas.openxmlformats.org/presentationml/2006/main" xmlns:c="http://schemas.openxmlformats.org/drawingml/2006/chart" xmlns:dgm="http://schemas.openxmlformats.org/drawingml/2006/diagram" xmlns:o="urn:schemas-microsoft-com:office:office" xmlns:v="urn:schemas-microsoft-com:vml" xmlns:pvml="urn:schemas-microsoft-com:office:powerpoint" xmlns:com="http://schemas.openxmlformats.org/drawingml/2006/compatibility" xmlns:p14="http://schemas.microsoft.com/office/powerpoint/2010/main" xmlns:p15="http://schemas.microsoft.com/office/powerpoint/2012/main" xmlns:ahyp="http://schemas.microsoft.com/office/drawing/2018/hyperlinkcolor">
-  <p:cSld>
-    <p:spTree>
-      <p:nvGrpSpPr>
-        <p:cNvPr id="403" name="Shape 403"/>
-        <p:cNvGrpSpPr/>
-        <p:nvPr/>
-      </p:nvGrpSpPr>
-      <p:grpSpPr>
-        <a:xfrm>
-          <a:off x="0" y="0"/>
-          <a:ext cx="0" cy="0"/>
-          <a:chOff x="0" y="0"/>
-          <a:chExt cx="0" cy="0"/>
-        </a:xfrm>
-      </p:grpSpPr>
-      <p:sp>
-        <p:nvSpPr>
-          <p:cNvPr id="404" name="Google Shape;404;p23"/>
-          <p:cNvSpPr txBox="1"/>
-          <p:nvPr>
-            <p:ph type="title"/>
-          </p:nvPr>
-        </p:nvSpPr>
-        <p:spPr>
-          <a:xfrm>
-            <a:off x="1303800" y="598575"/>
-            <a:ext cx="7030500" cy="999300"/>
-          </a:xfrm>
-          <a:prstGeom prst="rect">
-            <a:avLst/>
-          </a:prstGeom>
-        </p:spPr>
-        <p:txBody>
-          <a:bodyPr anchorCtr="0" anchor="t" bIns="91425" lIns="91425" spcFirstLastPara="1" rIns="91425" wrap="square" tIns="91425">
-            <a:normAutofit/>
-          </a:bodyPr>
-          <a:lstStyle/>
-          <a:p>
-            <a:pPr indent="0" lvl="0" marL="0" rtl="0" algn="l">
-              <a:spcBef>
-                <a:spcPts val="0"/>
-              </a:spcBef>
-              <a:spcAft>
-                <a:spcPts val="0"/>
-              </a:spcAft>
-              <a:buNone/>
-            </a:pPr>
-            <a:r>
-              <a:rPr lang="es"/>
-              <a:t>Fallecidos por autopista (por km)</a:t>
-            </a:r>
-            <a:endParaRPr/>
-          </a:p>
-        </p:txBody>
-      </p:sp>
-      <p:pic>
-        <p:nvPicPr>
-          <p:cNvPr id="405" name="Google Shape;405;p23"/>
-          <p:cNvPicPr preferRelativeResize="0"/>
-          <p:nvPr/>
-        </p:nvPicPr>
-        <p:blipFill>
-          <a:blip r:embed="rId3">
-            <a:alphaModFix/>
-          </a:blip>
-          <a:stretch>
-            <a:fillRect/>
-          </a:stretch>
-        </p:blipFill>
-        <p:spPr>
-          <a:xfrm>
-            <a:off x="2935850" y="2627050"/>
-            <a:ext cx="5997099" cy="2233650"/>
-          </a:xfrm>
-          <a:prstGeom prst="rect">
-            <a:avLst/>
-          </a:prstGeom>
-          <a:noFill/>
-          <a:ln>
-            <a:noFill/>
-          </a:ln>
-        </p:spPr>
-      </p:pic>
-      <p:pic>
-        <p:nvPicPr>
-          <p:cNvPr id="406" name="Google Shape;406;p23"/>
-          <p:cNvPicPr preferRelativeResize="0"/>
-          <p:nvPr/>
-        </p:nvPicPr>
-        <p:blipFill>
-          <a:blip r:embed="rId4">
-            <a:alphaModFix/>
-          </a:blip>
-          <a:stretch>
-            <a:fillRect/>
-          </a:stretch>
-        </p:blipFill>
-        <p:spPr>
-          <a:xfrm>
-            <a:off x="3280600" y="1553375"/>
-            <a:ext cx="2269300" cy="463800"/>
-          </a:xfrm>
-          <a:prstGeom prst="rect">
-            <a:avLst/>
-          </a:prstGeom>
-          <a:noFill/>
-          <a:ln>
-            <a:noFill/>
-          </a:ln>
-        </p:spPr>
-      </p:pic>
-      <p:sp>
-        <p:nvSpPr>
-          <p:cNvPr id="407" name="Google Shape;407;p23"/>
-          <p:cNvSpPr txBox="1"/>
-          <p:nvPr/>
-        </p:nvSpPr>
-        <p:spPr>
-          <a:xfrm>
-            <a:off x="504925" y="1469125"/>
-            <a:ext cx="2326500" cy="615600"/>
-          </a:xfrm>
-          <a:prstGeom prst="rect">
-            <a:avLst/>
-          </a:prstGeom>
-          <a:noFill/>
-          <a:ln>
-            <a:noFill/>
-          </a:ln>
-        </p:spPr>
-        <p:txBody>
-          <a:bodyPr anchorCtr="0" anchor="t" bIns="91425" lIns="91425" spcFirstLastPara="1" rIns="91425" wrap="square" tIns="91425">
-            <a:spAutoFit/>
-          </a:bodyPr>
-          <a:lstStyle/>
-          <a:p>
-            <a:pPr indent="0" lvl="0" marL="0" rtl="0" algn="l">
-              <a:spcBef>
-                <a:spcPts val="0"/>
-              </a:spcBef>
-              <a:spcAft>
-                <a:spcPts val="0"/>
-              </a:spcAft>
-              <a:buNone/>
-            </a:pPr>
-            <a:r>
-              <a:rPr lang="es">
-                <a:latin typeface="Nunito"/>
-                <a:ea typeface="Nunito"/>
-                <a:cs typeface="Nunito"/>
-                <a:sym typeface="Nunito"/>
-              </a:rPr>
-              <a:t>Haremos lo mismo con la cantidad de fallecidos</a:t>
-            </a:r>
-            <a:endParaRPr>
-              <a:latin typeface="Nunito"/>
-              <a:ea typeface="Nunito"/>
-              <a:cs typeface="Nunito"/>
-              <a:sym typeface="Nunito"/>
-            </a:endParaRPr>
-          </a:p>
-        </p:txBody>
-      </p:sp>
-      <p:pic>
-        <p:nvPicPr>
-          <p:cNvPr id="408" name="Google Shape;408;p23"/>
-          <p:cNvPicPr preferRelativeResize="0"/>
-          <p:nvPr/>
-        </p:nvPicPr>
-        <p:blipFill>
-          <a:blip r:embed="rId5">
-            <a:alphaModFix/>
-          </a:blip>
-          <a:stretch>
-            <a:fillRect/>
-          </a:stretch>
-        </p:blipFill>
-        <p:spPr>
-          <a:xfrm>
-            <a:off x="6361825" y="1208450"/>
-            <a:ext cx="1754600" cy="1363300"/>
-          </a:xfrm>
-          <a:prstGeom prst="rect">
-            <a:avLst/>
-          </a:prstGeom>
-          <a:noFill/>
-          <a:ln>
-            <a:noFill/>
-          </a:ln>
-        </p:spPr>
-      </p:pic>
-      <p:sp>
-        <p:nvSpPr>
-          <p:cNvPr id="409" name="Google Shape;409;p23"/>
-          <p:cNvSpPr txBox="1"/>
-          <p:nvPr/>
-        </p:nvSpPr>
-        <p:spPr>
-          <a:xfrm>
-            <a:off x="493225" y="2735050"/>
-            <a:ext cx="2326500" cy="1477500"/>
-          </a:xfrm>
-          <a:prstGeom prst="rect">
-            <a:avLst/>
-          </a:prstGeom>
-          <a:noFill/>
-          <a:ln>
-            <a:noFill/>
-          </a:ln>
-        </p:spPr>
-        <p:txBody>
-          <a:bodyPr anchorCtr="0" anchor="t" bIns="91425" lIns="91425" spcFirstLastPara="1" rIns="91425" wrap="square" tIns="91425">
-            <a:spAutoFit/>
-          </a:bodyPr>
-          <a:lstStyle/>
-          <a:p>
-            <a:pPr indent="0" lvl="0" marL="0" rtl="0" algn="l">
-              <a:spcBef>
-                <a:spcPts val="0"/>
-              </a:spcBef>
-              <a:spcAft>
-                <a:spcPts val="0"/>
-              </a:spcAft>
-              <a:buNone/>
-            </a:pPr>
-            <a:r>
-              <a:rPr b="1" lang="es">
-                <a:latin typeface="Nunito"/>
-                <a:ea typeface="Nunito"/>
-                <a:cs typeface="Nunito"/>
-                <a:sym typeface="Nunito"/>
-              </a:rPr>
-              <a:t>Frondizi </a:t>
-            </a:r>
-            <a:r>
-              <a:rPr lang="es">
-                <a:latin typeface="Nunito"/>
-                <a:ea typeface="Nunito"/>
-                <a:cs typeface="Nunito"/>
-                <a:sym typeface="Nunito"/>
-              </a:rPr>
-              <a:t>tiene el mayor índice de fallecidos. </a:t>
-            </a:r>
-            <a:endParaRPr>
-              <a:latin typeface="Nunito"/>
-              <a:ea typeface="Nunito"/>
-              <a:cs typeface="Nunito"/>
-              <a:sym typeface="Nunito"/>
-            </a:endParaRPr>
-          </a:p>
-          <a:p>
-            <a:pPr indent="0" lvl="0" marL="0" rtl="0" algn="l">
-              <a:spcBef>
-                <a:spcPts val="0"/>
-              </a:spcBef>
-              <a:spcAft>
-                <a:spcPts val="0"/>
-              </a:spcAft>
-              <a:buNone/>
-            </a:pPr>
-            <a:r>
-              <a:rPr lang="es">
-                <a:latin typeface="Nunito"/>
-                <a:ea typeface="Nunito"/>
-                <a:cs typeface="Nunito"/>
-                <a:sym typeface="Nunito"/>
-              </a:rPr>
-              <a:t>Pese a su corta extensión (3.5km) presenta un gran número de muertes en el periodo analizado</a:t>
-            </a:r>
-            <a:endParaRPr>
-              <a:latin typeface="Nunito"/>
-              <a:ea typeface="Nunito"/>
-              <a:cs typeface="Nunito"/>
-              <a:sym typeface="Nunito"/>
-            </a:endParaRPr>
-          </a:p>
-        </p:txBody>
-      </p:sp>
-      <p:pic>
-        <p:nvPicPr>
-          <p:cNvPr id="410" name="Google Shape;410;p23"/>
-          <p:cNvPicPr preferRelativeResize="0"/>
-          <p:nvPr/>
-        </p:nvPicPr>
-        <p:blipFill>
-          <a:blip r:embed="rId6">
-            <a:alphaModFix amt="36000"/>
-          </a:blip>
-          <a:stretch>
-            <a:fillRect/>
-          </a:stretch>
-        </p:blipFill>
-        <p:spPr>
-          <a:xfrm>
-            <a:off x="245425" y="2811250"/>
-            <a:ext cx="259500" cy="259500"/>
-          </a:xfrm>
-          <a:prstGeom prst="rect">
-            <a:avLst/>
-          </a:prstGeom>
-          <a:noFill/>
-          <a:ln>
-            <a:noFill/>
-          </a:ln>
-        </p:spPr>
-      </p:pic>
-      <p:sp>
-        <p:nvSpPr>
-          <p:cNvPr id="411" name="Google Shape;411;p23"/>
+          <p:cNvPr id="406" name="Google Shape;406;p22"/>
           <p:cNvSpPr/>
           <p:nvPr/>
         </p:nvSpPr>
         <p:spPr>
           <a:xfrm rot="-5400000">
-            <a:off x="2772250" y="1574875"/>
+            <a:off x="5809788" y="1602100"/>
             <a:ext cx="307800" cy="404100"/>
           </a:xfrm>
           <a:prstGeom prst="downArrow">
@@ -17678,13 +17850,324 @@
       </p:sp>
       <p:sp>
         <p:nvSpPr>
+          <p:cNvPr id="407" name="Google Shape;407;p22"/>
+          <p:cNvSpPr txBox="1"/>
+          <p:nvPr>
+            <p:ph idx="12" type="sldNum"/>
+          </p:nvPr>
+        </p:nvSpPr>
+        <p:spPr>
+          <a:xfrm>
+            <a:off x="8451046" y="4736976"/>
+            <a:ext cx="548700" cy="393600"/>
+          </a:xfrm>
+          <a:prstGeom prst="rect">
+            <a:avLst/>
+          </a:prstGeom>
+        </p:spPr>
+        <p:txBody>
+          <a:bodyPr anchorCtr="0" anchor="ctr" bIns="91425" lIns="91425" spcFirstLastPara="1" rIns="91425" wrap="square" tIns="91425">
+            <a:normAutofit/>
+          </a:bodyPr>
+          <a:lstStyle/>
+          <a:p>
+            <a:pPr indent="0" lvl="0" marL="0" rtl="0" algn="r">
+              <a:spcBef>
+                <a:spcPts val="0"/>
+              </a:spcBef>
+              <a:spcAft>
+                <a:spcPts val="0"/>
+              </a:spcAft>
+              <a:buNone/>
+            </a:pPr>
+            <a:fld id="{00000000-1234-1234-1234-123412341234}" type="slidenum">
+              <a:rPr lang="es"/>
+              <a:t>‹#›</a:t>
+            </a:fld>
+            <a:endParaRPr/>
+          </a:p>
+        </p:txBody>
+      </p:sp>
+    </p:spTree>
+  </p:cSld>
+  <p:clrMapOvr>
+    <a:masterClrMapping/>
+  </p:clrMapOvr>
+</p:sld>
+</file>
+
+<file path=ppt/slides/slide11.xml><?xml version="1.0" encoding="utf-8"?>
+<p:sld xmlns:a="http://schemas.openxmlformats.org/drawingml/2006/main" xmlns:r="http://schemas.openxmlformats.org/officeDocument/2006/relationships" xmlns:mc="http://schemas.openxmlformats.org/markup-compatibility/2006" xmlns:mv="urn:schemas-microsoft-com:mac:vml" xmlns:p="http://schemas.openxmlformats.org/presentationml/2006/main" xmlns:c="http://schemas.openxmlformats.org/drawingml/2006/chart" xmlns:dgm="http://schemas.openxmlformats.org/drawingml/2006/diagram" xmlns:o="urn:schemas-microsoft-com:office:office" xmlns:v="urn:schemas-microsoft-com:vml" xmlns:pvml="urn:schemas-microsoft-com:office:powerpoint" xmlns:com="http://schemas.openxmlformats.org/drawingml/2006/compatibility" xmlns:p14="http://schemas.microsoft.com/office/powerpoint/2010/main" xmlns:p15="http://schemas.microsoft.com/office/powerpoint/2012/main" xmlns:ahyp="http://schemas.microsoft.com/office/drawing/2018/hyperlinkcolor">
+  <p:cSld>
+    <p:spTree>
+      <p:nvGrpSpPr>
+        <p:cNvPr id="411" name="Shape 411"/>
+        <p:cNvGrpSpPr/>
+        <p:nvPr/>
+      </p:nvGrpSpPr>
+      <p:grpSpPr>
+        <a:xfrm>
+          <a:off x="0" y="0"/>
+          <a:ext cx="0" cy="0"/>
+          <a:chOff x="0" y="0"/>
+          <a:chExt cx="0" cy="0"/>
+        </a:xfrm>
+      </p:grpSpPr>
+      <p:sp>
+        <p:nvSpPr>
           <p:cNvPr id="412" name="Google Shape;412;p23"/>
+          <p:cNvSpPr txBox="1"/>
+          <p:nvPr>
+            <p:ph type="title"/>
+          </p:nvPr>
+        </p:nvSpPr>
+        <p:spPr>
+          <a:xfrm>
+            <a:off x="1303800" y="598575"/>
+            <a:ext cx="7299900" cy="999300"/>
+          </a:xfrm>
+          <a:prstGeom prst="rect">
+            <a:avLst/>
+          </a:prstGeom>
+        </p:spPr>
+        <p:txBody>
+          <a:bodyPr anchorCtr="0" anchor="t" bIns="91425" lIns="91425" spcFirstLastPara="1" rIns="91425" wrap="square" tIns="91425">
+            <a:normAutofit/>
+          </a:bodyPr>
+          <a:lstStyle/>
+          <a:p>
+            <a:pPr indent="0" lvl="0" marL="0" rtl="0" algn="l">
+              <a:spcBef>
+                <a:spcPts val="0"/>
+              </a:spcBef>
+              <a:spcAft>
+                <a:spcPts val="0"/>
+              </a:spcAft>
+              <a:buNone/>
+            </a:pPr>
+            <a:r>
+              <a:rPr lang="es"/>
+              <a:t>Lesionados por autopista (por km)</a:t>
+            </a:r>
+            <a:endParaRPr/>
+          </a:p>
+        </p:txBody>
+      </p:sp>
+      <p:sp>
+        <p:nvSpPr>
+          <p:cNvPr id="413" name="Google Shape;413;p23"/>
+          <p:cNvSpPr txBox="1"/>
+          <p:nvPr/>
+        </p:nvSpPr>
+        <p:spPr>
+          <a:xfrm>
+            <a:off x="355025" y="1481575"/>
+            <a:ext cx="2867100" cy="1262100"/>
+          </a:xfrm>
+          <a:prstGeom prst="rect">
+            <a:avLst/>
+          </a:prstGeom>
+          <a:noFill/>
+          <a:ln>
+            <a:noFill/>
+          </a:ln>
+        </p:spPr>
+        <p:txBody>
+          <a:bodyPr anchorCtr="0" anchor="t" bIns="91425" lIns="91425" spcFirstLastPara="1" rIns="91425" wrap="square" tIns="91425">
+            <a:spAutoFit/>
+          </a:bodyPr>
+          <a:lstStyle/>
+          <a:p>
+            <a:pPr indent="0" lvl="0" marL="0" rtl="0" algn="l">
+              <a:spcBef>
+                <a:spcPts val="0"/>
+              </a:spcBef>
+              <a:spcAft>
+                <a:spcPts val="0"/>
+              </a:spcAft>
+              <a:buNone/>
+            </a:pPr>
+            <a:r>
+              <a:rPr lang="es">
+                <a:latin typeface="Nunito"/>
+                <a:ea typeface="Nunito"/>
+                <a:cs typeface="Nunito"/>
+                <a:sym typeface="Nunito"/>
+              </a:rPr>
+              <a:t>Al igual que en el caso anterior, escalaremos la cantidad de lesionados y fallecidos de acuerdo a la extensión en km de la Autopista</a:t>
+            </a:r>
+            <a:endParaRPr>
+              <a:latin typeface="Nunito"/>
+              <a:ea typeface="Nunito"/>
+              <a:cs typeface="Nunito"/>
+              <a:sym typeface="Nunito"/>
+            </a:endParaRPr>
+          </a:p>
+        </p:txBody>
+      </p:sp>
+      <p:pic>
+        <p:nvPicPr>
+          <p:cNvPr id="414" name="Google Shape;414;p23"/>
+          <p:cNvPicPr preferRelativeResize="0"/>
+          <p:nvPr/>
+        </p:nvPicPr>
+        <p:blipFill>
+          <a:blip r:embed="rId3">
+            <a:alphaModFix/>
+          </a:blip>
+          <a:stretch>
+            <a:fillRect/>
+          </a:stretch>
+        </p:blipFill>
+        <p:spPr>
+          <a:xfrm>
+            <a:off x="3843100" y="1619488"/>
+            <a:ext cx="2472300" cy="499725"/>
+          </a:xfrm>
+          <a:prstGeom prst="rect">
+            <a:avLst/>
+          </a:prstGeom>
+          <a:noFill/>
+          <a:ln>
+            <a:noFill/>
+          </a:ln>
+        </p:spPr>
+      </p:pic>
+      <p:pic>
+        <p:nvPicPr>
+          <p:cNvPr id="415" name="Google Shape;415;p23"/>
+          <p:cNvPicPr preferRelativeResize="0"/>
+          <p:nvPr/>
+        </p:nvPicPr>
+        <p:blipFill>
+          <a:blip r:embed="rId4">
+            <a:alphaModFix/>
+          </a:blip>
+          <a:stretch>
+            <a:fillRect/>
+          </a:stretch>
+        </p:blipFill>
+        <p:spPr>
+          <a:xfrm>
+            <a:off x="3588250" y="2974550"/>
+            <a:ext cx="5323976" cy="1983675"/>
+          </a:xfrm>
+          <a:prstGeom prst="rect">
+            <a:avLst/>
+          </a:prstGeom>
+          <a:noFill/>
+          <a:ln>
+            <a:noFill/>
+          </a:ln>
+        </p:spPr>
+      </p:pic>
+      <p:sp>
+        <p:nvSpPr>
+          <p:cNvPr id="416" name="Google Shape;416;p23"/>
+          <p:cNvSpPr txBox="1"/>
+          <p:nvPr/>
+        </p:nvSpPr>
+        <p:spPr>
+          <a:xfrm>
+            <a:off x="355025" y="3157025"/>
+            <a:ext cx="2867100" cy="1262100"/>
+          </a:xfrm>
+          <a:prstGeom prst="rect">
+            <a:avLst/>
+          </a:prstGeom>
+          <a:noFill/>
+          <a:ln>
+            <a:noFill/>
+          </a:ln>
+        </p:spPr>
+        <p:txBody>
+          <a:bodyPr anchorCtr="0" anchor="t" bIns="91425" lIns="91425" spcFirstLastPara="1" rIns="91425" wrap="square" tIns="91425">
+            <a:spAutoFit/>
+          </a:bodyPr>
+          <a:lstStyle/>
+          <a:p>
+            <a:pPr indent="0" lvl="0" marL="0" rtl="0" algn="l">
+              <a:spcBef>
+                <a:spcPts val="0"/>
+              </a:spcBef>
+              <a:spcAft>
+                <a:spcPts val="0"/>
+              </a:spcAft>
+              <a:buNone/>
+            </a:pPr>
+            <a:r>
+              <a:rPr lang="es">
+                <a:latin typeface="Nunito"/>
+                <a:ea typeface="Nunito"/>
+                <a:cs typeface="Nunito"/>
+                <a:sym typeface="Nunito"/>
+              </a:rPr>
+              <a:t>La autopista </a:t>
+            </a:r>
+            <a:r>
+              <a:rPr b="1" lang="es">
+                <a:latin typeface="Nunito"/>
+                <a:ea typeface="Nunito"/>
+                <a:cs typeface="Nunito"/>
+                <a:sym typeface="Nunito"/>
+              </a:rPr>
+              <a:t>Dellepiane </a:t>
+            </a:r>
+            <a:r>
+              <a:rPr lang="es">
+                <a:latin typeface="Nunito"/>
+                <a:ea typeface="Nunito"/>
+                <a:cs typeface="Nunito"/>
+                <a:sym typeface="Nunito"/>
+              </a:rPr>
+              <a:t>cuenta con la mayor cantidad de lesionados por km (esto coincide con la autopista con mayor cantidad de accidentes por km)</a:t>
+            </a:r>
+            <a:endParaRPr>
+              <a:latin typeface="Nunito"/>
+              <a:ea typeface="Nunito"/>
+              <a:cs typeface="Nunito"/>
+              <a:sym typeface="Nunito"/>
+            </a:endParaRPr>
+          </a:p>
+        </p:txBody>
+      </p:sp>
+      <p:pic>
+        <p:nvPicPr>
+          <p:cNvPr id="417" name="Google Shape;417;p23"/>
+          <p:cNvPicPr preferRelativeResize="0"/>
+          <p:nvPr/>
+        </p:nvPicPr>
+        <p:blipFill>
+          <a:blip r:embed="rId5">
+            <a:alphaModFix amt="36000"/>
+          </a:blip>
+          <a:stretch>
+            <a:fillRect/>
+          </a:stretch>
+        </p:blipFill>
+        <p:spPr>
+          <a:xfrm>
+            <a:off x="123825" y="3222325"/>
+            <a:ext cx="259500" cy="259500"/>
+          </a:xfrm>
+          <a:prstGeom prst="rect">
+            <a:avLst/>
+          </a:prstGeom>
+          <a:noFill/>
+          <a:ln>
+            <a:noFill/>
+          </a:ln>
+        </p:spPr>
+      </p:pic>
+      <p:sp>
+        <p:nvSpPr>
+          <p:cNvPr id="418" name="Google Shape;418;p23"/>
           <p:cNvSpPr/>
           <p:nvPr/>
         </p:nvSpPr>
         <p:spPr>
           <a:xfrm rot="-5400000">
-            <a:off x="5801963" y="1574875"/>
+            <a:off x="3302513" y="1667288"/>
             <a:ext cx="307800" cy="404100"/>
           </a:xfrm>
           <a:prstGeom prst="downArrow">
@@ -17744,7 +18227,7 @@
       </p:sp>
       <p:sp>
         <p:nvSpPr>
-          <p:cNvPr id="413" name="Google Shape;413;p23"/>
+          <p:cNvPr id="419" name="Google Shape;419;p23"/>
           <p:cNvSpPr txBox="1"/>
           <p:nvPr>
             <p:ph idx="12" type="sldNum"/>
@@ -17795,7 +18278,7 @@
   <p:cSld>
     <p:spTree>
       <p:nvGrpSpPr>
-        <p:cNvPr id="417" name="Shape 417"/>
+        <p:cNvPr id="423" name="Shape 423"/>
         <p:cNvGrpSpPr/>
         <p:nvPr/>
       </p:nvGrpSpPr>
@@ -17809,7 +18292,7 @@
       </p:grpSpPr>
       <p:sp>
         <p:nvSpPr>
-          <p:cNvPr id="418" name="Google Shape;418;p24"/>
+          <p:cNvPr id="424" name="Google Shape;424;p24"/>
           <p:cNvSpPr txBox="1"/>
           <p:nvPr>
             <p:ph type="title"/>
@@ -17841,95 +18324,7 @@
             </a:pPr>
             <a:r>
               <a:rPr lang="es"/>
-              <a:t>Tendencia de los accidentes</a:t>
-            </a:r>
-            <a:endParaRPr/>
-          </a:p>
-        </p:txBody>
-      </p:sp>
-      <p:sp>
-        <p:nvSpPr>
-          <p:cNvPr id="419" name="Google Shape;419;p24"/>
-          <p:cNvSpPr txBox="1"/>
-          <p:nvPr>
-            <p:ph idx="1" type="body"/>
-          </p:nvPr>
-        </p:nvSpPr>
-        <p:spPr>
-          <a:xfrm>
-            <a:off x="6347750" y="1873075"/>
-            <a:ext cx="2570400" cy="3002100"/>
-          </a:xfrm>
-          <a:prstGeom prst="rect">
-            <a:avLst/>
-          </a:prstGeom>
-        </p:spPr>
-        <p:txBody>
-          <a:bodyPr anchorCtr="0" anchor="t" bIns="91425" lIns="91425" spcFirstLastPara="1" rIns="91425" wrap="square" tIns="91425">
-            <a:normAutofit fontScale="70000" lnSpcReduction="10000"/>
-          </a:bodyPr>
-          <a:lstStyle/>
-          <a:p>
-            <a:pPr indent="0" lvl="0" marL="0" rtl="0" algn="l">
-              <a:spcBef>
-                <a:spcPts val="0"/>
-              </a:spcBef>
-              <a:spcAft>
-                <a:spcPts val="0"/>
-              </a:spcAft>
-              <a:buNone/>
-            </a:pPr>
-            <a:r>
-              <a:rPr lang="es"/>
-              <a:t>Se observa una clara tendencia a la baja en la cantidad de accidentes año a año.</a:t>
-            </a:r>
-            <a:endParaRPr/>
-          </a:p>
-          <a:p>
-            <a:pPr indent="0" lvl="0" marL="0" rtl="0" algn="l">
-              <a:spcBef>
-                <a:spcPts val="1200"/>
-              </a:spcBef>
-              <a:spcAft>
-                <a:spcPts val="0"/>
-              </a:spcAft>
-              <a:buNone/>
-            </a:pPr>
-            <a:r>
-              <a:rPr lang="es"/>
-              <a:t>El año 2020 es el que registra menos cantidad de accidentes (se quitó el año 2022 debido a que se encuentra incompleto). </a:t>
-            </a:r>
-            <a:endParaRPr/>
-          </a:p>
-          <a:p>
-            <a:pPr indent="0" lvl="0" marL="0" rtl="0" algn="l">
-              <a:spcBef>
-                <a:spcPts val="1200"/>
-              </a:spcBef>
-              <a:spcAft>
-                <a:spcPts val="0"/>
-              </a:spcAft>
-              <a:buNone/>
-            </a:pPr>
-            <a:r>
-              <a:rPr lang="es"/>
-              <a:t>Esto puede deberse a la disminución en el tránsito debido a la cuarentena obligatoria ocasionada por el Covid-19</a:t>
-            </a:r>
-            <a:endParaRPr/>
-          </a:p>
-          <a:p>
-            <a:pPr indent="0" lvl="0" marL="0" rtl="0" algn="l">
-              <a:spcBef>
-                <a:spcPts val="1200"/>
-              </a:spcBef>
-              <a:spcAft>
-                <a:spcPts val="1200"/>
-              </a:spcAft>
-              <a:buNone/>
-            </a:pPr>
-            <a:r>
-              <a:rPr lang="es"/>
-              <a:t>La tendencia hacia el año 2021 es en alza, por lo que parece que se comienza a retomar el flujo vehícular previo a 2020</a:t>
+              <a:t>Fallecidos por autopista (por km)</a:t>
             </a:r>
             <a:endParaRPr/>
           </a:p>
@@ -17937,13 +18332,13 @@
       </p:sp>
       <p:pic>
         <p:nvPicPr>
-          <p:cNvPr id="420" name="Google Shape;420;p24"/>
+          <p:cNvPr id="425" name="Google Shape;425;p24"/>
           <p:cNvPicPr preferRelativeResize="0"/>
           <p:nvPr/>
         </p:nvPicPr>
         <p:blipFill>
           <a:blip r:embed="rId3">
-            <a:alphaModFix amt="36000"/>
+            <a:alphaModFix/>
           </a:blip>
           <a:stretch>
             <a:fillRect/>
@@ -17951,8 +18346,8 @@
         </p:blipFill>
         <p:spPr>
           <a:xfrm>
-            <a:off x="6048375" y="1928128"/>
-            <a:ext cx="259500" cy="259500"/>
+            <a:off x="2935850" y="2627050"/>
+            <a:ext cx="5997099" cy="2233650"/>
           </a:xfrm>
           <a:prstGeom prst="rect">
             <a:avLst/>
@@ -17965,103 +18360,7 @@
       </p:pic>
       <p:pic>
         <p:nvPicPr>
-          <p:cNvPr id="421" name="Google Shape;421;p24"/>
-          <p:cNvPicPr preferRelativeResize="0"/>
-          <p:nvPr/>
-        </p:nvPicPr>
-        <p:blipFill>
-          <a:blip r:embed="rId3">
-            <a:alphaModFix amt="36000"/>
-          </a:blip>
-          <a:stretch>
-            <a:fillRect/>
-          </a:stretch>
-        </p:blipFill>
-        <p:spPr>
-          <a:xfrm>
-            <a:off x="6048375" y="2414381"/>
-            <a:ext cx="259500" cy="259500"/>
-          </a:xfrm>
-          <a:prstGeom prst="rect">
-            <a:avLst/>
-          </a:prstGeom>
-          <a:noFill/>
-          <a:ln>
-            <a:noFill/>
-          </a:ln>
-        </p:spPr>
-      </p:pic>
-      <p:pic>
-        <p:nvPicPr>
-          <p:cNvPr id="422" name="Google Shape;422;p24"/>
-          <p:cNvPicPr preferRelativeResize="0"/>
-          <p:nvPr/>
-        </p:nvPicPr>
-        <p:blipFill>
-          <a:blip r:embed="rId3">
-            <a:alphaModFix amt="36000"/>
-          </a:blip>
-          <a:stretch>
-            <a:fillRect/>
-          </a:stretch>
-        </p:blipFill>
-        <p:spPr>
-          <a:xfrm>
-            <a:off x="6048375" y="3904203"/>
-            <a:ext cx="259500" cy="259500"/>
-          </a:xfrm>
-          <a:prstGeom prst="rect">
-            <a:avLst/>
-          </a:prstGeom>
-          <a:noFill/>
-          <a:ln>
-            <a:noFill/>
-          </a:ln>
-        </p:spPr>
-      </p:pic>
-      <p:sp>
-        <p:nvSpPr>
-          <p:cNvPr id="423" name="Google Shape;423;p24"/>
-          <p:cNvSpPr txBox="1"/>
-          <p:nvPr>
-            <p:ph idx="12" type="sldNum"/>
-          </p:nvPr>
-        </p:nvSpPr>
-        <p:spPr>
-          <a:xfrm>
-            <a:off x="8451046" y="4736976"/>
-            <a:ext cx="548700" cy="393600"/>
-          </a:xfrm>
-          <a:prstGeom prst="rect">
-            <a:avLst/>
-          </a:prstGeom>
-        </p:spPr>
-        <p:txBody>
-          <a:bodyPr anchorCtr="0" anchor="ctr" bIns="91425" lIns="91425" spcFirstLastPara="1" rIns="91425" wrap="square" tIns="91425">
-            <a:normAutofit/>
-          </a:bodyPr>
-          <a:lstStyle/>
-          <a:p>
-            <a:pPr indent="0" lvl="0" marL="0" rtl="0" algn="r">
-              <a:spcBef>
-                <a:spcPts val="0"/>
-              </a:spcBef>
-              <a:spcAft>
-                <a:spcPts val="0"/>
-              </a:spcAft>
-              <a:buNone/>
-            </a:pPr>
-            <a:fld id="{00000000-1234-1234-1234-123412341234}" type="slidenum">
-              <a:rPr lang="es"/>
-              <a:t>‹#›</a:t>
-            </a:fld>
-            <a:endParaRPr/>
-          </a:p>
-        </p:txBody>
-      </p:sp>
-      <p:pic>
-        <p:nvPicPr>
-          <p:cNvPr id="424" name="Google Shape;424;p24"/>
+          <p:cNvPr id="426" name="Google Shape;426;p24"/>
           <p:cNvPicPr preferRelativeResize="0"/>
           <p:nvPr/>
         </p:nvPicPr>
@@ -18075,8 +18374,8 @@
         </p:blipFill>
         <p:spPr>
           <a:xfrm>
-            <a:off x="486667" y="1873074"/>
-            <a:ext cx="5075042" cy="1864425"/>
+            <a:off x="3280600" y="1553375"/>
+            <a:ext cx="2269300" cy="463800"/>
           </a:xfrm>
           <a:prstGeom prst="rect">
             <a:avLst/>
@@ -18087,128 +18386,16 @@
           </a:ln>
         </p:spPr>
       </p:pic>
-    </p:spTree>
-  </p:cSld>
-  <p:clrMapOvr>
-    <a:masterClrMapping/>
-  </p:clrMapOvr>
-</p:sld>
-</file>
-
-<file path=ppt/slides/slide13.xml><?xml version="1.0" encoding="utf-8"?>
-<p:sld xmlns:a="http://schemas.openxmlformats.org/drawingml/2006/main" xmlns:r="http://schemas.openxmlformats.org/officeDocument/2006/relationships" xmlns:mc="http://schemas.openxmlformats.org/markup-compatibility/2006" xmlns:mv="urn:schemas-microsoft-com:mac:vml" xmlns:p="http://schemas.openxmlformats.org/presentationml/2006/main" xmlns:c="http://schemas.openxmlformats.org/drawingml/2006/chart" xmlns:dgm="http://schemas.openxmlformats.org/drawingml/2006/diagram" xmlns:o="urn:schemas-microsoft-com:office:office" xmlns:v="urn:schemas-microsoft-com:vml" xmlns:pvml="urn:schemas-microsoft-com:office:powerpoint" xmlns:com="http://schemas.openxmlformats.org/drawingml/2006/compatibility" xmlns:p14="http://schemas.microsoft.com/office/powerpoint/2010/main" xmlns:p15="http://schemas.microsoft.com/office/powerpoint/2012/main" xmlns:ahyp="http://schemas.microsoft.com/office/drawing/2018/hyperlinkcolor">
-  <p:cSld>
-    <p:spTree>
-      <p:nvGrpSpPr>
-        <p:cNvPr id="428" name="Shape 428"/>
-        <p:cNvGrpSpPr/>
-        <p:nvPr/>
-      </p:nvGrpSpPr>
-      <p:grpSpPr>
-        <a:xfrm>
-          <a:off x="0" y="0"/>
-          <a:ext cx="0" cy="0"/>
-          <a:chOff x="0" y="0"/>
-          <a:chExt cx="0" cy="0"/>
-        </a:xfrm>
-      </p:grpSpPr>
       <p:sp>
         <p:nvSpPr>
-          <p:cNvPr id="429" name="Google Shape;429;p25"/>
-          <p:cNvSpPr txBox="1"/>
-          <p:nvPr>
-            <p:ph type="title"/>
-          </p:nvPr>
-        </p:nvSpPr>
-        <p:spPr>
-          <a:xfrm>
-            <a:off x="1303800" y="598575"/>
-            <a:ext cx="7161600" cy="999300"/>
-          </a:xfrm>
-          <a:prstGeom prst="rect">
-            <a:avLst/>
-          </a:prstGeom>
-        </p:spPr>
-        <p:txBody>
-          <a:bodyPr anchorCtr="0" anchor="t" bIns="91425" lIns="91425" spcFirstLastPara="1" rIns="91425" wrap="square" tIns="91425">
-            <a:normAutofit fontScale="90000"/>
-          </a:bodyPr>
-          <a:lstStyle/>
-          <a:p>
-            <a:pPr indent="0" lvl="0" marL="0" rtl="0" algn="l">
-              <a:spcBef>
-                <a:spcPts val="0"/>
-              </a:spcBef>
-              <a:spcAft>
-                <a:spcPts val="0"/>
-              </a:spcAft>
-              <a:buNone/>
-            </a:pPr>
-            <a:r>
-              <a:rPr lang="es"/>
-              <a:t>Accidentes de acuerdo a condiciones metereológicas</a:t>
-            </a:r>
-            <a:endParaRPr/>
-          </a:p>
-        </p:txBody>
-      </p:sp>
-      <p:sp>
-        <p:nvSpPr>
-          <p:cNvPr id="430" name="Google Shape;430;p25"/>
-          <p:cNvSpPr txBox="1"/>
-          <p:nvPr>
-            <p:ph idx="1" type="body"/>
-          </p:nvPr>
-        </p:nvSpPr>
-        <p:spPr>
-          <a:xfrm>
-            <a:off x="118225" y="1426200"/>
-            <a:ext cx="2424900" cy="1182900"/>
-          </a:xfrm>
-          <a:prstGeom prst="rect">
-            <a:avLst/>
-          </a:prstGeom>
-        </p:spPr>
-        <p:txBody>
-          <a:bodyPr anchorCtr="0" anchor="t" bIns="91425" lIns="91425" spcFirstLastPara="1" rIns="91425" wrap="square" tIns="91425">
-            <a:normAutofit/>
-          </a:bodyPr>
-          <a:lstStyle/>
-          <a:p>
-            <a:pPr indent="0" lvl="0" marL="0" rtl="0" algn="l">
-              <a:lnSpc>
-                <a:spcPct val="105000"/>
-              </a:lnSpc>
-              <a:spcBef>
-                <a:spcPts val="0"/>
-              </a:spcBef>
-              <a:spcAft>
-                <a:spcPts val="1200"/>
-              </a:spcAft>
-              <a:buNone/>
-            </a:pPr>
-            <a:r>
-              <a:rPr lang="es" sz="1200"/>
-              <a:t>No podemos</a:t>
-            </a:r>
-            <a:r>
-              <a:rPr lang="es" sz="1200"/>
-              <a:t> contabilizar simplemente los accidentes por cada día bueno / lluvioso, ya que por año en general hay más días buenos que lluviosos.</a:t>
-            </a:r>
-            <a:endParaRPr sz="1200"/>
-          </a:p>
-        </p:txBody>
-      </p:sp>
-      <p:sp>
-        <p:nvSpPr>
-          <p:cNvPr id="431" name="Google Shape;431;p25"/>
+          <p:cNvPr id="427" name="Google Shape;427;p24"/>
           <p:cNvSpPr txBox="1"/>
           <p:nvPr/>
         </p:nvSpPr>
         <p:spPr>
           <a:xfrm>
-            <a:off x="2860938" y="1426200"/>
-            <a:ext cx="2223900" cy="923400"/>
+            <a:off x="504925" y="1469125"/>
+            <a:ext cx="2326500" cy="615600"/>
           </a:xfrm>
           <a:prstGeom prst="rect">
             <a:avLst/>
@@ -18234,15 +18421,15 @@
               <a:buNone/>
             </a:pPr>
             <a:r>
-              <a:rPr lang="es" sz="1200">
+              <a:rPr lang="es">
                 <a:latin typeface="Nunito"/>
                 <a:ea typeface="Nunito"/>
                 <a:cs typeface="Nunito"/>
                 <a:sym typeface="Nunito"/>
               </a:rPr>
-              <a:t>Por esto, para este análisis usaremos de ayuda un registro de precipitaciones por año y mes.</a:t>
+              <a:t>Haremos lo mismo con la cantidad de fallecidos</a:t>
             </a:r>
-            <a:endParaRPr sz="1200">
+            <a:endParaRPr>
               <a:latin typeface="Nunito"/>
               <a:ea typeface="Nunito"/>
               <a:cs typeface="Nunito"/>
@@ -18253,63 +18440,7 @@
       </p:sp>
       <p:pic>
         <p:nvPicPr>
-          <p:cNvPr id="432" name="Google Shape;432;p25"/>
-          <p:cNvPicPr preferRelativeResize="0"/>
-          <p:nvPr/>
-        </p:nvPicPr>
-        <p:blipFill>
-          <a:blip r:embed="rId3">
-            <a:alphaModFix/>
-          </a:blip>
-          <a:stretch>
-            <a:fillRect/>
-          </a:stretch>
-        </p:blipFill>
-        <p:spPr>
-          <a:xfrm>
-            <a:off x="4842952" y="1518000"/>
-            <a:ext cx="1206696" cy="999300"/>
-          </a:xfrm>
-          <a:prstGeom prst="rect">
-            <a:avLst/>
-          </a:prstGeom>
-          <a:noFill/>
-          <a:ln>
-            <a:noFill/>
-          </a:ln>
-        </p:spPr>
-      </p:pic>
-      <p:pic>
-        <p:nvPicPr>
-          <p:cNvPr id="433" name="Google Shape;433;p25"/>
-          <p:cNvPicPr preferRelativeResize="0"/>
-          <p:nvPr/>
-        </p:nvPicPr>
-        <p:blipFill>
-          <a:blip r:embed="rId4">
-            <a:alphaModFix/>
-          </a:blip>
-          <a:stretch>
-            <a:fillRect/>
-          </a:stretch>
-        </p:blipFill>
-        <p:spPr>
-          <a:xfrm>
-            <a:off x="6313603" y="2150500"/>
-            <a:ext cx="2176061" cy="268032"/>
-          </a:xfrm>
-          <a:prstGeom prst="rect">
-            <a:avLst/>
-          </a:prstGeom>
-          <a:noFill/>
-          <a:ln>
-            <a:noFill/>
-          </a:ln>
-        </p:spPr>
-      </p:pic>
-      <p:pic>
-        <p:nvPicPr>
-          <p:cNvPr id="434" name="Google Shape;434;p25"/>
+          <p:cNvPr id="428" name="Google Shape;428;p24"/>
           <p:cNvPicPr preferRelativeResize="0"/>
           <p:nvPr/>
         </p:nvPicPr>
@@ -18323,8 +18454,8 @@
         </p:blipFill>
         <p:spPr>
           <a:xfrm>
-            <a:off x="6313600" y="2439668"/>
-            <a:ext cx="2424900" cy="268032"/>
+            <a:off x="6361825" y="1208450"/>
+            <a:ext cx="1754600" cy="1363300"/>
           </a:xfrm>
           <a:prstGeom prst="rect">
             <a:avLst/>
@@ -18337,14 +18468,14 @@
       </p:pic>
       <p:sp>
         <p:nvSpPr>
-          <p:cNvPr id="435" name="Google Shape;435;p25"/>
+          <p:cNvPr id="429" name="Google Shape;429;p24"/>
           <p:cNvSpPr txBox="1"/>
           <p:nvPr/>
         </p:nvSpPr>
         <p:spPr>
           <a:xfrm>
-            <a:off x="6542200" y="1426200"/>
-            <a:ext cx="2424900" cy="738900"/>
+            <a:off x="493225" y="2735050"/>
+            <a:ext cx="2326500" cy="1477500"/>
           </a:xfrm>
           <a:prstGeom prst="rect">
             <a:avLst/>
@@ -18370,15 +18501,50 @@
               <a:buNone/>
             </a:pPr>
             <a:r>
-              <a:rPr lang="es" sz="1200">
+              <a:rPr b="1" lang="es">
                 <a:latin typeface="Nunito"/>
                 <a:ea typeface="Nunito"/>
                 <a:cs typeface="Nunito"/>
                 <a:sym typeface="Nunito"/>
               </a:rPr>
-              <a:t>En base a esto, calcularemos un promedio de Accidentes por día bueno y por día lluvioso</a:t>
+              <a:t>Frondizi </a:t>
             </a:r>
-            <a:endParaRPr sz="1200">
+            <a:r>
+              <a:rPr lang="es">
+                <a:latin typeface="Nunito"/>
+                <a:ea typeface="Nunito"/>
+                <a:cs typeface="Nunito"/>
+                <a:sym typeface="Nunito"/>
+              </a:rPr>
+              <a:t>tiene el mayor índice de fallecidos. </a:t>
+            </a:r>
+            <a:endParaRPr>
+              <a:latin typeface="Nunito"/>
+              <a:ea typeface="Nunito"/>
+              <a:cs typeface="Nunito"/>
+              <a:sym typeface="Nunito"/>
+            </a:endParaRPr>
+          </a:p>
+          <a:p>
+            <a:pPr indent="0" lvl="0" marL="0" rtl="0" algn="l">
+              <a:spcBef>
+                <a:spcPts val="0"/>
+              </a:spcBef>
+              <a:spcAft>
+                <a:spcPts val="0"/>
+              </a:spcAft>
+              <a:buNone/>
+            </a:pPr>
+            <a:r>
+              <a:rPr lang="es">
+                <a:latin typeface="Nunito"/>
+                <a:ea typeface="Nunito"/>
+                <a:cs typeface="Nunito"/>
+                <a:sym typeface="Nunito"/>
+              </a:rPr>
+              <a:t>Pese a su corta extensión (3.5km) presenta un gran número de muertes en el periodo analizado</a:t>
+            </a:r>
+            <a:endParaRPr>
               <a:latin typeface="Nunito"/>
               <a:ea typeface="Nunito"/>
               <a:cs typeface="Nunito"/>
@@ -18389,13 +18555,13 @@
       </p:sp>
       <p:pic>
         <p:nvPicPr>
-          <p:cNvPr id="436" name="Google Shape;436;p25"/>
+          <p:cNvPr id="430" name="Google Shape;430;p24"/>
           <p:cNvPicPr preferRelativeResize="0"/>
           <p:nvPr/>
         </p:nvPicPr>
         <p:blipFill>
           <a:blip r:embed="rId6">
-            <a:alphaModFix/>
+            <a:alphaModFix amt="36000"/>
           </a:blip>
           <a:stretch>
             <a:fillRect/>
@@ -18403,8 +18569,8 @@
         </p:blipFill>
         <p:spPr>
           <a:xfrm>
-            <a:off x="2180800" y="3061425"/>
-            <a:ext cx="6735501" cy="1833200"/>
+            <a:off x="245425" y="2811250"/>
+            <a:ext cx="259500" cy="259500"/>
           </a:xfrm>
           <a:prstGeom prst="rect">
             <a:avLst/>
@@ -18417,119 +18583,13 @@
       </p:pic>
       <p:sp>
         <p:nvSpPr>
-          <p:cNvPr id="437" name="Google Shape;437;p25"/>
-          <p:cNvSpPr txBox="1"/>
-          <p:nvPr/>
-        </p:nvSpPr>
-        <p:spPr>
-          <a:xfrm>
-            <a:off x="359850" y="3061425"/>
-            <a:ext cx="1894500" cy="2031900"/>
-          </a:xfrm>
-          <a:prstGeom prst="rect">
-            <a:avLst/>
-          </a:prstGeom>
-          <a:noFill/>
-          <a:ln>
-            <a:noFill/>
-          </a:ln>
-        </p:spPr>
-        <p:txBody>
-          <a:bodyPr anchorCtr="0" anchor="t" bIns="91425" lIns="91425" spcFirstLastPara="1" rIns="91425" wrap="square" tIns="91425">
-            <a:spAutoFit/>
-          </a:bodyPr>
-          <a:lstStyle/>
-          <a:p>
-            <a:pPr indent="0" lvl="0" marL="0" rtl="0" algn="l">
-              <a:spcBef>
-                <a:spcPts val="0"/>
-              </a:spcBef>
-              <a:spcAft>
-                <a:spcPts val="0"/>
-              </a:spcAft>
-              <a:buNone/>
-            </a:pPr>
-            <a:r>
-              <a:rPr lang="es" sz="1200">
-                <a:latin typeface="Nunito"/>
-                <a:ea typeface="Nunito"/>
-                <a:cs typeface="Nunito"/>
-                <a:sym typeface="Nunito"/>
-              </a:rPr>
-              <a:t>El promedio de accidentes en días lluviosos es notablemente inferior a en días buenos. </a:t>
-            </a:r>
-            <a:endParaRPr sz="1200">
-              <a:latin typeface="Nunito"/>
-              <a:ea typeface="Nunito"/>
-              <a:cs typeface="Nunito"/>
-              <a:sym typeface="Nunito"/>
-            </a:endParaRPr>
-          </a:p>
-          <a:p>
-            <a:pPr indent="0" lvl="0" marL="0" rtl="0" algn="l">
-              <a:spcBef>
-                <a:spcPts val="0"/>
-              </a:spcBef>
-              <a:spcAft>
-                <a:spcPts val="0"/>
-              </a:spcAft>
-              <a:buNone/>
-            </a:pPr>
-            <a:r>
-              <a:rPr lang="es" sz="1200">
-                <a:latin typeface="Nunito"/>
-                <a:ea typeface="Nunito"/>
-                <a:cs typeface="Nunito"/>
-                <a:sym typeface="Nunito"/>
-              </a:rPr>
-              <a:t>Esto puede deberse a que los conductores son más cuidadosos cuando las condiciones no son favorables.</a:t>
-            </a:r>
-            <a:endParaRPr sz="1200">
-              <a:latin typeface="Nunito"/>
-              <a:ea typeface="Nunito"/>
-              <a:cs typeface="Nunito"/>
-              <a:sym typeface="Nunito"/>
-            </a:endParaRPr>
-          </a:p>
-        </p:txBody>
-      </p:sp>
-      <p:pic>
-        <p:nvPicPr>
-          <p:cNvPr id="438" name="Google Shape;438;p25"/>
-          <p:cNvPicPr preferRelativeResize="0"/>
-          <p:nvPr/>
-        </p:nvPicPr>
-        <p:blipFill>
-          <a:blip r:embed="rId7">
-            <a:alphaModFix amt="36000"/>
-          </a:blip>
-          <a:stretch>
-            <a:fillRect/>
-          </a:stretch>
-        </p:blipFill>
-        <p:spPr>
-          <a:xfrm>
-            <a:off x="118225" y="3108025"/>
-            <a:ext cx="259500" cy="259500"/>
-          </a:xfrm>
-          <a:prstGeom prst="rect">
-            <a:avLst/>
-          </a:prstGeom>
-          <a:noFill/>
-          <a:ln>
-            <a:noFill/>
-          </a:ln>
-        </p:spPr>
-      </p:pic>
-      <p:sp>
-        <p:nvSpPr>
-          <p:cNvPr id="439" name="Google Shape;439;p25"/>
+          <p:cNvPr id="431" name="Google Shape;431;p24"/>
           <p:cNvSpPr/>
           <p:nvPr/>
         </p:nvSpPr>
         <p:spPr>
           <a:xfrm rot="-5400000">
-            <a:off x="2543650" y="1685850"/>
+            <a:off x="2772250" y="1574875"/>
             <a:ext cx="307800" cy="404100"/>
           </a:xfrm>
           <a:prstGeom prst="downArrow">
@@ -18589,13 +18649,13 @@
       </p:sp>
       <p:sp>
         <p:nvSpPr>
-          <p:cNvPr id="440" name="Google Shape;440;p25"/>
+          <p:cNvPr id="432" name="Google Shape;432;p24"/>
           <p:cNvSpPr/>
           <p:nvPr/>
         </p:nvSpPr>
         <p:spPr>
           <a:xfrm rot="-5400000">
-            <a:off x="6161075" y="1679438"/>
+            <a:off x="5801963" y="1574875"/>
             <a:ext cx="307800" cy="404100"/>
           </a:xfrm>
           <a:prstGeom prst="downArrow">
@@ -18655,7 +18715,7 @@
       </p:sp>
       <p:sp>
         <p:nvSpPr>
-          <p:cNvPr id="441" name="Google Shape;441;p25"/>
+          <p:cNvPr id="433" name="Google Shape;433;p24"/>
           <p:cNvSpPr txBox="1"/>
           <p:nvPr>
             <p:ph idx="12" type="sldNum"/>
@@ -18701,12 +18761,12 @@
 </p:sld>
 </file>
 
-<file path=ppt/slides/slide14.xml><?xml version="1.0" encoding="utf-8"?>
+<file path=ppt/slides/slide13.xml><?xml version="1.0" encoding="utf-8"?>
 <p:sld xmlns:a="http://schemas.openxmlformats.org/drawingml/2006/main" xmlns:r="http://schemas.openxmlformats.org/officeDocument/2006/relationships" xmlns:mc="http://schemas.openxmlformats.org/markup-compatibility/2006" xmlns:mv="urn:schemas-microsoft-com:mac:vml" xmlns:p="http://schemas.openxmlformats.org/presentationml/2006/main" xmlns:c="http://schemas.openxmlformats.org/drawingml/2006/chart" xmlns:dgm="http://schemas.openxmlformats.org/drawingml/2006/diagram" xmlns:o="urn:schemas-microsoft-com:office:office" xmlns:v="urn:schemas-microsoft-com:vml" xmlns:pvml="urn:schemas-microsoft-com:office:powerpoint" xmlns:com="http://schemas.openxmlformats.org/drawingml/2006/compatibility" xmlns:p14="http://schemas.microsoft.com/office/powerpoint/2010/main" xmlns:p15="http://schemas.microsoft.com/office/powerpoint/2012/main" xmlns:ahyp="http://schemas.microsoft.com/office/drawing/2018/hyperlinkcolor">
   <p:cSld>
     <p:spTree>
       <p:nvGrpSpPr>
-        <p:cNvPr id="445" name="Shape 445"/>
+        <p:cNvPr id="437" name="Shape 437"/>
         <p:cNvGrpSpPr/>
         <p:nvPr/>
       </p:nvGrpSpPr>
@@ -18720,7 +18780,7 @@
       </p:grpSpPr>
       <p:sp>
         <p:nvSpPr>
-          <p:cNvPr id="446" name="Google Shape;446;p26"/>
+          <p:cNvPr id="438" name="Google Shape;438;p25"/>
           <p:cNvSpPr txBox="1"/>
           <p:nvPr>
             <p:ph type="title"/>
@@ -18752,7 +18812,7 @@
             </a:pPr>
             <a:r>
               <a:rPr lang="es"/>
-              <a:t>Días con mayor cantidad de accidentes</a:t>
+              <a:t>Tendencia de los accidentes</a:t>
             </a:r>
             <a:endParaRPr/>
           </a:p>
@@ -18760,7 +18820,7 @@
       </p:sp>
       <p:sp>
         <p:nvSpPr>
-          <p:cNvPr id="447" name="Google Shape;447;p26"/>
+          <p:cNvPr id="439" name="Google Shape;439;p25"/>
           <p:cNvSpPr txBox="1"/>
           <p:nvPr>
             <p:ph idx="1" type="body"/>
@@ -18768,8 +18828,313 @@
         </p:nvSpPr>
         <p:spPr>
           <a:xfrm>
-            <a:off x="6527225" y="1822925"/>
-            <a:ext cx="2421000" cy="1904400"/>
+            <a:off x="6347750" y="1873075"/>
+            <a:ext cx="2570400" cy="3002100"/>
+          </a:xfrm>
+          <a:prstGeom prst="rect">
+            <a:avLst/>
+          </a:prstGeom>
+        </p:spPr>
+        <p:txBody>
+          <a:bodyPr anchorCtr="0" anchor="t" bIns="91425" lIns="91425" spcFirstLastPara="1" rIns="91425" wrap="square" tIns="91425">
+            <a:normAutofit fontScale="70000" lnSpcReduction="10000"/>
+          </a:bodyPr>
+          <a:lstStyle/>
+          <a:p>
+            <a:pPr indent="0" lvl="0" marL="0" rtl="0" algn="l">
+              <a:spcBef>
+                <a:spcPts val="0"/>
+              </a:spcBef>
+              <a:spcAft>
+                <a:spcPts val="0"/>
+              </a:spcAft>
+              <a:buNone/>
+            </a:pPr>
+            <a:r>
+              <a:rPr lang="es"/>
+              <a:t>Se observa una clara tendencia a la baja en la cantidad de accidentes año a año.</a:t>
+            </a:r>
+            <a:endParaRPr/>
+          </a:p>
+          <a:p>
+            <a:pPr indent="0" lvl="0" marL="0" rtl="0" algn="l">
+              <a:spcBef>
+                <a:spcPts val="1200"/>
+              </a:spcBef>
+              <a:spcAft>
+                <a:spcPts val="0"/>
+              </a:spcAft>
+              <a:buNone/>
+            </a:pPr>
+            <a:r>
+              <a:rPr lang="es"/>
+              <a:t>El año 2020 es el que registra menos cantidad de accidentes (se quitó el año 2022 debido a que se encuentra incompleto). </a:t>
+            </a:r>
+            <a:endParaRPr/>
+          </a:p>
+          <a:p>
+            <a:pPr indent="0" lvl="0" marL="0" rtl="0" algn="l">
+              <a:spcBef>
+                <a:spcPts val="1200"/>
+              </a:spcBef>
+              <a:spcAft>
+                <a:spcPts val="0"/>
+              </a:spcAft>
+              <a:buNone/>
+            </a:pPr>
+            <a:r>
+              <a:rPr lang="es"/>
+              <a:t>Esto puede deberse a la disminución en el tránsito debido a la cuarentena obligatoria ocasionada por el Covid-19</a:t>
+            </a:r>
+            <a:endParaRPr/>
+          </a:p>
+          <a:p>
+            <a:pPr indent="0" lvl="0" marL="0" rtl="0" algn="l">
+              <a:spcBef>
+                <a:spcPts val="1200"/>
+              </a:spcBef>
+              <a:spcAft>
+                <a:spcPts val="1200"/>
+              </a:spcAft>
+              <a:buNone/>
+            </a:pPr>
+            <a:r>
+              <a:rPr lang="es"/>
+              <a:t>La tendencia hacia el año 2021 es en alza, por lo que parece que se comienza a retomar el flujo vehícular previo a 2020</a:t>
+            </a:r>
+            <a:endParaRPr/>
+          </a:p>
+        </p:txBody>
+      </p:sp>
+      <p:pic>
+        <p:nvPicPr>
+          <p:cNvPr id="440" name="Google Shape;440;p25"/>
+          <p:cNvPicPr preferRelativeResize="0"/>
+          <p:nvPr/>
+        </p:nvPicPr>
+        <p:blipFill>
+          <a:blip r:embed="rId3">
+            <a:alphaModFix amt="36000"/>
+          </a:blip>
+          <a:stretch>
+            <a:fillRect/>
+          </a:stretch>
+        </p:blipFill>
+        <p:spPr>
+          <a:xfrm>
+            <a:off x="6048375" y="1928128"/>
+            <a:ext cx="259500" cy="259500"/>
+          </a:xfrm>
+          <a:prstGeom prst="rect">
+            <a:avLst/>
+          </a:prstGeom>
+          <a:noFill/>
+          <a:ln>
+            <a:noFill/>
+          </a:ln>
+        </p:spPr>
+      </p:pic>
+      <p:pic>
+        <p:nvPicPr>
+          <p:cNvPr id="441" name="Google Shape;441;p25"/>
+          <p:cNvPicPr preferRelativeResize="0"/>
+          <p:nvPr/>
+        </p:nvPicPr>
+        <p:blipFill>
+          <a:blip r:embed="rId3">
+            <a:alphaModFix amt="36000"/>
+          </a:blip>
+          <a:stretch>
+            <a:fillRect/>
+          </a:stretch>
+        </p:blipFill>
+        <p:spPr>
+          <a:xfrm>
+            <a:off x="6048375" y="2414381"/>
+            <a:ext cx="259500" cy="259500"/>
+          </a:xfrm>
+          <a:prstGeom prst="rect">
+            <a:avLst/>
+          </a:prstGeom>
+          <a:noFill/>
+          <a:ln>
+            <a:noFill/>
+          </a:ln>
+        </p:spPr>
+      </p:pic>
+      <p:pic>
+        <p:nvPicPr>
+          <p:cNvPr id="442" name="Google Shape;442;p25"/>
+          <p:cNvPicPr preferRelativeResize="0"/>
+          <p:nvPr/>
+        </p:nvPicPr>
+        <p:blipFill>
+          <a:blip r:embed="rId3">
+            <a:alphaModFix amt="36000"/>
+          </a:blip>
+          <a:stretch>
+            <a:fillRect/>
+          </a:stretch>
+        </p:blipFill>
+        <p:spPr>
+          <a:xfrm>
+            <a:off x="6048375" y="3904203"/>
+            <a:ext cx="259500" cy="259500"/>
+          </a:xfrm>
+          <a:prstGeom prst="rect">
+            <a:avLst/>
+          </a:prstGeom>
+          <a:noFill/>
+          <a:ln>
+            <a:noFill/>
+          </a:ln>
+        </p:spPr>
+      </p:pic>
+      <p:sp>
+        <p:nvSpPr>
+          <p:cNvPr id="443" name="Google Shape;443;p25"/>
+          <p:cNvSpPr txBox="1"/>
+          <p:nvPr>
+            <p:ph idx="12" type="sldNum"/>
+          </p:nvPr>
+        </p:nvSpPr>
+        <p:spPr>
+          <a:xfrm>
+            <a:off x="8451046" y="4736976"/>
+            <a:ext cx="548700" cy="393600"/>
+          </a:xfrm>
+          <a:prstGeom prst="rect">
+            <a:avLst/>
+          </a:prstGeom>
+        </p:spPr>
+        <p:txBody>
+          <a:bodyPr anchorCtr="0" anchor="ctr" bIns="91425" lIns="91425" spcFirstLastPara="1" rIns="91425" wrap="square" tIns="91425">
+            <a:normAutofit/>
+          </a:bodyPr>
+          <a:lstStyle/>
+          <a:p>
+            <a:pPr indent="0" lvl="0" marL="0" rtl="0" algn="r">
+              <a:spcBef>
+                <a:spcPts val="0"/>
+              </a:spcBef>
+              <a:spcAft>
+                <a:spcPts val="0"/>
+              </a:spcAft>
+              <a:buNone/>
+            </a:pPr>
+            <a:fld id="{00000000-1234-1234-1234-123412341234}" type="slidenum">
+              <a:rPr lang="es"/>
+              <a:t>‹#›</a:t>
+            </a:fld>
+            <a:endParaRPr/>
+          </a:p>
+        </p:txBody>
+      </p:sp>
+      <p:pic>
+        <p:nvPicPr>
+          <p:cNvPr id="444" name="Google Shape;444;p25"/>
+          <p:cNvPicPr preferRelativeResize="0"/>
+          <p:nvPr/>
+        </p:nvPicPr>
+        <p:blipFill>
+          <a:blip r:embed="rId4">
+            <a:alphaModFix/>
+          </a:blip>
+          <a:stretch>
+            <a:fillRect/>
+          </a:stretch>
+        </p:blipFill>
+        <p:spPr>
+          <a:xfrm>
+            <a:off x="486667" y="1873074"/>
+            <a:ext cx="5075042" cy="1864425"/>
+          </a:xfrm>
+          <a:prstGeom prst="rect">
+            <a:avLst/>
+          </a:prstGeom>
+          <a:noFill/>
+          <a:ln>
+            <a:noFill/>
+          </a:ln>
+        </p:spPr>
+      </p:pic>
+    </p:spTree>
+  </p:cSld>
+  <p:clrMapOvr>
+    <a:masterClrMapping/>
+  </p:clrMapOvr>
+</p:sld>
+</file>
+
+<file path=ppt/slides/slide14.xml><?xml version="1.0" encoding="utf-8"?>
+<p:sld xmlns:a="http://schemas.openxmlformats.org/drawingml/2006/main" xmlns:r="http://schemas.openxmlformats.org/officeDocument/2006/relationships" xmlns:mc="http://schemas.openxmlformats.org/markup-compatibility/2006" xmlns:mv="urn:schemas-microsoft-com:mac:vml" xmlns:p="http://schemas.openxmlformats.org/presentationml/2006/main" xmlns:c="http://schemas.openxmlformats.org/drawingml/2006/chart" xmlns:dgm="http://schemas.openxmlformats.org/drawingml/2006/diagram" xmlns:o="urn:schemas-microsoft-com:office:office" xmlns:v="urn:schemas-microsoft-com:vml" xmlns:pvml="urn:schemas-microsoft-com:office:powerpoint" xmlns:com="http://schemas.openxmlformats.org/drawingml/2006/compatibility" xmlns:p14="http://schemas.microsoft.com/office/powerpoint/2010/main" xmlns:p15="http://schemas.microsoft.com/office/powerpoint/2012/main" xmlns:ahyp="http://schemas.microsoft.com/office/drawing/2018/hyperlinkcolor">
+  <p:cSld>
+    <p:spTree>
+      <p:nvGrpSpPr>
+        <p:cNvPr id="448" name="Shape 448"/>
+        <p:cNvGrpSpPr/>
+        <p:nvPr/>
+      </p:nvGrpSpPr>
+      <p:grpSpPr>
+        <a:xfrm>
+          <a:off x="0" y="0"/>
+          <a:ext cx="0" cy="0"/>
+          <a:chOff x="0" y="0"/>
+          <a:chExt cx="0" cy="0"/>
+        </a:xfrm>
+      </p:grpSpPr>
+      <p:sp>
+        <p:nvSpPr>
+          <p:cNvPr id="449" name="Google Shape;449;p26"/>
+          <p:cNvSpPr txBox="1"/>
+          <p:nvPr>
+            <p:ph type="title"/>
+          </p:nvPr>
+        </p:nvSpPr>
+        <p:spPr>
+          <a:xfrm>
+            <a:off x="1303800" y="598575"/>
+            <a:ext cx="7161600" cy="999300"/>
+          </a:xfrm>
+          <a:prstGeom prst="rect">
+            <a:avLst/>
+          </a:prstGeom>
+        </p:spPr>
+        <p:txBody>
+          <a:bodyPr anchorCtr="0" anchor="t" bIns="91425" lIns="91425" spcFirstLastPara="1" rIns="91425" wrap="square" tIns="91425">
+            <a:normAutofit fontScale="90000"/>
+          </a:bodyPr>
+          <a:lstStyle/>
+          <a:p>
+            <a:pPr indent="0" lvl="0" marL="0" rtl="0" algn="l">
+              <a:spcBef>
+                <a:spcPts val="0"/>
+              </a:spcBef>
+              <a:spcAft>
+                <a:spcPts val="0"/>
+              </a:spcAft>
+              <a:buNone/>
+            </a:pPr>
+            <a:r>
+              <a:rPr lang="es"/>
+              <a:t>Accidentes de acuerdo a condiciones metereológicas</a:t>
+            </a:r>
+            <a:endParaRPr/>
+          </a:p>
+        </p:txBody>
+      </p:sp>
+      <p:sp>
+        <p:nvSpPr>
+          <p:cNvPr id="450" name="Google Shape;450;p26"/>
+          <p:cNvSpPr txBox="1"/>
+          <p:nvPr>
+            <p:ph idx="1" type="body"/>
+          </p:nvPr>
+        </p:nvSpPr>
+        <p:spPr>
+          <a:xfrm>
+            <a:off x="118225" y="1426200"/>
+            <a:ext cx="2424900" cy="1182900"/>
           </a:xfrm>
           <a:prstGeom prst="rect">
             <a:avLst/>
@@ -18782,41 +19147,84 @@
           <a:lstStyle/>
           <a:p>
             <a:pPr indent="0" lvl="0" marL="0" rtl="0" algn="l">
-              <a:spcBef>
-                <a:spcPts val="0"/>
-              </a:spcBef>
-              <a:spcAft>
-                <a:spcPts val="0"/>
+              <a:lnSpc>
+                <a:spcPct val="105000"/>
+              </a:lnSpc>
+              <a:spcBef>
+                <a:spcPts val="0"/>
+              </a:spcBef>
+              <a:spcAft>
+                <a:spcPts val="1200"/>
               </a:spcAft>
               <a:buNone/>
             </a:pPr>
             <a:r>
-              <a:rPr lang="es" sz="1400"/>
-              <a:t>El viernes parece ser el día más problemático en cuanto a cantidad de accidentes</a:t>
+              <a:rPr lang="es" sz="1200"/>
+              <a:t>No podemos</a:t>
             </a:r>
-            <a:endParaRPr sz="1400"/>
+            <a:r>
+              <a:rPr lang="es" sz="1200"/>
+              <a:t> contabilizar simplemente los accidentes por cada día bueno / lluvioso, ya que por año en general hay más días buenos que lluviosos.</a:t>
+            </a:r>
+            <a:endParaRPr sz="1200"/>
           </a:p>
+        </p:txBody>
+      </p:sp>
+      <p:sp>
+        <p:nvSpPr>
+          <p:cNvPr id="451" name="Google Shape;451;p26"/>
+          <p:cNvSpPr txBox="1"/>
+          <p:nvPr/>
+        </p:nvSpPr>
+        <p:spPr>
+          <a:xfrm>
+            <a:off x="2860938" y="1426200"/>
+            <a:ext cx="2223900" cy="923400"/>
+          </a:xfrm>
+          <a:prstGeom prst="rect">
+            <a:avLst/>
+          </a:prstGeom>
+          <a:noFill/>
+          <a:ln>
+            <a:noFill/>
+          </a:ln>
+        </p:spPr>
+        <p:txBody>
+          <a:bodyPr anchorCtr="0" anchor="t" bIns="91425" lIns="91425" spcFirstLastPara="1" rIns="91425" wrap="square" tIns="91425">
+            <a:spAutoFit/>
+          </a:bodyPr>
+          <a:lstStyle/>
           <a:p>
             <a:pPr indent="0" lvl="0" marL="0" rtl="0" algn="l">
               <a:spcBef>
-                <a:spcPts val="1200"/>
-              </a:spcBef>
-              <a:spcAft>
-                <a:spcPts val="1200"/>
+                <a:spcPts val="0"/>
+              </a:spcBef>
+              <a:spcAft>
+                <a:spcPts val="0"/>
               </a:spcAft>
               <a:buNone/>
             </a:pPr>
             <a:r>
-              <a:rPr lang="es" sz="1400"/>
-              <a:t>Los fines de semana se registran menos accidentes</a:t>
+              <a:rPr lang="es" sz="1200">
+                <a:latin typeface="Nunito"/>
+                <a:ea typeface="Nunito"/>
+                <a:cs typeface="Nunito"/>
+                <a:sym typeface="Nunito"/>
+              </a:rPr>
+              <a:t>Por esto, para este análisis usaremos de ayuda un registro de precipitaciones por año y mes.</a:t>
             </a:r>
-            <a:endParaRPr sz="1400"/>
+            <a:endParaRPr sz="1200">
+              <a:latin typeface="Nunito"/>
+              <a:ea typeface="Nunito"/>
+              <a:cs typeface="Nunito"/>
+              <a:sym typeface="Nunito"/>
+            </a:endParaRPr>
           </a:p>
         </p:txBody>
       </p:sp>
       <p:pic>
         <p:nvPicPr>
-          <p:cNvPr id="448" name="Google Shape;448;p26"/>
+          <p:cNvPr id="452" name="Google Shape;452;p26"/>
           <p:cNvPicPr preferRelativeResize="0"/>
           <p:nvPr/>
         </p:nvPicPr>
@@ -18830,8 +19238,8 @@
         </p:blipFill>
         <p:spPr>
           <a:xfrm>
-            <a:off x="152400" y="1750275"/>
-            <a:ext cx="5982274" cy="2205755"/>
+            <a:off x="4842952" y="1518000"/>
+            <a:ext cx="1206696" cy="999300"/>
           </a:xfrm>
           <a:prstGeom prst="rect">
             <a:avLst/>
@@ -18844,13 +19252,13 @@
       </p:pic>
       <p:pic>
         <p:nvPicPr>
-          <p:cNvPr id="449" name="Google Shape;449;p26"/>
+          <p:cNvPr id="453" name="Google Shape;453;p26"/>
           <p:cNvPicPr preferRelativeResize="0"/>
           <p:nvPr/>
         </p:nvPicPr>
         <p:blipFill>
           <a:blip r:embed="rId4">
-            <a:alphaModFix amt="36000"/>
+            <a:alphaModFix/>
           </a:blip>
           <a:stretch>
             <a:fillRect/>
@@ -18858,8 +19266,8 @@
         </p:blipFill>
         <p:spPr>
           <a:xfrm>
-            <a:off x="6315350" y="1898350"/>
-            <a:ext cx="259500" cy="259500"/>
+            <a:off x="6313603" y="2150500"/>
+            <a:ext cx="2176061" cy="268032"/>
           </a:xfrm>
           <a:prstGeom prst="rect">
             <a:avLst/>
@@ -18872,13 +19280,13 @@
       </p:pic>
       <p:pic>
         <p:nvPicPr>
-          <p:cNvPr id="450" name="Google Shape;450;p26"/>
+          <p:cNvPr id="454" name="Google Shape;454;p26"/>
           <p:cNvPicPr preferRelativeResize="0"/>
           <p:nvPr/>
         </p:nvPicPr>
         <p:blipFill>
-          <a:blip r:embed="rId4">
-            <a:alphaModFix amt="36000"/>
+          <a:blip r:embed="rId5">
+            <a:alphaModFix/>
           </a:blip>
           <a:stretch>
             <a:fillRect/>
@@ -18886,8 +19294,8 @@
         </p:blipFill>
         <p:spPr>
           <a:xfrm>
-            <a:off x="6315350" y="3041350"/>
-            <a:ext cx="259500" cy="259500"/>
+            <a:off x="6313600" y="2439668"/>
+            <a:ext cx="2424900" cy="268032"/>
           </a:xfrm>
           <a:prstGeom prst="rect">
             <a:avLst/>
@@ -18900,7 +19308,325 @@
       </p:pic>
       <p:sp>
         <p:nvSpPr>
-          <p:cNvPr id="451" name="Google Shape;451;p26"/>
+          <p:cNvPr id="455" name="Google Shape;455;p26"/>
+          <p:cNvSpPr txBox="1"/>
+          <p:nvPr/>
+        </p:nvSpPr>
+        <p:spPr>
+          <a:xfrm>
+            <a:off x="6542200" y="1426200"/>
+            <a:ext cx="2424900" cy="738900"/>
+          </a:xfrm>
+          <a:prstGeom prst="rect">
+            <a:avLst/>
+          </a:prstGeom>
+          <a:noFill/>
+          <a:ln>
+            <a:noFill/>
+          </a:ln>
+        </p:spPr>
+        <p:txBody>
+          <a:bodyPr anchorCtr="0" anchor="t" bIns="91425" lIns="91425" spcFirstLastPara="1" rIns="91425" wrap="square" tIns="91425">
+            <a:spAutoFit/>
+          </a:bodyPr>
+          <a:lstStyle/>
+          <a:p>
+            <a:pPr indent="0" lvl="0" marL="0" rtl="0" algn="l">
+              <a:spcBef>
+                <a:spcPts val="0"/>
+              </a:spcBef>
+              <a:spcAft>
+                <a:spcPts val="0"/>
+              </a:spcAft>
+              <a:buNone/>
+            </a:pPr>
+            <a:r>
+              <a:rPr lang="es" sz="1200">
+                <a:latin typeface="Nunito"/>
+                <a:ea typeface="Nunito"/>
+                <a:cs typeface="Nunito"/>
+                <a:sym typeface="Nunito"/>
+              </a:rPr>
+              <a:t>En base a esto, calcularemos un promedio de Accidentes por día bueno y por día lluvioso</a:t>
+            </a:r>
+            <a:endParaRPr sz="1200">
+              <a:latin typeface="Nunito"/>
+              <a:ea typeface="Nunito"/>
+              <a:cs typeface="Nunito"/>
+              <a:sym typeface="Nunito"/>
+            </a:endParaRPr>
+          </a:p>
+        </p:txBody>
+      </p:sp>
+      <p:pic>
+        <p:nvPicPr>
+          <p:cNvPr id="456" name="Google Shape;456;p26"/>
+          <p:cNvPicPr preferRelativeResize="0"/>
+          <p:nvPr/>
+        </p:nvPicPr>
+        <p:blipFill>
+          <a:blip r:embed="rId6">
+            <a:alphaModFix/>
+          </a:blip>
+          <a:stretch>
+            <a:fillRect/>
+          </a:stretch>
+        </p:blipFill>
+        <p:spPr>
+          <a:xfrm>
+            <a:off x="2180800" y="3061425"/>
+            <a:ext cx="6735501" cy="1833200"/>
+          </a:xfrm>
+          <a:prstGeom prst="rect">
+            <a:avLst/>
+          </a:prstGeom>
+          <a:noFill/>
+          <a:ln>
+            <a:noFill/>
+          </a:ln>
+        </p:spPr>
+      </p:pic>
+      <p:sp>
+        <p:nvSpPr>
+          <p:cNvPr id="457" name="Google Shape;457;p26"/>
+          <p:cNvSpPr txBox="1"/>
+          <p:nvPr/>
+        </p:nvSpPr>
+        <p:spPr>
+          <a:xfrm>
+            <a:off x="359850" y="3061425"/>
+            <a:ext cx="1894500" cy="2031900"/>
+          </a:xfrm>
+          <a:prstGeom prst="rect">
+            <a:avLst/>
+          </a:prstGeom>
+          <a:noFill/>
+          <a:ln>
+            <a:noFill/>
+          </a:ln>
+        </p:spPr>
+        <p:txBody>
+          <a:bodyPr anchorCtr="0" anchor="t" bIns="91425" lIns="91425" spcFirstLastPara="1" rIns="91425" wrap="square" tIns="91425">
+            <a:spAutoFit/>
+          </a:bodyPr>
+          <a:lstStyle/>
+          <a:p>
+            <a:pPr indent="0" lvl="0" marL="0" rtl="0" algn="l">
+              <a:spcBef>
+                <a:spcPts val="0"/>
+              </a:spcBef>
+              <a:spcAft>
+                <a:spcPts val="0"/>
+              </a:spcAft>
+              <a:buNone/>
+            </a:pPr>
+            <a:r>
+              <a:rPr lang="es" sz="1200">
+                <a:latin typeface="Nunito"/>
+                <a:ea typeface="Nunito"/>
+                <a:cs typeface="Nunito"/>
+                <a:sym typeface="Nunito"/>
+              </a:rPr>
+              <a:t>El promedio de accidentes en días lluviosos es notablemente inferior a en días buenos. </a:t>
+            </a:r>
+            <a:endParaRPr sz="1200">
+              <a:latin typeface="Nunito"/>
+              <a:ea typeface="Nunito"/>
+              <a:cs typeface="Nunito"/>
+              <a:sym typeface="Nunito"/>
+            </a:endParaRPr>
+          </a:p>
+          <a:p>
+            <a:pPr indent="0" lvl="0" marL="0" rtl="0" algn="l">
+              <a:spcBef>
+                <a:spcPts val="0"/>
+              </a:spcBef>
+              <a:spcAft>
+                <a:spcPts val="0"/>
+              </a:spcAft>
+              <a:buNone/>
+            </a:pPr>
+            <a:r>
+              <a:rPr lang="es" sz="1200">
+                <a:latin typeface="Nunito"/>
+                <a:ea typeface="Nunito"/>
+                <a:cs typeface="Nunito"/>
+                <a:sym typeface="Nunito"/>
+              </a:rPr>
+              <a:t>Esto puede deberse a que los conductores son más cuidadosos cuando las condiciones no son favorables.</a:t>
+            </a:r>
+            <a:endParaRPr sz="1200">
+              <a:latin typeface="Nunito"/>
+              <a:ea typeface="Nunito"/>
+              <a:cs typeface="Nunito"/>
+              <a:sym typeface="Nunito"/>
+            </a:endParaRPr>
+          </a:p>
+        </p:txBody>
+      </p:sp>
+      <p:pic>
+        <p:nvPicPr>
+          <p:cNvPr id="458" name="Google Shape;458;p26"/>
+          <p:cNvPicPr preferRelativeResize="0"/>
+          <p:nvPr/>
+        </p:nvPicPr>
+        <p:blipFill>
+          <a:blip r:embed="rId7">
+            <a:alphaModFix amt="36000"/>
+          </a:blip>
+          <a:stretch>
+            <a:fillRect/>
+          </a:stretch>
+        </p:blipFill>
+        <p:spPr>
+          <a:xfrm>
+            <a:off x="118225" y="3108025"/>
+            <a:ext cx="259500" cy="259500"/>
+          </a:xfrm>
+          <a:prstGeom prst="rect">
+            <a:avLst/>
+          </a:prstGeom>
+          <a:noFill/>
+          <a:ln>
+            <a:noFill/>
+          </a:ln>
+        </p:spPr>
+      </p:pic>
+      <p:sp>
+        <p:nvSpPr>
+          <p:cNvPr id="459" name="Google Shape;459;p26"/>
+          <p:cNvSpPr/>
+          <p:nvPr/>
+        </p:nvSpPr>
+        <p:spPr>
+          <a:xfrm rot="-5400000">
+            <a:off x="2543650" y="1685850"/>
+            <a:ext cx="307800" cy="404100"/>
+          </a:xfrm>
+          <a:prstGeom prst="downArrow">
+            <a:avLst>
+              <a:gd fmla="val 50000" name="adj1"/>
+              <a:gd fmla="val 50000" name="adj2"/>
+            </a:avLst>
+          </a:prstGeom>
+          <a:gradFill>
+            <a:gsLst>
+              <a:gs pos="0">
+                <a:srgbClr val="D4E5F5"/>
+              </a:gs>
+              <a:gs pos="100000">
+                <a:srgbClr val="70A4D5"/>
+              </a:gs>
+            </a:gsLst>
+            <a:path path="circle">
+              <a:fillToRect b="50%" l="50%" r="50%" t="50%"/>
+            </a:path>
+            <a:tileRect/>
+          </a:gradFill>
+          <a:ln cap="flat" cmpd="sng" w="9525">
+            <a:solidFill>
+              <a:schemeClr val="lt1"/>
+            </a:solidFill>
+            <a:prstDash val="solid"/>
+            <a:round/>
+            <a:headEnd len="sm" w="sm" type="none"/>
+            <a:tailEnd len="sm" w="sm" type="none"/>
+          </a:ln>
+        </p:spPr>
+        <p:txBody>
+          <a:bodyPr anchorCtr="0" anchor="ctr" bIns="91425" lIns="91425" spcFirstLastPara="1" rIns="91425" wrap="square" tIns="91425">
+            <a:noAutofit/>
+          </a:bodyPr>
+          <a:lstStyle/>
+          <a:p>
+            <a:pPr indent="0" lvl="0" marL="0" marR="0" rtl="0" algn="l">
+              <a:lnSpc>
+                <a:spcPct val="100000"/>
+              </a:lnSpc>
+              <a:spcBef>
+                <a:spcPts val="0"/>
+              </a:spcBef>
+              <a:spcAft>
+                <a:spcPts val="0"/>
+              </a:spcAft>
+              <a:buNone/>
+            </a:pPr>
+            <a:r>
+              <a:t/>
+            </a:r>
+            <a:endParaRPr/>
+          </a:p>
+        </p:txBody>
+      </p:sp>
+      <p:sp>
+        <p:nvSpPr>
+          <p:cNvPr id="460" name="Google Shape;460;p26"/>
+          <p:cNvSpPr/>
+          <p:nvPr/>
+        </p:nvSpPr>
+        <p:spPr>
+          <a:xfrm rot="-5400000">
+            <a:off x="6161075" y="1679438"/>
+            <a:ext cx="307800" cy="404100"/>
+          </a:xfrm>
+          <a:prstGeom prst="downArrow">
+            <a:avLst>
+              <a:gd fmla="val 50000" name="adj1"/>
+              <a:gd fmla="val 50000" name="adj2"/>
+            </a:avLst>
+          </a:prstGeom>
+          <a:gradFill>
+            <a:gsLst>
+              <a:gs pos="0">
+                <a:srgbClr val="D4E5F5"/>
+              </a:gs>
+              <a:gs pos="100000">
+                <a:srgbClr val="70A4D5"/>
+              </a:gs>
+            </a:gsLst>
+            <a:path path="circle">
+              <a:fillToRect b="50%" l="50%" r="50%" t="50%"/>
+            </a:path>
+            <a:tileRect/>
+          </a:gradFill>
+          <a:ln cap="flat" cmpd="sng" w="9525">
+            <a:solidFill>
+              <a:schemeClr val="lt1"/>
+            </a:solidFill>
+            <a:prstDash val="solid"/>
+            <a:round/>
+            <a:headEnd len="sm" w="sm" type="none"/>
+            <a:tailEnd len="sm" w="sm" type="none"/>
+          </a:ln>
+        </p:spPr>
+        <p:txBody>
+          <a:bodyPr anchorCtr="0" anchor="ctr" bIns="91425" lIns="91425" spcFirstLastPara="1" rIns="91425" wrap="square" tIns="91425">
+            <a:noAutofit/>
+          </a:bodyPr>
+          <a:lstStyle/>
+          <a:p>
+            <a:pPr indent="0" lvl="0" marL="0" marR="0" rtl="0" algn="l">
+              <a:lnSpc>
+                <a:spcPct val="100000"/>
+              </a:lnSpc>
+              <a:spcBef>
+                <a:spcPts val="0"/>
+              </a:spcBef>
+              <a:spcAft>
+                <a:spcPts val="0"/>
+              </a:spcAft>
+              <a:buNone/>
+            </a:pPr>
+            <a:r>
+              <a:t/>
+            </a:r>
+            <a:endParaRPr/>
+          </a:p>
+        </p:txBody>
+      </p:sp>
+      <p:sp>
+        <p:nvSpPr>
+          <p:cNvPr id="461" name="Google Shape;461;p26"/>
           <p:cNvSpPr txBox="1"/>
           <p:nvPr>
             <p:ph idx="12" type="sldNum"/>
@@ -18951,7 +19677,7 @@
   <p:cSld>
     <p:spTree>
       <p:nvGrpSpPr>
-        <p:cNvPr id="455" name="Shape 455"/>
+        <p:cNvPr id="465" name="Shape 465"/>
         <p:cNvGrpSpPr/>
         <p:nvPr/>
       </p:nvGrpSpPr>
@@ -18965,7 +19691,252 @@
       </p:grpSpPr>
       <p:sp>
         <p:nvSpPr>
-          <p:cNvPr id="456" name="Google Shape;456;p27"/>
+          <p:cNvPr id="466" name="Google Shape;466;p27"/>
+          <p:cNvSpPr txBox="1"/>
+          <p:nvPr>
+            <p:ph type="title"/>
+          </p:nvPr>
+        </p:nvSpPr>
+        <p:spPr>
+          <a:xfrm>
+            <a:off x="1303800" y="598575"/>
+            <a:ext cx="7030500" cy="999300"/>
+          </a:xfrm>
+          <a:prstGeom prst="rect">
+            <a:avLst/>
+          </a:prstGeom>
+        </p:spPr>
+        <p:txBody>
+          <a:bodyPr anchorCtr="0" anchor="t" bIns="91425" lIns="91425" spcFirstLastPara="1" rIns="91425" wrap="square" tIns="91425">
+            <a:normAutofit/>
+          </a:bodyPr>
+          <a:lstStyle/>
+          <a:p>
+            <a:pPr indent="0" lvl="0" marL="0" rtl="0" algn="l">
+              <a:spcBef>
+                <a:spcPts val="0"/>
+              </a:spcBef>
+              <a:spcAft>
+                <a:spcPts val="0"/>
+              </a:spcAft>
+              <a:buNone/>
+            </a:pPr>
+            <a:r>
+              <a:rPr lang="es"/>
+              <a:t>Días con mayor cantidad de accidentes</a:t>
+            </a:r>
+            <a:endParaRPr/>
+          </a:p>
+        </p:txBody>
+      </p:sp>
+      <p:sp>
+        <p:nvSpPr>
+          <p:cNvPr id="467" name="Google Shape;467;p27"/>
+          <p:cNvSpPr txBox="1"/>
+          <p:nvPr>
+            <p:ph idx="1" type="body"/>
+          </p:nvPr>
+        </p:nvSpPr>
+        <p:spPr>
+          <a:xfrm>
+            <a:off x="6527225" y="1822925"/>
+            <a:ext cx="2421000" cy="1904400"/>
+          </a:xfrm>
+          <a:prstGeom prst="rect">
+            <a:avLst/>
+          </a:prstGeom>
+        </p:spPr>
+        <p:txBody>
+          <a:bodyPr anchorCtr="0" anchor="t" bIns="91425" lIns="91425" spcFirstLastPara="1" rIns="91425" wrap="square" tIns="91425">
+            <a:normAutofit/>
+          </a:bodyPr>
+          <a:lstStyle/>
+          <a:p>
+            <a:pPr indent="0" lvl="0" marL="0" rtl="0" algn="l">
+              <a:spcBef>
+                <a:spcPts val="0"/>
+              </a:spcBef>
+              <a:spcAft>
+                <a:spcPts val="0"/>
+              </a:spcAft>
+              <a:buNone/>
+            </a:pPr>
+            <a:r>
+              <a:rPr lang="es" sz="1400"/>
+              <a:t>El viernes parece ser el día más problemático en cuanto a cantidad de accidentes</a:t>
+            </a:r>
+            <a:endParaRPr sz="1400"/>
+          </a:p>
+          <a:p>
+            <a:pPr indent="0" lvl="0" marL="0" rtl="0" algn="l">
+              <a:spcBef>
+                <a:spcPts val="1200"/>
+              </a:spcBef>
+              <a:spcAft>
+                <a:spcPts val="1200"/>
+              </a:spcAft>
+              <a:buNone/>
+            </a:pPr>
+            <a:r>
+              <a:rPr lang="es" sz="1400"/>
+              <a:t>Los fines de semana se registran menos accidentes</a:t>
+            </a:r>
+            <a:endParaRPr sz="1400"/>
+          </a:p>
+        </p:txBody>
+      </p:sp>
+      <p:pic>
+        <p:nvPicPr>
+          <p:cNvPr id="468" name="Google Shape;468;p27"/>
+          <p:cNvPicPr preferRelativeResize="0"/>
+          <p:nvPr/>
+        </p:nvPicPr>
+        <p:blipFill>
+          <a:blip r:embed="rId3">
+            <a:alphaModFix/>
+          </a:blip>
+          <a:stretch>
+            <a:fillRect/>
+          </a:stretch>
+        </p:blipFill>
+        <p:spPr>
+          <a:xfrm>
+            <a:off x="152400" y="1750275"/>
+            <a:ext cx="5982274" cy="2205755"/>
+          </a:xfrm>
+          <a:prstGeom prst="rect">
+            <a:avLst/>
+          </a:prstGeom>
+          <a:noFill/>
+          <a:ln>
+            <a:noFill/>
+          </a:ln>
+        </p:spPr>
+      </p:pic>
+      <p:pic>
+        <p:nvPicPr>
+          <p:cNvPr id="469" name="Google Shape;469;p27"/>
+          <p:cNvPicPr preferRelativeResize="0"/>
+          <p:nvPr/>
+        </p:nvPicPr>
+        <p:blipFill>
+          <a:blip r:embed="rId4">
+            <a:alphaModFix amt="36000"/>
+          </a:blip>
+          <a:stretch>
+            <a:fillRect/>
+          </a:stretch>
+        </p:blipFill>
+        <p:spPr>
+          <a:xfrm>
+            <a:off x="6315350" y="1898350"/>
+            <a:ext cx="259500" cy="259500"/>
+          </a:xfrm>
+          <a:prstGeom prst="rect">
+            <a:avLst/>
+          </a:prstGeom>
+          <a:noFill/>
+          <a:ln>
+            <a:noFill/>
+          </a:ln>
+        </p:spPr>
+      </p:pic>
+      <p:pic>
+        <p:nvPicPr>
+          <p:cNvPr id="470" name="Google Shape;470;p27"/>
+          <p:cNvPicPr preferRelativeResize="0"/>
+          <p:nvPr/>
+        </p:nvPicPr>
+        <p:blipFill>
+          <a:blip r:embed="rId4">
+            <a:alphaModFix amt="36000"/>
+          </a:blip>
+          <a:stretch>
+            <a:fillRect/>
+          </a:stretch>
+        </p:blipFill>
+        <p:spPr>
+          <a:xfrm>
+            <a:off x="6315350" y="3041350"/>
+            <a:ext cx="259500" cy="259500"/>
+          </a:xfrm>
+          <a:prstGeom prst="rect">
+            <a:avLst/>
+          </a:prstGeom>
+          <a:noFill/>
+          <a:ln>
+            <a:noFill/>
+          </a:ln>
+        </p:spPr>
+      </p:pic>
+      <p:sp>
+        <p:nvSpPr>
+          <p:cNvPr id="471" name="Google Shape;471;p27"/>
+          <p:cNvSpPr txBox="1"/>
+          <p:nvPr>
+            <p:ph idx="12" type="sldNum"/>
+          </p:nvPr>
+        </p:nvSpPr>
+        <p:spPr>
+          <a:xfrm>
+            <a:off x="8451046" y="4736976"/>
+            <a:ext cx="548700" cy="393600"/>
+          </a:xfrm>
+          <a:prstGeom prst="rect">
+            <a:avLst/>
+          </a:prstGeom>
+        </p:spPr>
+        <p:txBody>
+          <a:bodyPr anchorCtr="0" anchor="ctr" bIns="91425" lIns="91425" spcFirstLastPara="1" rIns="91425" wrap="square" tIns="91425">
+            <a:normAutofit/>
+          </a:bodyPr>
+          <a:lstStyle/>
+          <a:p>
+            <a:pPr indent="0" lvl="0" marL="0" rtl="0" algn="r">
+              <a:spcBef>
+                <a:spcPts val="0"/>
+              </a:spcBef>
+              <a:spcAft>
+                <a:spcPts val="0"/>
+              </a:spcAft>
+              <a:buNone/>
+            </a:pPr>
+            <a:fld id="{00000000-1234-1234-1234-123412341234}" type="slidenum">
+              <a:rPr lang="es"/>
+              <a:t>‹#›</a:t>
+            </a:fld>
+            <a:endParaRPr/>
+          </a:p>
+        </p:txBody>
+      </p:sp>
+    </p:spTree>
+  </p:cSld>
+  <p:clrMapOvr>
+    <a:masterClrMapping/>
+  </p:clrMapOvr>
+</p:sld>
+</file>
+
+<file path=ppt/slides/slide16.xml><?xml version="1.0" encoding="utf-8"?>
+<p:sld xmlns:a="http://schemas.openxmlformats.org/drawingml/2006/main" xmlns:r="http://schemas.openxmlformats.org/officeDocument/2006/relationships" xmlns:mc="http://schemas.openxmlformats.org/markup-compatibility/2006" xmlns:mv="urn:schemas-microsoft-com:mac:vml" xmlns:p="http://schemas.openxmlformats.org/presentationml/2006/main" xmlns:c="http://schemas.openxmlformats.org/drawingml/2006/chart" xmlns:dgm="http://schemas.openxmlformats.org/drawingml/2006/diagram" xmlns:o="urn:schemas-microsoft-com:office:office" xmlns:v="urn:schemas-microsoft-com:vml" xmlns:pvml="urn:schemas-microsoft-com:office:powerpoint" xmlns:com="http://schemas.openxmlformats.org/drawingml/2006/compatibility" xmlns:p14="http://schemas.microsoft.com/office/powerpoint/2010/main" xmlns:p15="http://schemas.microsoft.com/office/powerpoint/2012/main" xmlns:ahyp="http://schemas.microsoft.com/office/drawing/2018/hyperlinkcolor">
+  <p:cSld>
+    <p:spTree>
+      <p:nvGrpSpPr>
+        <p:cNvPr id="475" name="Shape 475"/>
+        <p:cNvGrpSpPr/>
+        <p:nvPr/>
+      </p:nvGrpSpPr>
+      <p:grpSpPr>
+        <a:xfrm>
+          <a:off x="0" y="0"/>
+          <a:ext cx="0" cy="0"/>
+          <a:chOff x="0" y="0"/>
+          <a:chExt cx="0" cy="0"/>
+        </a:xfrm>
+      </p:grpSpPr>
+      <p:sp>
+        <p:nvSpPr>
+          <p:cNvPr id="476" name="Google Shape;476;p28"/>
           <p:cNvSpPr txBox="1"/>
           <p:nvPr>
             <p:ph type="title"/>
@@ -19009,7 +19980,7 @@
       </p:sp>
       <p:sp>
         <p:nvSpPr>
-          <p:cNvPr id="457" name="Google Shape;457;p27"/>
+          <p:cNvPr id="477" name="Google Shape;477;p28"/>
           <p:cNvSpPr txBox="1"/>
           <p:nvPr>
             <p:ph idx="1" type="body"/>
@@ -19089,40 +20060,12 @@
       </p:sp>
       <p:pic>
         <p:nvPicPr>
-          <p:cNvPr id="458" name="Google Shape;458;p27"/>
+          <p:cNvPr id="478" name="Google Shape;478;p28"/>
           <p:cNvPicPr preferRelativeResize="0"/>
           <p:nvPr/>
         </p:nvPicPr>
         <p:blipFill>
           <a:blip r:embed="rId3">
-            <a:alphaModFix/>
-          </a:blip>
-          <a:stretch>
-            <a:fillRect/>
-          </a:stretch>
-        </p:blipFill>
-        <p:spPr>
-          <a:xfrm>
-            <a:off x="1645700" y="1370700"/>
-            <a:ext cx="6036200" cy="2239875"/>
-          </a:xfrm>
-          <a:prstGeom prst="rect">
-            <a:avLst/>
-          </a:prstGeom>
-          <a:noFill/>
-          <a:ln>
-            <a:noFill/>
-          </a:ln>
-        </p:spPr>
-      </p:pic>
-      <p:pic>
-        <p:nvPicPr>
-          <p:cNvPr id="459" name="Google Shape;459;p27"/>
-          <p:cNvPicPr preferRelativeResize="0"/>
-          <p:nvPr/>
-        </p:nvPicPr>
-        <p:blipFill>
-          <a:blip r:embed="rId4">
             <a:alphaModFix amt="36000"/>
           </a:blip>
           <a:stretch>
@@ -19145,7 +20088,7 @@
       </p:pic>
       <p:sp>
         <p:nvSpPr>
-          <p:cNvPr id="460" name="Google Shape;460;p27"/>
+          <p:cNvPr id="479" name="Google Shape;479;p28"/>
           <p:cNvSpPr txBox="1"/>
           <p:nvPr>
             <p:ph idx="12" type="sldNum"/>
@@ -19183,6 +20126,33 @@
           </a:p>
         </p:txBody>
       </p:sp>
+      <p:pic>
+        <p:nvPicPr>
+          <p:cNvPr id="480" name="Google Shape;480;p28"/>
+          <p:cNvPicPr preferRelativeResize="0"/>
+          <p:nvPr/>
+        </p:nvPicPr>
+        <p:blipFill rotWithShape="1">
+          <a:blip r:embed="rId4">
+            <a:alphaModFix/>
+          </a:blip>
+          <a:srcRect b="1806" l="0" r="0" t="0"/>
+          <a:stretch/>
+        </p:blipFill>
+        <p:spPr>
+          <a:xfrm>
+            <a:off x="1303800" y="1316675"/>
+            <a:ext cx="6427275" cy="2383275"/>
+          </a:xfrm>
+          <a:prstGeom prst="rect">
+            <a:avLst/>
+          </a:prstGeom>
+          <a:noFill/>
+          <a:ln>
+            <a:noFill/>
+          </a:ln>
+        </p:spPr>
+      </p:pic>
     </p:spTree>
   </p:cSld>
   <p:clrMapOvr>
@@ -19191,12 +20161,12 @@
 </p:sld>
 </file>
 
-<file path=ppt/slides/slide16.xml><?xml version="1.0" encoding="utf-8"?>
+<file path=ppt/slides/slide17.xml><?xml version="1.0" encoding="utf-8"?>
 <p:sld xmlns:a="http://schemas.openxmlformats.org/drawingml/2006/main" xmlns:r="http://schemas.openxmlformats.org/officeDocument/2006/relationships" xmlns:mc="http://schemas.openxmlformats.org/markup-compatibility/2006" xmlns:mv="urn:schemas-microsoft-com:mac:vml" xmlns:p="http://schemas.openxmlformats.org/presentationml/2006/main" xmlns:c="http://schemas.openxmlformats.org/drawingml/2006/chart" xmlns:dgm="http://schemas.openxmlformats.org/drawingml/2006/diagram" xmlns:o="urn:schemas-microsoft-com:office:office" xmlns:v="urn:schemas-microsoft-com:vml" xmlns:pvml="urn:schemas-microsoft-com:office:powerpoint" xmlns:com="http://schemas.openxmlformats.org/drawingml/2006/compatibility" xmlns:p14="http://schemas.microsoft.com/office/powerpoint/2010/main" xmlns:p15="http://schemas.microsoft.com/office/powerpoint/2012/main" xmlns:ahyp="http://schemas.microsoft.com/office/drawing/2018/hyperlinkcolor">
   <p:cSld>
     <p:spTree>
       <p:nvGrpSpPr>
-        <p:cNvPr id="464" name="Shape 464"/>
+        <p:cNvPr id="484" name="Shape 484"/>
         <p:cNvGrpSpPr/>
         <p:nvPr/>
       </p:nvGrpSpPr>
@@ -19210,7 +20180,7 @@
       </p:grpSpPr>
       <p:sp>
         <p:nvSpPr>
-          <p:cNvPr id="465" name="Google Shape;465;p28"/>
+          <p:cNvPr id="485" name="Google Shape;485;p29"/>
           <p:cNvSpPr txBox="1"/>
           <p:nvPr>
             <p:ph type="title"/>
@@ -19250,7 +20220,7 @@
       </p:sp>
       <p:sp>
         <p:nvSpPr>
-          <p:cNvPr id="466" name="Google Shape;466;p28"/>
+          <p:cNvPr id="486" name="Google Shape;486;p29"/>
           <p:cNvSpPr txBox="1"/>
           <p:nvPr>
             <p:ph idx="1" type="body"/>
@@ -19294,7 +20264,7 @@
       </p:sp>
       <p:pic>
         <p:nvPicPr>
-          <p:cNvPr id="467" name="Google Shape;467;p28"/>
+          <p:cNvPr id="487" name="Google Shape;487;p29"/>
           <p:cNvPicPr preferRelativeResize="0"/>
           <p:nvPr/>
         </p:nvPicPr>
@@ -19322,7 +20292,7 @@
       </p:pic>
       <p:pic>
         <p:nvPicPr>
-          <p:cNvPr id="468" name="Google Shape;468;p28"/>
+          <p:cNvPr id="488" name="Google Shape;488;p29"/>
           <p:cNvPicPr preferRelativeResize="0"/>
           <p:nvPr/>
         </p:nvPicPr>
@@ -19350,7 +20320,7 @@
       </p:pic>
       <p:pic>
         <p:nvPicPr>
-          <p:cNvPr id="469" name="Google Shape;469;p28"/>
+          <p:cNvPr id="489" name="Google Shape;489;p29"/>
           <p:cNvPicPr preferRelativeResize="0"/>
           <p:nvPr/>
         </p:nvPicPr>
@@ -19378,7 +20348,7 @@
       </p:pic>
       <p:pic>
         <p:nvPicPr>
-          <p:cNvPr id="470" name="Google Shape;470;p28"/>
+          <p:cNvPr id="490" name="Google Shape;490;p29"/>
           <p:cNvPicPr preferRelativeResize="0"/>
           <p:nvPr/>
         </p:nvPicPr>
@@ -19406,7 +20376,7 @@
       </p:pic>
       <p:pic>
         <p:nvPicPr>
-          <p:cNvPr id="471" name="Google Shape;471;p28"/>
+          <p:cNvPr id="491" name="Google Shape;491;p29"/>
           <p:cNvPicPr preferRelativeResize="0"/>
           <p:nvPr/>
         </p:nvPicPr>
@@ -19434,7 +20404,7 @@
       </p:pic>
       <p:pic>
         <p:nvPicPr>
-          <p:cNvPr id="472" name="Google Shape;472;p28"/>
+          <p:cNvPr id="492" name="Google Shape;492;p29"/>
           <p:cNvPicPr preferRelativeResize="0"/>
           <p:nvPr/>
         </p:nvPicPr>
@@ -19462,7 +20432,7 @@
       </p:pic>
       <p:pic>
         <p:nvPicPr>
-          <p:cNvPr id="473" name="Google Shape;473;p28"/>
+          <p:cNvPr id="493" name="Google Shape;493;p29"/>
           <p:cNvPicPr preferRelativeResize="0"/>
           <p:nvPr/>
         </p:nvPicPr>
@@ -19490,7 +20460,7 @@
       </p:pic>
       <p:pic>
         <p:nvPicPr>
-          <p:cNvPr id="474" name="Google Shape;474;p28"/>
+          <p:cNvPr id="494" name="Google Shape;494;p29"/>
           <p:cNvPicPr preferRelativeResize="0"/>
           <p:nvPr/>
         </p:nvPicPr>
@@ -19518,7 +20488,7 @@
       </p:pic>
       <p:sp>
         <p:nvSpPr>
-          <p:cNvPr id="475" name="Google Shape;475;p28"/>
+          <p:cNvPr id="495" name="Google Shape;495;p29"/>
           <p:cNvSpPr txBox="1"/>
           <p:nvPr/>
         </p:nvSpPr>
@@ -19576,7 +20546,7 @@
       </p:sp>
       <p:sp>
         <p:nvSpPr>
-          <p:cNvPr id="476" name="Google Shape;476;p28"/>
+          <p:cNvPr id="496" name="Google Shape;496;p29"/>
           <p:cNvSpPr txBox="1"/>
           <p:nvPr/>
         </p:nvSpPr>
@@ -19634,7 +20604,7 @@
       </p:sp>
       <p:sp>
         <p:nvSpPr>
-          <p:cNvPr id="477" name="Google Shape;477;p28"/>
+          <p:cNvPr id="497" name="Google Shape;497;p29"/>
           <p:cNvSpPr txBox="1"/>
           <p:nvPr/>
         </p:nvSpPr>
@@ -19692,7 +20662,7 @@
       </p:sp>
       <p:sp>
         <p:nvSpPr>
-          <p:cNvPr id="478" name="Google Shape;478;p28"/>
+          <p:cNvPr id="498" name="Google Shape;498;p29"/>
           <p:cNvSpPr txBox="1"/>
           <p:nvPr/>
         </p:nvSpPr>
@@ -19750,7 +20720,7 @@
       </p:sp>
       <p:sp>
         <p:nvSpPr>
-          <p:cNvPr id="479" name="Google Shape;479;p28"/>
+          <p:cNvPr id="499" name="Google Shape;499;p29"/>
           <p:cNvSpPr txBox="1"/>
           <p:nvPr/>
         </p:nvSpPr>
@@ -19808,7 +20778,7 @@
       </p:sp>
       <p:sp>
         <p:nvSpPr>
-          <p:cNvPr id="480" name="Google Shape;480;p28"/>
+          <p:cNvPr id="500" name="Google Shape;500;p29"/>
           <p:cNvSpPr txBox="1"/>
           <p:nvPr/>
         </p:nvSpPr>
@@ -19866,7 +20836,7 @@
       </p:sp>
       <p:sp>
         <p:nvSpPr>
-          <p:cNvPr id="481" name="Google Shape;481;p28"/>
+          <p:cNvPr id="501" name="Google Shape;501;p29"/>
           <p:cNvSpPr txBox="1"/>
           <p:nvPr/>
         </p:nvSpPr>
@@ -19924,7 +20894,7 @@
       </p:sp>
       <p:sp>
         <p:nvSpPr>
-          <p:cNvPr id="482" name="Google Shape;482;p28"/>
+          <p:cNvPr id="502" name="Google Shape;502;p29"/>
           <p:cNvSpPr txBox="1"/>
           <p:nvPr/>
         </p:nvSpPr>
@@ -19982,7 +20952,7 @@
       </p:sp>
       <p:sp>
         <p:nvSpPr>
-          <p:cNvPr id="483" name="Google Shape;483;p28"/>
+          <p:cNvPr id="503" name="Google Shape;503;p29"/>
           <p:cNvSpPr txBox="1"/>
           <p:nvPr/>
         </p:nvSpPr>
@@ -20178,7 +21148,7 @@
       </p:sp>
       <p:pic>
         <p:nvPicPr>
-          <p:cNvPr id="484" name="Google Shape;484;p28"/>
+          <p:cNvPr id="504" name="Google Shape;504;p29"/>
           <p:cNvPicPr preferRelativeResize="0"/>
           <p:nvPr/>
         </p:nvPicPr>
@@ -20206,7 +21176,7 @@
       </p:pic>
       <p:pic>
         <p:nvPicPr>
-          <p:cNvPr id="485" name="Google Shape;485;p28"/>
+          <p:cNvPr id="505" name="Google Shape;505;p29"/>
           <p:cNvPicPr preferRelativeResize="0"/>
           <p:nvPr/>
         </p:nvPicPr>
@@ -20234,7 +21204,7 @@
       </p:pic>
       <p:pic>
         <p:nvPicPr>
-          <p:cNvPr id="486" name="Google Shape;486;p28"/>
+          <p:cNvPr id="506" name="Google Shape;506;p29"/>
           <p:cNvPicPr preferRelativeResize="0"/>
           <p:nvPr/>
         </p:nvPicPr>
@@ -20262,112 +21232,7 @@
       </p:pic>
       <p:sp>
         <p:nvSpPr>
-          <p:cNvPr id="487" name="Google Shape;487;p28"/>
-          <p:cNvSpPr txBox="1"/>
-          <p:nvPr>
-            <p:ph idx="12" type="sldNum"/>
-          </p:nvPr>
-        </p:nvSpPr>
-        <p:spPr>
-          <a:xfrm>
-            <a:off x="8451046" y="4736976"/>
-            <a:ext cx="548700" cy="393600"/>
-          </a:xfrm>
-          <a:prstGeom prst="rect">
-            <a:avLst/>
-          </a:prstGeom>
-        </p:spPr>
-        <p:txBody>
-          <a:bodyPr anchorCtr="0" anchor="ctr" bIns="91425" lIns="91425" spcFirstLastPara="1" rIns="91425" wrap="square" tIns="91425">
-            <a:normAutofit/>
-          </a:bodyPr>
-          <a:lstStyle/>
-          <a:p>
-            <a:pPr indent="0" lvl="0" marL="0" rtl="0" algn="r">
-              <a:spcBef>
-                <a:spcPts val="0"/>
-              </a:spcBef>
-              <a:spcAft>
-                <a:spcPts val="0"/>
-              </a:spcAft>
-              <a:buNone/>
-            </a:pPr>
-            <a:fld id="{00000000-1234-1234-1234-123412341234}" type="slidenum">
-              <a:rPr lang="es"/>
-              <a:t>‹#›</a:t>
-            </a:fld>
-            <a:endParaRPr/>
-          </a:p>
-        </p:txBody>
-      </p:sp>
-    </p:spTree>
-  </p:cSld>
-  <p:clrMapOvr>
-    <a:masterClrMapping/>
-  </p:clrMapOvr>
-</p:sld>
-</file>
-
-<file path=ppt/slides/slide17.xml><?xml version="1.0" encoding="utf-8"?>
-<p:sld xmlns:a="http://schemas.openxmlformats.org/drawingml/2006/main" xmlns:r="http://schemas.openxmlformats.org/officeDocument/2006/relationships" xmlns:mc="http://schemas.openxmlformats.org/markup-compatibility/2006" xmlns:mv="urn:schemas-microsoft-com:mac:vml" xmlns:p="http://schemas.openxmlformats.org/presentationml/2006/main" xmlns:c="http://schemas.openxmlformats.org/drawingml/2006/chart" xmlns:dgm="http://schemas.openxmlformats.org/drawingml/2006/diagram" xmlns:o="urn:schemas-microsoft-com:office:office" xmlns:v="urn:schemas-microsoft-com:vml" xmlns:pvml="urn:schemas-microsoft-com:office:powerpoint" xmlns:com="http://schemas.openxmlformats.org/drawingml/2006/compatibility" xmlns:p14="http://schemas.microsoft.com/office/powerpoint/2010/main" xmlns:p15="http://schemas.microsoft.com/office/powerpoint/2012/main" xmlns:ahyp="http://schemas.microsoft.com/office/drawing/2018/hyperlinkcolor">
-  <p:cSld>
-    <p:spTree>
-      <p:nvGrpSpPr>
-        <p:cNvPr id="491" name="Shape 491"/>
-        <p:cNvGrpSpPr/>
-        <p:nvPr/>
-      </p:nvGrpSpPr>
-      <p:grpSpPr>
-        <a:xfrm>
-          <a:off x="0" y="0"/>
-          <a:ext cx="0" cy="0"/>
-          <a:chOff x="0" y="0"/>
-          <a:chExt cx="0" cy="0"/>
-        </a:xfrm>
-      </p:grpSpPr>
-      <p:sp>
-        <p:nvSpPr>
-          <p:cNvPr id="492" name="Google Shape;492;p29"/>
-          <p:cNvSpPr txBox="1"/>
-          <p:nvPr>
-            <p:ph type="title"/>
-          </p:nvPr>
-        </p:nvSpPr>
-        <p:spPr>
-          <a:xfrm>
-            <a:off x="1388625" y="772725"/>
-            <a:ext cx="6366900" cy="1863300"/>
-          </a:xfrm>
-          <a:prstGeom prst="rect">
-            <a:avLst/>
-          </a:prstGeom>
-        </p:spPr>
-        <p:txBody>
-          <a:bodyPr anchorCtr="0" anchor="ctr" bIns="91425" lIns="91425" spcFirstLastPara="1" rIns="91425" wrap="square" tIns="91425">
-            <a:normAutofit/>
-          </a:bodyPr>
-          <a:lstStyle/>
-          <a:p>
-            <a:pPr indent="0" lvl="0" marL="0" rtl="0" algn="ctr">
-              <a:spcBef>
-                <a:spcPts val="0"/>
-              </a:spcBef>
-              <a:spcAft>
-                <a:spcPts val="0"/>
-              </a:spcAft>
-              <a:buNone/>
-            </a:pPr>
-            <a:r>
-              <a:rPr lang="es" sz="3900"/>
-              <a:t>INSIGHTS Y RECOMENDACIONES</a:t>
-            </a:r>
-            <a:endParaRPr sz="3900"/>
-          </a:p>
-        </p:txBody>
-      </p:sp>
-      <p:sp>
-        <p:nvSpPr>
-          <p:cNvPr id="493" name="Google Shape;493;p29"/>
+          <p:cNvPr id="507" name="Google Shape;507;p29"/>
           <p:cNvSpPr txBox="1"/>
           <p:nvPr>
             <p:ph idx="12" type="sldNum"/>
@@ -20418,7 +21283,7 @@
   <p:cSld>
     <p:spTree>
       <p:nvGrpSpPr>
-        <p:cNvPr id="497" name="Shape 497"/>
+        <p:cNvPr id="511" name="Shape 511"/>
         <p:cNvGrpSpPr/>
         <p:nvPr/>
       </p:nvGrpSpPr>
@@ -20432,7 +21297,1565 @@
       </p:grpSpPr>
       <p:sp>
         <p:nvSpPr>
-          <p:cNvPr id="498" name="Google Shape;498;p30"/>
+          <p:cNvPr id="512" name="Google Shape;512;p30"/>
+          <p:cNvSpPr txBox="1"/>
+          <p:nvPr>
+            <p:ph type="title"/>
+          </p:nvPr>
+        </p:nvSpPr>
+        <p:spPr>
+          <a:xfrm>
+            <a:off x="1388625" y="772725"/>
+            <a:ext cx="6366900" cy="1863300"/>
+          </a:xfrm>
+          <a:prstGeom prst="rect">
+            <a:avLst/>
+          </a:prstGeom>
+        </p:spPr>
+        <p:txBody>
+          <a:bodyPr anchorCtr="0" anchor="ctr" bIns="91425" lIns="91425" spcFirstLastPara="1" rIns="91425" wrap="square" tIns="91425">
+            <a:normAutofit fontScale="90000"/>
+          </a:bodyPr>
+          <a:lstStyle/>
+          <a:p>
+            <a:pPr indent="0" lvl="0" marL="0" rtl="0" algn="ctr">
+              <a:spcBef>
+                <a:spcPts val="0"/>
+              </a:spcBef>
+              <a:spcAft>
+                <a:spcPts val="0"/>
+              </a:spcAft>
+              <a:buNone/>
+            </a:pPr>
+            <a:r>
+              <a:rPr lang="es" sz="3900"/>
+              <a:t>PREDICCIÓN</a:t>
+            </a:r>
+            <a:endParaRPr sz="3900"/>
+          </a:p>
+          <a:p>
+            <a:pPr indent="0" lvl="0" marL="0" rtl="0" algn="ctr">
+              <a:spcBef>
+                <a:spcPts val="0"/>
+              </a:spcBef>
+              <a:spcAft>
+                <a:spcPts val="0"/>
+              </a:spcAft>
+              <a:buNone/>
+            </a:pPr>
+            <a:r>
+              <a:rPr lang="es" sz="3900"/>
+              <a:t>Cantidad de Accidentes por Mes</a:t>
+            </a:r>
+            <a:endParaRPr sz="3900"/>
+          </a:p>
+        </p:txBody>
+      </p:sp>
+      <p:sp>
+        <p:nvSpPr>
+          <p:cNvPr id="513" name="Google Shape;513;p30"/>
+          <p:cNvSpPr txBox="1"/>
+          <p:nvPr>
+            <p:ph idx="12" type="sldNum"/>
+          </p:nvPr>
+        </p:nvSpPr>
+        <p:spPr>
+          <a:xfrm>
+            <a:off x="8451046" y="4736976"/>
+            <a:ext cx="548700" cy="393600"/>
+          </a:xfrm>
+          <a:prstGeom prst="rect">
+            <a:avLst/>
+          </a:prstGeom>
+        </p:spPr>
+        <p:txBody>
+          <a:bodyPr anchorCtr="0" anchor="ctr" bIns="91425" lIns="91425" spcFirstLastPara="1" rIns="91425" wrap="square" tIns="91425">
+            <a:normAutofit/>
+          </a:bodyPr>
+          <a:lstStyle/>
+          <a:p>
+            <a:pPr indent="0" lvl="0" marL="0" rtl="0" algn="r">
+              <a:spcBef>
+                <a:spcPts val="0"/>
+              </a:spcBef>
+              <a:spcAft>
+                <a:spcPts val="0"/>
+              </a:spcAft>
+              <a:buNone/>
+            </a:pPr>
+            <a:fld id="{00000000-1234-1234-1234-123412341234}" type="slidenum">
+              <a:rPr lang="es"/>
+              <a:t>‹#›</a:t>
+            </a:fld>
+            <a:endParaRPr/>
+          </a:p>
+        </p:txBody>
+      </p:sp>
+    </p:spTree>
+  </p:cSld>
+  <p:clrMapOvr>
+    <a:masterClrMapping/>
+  </p:clrMapOvr>
+</p:sld>
+</file>
+
+<file path=ppt/slides/slide19.xml><?xml version="1.0" encoding="utf-8"?>
+<p:sld xmlns:a="http://schemas.openxmlformats.org/drawingml/2006/main" xmlns:r="http://schemas.openxmlformats.org/officeDocument/2006/relationships" xmlns:mc="http://schemas.openxmlformats.org/markup-compatibility/2006" xmlns:mv="urn:schemas-microsoft-com:mac:vml" xmlns:p="http://schemas.openxmlformats.org/presentationml/2006/main" xmlns:c="http://schemas.openxmlformats.org/drawingml/2006/chart" xmlns:dgm="http://schemas.openxmlformats.org/drawingml/2006/diagram" xmlns:o="urn:schemas-microsoft-com:office:office" xmlns:v="urn:schemas-microsoft-com:vml" xmlns:pvml="urn:schemas-microsoft-com:office:powerpoint" xmlns:com="http://schemas.openxmlformats.org/drawingml/2006/compatibility" xmlns:p14="http://schemas.microsoft.com/office/powerpoint/2010/main" xmlns:p15="http://schemas.microsoft.com/office/powerpoint/2012/main" xmlns:ahyp="http://schemas.microsoft.com/office/drawing/2018/hyperlinkcolor">
+  <p:cSld>
+    <p:spTree>
+      <p:nvGrpSpPr>
+        <p:cNvPr id="517" name="Shape 517"/>
+        <p:cNvGrpSpPr/>
+        <p:nvPr/>
+      </p:nvGrpSpPr>
+      <p:grpSpPr>
+        <a:xfrm>
+          <a:off x="0" y="0"/>
+          <a:ext cx="0" cy="0"/>
+          <a:chOff x="0" y="0"/>
+          <a:chExt cx="0" cy="0"/>
+        </a:xfrm>
+      </p:grpSpPr>
+      <p:sp>
+        <p:nvSpPr>
+          <p:cNvPr id="518" name="Google Shape;518;p31"/>
+          <p:cNvSpPr txBox="1"/>
+          <p:nvPr>
+            <p:ph type="title"/>
+          </p:nvPr>
+        </p:nvSpPr>
+        <p:spPr>
+          <a:xfrm>
+            <a:off x="1303800" y="598575"/>
+            <a:ext cx="7030500" cy="999300"/>
+          </a:xfrm>
+          <a:prstGeom prst="rect">
+            <a:avLst/>
+          </a:prstGeom>
+        </p:spPr>
+        <p:txBody>
+          <a:bodyPr anchorCtr="0" anchor="t" bIns="91425" lIns="91425" spcFirstLastPara="1" rIns="91425" wrap="square" tIns="91425">
+            <a:normAutofit/>
+          </a:bodyPr>
+          <a:lstStyle/>
+          <a:p>
+            <a:pPr indent="0" lvl="0" marL="0" rtl="0" algn="l">
+              <a:spcBef>
+                <a:spcPts val="0"/>
+              </a:spcBef>
+              <a:spcAft>
+                <a:spcPts val="0"/>
+              </a:spcAft>
+              <a:buNone/>
+            </a:pPr>
+            <a:r>
+              <a:rPr lang="es"/>
+              <a:t>Cantidad de Accidentes por Mes</a:t>
+            </a:r>
+            <a:endParaRPr/>
+          </a:p>
+        </p:txBody>
+      </p:sp>
+      <p:sp>
+        <p:nvSpPr>
+          <p:cNvPr id="519" name="Google Shape;519;p31"/>
+          <p:cNvSpPr txBox="1"/>
+          <p:nvPr>
+            <p:ph idx="12" type="sldNum"/>
+          </p:nvPr>
+        </p:nvSpPr>
+        <p:spPr>
+          <a:xfrm>
+            <a:off x="8451046" y="4736976"/>
+            <a:ext cx="548700" cy="393600"/>
+          </a:xfrm>
+          <a:prstGeom prst="rect">
+            <a:avLst/>
+          </a:prstGeom>
+        </p:spPr>
+        <p:txBody>
+          <a:bodyPr anchorCtr="0" anchor="ctr" bIns="91425" lIns="91425" spcFirstLastPara="1" rIns="91425" wrap="square" tIns="91425">
+            <a:normAutofit/>
+          </a:bodyPr>
+          <a:lstStyle/>
+          <a:p>
+            <a:pPr indent="0" lvl="0" marL="0" rtl="0" algn="r">
+              <a:spcBef>
+                <a:spcPts val="0"/>
+              </a:spcBef>
+              <a:spcAft>
+                <a:spcPts val="0"/>
+              </a:spcAft>
+              <a:buNone/>
+            </a:pPr>
+            <a:fld id="{00000000-1234-1234-1234-123412341234}" type="slidenum">
+              <a:rPr lang="es"/>
+              <a:t>‹#›</a:t>
+            </a:fld>
+            <a:endParaRPr/>
+          </a:p>
+        </p:txBody>
+      </p:sp>
+      <p:sp>
+        <p:nvSpPr>
+          <p:cNvPr id="520" name="Google Shape;520;p31"/>
+          <p:cNvSpPr txBox="1"/>
+          <p:nvPr/>
+        </p:nvSpPr>
+        <p:spPr>
+          <a:xfrm>
+            <a:off x="1422825" y="1138150"/>
+            <a:ext cx="3511200" cy="400200"/>
+          </a:xfrm>
+          <a:prstGeom prst="rect">
+            <a:avLst/>
+          </a:prstGeom>
+          <a:noFill/>
+          <a:ln>
+            <a:noFill/>
+          </a:ln>
+        </p:spPr>
+        <p:txBody>
+          <a:bodyPr anchorCtr="0" anchor="t" bIns="91425" lIns="91425" spcFirstLastPara="1" rIns="91425" wrap="square" tIns="91425">
+            <a:spAutoFit/>
+          </a:bodyPr>
+          <a:lstStyle/>
+          <a:p>
+            <a:pPr indent="0" lvl="0" marL="0" rtl="0" algn="l">
+              <a:spcBef>
+                <a:spcPts val="0"/>
+              </a:spcBef>
+              <a:spcAft>
+                <a:spcPts val="0"/>
+              </a:spcAft>
+              <a:buNone/>
+            </a:pPr>
+            <a:r>
+              <a:rPr b="1" lang="es">
+                <a:latin typeface="Nunito"/>
+                <a:ea typeface="Nunito"/>
+                <a:cs typeface="Nunito"/>
+                <a:sym typeface="Nunito"/>
+              </a:rPr>
+              <a:t>Algoritmo: Regresión Lineal Simple</a:t>
+            </a:r>
+            <a:endParaRPr b="1">
+              <a:latin typeface="Nunito"/>
+              <a:ea typeface="Nunito"/>
+              <a:cs typeface="Nunito"/>
+              <a:sym typeface="Nunito"/>
+            </a:endParaRPr>
+          </a:p>
+        </p:txBody>
+      </p:sp>
+      <p:pic>
+        <p:nvPicPr>
+          <p:cNvPr id="521" name="Google Shape;521;p31"/>
+          <p:cNvPicPr preferRelativeResize="0"/>
+          <p:nvPr/>
+        </p:nvPicPr>
+        <p:blipFill>
+          <a:blip r:embed="rId3">
+            <a:alphaModFix/>
+          </a:blip>
+          <a:stretch>
+            <a:fillRect/>
+          </a:stretch>
+        </p:blipFill>
+        <p:spPr>
+          <a:xfrm>
+            <a:off x="119400" y="2424500"/>
+            <a:ext cx="1496750" cy="2521525"/>
+          </a:xfrm>
+          <a:prstGeom prst="rect">
+            <a:avLst/>
+          </a:prstGeom>
+          <a:noFill/>
+          <a:ln>
+            <a:noFill/>
+          </a:ln>
+        </p:spPr>
+      </p:pic>
+      <p:sp>
+        <p:nvSpPr>
+          <p:cNvPr id="522" name="Google Shape;522;p31"/>
+          <p:cNvSpPr/>
+          <p:nvPr/>
+        </p:nvSpPr>
+        <p:spPr>
+          <a:xfrm rot="-5400000">
+            <a:off x="1727475" y="2986625"/>
+            <a:ext cx="307800" cy="404100"/>
+          </a:xfrm>
+          <a:prstGeom prst="downArrow">
+            <a:avLst>
+              <a:gd fmla="val 50000" name="adj1"/>
+              <a:gd fmla="val 50000" name="adj2"/>
+            </a:avLst>
+          </a:prstGeom>
+          <a:gradFill>
+            <a:gsLst>
+              <a:gs pos="0">
+                <a:srgbClr val="D4E5F5"/>
+              </a:gs>
+              <a:gs pos="100000">
+                <a:srgbClr val="70A4D5"/>
+              </a:gs>
+            </a:gsLst>
+            <a:path path="circle">
+              <a:fillToRect b="50%" l="50%" r="50%" t="50%"/>
+            </a:path>
+            <a:tileRect/>
+          </a:gradFill>
+          <a:ln cap="flat" cmpd="sng" w="9525">
+            <a:solidFill>
+              <a:schemeClr val="lt1"/>
+            </a:solidFill>
+            <a:prstDash val="solid"/>
+            <a:round/>
+            <a:headEnd len="sm" w="sm" type="none"/>
+            <a:tailEnd len="sm" w="sm" type="none"/>
+          </a:ln>
+        </p:spPr>
+        <p:txBody>
+          <a:bodyPr anchorCtr="0" anchor="ctr" bIns="91425" lIns="91425" spcFirstLastPara="1" rIns="91425" wrap="square" tIns="91425">
+            <a:noAutofit/>
+          </a:bodyPr>
+          <a:lstStyle/>
+          <a:p>
+            <a:pPr indent="0" lvl="0" marL="0" marR="0" rtl="0" algn="l">
+              <a:lnSpc>
+                <a:spcPct val="100000"/>
+              </a:lnSpc>
+              <a:spcBef>
+                <a:spcPts val="0"/>
+              </a:spcBef>
+              <a:spcAft>
+                <a:spcPts val="0"/>
+              </a:spcAft>
+              <a:buNone/>
+            </a:pPr>
+            <a:r>
+              <a:t/>
+            </a:r>
+            <a:endParaRPr/>
+          </a:p>
+        </p:txBody>
+      </p:sp>
+      <p:pic>
+        <p:nvPicPr>
+          <p:cNvPr id="523" name="Google Shape;523;p31"/>
+          <p:cNvPicPr preferRelativeResize="0"/>
+          <p:nvPr/>
+        </p:nvPicPr>
+        <p:blipFill>
+          <a:blip r:embed="rId4">
+            <a:alphaModFix/>
+          </a:blip>
+          <a:stretch>
+            <a:fillRect/>
+          </a:stretch>
+        </p:blipFill>
+        <p:spPr>
+          <a:xfrm>
+            <a:off x="2146600" y="2382075"/>
+            <a:ext cx="6590598" cy="1393150"/>
+          </a:xfrm>
+          <a:prstGeom prst="rect">
+            <a:avLst/>
+          </a:prstGeom>
+          <a:noFill/>
+          <a:ln>
+            <a:noFill/>
+          </a:ln>
+        </p:spPr>
+      </p:pic>
+      <p:sp>
+        <p:nvSpPr>
+          <p:cNvPr id="524" name="Google Shape;524;p31"/>
+          <p:cNvSpPr txBox="1"/>
+          <p:nvPr>
+            <p:ph idx="1" type="body"/>
+          </p:nvPr>
+        </p:nvSpPr>
+        <p:spPr>
+          <a:xfrm>
+            <a:off x="119425" y="1580775"/>
+            <a:ext cx="1496700" cy="801300"/>
+          </a:xfrm>
+          <a:prstGeom prst="rect">
+            <a:avLst/>
+          </a:prstGeom>
+        </p:spPr>
+        <p:txBody>
+          <a:bodyPr anchorCtr="0" anchor="t" bIns="91425" lIns="91425" spcFirstLastPara="1" rIns="91425" wrap="square" tIns="91425">
+            <a:noAutofit/>
+          </a:bodyPr>
+          <a:lstStyle/>
+          <a:p>
+            <a:pPr indent="0" lvl="0" marL="0" rtl="0" algn="l">
+              <a:lnSpc>
+                <a:spcPct val="95000"/>
+              </a:lnSpc>
+              <a:spcBef>
+                <a:spcPts val="0"/>
+              </a:spcBef>
+              <a:spcAft>
+                <a:spcPts val="1200"/>
+              </a:spcAft>
+              <a:buSzPts val="865"/>
+              <a:buNone/>
+            </a:pPr>
+            <a:r>
+              <a:rPr lang="es" sz="1020"/>
+              <a:t>Partimos de un agrupado de Cantidad de Accidentes por Mes</a:t>
+            </a:r>
+            <a:endParaRPr sz="1020"/>
+          </a:p>
+        </p:txBody>
+      </p:sp>
+      <p:sp>
+        <p:nvSpPr>
+          <p:cNvPr id="525" name="Google Shape;525;p31"/>
+          <p:cNvSpPr txBox="1"/>
+          <p:nvPr>
+            <p:ph idx="1" type="body"/>
+          </p:nvPr>
+        </p:nvSpPr>
+        <p:spPr>
+          <a:xfrm>
+            <a:off x="2304575" y="3775225"/>
+            <a:ext cx="2474100" cy="1177200"/>
+          </a:xfrm>
+          <a:prstGeom prst="rect">
+            <a:avLst/>
+          </a:prstGeom>
+        </p:spPr>
+        <p:txBody>
+          <a:bodyPr anchorCtr="0" anchor="t" bIns="91425" lIns="91425" spcFirstLastPara="1" rIns="91425" wrap="square" tIns="91425">
+            <a:noAutofit/>
+          </a:bodyPr>
+          <a:lstStyle/>
+          <a:p>
+            <a:pPr indent="0" lvl="0" marL="0" rtl="0" algn="l">
+              <a:lnSpc>
+                <a:spcPct val="100000"/>
+              </a:lnSpc>
+              <a:spcBef>
+                <a:spcPts val="0"/>
+              </a:spcBef>
+              <a:spcAft>
+                <a:spcPts val="0"/>
+              </a:spcAft>
+              <a:buSzPts val="865"/>
+              <a:buNone/>
+            </a:pPr>
+            <a:r>
+              <a:rPr b="1" lang="es" sz="1020" u="sng"/>
+              <a:t>Evaluación</a:t>
+            </a:r>
+            <a:endParaRPr b="1" sz="1020" u="sng"/>
+          </a:p>
+          <a:p>
+            <a:pPr indent="0" lvl="0" marL="0" rtl="0" algn="l">
+              <a:lnSpc>
+                <a:spcPct val="100000"/>
+              </a:lnSpc>
+              <a:spcBef>
+                <a:spcPts val="1200"/>
+              </a:spcBef>
+              <a:spcAft>
+                <a:spcPts val="0"/>
+              </a:spcAft>
+              <a:buSzPts val="865"/>
+              <a:buNone/>
+            </a:pPr>
+            <a:r>
+              <a:rPr lang="es" sz="1020"/>
+              <a:t>R2 (R-squared) = 0.54</a:t>
+            </a:r>
+            <a:endParaRPr sz="1020"/>
+          </a:p>
+          <a:p>
+            <a:pPr indent="0" lvl="0" marL="0" rtl="0" algn="l">
+              <a:lnSpc>
+                <a:spcPct val="100000"/>
+              </a:lnSpc>
+              <a:spcBef>
+                <a:spcPts val="1200"/>
+              </a:spcBef>
+              <a:spcAft>
+                <a:spcPts val="0"/>
+              </a:spcAft>
+              <a:buSzPts val="865"/>
+              <a:buNone/>
+            </a:pPr>
+            <a:r>
+              <a:rPr lang="es" sz="1020"/>
+              <a:t>MAE (Mean Absolute Error)</a:t>
+            </a:r>
+            <a:r>
+              <a:rPr lang="es" sz="1020"/>
+              <a:t> </a:t>
+            </a:r>
+            <a:r>
+              <a:rPr lang="es" sz="1020"/>
+              <a:t>= 14.25</a:t>
+            </a:r>
+            <a:endParaRPr sz="1020"/>
+          </a:p>
+          <a:p>
+            <a:pPr indent="0" lvl="0" marL="0" rtl="0" algn="l">
+              <a:lnSpc>
+                <a:spcPct val="100000"/>
+              </a:lnSpc>
+              <a:spcBef>
+                <a:spcPts val="1200"/>
+              </a:spcBef>
+              <a:spcAft>
+                <a:spcPts val="1200"/>
+              </a:spcAft>
+              <a:buSzPts val="865"/>
+              <a:buNone/>
+            </a:pPr>
+            <a:r>
+              <a:rPr lang="es" sz="1020"/>
+              <a:t>Median Absolute Error = 10.86</a:t>
+            </a:r>
+            <a:endParaRPr sz="1020"/>
+          </a:p>
+        </p:txBody>
+      </p:sp>
+      <p:sp>
+        <p:nvSpPr>
+          <p:cNvPr id="526" name="Google Shape;526;p31"/>
+          <p:cNvSpPr txBox="1"/>
+          <p:nvPr>
+            <p:ph idx="1" type="body"/>
+          </p:nvPr>
+        </p:nvSpPr>
+        <p:spPr>
+          <a:xfrm>
+            <a:off x="2304575" y="1674225"/>
+            <a:ext cx="6359400" cy="631500"/>
+          </a:xfrm>
+          <a:prstGeom prst="rect">
+            <a:avLst/>
+          </a:prstGeom>
+        </p:spPr>
+        <p:txBody>
+          <a:bodyPr anchorCtr="0" anchor="t" bIns="91425" lIns="91425" spcFirstLastPara="1" rIns="91425" wrap="square" tIns="91425">
+            <a:noAutofit/>
+          </a:bodyPr>
+          <a:lstStyle/>
+          <a:p>
+            <a:pPr indent="0" lvl="0" marL="0" rtl="0" algn="l">
+              <a:lnSpc>
+                <a:spcPct val="95000"/>
+              </a:lnSpc>
+              <a:spcBef>
+                <a:spcPts val="0"/>
+              </a:spcBef>
+              <a:spcAft>
+                <a:spcPts val="1200"/>
+              </a:spcAft>
+              <a:buSzPts val="865"/>
+              <a:buNone/>
+            </a:pPr>
+            <a:r>
+              <a:rPr lang="es" sz="1020"/>
+              <a:t>Llegamos a un modelo que se ajusta bastante bien a los datos según el gráfico, pero cuenta con un R2 bastante bajo (0.54), teniendo en cuenta que el máximo posible es 1.</a:t>
+            </a:r>
+            <a:endParaRPr sz="1020"/>
+          </a:p>
+        </p:txBody>
+      </p:sp>
+    </p:spTree>
+  </p:cSld>
+  <p:clrMapOvr>
+    <a:masterClrMapping/>
+  </p:clrMapOvr>
+</p:sld>
+</file>
+
+<file path=ppt/slides/slide2.xml><?xml version="1.0" encoding="utf-8"?>
+<p:sld xmlns:a="http://schemas.openxmlformats.org/drawingml/2006/main" xmlns:r="http://schemas.openxmlformats.org/officeDocument/2006/relationships" xmlns:mc="http://schemas.openxmlformats.org/markup-compatibility/2006" xmlns:mv="urn:schemas-microsoft-com:mac:vml" xmlns:p="http://schemas.openxmlformats.org/presentationml/2006/main" xmlns:c="http://schemas.openxmlformats.org/drawingml/2006/chart" xmlns:dgm="http://schemas.openxmlformats.org/drawingml/2006/diagram" xmlns:o="urn:schemas-microsoft-com:office:office" xmlns:v="urn:schemas-microsoft-com:vml" xmlns:pvml="urn:schemas-microsoft-com:office:powerpoint" xmlns:com="http://schemas.openxmlformats.org/drawingml/2006/compatibility" xmlns:p14="http://schemas.microsoft.com/office/powerpoint/2010/main" xmlns:p15="http://schemas.microsoft.com/office/powerpoint/2012/main" xmlns:ahyp="http://schemas.microsoft.com/office/drawing/2018/hyperlinkcolor">
+  <p:cSld>
+    <p:spTree>
+      <p:nvGrpSpPr>
+        <p:cNvPr id="283" name="Shape 283"/>
+        <p:cNvGrpSpPr/>
+        <p:nvPr/>
+      </p:nvGrpSpPr>
+      <p:grpSpPr>
+        <a:xfrm>
+          <a:off x="0" y="0"/>
+          <a:ext cx="0" cy="0"/>
+          <a:chOff x="0" y="0"/>
+          <a:chExt cx="0" cy="0"/>
+        </a:xfrm>
+      </p:grpSpPr>
+      <p:sp>
+        <p:nvSpPr>
+          <p:cNvPr id="284" name="Google Shape;284;p14"/>
+          <p:cNvSpPr txBox="1"/>
+          <p:nvPr>
+            <p:ph idx="1" type="body"/>
+          </p:nvPr>
+        </p:nvSpPr>
+        <p:spPr>
+          <a:xfrm>
+            <a:off x="1136075" y="1372000"/>
+            <a:ext cx="7198200" cy="2550300"/>
+          </a:xfrm>
+          <a:prstGeom prst="rect">
+            <a:avLst/>
+          </a:prstGeom>
+        </p:spPr>
+        <p:txBody>
+          <a:bodyPr anchorCtr="0" anchor="t" bIns="91425" lIns="91425" spcFirstLastPara="1" rIns="91425" wrap="square" tIns="91425">
+            <a:normAutofit/>
+          </a:bodyPr>
+          <a:lstStyle/>
+          <a:p>
+            <a:pPr indent="-387350" lvl="0" marL="457200" rtl="0" algn="l">
+              <a:spcBef>
+                <a:spcPts val="0"/>
+              </a:spcBef>
+              <a:spcAft>
+                <a:spcPts val="0"/>
+              </a:spcAft>
+              <a:buSzPts val="2500"/>
+              <a:buAutoNum type="arabicPeriod"/>
+            </a:pPr>
+            <a:r>
+              <a:rPr lang="es" sz="2500"/>
+              <a:t>Contexto y Audiencia</a:t>
+            </a:r>
+            <a:endParaRPr sz="2500"/>
+          </a:p>
+          <a:p>
+            <a:pPr indent="-387350" lvl="0" marL="457200" rtl="0" algn="l">
+              <a:spcBef>
+                <a:spcPts val="0"/>
+              </a:spcBef>
+              <a:spcAft>
+                <a:spcPts val="0"/>
+              </a:spcAft>
+              <a:buSzPts val="2500"/>
+              <a:buAutoNum type="arabicPeriod"/>
+            </a:pPr>
+            <a:r>
+              <a:rPr lang="es" sz="2500"/>
+              <a:t>Preguntas de interés</a:t>
+            </a:r>
+            <a:endParaRPr sz="2500"/>
+          </a:p>
+          <a:p>
+            <a:pPr indent="-387350" lvl="0" marL="457200" rtl="0" algn="l">
+              <a:spcBef>
+                <a:spcPts val="0"/>
+              </a:spcBef>
+              <a:spcAft>
+                <a:spcPts val="0"/>
+              </a:spcAft>
+              <a:buSzPts val="2500"/>
+              <a:buAutoNum type="arabicPeriod"/>
+            </a:pPr>
+            <a:r>
+              <a:rPr lang="es" sz="2500"/>
+              <a:t>Resumen de Metadata</a:t>
+            </a:r>
+            <a:endParaRPr sz="2500"/>
+          </a:p>
+          <a:p>
+            <a:pPr indent="-387350" lvl="0" marL="457200" rtl="0" algn="l">
+              <a:spcBef>
+                <a:spcPts val="0"/>
+              </a:spcBef>
+              <a:spcAft>
+                <a:spcPts val="0"/>
+              </a:spcAft>
+              <a:buSzPts val="2500"/>
+              <a:buAutoNum type="arabicPeriod"/>
+            </a:pPr>
+            <a:r>
+              <a:rPr lang="es" sz="2500"/>
+              <a:t>Análisis Exploratorio</a:t>
+            </a:r>
+            <a:endParaRPr sz="2500"/>
+          </a:p>
+          <a:p>
+            <a:pPr indent="-387350" lvl="0" marL="457200" rtl="0" algn="l">
+              <a:spcBef>
+                <a:spcPts val="0"/>
+              </a:spcBef>
+              <a:spcAft>
+                <a:spcPts val="0"/>
+              </a:spcAft>
+              <a:buSzPts val="2500"/>
+              <a:buAutoNum type="arabicPeriod"/>
+            </a:pPr>
+            <a:r>
+              <a:rPr lang="es" sz="2500"/>
+              <a:t>Insights y Recomendaciones</a:t>
+            </a:r>
+            <a:endParaRPr sz="2500"/>
+          </a:p>
+        </p:txBody>
+      </p:sp>
+      <p:sp>
+        <p:nvSpPr>
+          <p:cNvPr id="285" name="Google Shape;285;p14"/>
+          <p:cNvSpPr txBox="1"/>
+          <p:nvPr>
+            <p:ph type="title"/>
+          </p:nvPr>
+        </p:nvSpPr>
+        <p:spPr>
+          <a:xfrm>
+            <a:off x="1303800" y="598575"/>
+            <a:ext cx="7030500" cy="999300"/>
+          </a:xfrm>
+          <a:prstGeom prst="rect">
+            <a:avLst/>
+          </a:prstGeom>
+        </p:spPr>
+        <p:txBody>
+          <a:bodyPr anchorCtr="0" anchor="t" bIns="91425" lIns="91425" spcFirstLastPara="1" rIns="91425" wrap="square" tIns="91425">
+            <a:normAutofit/>
+          </a:bodyPr>
+          <a:lstStyle/>
+          <a:p>
+            <a:pPr indent="0" lvl="0" marL="0" rtl="0" algn="l">
+              <a:spcBef>
+                <a:spcPts val="0"/>
+              </a:spcBef>
+              <a:spcAft>
+                <a:spcPts val="0"/>
+              </a:spcAft>
+              <a:buNone/>
+            </a:pPr>
+            <a:r>
+              <a:rPr lang="es"/>
+              <a:t>Temario</a:t>
+            </a:r>
+            <a:endParaRPr/>
+          </a:p>
+        </p:txBody>
+      </p:sp>
+      <p:sp>
+        <p:nvSpPr>
+          <p:cNvPr id="286" name="Google Shape;286;p14"/>
+          <p:cNvSpPr txBox="1"/>
+          <p:nvPr>
+            <p:ph idx="12" type="sldNum"/>
+          </p:nvPr>
+        </p:nvSpPr>
+        <p:spPr>
+          <a:xfrm>
+            <a:off x="8451046" y="4736976"/>
+            <a:ext cx="548700" cy="393600"/>
+          </a:xfrm>
+          <a:prstGeom prst="rect">
+            <a:avLst/>
+          </a:prstGeom>
+        </p:spPr>
+        <p:txBody>
+          <a:bodyPr anchorCtr="0" anchor="ctr" bIns="91425" lIns="91425" spcFirstLastPara="1" rIns="91425" wrap="square" tIns="91425">
+            <a:normAutofit/>
+          </a:bodyPr>
+          <a:lstStyle/>
+          <a:p>
+            <a:pPr indent="0" lvl="0" marL="0" rtl="0" algn="r">
+              <a:spcBef>
+                <a:spcPts val="0"/>
+              </a:spcBef>
+              <a:spcAft>
+                <a:spcPts val="0"/>
+              </a:spcAft>
+              <a:buNone/>
+            </a:pPr>
+            <a:fld id="{00000000-1234-1234-1234-123412341234}" type="slidenum">
+              <a:rPr lang="es"/>
+              <a:t>‹#›</a:t>
+            </a:fld>
+            <a:endParaRPr/>
+          </a:p>
+        </p:txBody>
+      </p:sp>
+    </p:spTree>
+  </p:cSld>
+  <p:clrMapOvr>
+    <a:masterClrMapping/>
+  </p:clrMapOvr>
+</p:sld>
+</file>
+
+<file path=ppt/slides/slide20.xml><?xml version="1.0" encoding="utf-8"?>
+<p:sld xmlns:a="http://schemas.openxmlformats.org/drawingml/2006/main" xmlns:r="http://schemas.openxmlformats.org/officeDocument/2006/relationships" xmlns:mc="http://schemas.openxmlformats.org/markup-compatibility/2006" xmlns:mv="urn:schemas-microsoft-com:mac:vml" xmlns:p="http://schemas.openxmlformats.org/presentationml/2006/main" xmlns:c="http://schemas.openxmlformats.org/drawingml/2006/chart" xmlns:dgm="http://schemas.openxmlformats.org/drawingml/2006/diagram" xmlns:o="urn:schemas-microsoft-com:office:office" xmlns:v="urn:schemas-microsoft-com:vml" xmlns:pvml="urn:schemas-microsoft-com:office:powerpoint" xmlns:com="http://schemas.openxmlformats.org/drawingml/2006/compatibility" xmlns:p14="http://schemas.microsoft.com/office/powerpoint/2010/main" xmlns:p15="http://schemas.microsoft.com/office/powerpoint/2012/main" xmlns:ahyp="http://schemas.microsoft.com/office/drawing/2018/hyperlinkcolor">
+  <p:cSld>
+    <p:spTree>
+      <p:nvGrpSpPr>
+        <p:cNvPr id="530" name="Shape 530"/>
+        <p:cNvGrpSpPr/>
+        <p:nvPr/>
+      </p:nvGrpSpPr>
+      <p:grpSpPr>
+        <a:xfrm>
+          <a:off x="0" y="0"/>
+          <a:ext cx="0" cy="0"/>
+          <a:chOff x="0" y="0"/>
+          <a:chExt cx="0" cy="0"/>
+        </a:xfrm>
+      </p:grpSpPr>
+      <p:sp>
+        <p:nvSpPr>
+          <p:cNvPr id="531" name="Google Shape;531;p32"/>
+          <p:cNvSpPr txBox="1"/>
+          <p:nvPr>
+            <p:ph type="title"/>
+          </p:nvPr>
+        </p:nvSpPr>
+        <p:spPr>
+          <a:xfrm>
+            <a:off x="1388625" y="772725"/>
+            <a:ext cx="6366900" cy="1863300"/>
+          </a:xfrm>
+          <a:prstGeom prst="rect">
+            <a:avLst/>
+          </a:prstGeom>
+        </p:spPr>
+        <p:txBody>
+          <a:bodyPr anchorCtr="0" anchor="ctr" bIns="91425" lIns="91425" spcFirstLastPara="1" rIns="91425" wrap="square" tIns="91425">
+            <a:normAutofit fontScale="90000"/>
+          </a:bodyPr>
+          <a:lstStyle/>
+          <a:p>
+            <a:pPr indent="0" lvl="0" marL="0" rtl="0" algn="ctr">
+              <a:spcBef>
+                <a:spcPts val="0"/>
+              </a:spcBef>
+              <a:spcAft>
+                <a:spcPts val="0"/>
+              </a:spcAft>
+              <a:buNone/>
+            </a:pPr>
+            <a:r>
+              <a:rPr lang="es" sz="3900"/>
+              <a:t>PREDICCIÓN</a:t>
+            </a:r>
+            <a:endParaRPr sz="3900"/>
+          </a:p>
+          <a:p>
+            <a:pPr indent="0" lvl="0" marL="0" rtl="0" algn="ctr">
+              <a:spcBef>
+                <a:spcPts val="0"/>
+              </a:spcBef>
+              <a:spcAft>
+                <a:spcPts val="0"/>
+              </a:spcAft>
+              <a:buNone/>
+            </a:pPr>
+            <a:r>
+              <a:rPr lang="es" sz="3900"/>
+              <a:t>Cantidad de Accidentes por Mes por Autopista</a:t>
+            </a:r>
+            <a:endParaRPr sz="3900"/>
+          </a:p>
+        </p:txBody>
+      </p:sp>
+      <p:sp>
+        <p:nvSpPr>
+          <p:cNvPr id="532" name="Google Shape;532;p32"/>
+          <p:cNvSpPr txBox="1"/>
+          <p:nvPr>
+            <p:ph idx="12" type="sldNum"/>
+          </p:nvPr>
+        </p:nvSpPr>
+        <p:spPr>
+          <a:xfrm>
+            <a:off x="8451046" y="4736976"/>
+            <a:ext cx="548700" cy="393600"/>
+          </a:xfrm>
+          <a:prstGeom prst="rect">
+            <a:avLst/>
+          </a:prstGeom>
+        </p:spPr>
+        <p:txBody>
+          <a:bodyPr anchorCtr="0" anchor="ctr" bIns="91425" lIns="91425" spcFirstLastPara="1" rIns="91425" wrap="square" tIns="91425">
+            <a:normAutofit/>
+          </a:bodyPr>
+          <a:lstStyle/>
+          <a:p>
+            <a:pPr indent="0" lvl="0" marL="0" rtl="0" algn="r">
+              <a:spcBef>
+                <a:spcPts val="0"/>
+              </a:spcBef>
+              <a:spcAft>
+                <a:spcPts val="0"/>
+              </a:spcAft>
+              <a:buNone/>
+            </a:pPr>
+            <a:fld id="{00000000-1234-1234-1234-123412341234}" type="slidenum">
+              <a:rPr lang="es"/>
+              <a:t>‹#›</a:t>
+            </a:fld>
+            <a:endParaRPr/>
+          </a:p>
+        </p:txBody>
+      </p:sp>
+    </p:spTree>
+  </p:cSld>
+  <p:clrMapOvr>
+    <a:masterClrMapping/>
+  </p:clrMapOvr>
+</p:sld>
+</file>
+
+<file path=ppt/slides/slide21.xml><?xml version="1.0" encoding="utf-8"?>
+<p:sld xmlns:a="http://schemas.openxmlformats.org/drawingml/2006/main" xmlns:r="http://schemas.openxmlformats.org/officeDocument/2006/relationships" xmlns:mc="http://schemas.openxmlformats.org/markup-compatibility/2006" xmlns:mv="urn:schemas-microsoft-com:mac:vml" xmlns:p="http://schemas.openxmlformats.org/presentationml/2006/main" xmlns:c="http://schemas.openxmlformats.org/drawingml/2006/chart" xmlns:dgm="http://schemas.openxmlformats.org/drawingml/2006/diagram" xmlns:o="urn:schemas-microsoft-com:office:office" xmlns:v="urn:schemas-microsoft-com:vml" xmlns:pvml="urn:schemas-microsoft-com:office:powerpoint" xmlns:com="http://schemas.openxmlformats.org/drawingml/2006/compatibility" xmlns:p14="http://schemas.microsoft.com/office/powerpoint/2010/main" xmlns:p15="http://schemas.microsoft.com/office/powerpoint/2012/main" xmlns:ahyp="http://schemas.microsoft.com/office/drawing/2018/hyperlinkcolor">
+  <p:cSld>
+    <p:spTree>
+      <p:nvGrpSpPr>
+        <p:cNvPr id="536" name="Shape 536"/>
+        <p:cNvGrpSpPr/>
+        <p:nvPr/>
+      </p:nvGrpSpPr>
+      <p:grpSpPr>
+        <a:xfrm>
+          <a:off x="0" y="0"/>
+          <a:ext cx="0" cy="0"/>
+          <a:chOff x="0" y="0"/>
+          <a:chExt cx="0" cy="0"/>
+        </a:xfrm>
+      </p:grpSpPr>
+      <p:sp>
+        <p:nvSpPr>
+          <p:cNvPr id="537" name="Google Shape;537;p33"/>
+          <p:cNvSpPr txBox="1"/>
+          <p:nvPr>
+            <p:ph type="title"/>
+          </p:nvPr>
+        </p:nvSpPr>
+        <p:spPr>
+          <a:xfrm>
+            <a:off x="1303800" y="598575"/>
+            <a:ext cx="7030500" cy="999300"/>
+          </a:xfrm>
+          <a:prstGeom prst="rect">
+            <a:avLst/>
+          </a:prstGeom>
+        </p:spPr>
+        <p:txBody>
+          <a:bodyPr anchorCtr="0" anchor="t" bIns="91425" lIns="91425" spcFirstLastPara="1" rIns="91425" wrap="square" tIns="91425">
+            <a:normAutofit/>
+          </a:bodyPr>
+          <a:lstStyle/>
+          <a:p>
+            <a:pPr indent="0" lvl="0" marL="0" rtl="0" algn="l">
+              <a:spcBef>
+                <a:spcPts val="0"/>
+              </a:spcBef>
+              <a:spcAft>
+                <a:spcPts val="0"/>
+              </a:spcAft>
+              <a:buNone/>
+            </a:pPr>
+            <a:r>
+              <a:rPr lang="es"/>
+              <a:t>Cantidad de Accidentes por Mes</a:t>
+            </a:r>
+            <a:endParaRPr/>
+          </a:p>
+        </p:txBody>
+      </p:sp>
+      <p:sp>
+        <p:nvSpPr>
+          <p:cNvPr id="538" name="Google Shape;538;p33"/>
+          <p:cNvSpPr txBox="1"/>
+          <p:nvPr>
+            <p:ph idx="12" type="sldNum"/>
+          </p:nvPr>
+        </p:nvSpPr>
+        <p:spPr>
+          <a:xfrm>
+            <a:off x="8451046" y="4736976"/>
+            <a:ext cx="548700" cy="393600"/>
+          </a:xfrm>
+          <a:prstGeom prst="rect">
+            <a:avLst/>
+          </a:prstGeom>
+        </p:spPr>
+        <p:txBody>
+          <a:bodyPr anchorCtr="0" anchor="ctr" bIns="91425" lIns="91425" spcFirstLastPara="1" rIns="91425" wrap="square" tIns="91425">
+            <a:normAutofit/>
+          </a:bodyPr>
+          <a:lstStyle/>
+          <a:p>
+            <a:pPr indent="0" lvl="0" marL="0" rtl="0" algn="r">
+              <a:spcBef>
+                <a:spcPts val="0"/>
+              </a:spcBef>
+              <a:spcAft>
+                <a:spcPts val="0"/>
+              </a:spcAft>
+              <a:buNone/>
+            </a:pPr>
+            <a:fld id="{00000000-1234-1234-1234-123412341234}" type="slidenum">
+              <a:rPr lang="es"/>
+              <a:t>‹#›</a:t>
+            </a:fld>
+            <a:endParaRPr/>
+          </a:p>
+        </p:txBody>
+      </p:sp>
+      <p:sp>
+        <p:nvSpPr>
+          <p:cNvPr id="539" name="Google Shape;539;p33"/>
+          <p:cNvSpPr txBox="1"/>
+          <p:nvPr/>
+        </p:nvSpPr>
+        <p:spPr>
+          <a:xfrm>
+            <a:off x="1422825" y="1138150"/>
+            <a:ext cx="3511200" cy="400200"/>
+          </a:xfrm>
+          <a:prstGeom prst="rect">
+            <a:avLst/>
+          </a:prstGeom>
+          <a:noFill/>
+          <a:ln>
+            <a:noFill/>
+          </a:ln>
+        </p:spPr>
+        <p:txBody>
+          <a:bodyPr anchorCtr="0" anchor="t" bIns="91425" lIns="91425" spcFirstLastPara="1" rIns="91425" wrap="square" tIns="91425">
+            <a:spAutoFit/>
+          </a:bodyPr>
+          <a:lstStyle/>
+          <a:p>
+            <a:pPr indent="0" lvl="0" marL="0" rtl="0" algn="l">
+              <a:spcBef>
+                <a:spcPts val="0"/>
+              </a:spcBef>
+              <a:spcAft>
+                <a:spcPts val="0"/>
+              </a:spcAft>
+              <a:buNone/>
+            </a:pPr>
+            <a:r>
+              <a:rPr b="1" lang="es">
+                <a:latin typeface="Nunito"/>
+                <a:ea typeface="Nunito"/>
+                <a:cs typeface="Nunito"/>
+                <a:sym typeface="Nunito"/>
+              </a:rPr>
+              <a:t>Algoritmo: Regresión Lineal Simple</a:t>
+            </a:r>
+            <a:endParaRPr b="1">
+              <a:latin typeface="Nunito"/>
+              <a:ea typeface="Nunito"/>
+              <a:cs typeface="Nunito"/>
+              <a:sym typeface="Nunito"/>
+            </a:endParaRPr>
+          </a:p>
+        </p:txBody>
+      </p:sp>
+      <p:sp>
+        <p:nvSpPr>
+          <p:cNvPr id="540" name="Google Shape;540;p33"/>
+          <p:cNvSpPr/>
+          <p:nvPr/>
+        </p:nvSpPr>
+        <p:spPr>
+          <a:xfrm rot="-5400000">
+            <a:off x="1727475" y="2986625"/>
+            <a:ext cx="307800" cy="404100"/>
+          </a:xfrm>
+          <a:prstGeom prst="downArrow">
+            <a:avLst>
+              <a:gd fmla="val 50000" name="adj1"/>
+              <a:gd fmla="val 50000" name="adj2"/>
+            </a:avLst>
+          </a:prstGeom>
+          <a:gradFill>
+            <a:gsLst>
+              <a:gs pos="0">
+                <a:srgbClr val="D4E5F5"/>
+              </a:gs>
+              <a:gs pos="100000">
+                <a:srgbClr val="70A4D5"/>
+              </a:gs>
+            </a:gsLst>
+            <a:path path="circle">
+              <a:fillToRect b="50%" l="50%" r="50%" t="50%"/>
+            </a:path>
+            <a:tileRect/>
+          </a:gradFill>
+          <a:ln cap="flat" cmpd="sng" w="9525">
+            <a:solidFill>
+              <a:schemeClr val="lt1"/>
+            </a:solidFill>
+            <a:prstDash val="solid"/>
+            <a:round/>
+            <a:headEnd len="sm" w="sm" type="none"/>
+            <a:tailEnd len="sm" w="sm" type="none"/>
+          </a:ln>
+        </p:spPr>
+        <p:txBody>
+          <a:bodyPr anchorCtr="0" anchor="ctr" bIns="91425" lIns="91425" spcFirstLastPara="1" rIns="91425" wrap="square" tIns="91425">
+            <a:noAutofit/>
+          </a:bodyPr>
+          <a:lstStyle/>
+          <a:p>
+            <a:pPr indent="0" lvl="0" marL="0" marR="0" rtl="0" algn="l">
+              <a:lnSpc>
+                <a:spcPct val="100000"/>
+              </a:lnSpc>
+              <a:spcBef>
+                <a:spcPts val="0"/>
+              </a:spcBef>
+              <a:spcAft>
+                <a:spcPts val="0"/>
+              </a:spcAft>
+              <a:buNone/>
+            </a:pPr>
+            <a:r>
+              <a:t/>
+            </a:r>
+            <a:endParaRPr/>
+          </a:p>
+        </p:txBody>
+      </p:sp>
+      <p:sp>
+        <p:nvSpPr>
+          <p:cNvPr id="541" name="Google Shape;541;p33"/>
+          <p:cNvSpPr txBox="1"/>
+          <p:nvPr>
+            <p:ph idx="1" type="body"/>
+          </p:nvPr>
+        </p:nvSpPr>
+        <p:spPr>
+          <a:xfrm>
+            <a:off x="119425" y="1675113"/>
+            <a:ext cx="1887900" cy="631500"/>
+          </a:xfrm>
+          <a:prstGeom prst="rect">
+            <a:avLst/>
+          </a:prstGeom>
+        </p:spPr>
+        <p:txBody>
+          <a:bodyPr anchorCtr="0" anchor="t" bIns="91425" lIns="91425" spcFirstLastPara="1" rIns="91425" wrap="square" tIns="91425">
+            <a:noAutofit/>
+          </a:bodyPr>
+          <a:lstStyle/>
+          <a:p>
+            <a:pPr indent="0" lvl="0" marL="0" rtl="0" algn="l">
+              <a:lnSpc>
+                <a:spcPct val="95000"/>
+              </a:lnSpc>
+              <a:spcBef>
+                <a:spcPts val="0"/>
+              </a:spcBef>
+              <a:spcAft>
+                <a:spcPts val="1200"/>
+              </a:spcAft>
+              <a:buSzPts val="865"/>
+              <a:buNone/>
+            </a:pPr>
+            <a:r>
+              <a:rPr lang="es" sz="1020"/>
+              <a:t>Partimos de un agrupado de Cantidad de Accidentes por Mes por Autopista</a:t>
+            </a:r>
+            <a:endParaRPr sz="1020"/>
+          </a:p>
+        </p:txBody>
+      </p:sp>
+      <p:sp>
+        <p:nvSpPr>
+          <p:cNvPr id="542" name="Google Shape;542;p33"/>
+          <p:cNvSpPr txBox="1"/>
+          <p:nvPr>
+            <p:ph idx="1" type="body"/>
+          </p:nvPr>
+        </p:nvSpPr>
+        <p:spPr>
+          <a:xfrm>
+            <a:off x="3334950" y="3894250"/>
+            <a:ext cx="2474100" cy="1177200"/>
+          </a:xfrm>
+          <a:prstGeom prst="rect">
+            <a:avLst/>
+          </a:prstGeom>
+        </p:spPr>
+        <p:txBody>
+          <a:bodyPr anchorCtr="0" anchor="t" bIns="91425" lIns="91425" spcFirstLastPara="1" rIns="91425" wrap="square" tIns="91425">
+            <a:noAutofit/>
+          </a:bodyPr>
+          <a:lstStyle/>
+          <a:p>
+            <a:pPr indent="0" lvl="0" marL="0" rtl="0" algn="l">
+              <a:lnSpc>
+                <a:spcPct val="100000"/>
+              </a:lnSpc>
+              <a:spcBef>
+                <a:spcPts val="0"/>
+              </a:spcBef>
+              <a:spcAft>
+                <a:spcPts val="0"/>
+              </a:spcAft>
+              <a:buSzPts val="865"/>
+              <a:buNone/>
+            </a:pPr>
+            <a:r>
+              <a:rPr b="1" lang="es" sz="1020" u="sng"/>
+              <a:t>Evaluación</a:t>
+            </a:r>
+            <a:endParaRPr b="1" sz="1020" u="sng"/>
+          </a:p>
+          <a:p>
+            <a:pPr indent="0" lvl="0" marL="0" rtl="0" algn="l">
+              <a:lnSpc>
+                <a:spcPct val="100000"/>
+              </a:lnSpc>
+              <a:spcBef>
+                <a:spcPts val="1200"/>
+              </a:spcBef>
+              <a:spcAft>
+                <a:spcPts val="0"/>
+              </a:spcAft>
+              <a:buSzPts val="865"/>
+              <a:buNone/>
+            </a:pPr>
+            <a:r>
+              <a:rPr lang="es" sz="1020"/>
+              <a:t>R2 (R-squared) = 0.97</a:t>
+            </a:r>
+            <a:endParaRPr sz="1020"/>
+          </a:p>
+          <a:p>
+            <a:pPr indent="0" lvl="0" marL="0" rtl="0" algn="l">
+              <a:lnSpc>
+                <a:spcPct val="100000"/>
+              </a:lnSpc>
+              <a:spcBef>
+                <a:spcPts val="1200"/>
+              </a:spcBef>
+              <a:spcAft>
+                <a:spcPts val="0"/>
+              </a:spcAft>
+              <a:buSzPts val="865"/>
+              <a:buNone/>
+            </a:pPr>
+            <a:r>
+              <a:rPr lang="es" sz="1020"/>
+              <a:t>MAE (Mean Absolute Error) = 5.89</a:t>
+            </a:r>
+            <a:endParaRPr sz="1020"/>
+          </a:p>
+          <a:p>
+            <a:pPr indent="0" lvl="0" marL="0" rtl="0" algn="l">
+              <a:lnSpc>
+                <a:spcPct val="100000"/>
+              </a:lnSpc>
+              <a:spcBef>
+                <a:spcPts val="1200"/>
+              </a:spcBef>
+              <a:spcAft>
+                <a:spcPts val="1200"/>
+              </a:spcAft>
+              <a:buSzPts val="865"/>
+              <a:buNone/>
+            </a:pPr>
+            <a:r>
+              <a:rPr lang="es" sz="1020"/>
+              <a:t>Median Absolute Error = 4.06</a:t>
+            </a:r>
+            <a:endParaRPr sz="1020"/>
+          </a:p>
+        </p:txBody>
+      </p:sp>
+      <p:sp>
+        <p:nvSpPr>
+          <p:cNvPr id="543" name="Google Shape;543;p33"/>
+          <p:cNvSpPr txBox="1"/>
+          <p:nvPr>
+            <p:ph idx="1" type="body"/>
+          </p:nvPr>
+        </p:nvSpPr>
+        <p:spPr>
+          <a:xfrm>
+            <a:off x="2627625" y="1741825"/>
+            <a:ext cx="4914300" cy="495300"/>
+          </a:xfrm>
+          <a:prstGeom prst="rect">
+            <a:avLst/>
+          </a:prstGeom>
+        </p:spPr>
+        <p:txBody>
+          <a:bodyPr anchorCtr="0" anchor="t" bIns="91425" lIns="91425" spcFirstLastPara="1" rIns="91425" wrap="square" tIns="91425">
+            <a:noAutofit/>
+          </a:bodyPr>
+          <a:lstStyle/>
+          <a:p>
+            <a:pPr indent="0" lvl="0" marL="0" rtl="0" algn="l">
+              <a:lnSpc>
+                <a:spcPct val="95000"/>
+              </a:lnSpc>
+              <a:spcBef>
+                <a:spcPts val="0"/>
+              </a:spcBef>
+              <a:spcAft>
+                <a:spcPts val="1200"/>
+              </a:spcAft>
+              <a:buSzPts val="865"/>
+              <a:buNone/>
+            </a:pPr>
+            <a:r>
+              <a:rPr lang="es" sz="1020"/>
+              <a:t>Llegamos a un modelo que se ajusta mucho mejor que el anterior (R2=0.97).</a:t>
+            </a:r>
+            <a:endParaRPr sz="1020"/>
+          </a:p>
+        </p:txBody>
+      </p:sp>
+      <p:pic>
+        <p:nvPicPr>
+          <p:cNvPr id="544" name="Google Shape;544;p33"/>
+          <p:cNvPicPr preferRelativeResize="0"/>
+          <p:nvPr/>
+        </p:nvPicPr>
+        <p:blipFill>
+          <a:blip r:embed="rId3">
+            <a:alphaModFix/>
+          </a:blip>
+          <a:stretch>
+            <a:fillRect/>
+          </a:stretch>
+        </p:blipFill>
+        <p:spPr>
+          <a:xfrm>
+            <a:off x="119425" y="2458900"/>
+            <a:ext cx="2060900" cy="1904200"/>
+          </a:xfrm>
+          <a:prstGeom prst="rect">
+            <a:avLst/>
+          </a:prstGeom>
+          <a:noFill/>
+          <a:ln>
+            <a:noFill/>
+          </a:ln>
+        </p:spPr>
+      </p:pic>
+      <p:sp>
+        <p:nvSpPr>
+          <p:cNvPr id="545" name="Google Shape;545;p33"/>
+          <p:cNvSpPr/>
+          <p:nvPr/>
+        </p:nvSpPr>
+        <p:spPr>
+          <a:xfrm>
+            <a:off x="833975" y="2383850"/>
+            <a:ext cx="731100" cy="2089800"/>
+          </a:xfrm>
+          <a:prstGeom prst="rect">
+            <a:avLst/>
+          </a:prstGeom>
+          <a:noFill/>
+          <a:ln cap="flat" cmpd="sng" w="19050">
+            <a:solidFill>
+              <a:srgbClr val="82C6FF"/>
+            </a:solidFill>
+            <a:prstDash val="dash"/>
+            <a:round/>
+            <a:headEnd len="sm" w="sm" type="none"/>
+            <a:tailEnd len="sm" w="sm" type="none"/>
+          </a:ln>
+        </p:spPr>
+        <p:txBody>
+          <a:bodyPr anchorCtr="0" anchor="ctr" bIns="91425" lIns="91425" spcFirstLastPara="1" rIns="91425" wrap="square" tIns="91425">
+            <a:noAutofit/>
+          </a:bodyPr>
+          <a:lstStyle/>
+          <a:p>
+            <a:pPr indent="0" lvl="0" marL="0" rtl="0" algn="l">
+              <a:spcBef>
+                <a:spcPts val="0"/>
+              </a:spcBef>
+              <a:spcAft>
+                <a:spcPts val="0"/>
+              </a:spcAft>
+              <a:buNone/>
+            </a:pPr>
+            <a:r>
+              <a:t/>
+            </a:r>
+            <a:endParaRPr/>
+          </a:p>
+        </p:txBody>
+      </p:sp>
+      <p:pic>
+        <p:nvPicPr>
+          <p:cNvPr id="546" name="Google Shape;546;p33"/>
+          <p:cNvPicPr preferRelativeResize="0"/>
+          <p:nvPr/>
+        </p:nvPicPr>
+        <p:blipFill>
+          <a:blip r:embed="rId4">
+            <a:alphaModFix/>
+          </a:blip>
+          <a:stretch>
+            <a:fillRect/>
+          </a:stretch>
+        </p:blipFill>
+        <p:spPr>
+          <a:xfrm>
+            <a:off x="2448175" y="2440600"/>
+            <a:ext cx="6592900" cy="1453650"/>
+          </a:xfrm>
+          <a:prstGeom prst="rect">
+            <a:avLst/>
+          </a:prstGeom>
+          <a:noFill/>
+          <a:ln>
+            <a:noFill/>
+          </a:ln>
+        </p:spPr>
+      </p:pic>
+    </p:spTree>
+  </p:cSld>
+  <p:clrMapOvr>
+    <a:masterClrMapping/>
+  </p:clrMapOvr>
+</p:sld>
+</file>
+
+<file path=ppt/slides/slide22.xml><?xml version="1.0" encoding="utf-8"?>
+<p:sld xmlns:a="http://schemas.openxmlformats.org/drawingml/2006/main" xmlns:r="http://schemas.openxmlformats.org/officeDocument/2006/relationships" xmlns:mc="http://schemas.openxmlformats.org/markup-compatibility/2006" xmlns:mv="urn:schemas-microsoft-com:mac:vml" xmlns:p="http://schemas.openxmlformats.org/presentationml/2006/main" xmlns:c="http://schemas.openxmlformats.org/drawingml/2006/chart" xmlns:dgm="http://schemas.openxmlformats.org/drawingml/2006/diagram" xmlns:o="urn:schemas-microsoft-com:office:office" xmlns:v="urn:schemas-microsoft-com:vml" xmlns:pvml="urn:schemas-microsoft-com:office:powerpoint" xmlns:com="http://schemas.openxmlformats.org/drawingml/2006/compatibility" xmlns:p14="http://schemas.microsoft.com/office/powerpoint/2010/main" xmlns:p15="http://schemas.microsoft.com/office/powerpoint/2012/main" xmlns:ahyp="http://schemas.microsoft.com/office/drawing/2018/hyperlinkcolor">
+  <p:cSld>
+    <p:spTree>
+      <p:nvGrpSpPr>
+        <p:cNvPr id="550" name="Shape 550"/>
+        <p:cNvGrpSpPr/>
+        <p:nvPr/>
+      </p:nvGrpSpPr>
+      <p:grpSpPr>
+        <a:xfrm>
+          <a:off x="0" y="0"/>
+          <a:ext cx="0" cy="0"/>
+          <a:chOff x="0" y="0"/>
+          <a:chExt cx="0" cy="0"/>
+        </a:xfrm>
+      </p:grpSpPr>
+      <p:sp>
+        <p:nvSpPr>
+          <p:cNvPr id="551" name="Google Shape;551;p34"/>
+          <p:cNvSpPr txBox="1"/>
+          <p:nvPr>
+            <p:ph type="title"/>
+          </p:nvPr>
+        </p:nvSpPr>
+        <p:spPr>
+          <a:xfrm>
+            <a:off x="1388625" y="772725"/>
+            <a:ext cx="6366900" cy="1863300"/>
+          </a:xfrm>
+          <a:prstGeom prst="rect">
+            <a:avLst/>
+          </a:prstGeom>
+        </p:spPr>
+        <p:txBody>
+          <a:bodyPr anchorCtr="0" anchor="ctr" bIns="91425" lIns="91425" spcFirstLastPara="1" rIns="91425" wrap="square" tIns="91425">
+            <a:normAutofit/>
+          </a:bodyPr>
+          <a:lstStyle/>
+          <a:p>
+            <a:pPr indent="0" lvl="0" marL="0" rtl="0" algn="ctr">
+              <a:spcBef>
+                <a:spcPts val="0"/>
+              </a:spcBef>
+              <a:spcAft>
+                <a:spcPts val="0"/>
+              </a:spcAft>
+              <a:buNone/>
+            </a:pPr>
+            <a:r>
+              <a:rPr lang="es" sz="3900"/>
+              <a:t>INSIGHTS Y RECOMENDACIONES</a:t>
+            </a:r>
+            <a:endParaRPr sz="3900"/>
+          </a:p>
+        </p:txBody>
+      </p:sp>
+      <p:sp>
+        <p:nvSpPr>
+          <p:cNvPr id="552" name="Google Shape;552;p34"/>
+          <p:cNvSpPr txBox="1"/>
+          <p:nvPr>
+            <p:ph idx="12" type="sldNum"/>
+          </p:nvPr>
+        </p:nvSpPr>
+        <p:spPr>
+          <a:xfrm>
+            <a:off x="8451046" y="4736976"/>
+            <a:ext cx="548700" cy="393600"/>
+          </a:xfrm>
+          <a:prstGeom prst="rect">
+            <a:avLst/>
+          </a:prstGeom>
+        </p:spPr>
+        <p:txBody>
+          <a:bodyPr anchorCtr="0" anchor="ctr" bIns="91425" lIns="91425" spcFirstLastPara="1" rIns="91425" wrap="square" tIns="91425">
+            <a:normAutofit/>
+          </a:bodyPr>
+          <a:lstStyle/>
+          <a:p>
+            <a:pPr indent="0" lvl="0" marL="0" rtl="0" algn="r">
+              <a:spcBef>
+                <a:spcPts val="0"/>
+              </a:spcBef>
+              <a:spcAft>
+                <a:spcPts val="0"/>
+              </a:spcAft>
+              <a:buNone/>
+            </a:pPr>
+            <a:fld id="{00000000-1234-1234-1234-123412341234}" type="slidenum">
+              <a:rPr lang="es"/>
+              <a:t>‹#›</a:t>
+            </a:fld>
+            <a:endParaRPr/>
+          </a:p>
+        </p:txBody>
+      </p:sp>
+    </p:spTree>
+  </p:cSld>
+  <p:clrMapOvr>
+    <a:masterClrMapping/>
+  </p:clrMapOvr>
+</p:sld>
+</file>
+
+<file path=ppt/slides/slide23.xml><?xml version="1.0" encoding="utf-8"?>
+<p:sld xmlns:a="http://schemas.openxmlformats.org/drawingml/2006/main" xmlns:r="http://schemas.openxmlformats.org/officeDocument/2006/relationships" xmlns:mc="http://schemas.openxmlformats.org/markup-compatibility/2006" xmlns:mv="urn:schemas-microsoft-com:mac:vml" xmlns:p="http://schemas.openxmlformats.org/presentationml/2006/main" xmlns:c="http://schemas.openxmlformats.org/drawingml/2006/chart" xmlns:dgm="http://schemas.openxmlformats.org/drawingml/2006/diagram" xmlns:o="urn:schemas-microsoft-com:office:office" xmlns:v="urn:schemas-microsoft-com:vml" xmlns:pvml="urn:schemas-microsoft-com:office:powerpoint" xmlns:com="http://schemas.openxmlformats.org/drawingml/2006/compatibility" xmlns:p14="http://schemas.microsoft.com/office/powerpoint/2010/main" xmlns:p15="http://schemas.microsoft.com/office/powerpoint/2012/main" xmlns:ahyp="http://schemas.microsoft.com/office/drawing/2018/hyperlinkcolor">
+  <p:cSld>
+    <p:spTree>
+      <p:nvGrpSpPr>
+        <p:cNvPr id="556" name="Shape 556"/>
+        <p:cNvGrpSpPr/>
+        <p:nvPr/>
+      </p:nvGrpSpPr>
+      <p:grpSpPr>
+        <a:xfrm>
+          <a:off x="0" y="0"/>
+          <a:ext cx="0" cy="0"/>
+          <a:chOff x="0" y="0"/>
+          <a:chExt cx="0" cy="0"/>
+        </a:xfrm>
+      </p:grpSpPr>
+      <p:sp>
+        <p:nvSpPr>
+          <p:cNvPr id="557" name="Google Shape;557;p35"/>
           <p:cNvSpPr txBox="1"/>
           <p:nvPr/>
         </p:nvSpPr>
@@ -20522,7 +22945,7 @@
       </p:sp>
       <p:sp>
         <p:nvSpPr>
-          <p:cNvPr id="499" name="Google Shape;499;p30"/>
+          <p:cNvPr id="558" name="Google Shape;558;p35"/>
           <p:cNvSpPr txBox="1"/>
           <p:nvPr/>
         </p:nvSpPr>
@@ -20604,7 +23027,7 @@
       </p:sp>
       <p:sp>
         <p:nvSpPr>
-          <p:cNvPr id="500" name="Google Shape;500;p30"/>
+          <p:cNvPr id="559" name="Google Shape;559;p35"/>
           <p:cNvSpPr txBox="1"/>
           <p:nvPr/>
         </p:nvSpPr>
@@ -20662,7 +23085,7 @@
       </p:sp>
       <p:sp>
         <p:nvSpPr>
-          <p:cNvPr id="501" name="Google Shape;501;p30"/>
+          <p:cNvPr id="560" name="Google Shape;560;p35"/>
           <p:cNvSpPr txBox="1"/>
           <p:nvPr/>
         </p:nvSpPr>
@@ -20720,7 +23143,7 @@
       </p:sp>
       <p:sp>
         <p:nvSpPr>
-          <p:cNvPr id="502" name="Google Shape;502;p30"/>
+          <p:cNvPr id="561" name="Google Shape;561;p35"/>
           <p:cNvSpPr txBox="1"/>
           <p:nvPr/>
         </p:nvSpPr>
@@ -20858,7 +23281,7 @@
       </p:sp>
       <p:pic>
         <p:nvPicPr>
-          <p:cNvPr id="503" name="Google Shape;503;p30"/>
+          <p:cNvPr id="562" name="Google Shape;562;p35"/>
           <p:cNvPicPr preferRelativeResize="0"/>
           <p:nvPr/>
         </p:nvPicPr>
@@ -20886,7 +23309,7 @@
       </p:pic>
       <p:pic>
         <p:nvPicPr>
-          <p:cNvPr id="504" name="Google Shape;504;p30"/>
+          <p:cNvPr id="563" name="Google Shape;563;p35"/>
           <p:cNvPicPr preferRelativeResize="0"/>
           <p:nvPr/>
         </p:nvPicPr>
@@ -20914,7 +23337,7 @@
       </p:pic>
       <p:pic>
         <p:nvPicPr>
-          <p:cNvPr id="505" name="Google Shape;505;p30"/>
+          <p:cNvPr id="564" name="Google Shape;564;p35"/>
           <p:cNvPicPr preferRelativeResize="0"/>
           <p:nvPr/>
         </p:nvPicPr>
@@ -20942,7 +23365,7 @@
       </p:pic>
       <p:pic>
         <p:nvPicPr>
-          <p:cNvPr id="506" name="Google Shape;506;p30"/>
+          <p:cNvPr id="565" name="Google Shape;565;p35"/>
           <p:cNvPicPr preferRelativeResize="0"/>
           <p:nvPr/>
         </p:nvPicPr>
@@ -20970,7 +23393,7 @@
       </p:pic>
       <p:pic>
         <p:nvPicPr>
-          <p:cNvPr id="507" name="Google Shape;507;p30"/>
+          <p:cNvPr id="566" name="Google Shape;566;p35"/>
           <p:cNvPicPr preferRelativeResize="0"/>
           <p:nvPr/>
         </p:nvPicPr>
@@ -20998,221 +23421,7 @@
       </p:pic>
       <p:sp>
         <p:nvSpPr>
-          <p:cNvPr id="508" name="Google Shape;508;p30"/>
-          <p:cNvSpPr txBox="1"/>
-          <p:nvPr>
-            <p:ph idx="12" type="sldNum"/>
-          </p:nvPr>
-        </p:nvSpPr>
-        <p:spPr>
-          <a:xfrm>
-            <a:off x="8451046" y="4736976"/>
-            <a:ext cx="548700" cy="393600"/>
-          </a:xfrm>
-          <a:prstGeom prst="rect">
-            <a:avLst/>
-          </a:prstGeom>
-        </p:spPr>
-        <p:txBody>
-          <a:bodyPr anchorCtr="0" anchor="ctr" bIns="91425" lIns="91425" spcFirstLastPara="1" rIns="91425" wrap="square" tIns="91425">
-            <a:normAutofit/>
-          </a:bodyPr>
-          <a:lstStyle/>
-          <a:p>
-            <a:pPr indent="0" lvl="0" marL="0" rtl="0" algn="r">
-              <a:spcBef>
-                <a:spcPts val="0"/>
-              </a:spcBef>
-              <a:spcAft>
-                <a:spcPts val="0"/>
-              </a:spcAft>
-              <a:buNone/>
-            </a:pPr>
-            <a:fld id="{00000000-1234-1234-1234-123412341234}" type="slidenum">
-              <a:rPr lang="es"/>
-              <a:t>‹#›</a:t>
-            </a:fld>
-            <a:endParaRPr/>
-          </a:p>
-        </p:txBody>
-      </p:sp>
-    </p:spTree>
-  </p:cSld>
-  <p:clrMapOvr>
-    <a:masterClrMapping/>
-  </p:clrMapOvr>
-</p:sld>
-</file>
-
-<file path=ppt/slides/slide2.xml><?xml version="1.0" encoding="utf-8"?>
-<p:sld xmlns:a="http://schemas.openxmlformats.org/drawingml/2006/main" xmlns:r="http://schemas.openxmlformats.org/officeDocument/2006/relationships" xmlns:mc="http://schemas.openxmlformats.org/markup-compatibility/2006" xmlns:mv="urn:schemas-microsoft-com:mac:vml" xmlns:p="http://schemas.openxmlformats.org/presentationml/2006/main" xmlns:c="http://schemas.openxmlformats.org/drawingml/2006/chart" xmlns:dgm="http://schemas.openxmlformats.org/drawingml/2006/diagram" xmlns:o="urn:schemas-microsoft-com:office:office" xmlns:v="urn:schemas-microsoft-com:vml" xmlns:pvml="urn:schemas-microsoft-com:office:powerpoint" xmlns:com="http://schemas.openxmlformats.org/drawingml/2006/compatibility" xmlns:p14="http://schemas.microsoft.com/office/powerpoint/2010/main" xmlns:p15="http://schemas.microsoft.com/office/powerpoint/2012/main" xmlns:ahyp="http://schemas.microsoft.com/office/drawing/2018/hyperlinkcolor">
-  <p:cSld>
-    <p:spTree>
-      <p:nvGrpSpPr>
-        <p:cNvPr id="283" name="Shape 283"/>
-        <p:cNvGrpSpPr/>
-        <p:nvPr/>
-      </p:nvGrpSpPr>
-      <p:grpSpPr>
-        <a:xfrm>
-          <a:off x="0" y="0"/>
-          <a:ext cx="0" cy="0"/>
-          <a:chOff x="0" y="0"/>
-          <a:chExt cx="0" cy="0"/>
-        </a:xfrm>
-      </p:grpSpPr>
-      <p:sp>
-        <p:nvSpPr>
-          <p:cNvPr id="284" name="Google Shape;284;p14"/>
-          <p:cNvSpPr txBox="1"/>
-          <p:nvPr>
-            <p:ph idx="1" type="body"/>
-          </p:nvPr>
-        </p:nvSpPr>
-        <p:spPr>
-          <a:xfrm>
-            <a:off x="1136075" y="1372000"/>
-            <a:ext cx="7198200" cy="2550300"/>
-          </a:xfrm>
-          <a:prstGeom prst="rect">
-            <a:avLst/>
-          </a:prstGeom>
-        </p:spPr>
-        <p:txBody>
-          <a:bodyPr anchorCtr="0" anchor="t" bIns="91425" lIns="91425" spcFirstLastPara="1" rIns="91425" wrap="square" tIns="91425">
-            <a:normAutofit/>
-          </a:bodyPr>
-          <a:lstStyle/>
-          <a:p>
-            <a:pPr indent="-387350" lvl="0" marL="457200" rtl="0" algn="l">
-              <a:spcBef>
-                <a:spcPts val="0"/>
-              </a:spcBef>
-              <a:spcAft>
-                <a:spcPts val="0"/>
-              </a:spcAft>
-              <a:buSzPts val="2500"/>
-              <a:buAutoNum type="arabicPeriod"/>
-            </a:pPr>
-            <a:r>
-              <a:rPr lang="es" sz="2500"/>
-              <a:t>Contexto y Audiencia</a:t>
-            </a:r>
-            <a:endParaRPr sz="2500"/>
-          </a:p>
-          <a:p>
-            <a:pPr indent="-387350" lvl="0" marL="457200" rtl="0" algn="l">
-              <a:spcBef>
-                <a:spcPts val="0"/>
-              </a:spcBef>
-              <a:spcAft>
-                <a:spcPts val="0"/>
-              </a:spcAft>
-              <a:buSzPts val="2500"/>
-              <a:buAutoNum type="arabicPeriod"/>
-            </a:pPr>
-            <a:r>
-              <a:rPr lang="es" sz="2500"/>
-              <a:t>Preguntas de interés</a:t>
-            </a:r>
-            <a:endParaRPr sz="2500"/>
-          </a:p>
-          <a:p>
-            <a:pPr indent="-387350" lvl="0" marL="457200" rtl="0" algn="l">
-              <a:spcBef>
-                <a:spcPts val="0"/>
-              </a:spcBef>
-              <a:spcAft>
-                <a:spcPts val="0"/>
-              </a:spcAft>
-              <a:buSzPts val="2500"/>
-              <a:buAutoNum type="arabicPeriod"/>
-            </a:pPr>
-            <a:r>
-              <a:rPr lang="es" sz="2500"/>
-              <a:t>Resumen de Metadata</a:t>
-            </a:r>
-            <a:endParaRPr sz="2500"/>
-          </a:p>
-          <a:p>
-            <a:pPr indent="-387350" lvl="0" marL="457200" rtl="0" algn="l">
-              <a:spcBef>
-                <a:spcPts val="0"/>
-              </a:spcBef>
-              <a:spcAft>
-                <a:spcPts val="0"/>
-              </a:spcAft>
-              <a:buSzPts val="2500"/>
-              <a:buAutoNum type="arabicPeriod"/>
-            </a:pPr>
-            <a:r>
-              <a:rPr lang="es" sz="2500"/>
-              <a:t>Análisis Exploratorio</a:t>
-            </a:r>
-            <a:endParaRPr sz="2500"/>
-          </a:p>
-          <a:p>
-            <a:pPr indent="-387350" lvl="0" marL="457200" rtl="0" algn="l">
-              <a:spcBef>
-                <a:spcPts val="0"/>
-              </a:spcBef>
-              <a:spcAft>
-                <a:spcPts val="0"/>
-              </a:spcAft>
-              <a:buSzPts val="2500"/>
-              <a:buAutoNum type="arabicPeriod"/>
-            </a:pPr>
-            <a:r>
-              <a:rPr lang="es" sz="2500"/>
-              <a:t>Insights y Recomendaciones</a:t>
-            </a:r>
-            <a:endParaRPr sz="2500"/>
-          </a:p>
-        </p:txBody>
-      </p:sp>
-      <p:sp>
-        <p:nvSpPr>
-          <p:cNvPr id="285" name="Google Shape;285;p14"/>
-          <p:cNvSpPr txBox="1"/>
-          <p:nvPr>
-            <p:ph type="title"/>
-          </p:nvPr>
-        </p:nvSpPr>
-        <p:spPr>
-          <a:xfrm>
-            <a:off x="1303800" y="598575"/>
-            <a:ext cx="7030500" cy="999300"/>
-          </a:xfrm>
-          <a:prstGeom prst="rect">
-            <a:avLst/>
-          </a:prstGeom>
-        </p:spPr>
-        <p:txBody>
-          <a:bodyPr anchorCtr="0" anchor="t" bIns="91425" lIns="91425" spcFirstLastPara="1" rIns="91425" wrap="square" tIns="91425">
-            <a:normAutofit/>
-          </a:bodyPr>
-          <a:lstStyle/>
-          <a:p>
-            <a:pPr indent="0" lvl="0" marL="0" rtl="0" algn="l">
-              <a:spcBef>
-                <a:spcPts val="0"/>
-              </a:spcBef>
-              <a:spcAft>
-                <a:spcPts val="0"/>
-              </a:spcAft>
-              <a:buNone/>
-            </a:pPr>
-            <a:r>
-              <a:rPr lang="es"/>
-              <a:t>Temario</a:t>
-            </a:r>
-            <a:endParaRPr/>
-          </a:p>
-        </p:txBody>
-      </p:sp>
-      <p:sp>
-        <p:nvSpPr>
-          <p:cNvPr id="286" name="Google Shape;286;p14"/>
+          <p:cNvPr id="567" name="Google Shape;567;p35"/>
           <p:cNvSpPr txBox="1"/>
           <p:nvPr>
             <p:ph idx="12" type="sldNum"/>
@@ -21353,7 +23562,7 @@
             </a:pPr>
             <a:r>
               <a:rPr lang="es" sz="1400"/>
-              <a:t>Millones de personas ingresan a diario a la Ciudad de Buenos Aires desde los diferentes puntos del Gran Buenos Aires  usando las Autopistas.</a:t>
+              <a:t>Millones de personas ingresan a diario a la Ciudad de Buenos Aires desde los diferentes puntos del Gran Buenos Aires  usando sus Autopistas.</a:t>
             </a:r>
             <a:br>
               <a:rPr lang="es" sz="1400"/>
@@ -21603,6 +23812,758 @@
             </a:pPr>
             <a:r>
               <a:rPr lang="es"/>
+              <a:t>Mapa - Contexto</a:t>
+            </a:r>
+            <a:endParaRPr/>
+          </a:p>
+        </p:txBody>
+      </p:sp>
+      <p:sp>
+        <p:nvSpPr>
+          <p:cNvPr id="299" name="Google Shape;299;p16"/>
+          <p:cNvSpPr txBox="1"/>
+          <p:nvPr>
+            <p:ph idx="12" type="sldNum"/>
+          </p:nvPr>
+        </p:nvSpPr>
+        <p:spPr>
+          <a:xfrm>
+            <a:off x="8451046" y="4736976"/>
+            <a:ext cx="548700" cy="393600"/>
+          </a:xfrm>
+          <a:prstGeom prst="rect">
+            <a:avLst/>
+          </a:prstGeom>
+        </p:spPr>
+        <p:txBody>
+          <a:bodyPr anchorCtr="0" anchor="ctr" bIns="91425" lIns="91425" spcFirstLastPara="1" rIns="91425" wrap="square" tIns="91425">
+            <a:normAutofit/>
+          </a:bodyPr>
+          <a:lstStyle/>
+          <a:p>
+            <a:pPr indent="0" lvl="0" marL="0" rtl="0" algn="r">
+              <a:spcBef>
+                <a:spcPts val="0"/>
+              </a:spcBef>
+              <a:spcAft>
+                <a:spcPts val="0"/>
+              </a:spcAft>
+              <a:buNone/>
+            </a:pPr>
+            <a:fld id="{00000000-1234-1234-1234-123412341234}" type="slidenum">
+              <a:rPr lang="es"/>
+              <a:t>‹#›</a:t>
+            </a:fld>
+            <a:endParaRPr/>
+          </a:p>
+        </p:txBody>
+      </p:sp>
+      <p:grpSp>
+        <p:nvGrpSpPr>
+          <p:cNvPr id="300" name="Google Shape;300;p16"/>
+          <p:cNvGrpSpPr/>
+          <p:nvPr/>
+        </p:nvGrpSpPr>
+        <p:grpSpPr>
+          <a:xfrm>
+            <a:off x="578915" y="1641157"/>
+            <a:ext cx="1819304" cy="570856"/>
+            <a:chOff x="459890" y="1598657"/>
+            <a:chExt cx="1819304" cy="570856"/>
+          </a:xfrm>
+        </p:grpSpPr>
+        <p:sp>
+          <p:nvSpPr>
+            <p:cNvPr id="301" name="Google Shape;301;p16"/>
+            <p:cNvSpPr txBox="1"/>
+            <p:nvPr/>
+          </p:nvSpPr>
+          <p:spPr>
+            <a:xfrm>
+              <a:off x="982077" y="1672028"/>
+              <a:ext cx="1162535" cy="431020"/>
+            </a:xfrm>
+            <a:prstGeom prst="rect">
+              <a:avLst/>
+            </a:prstGeom>
+            <a:noFill/>
+            <a:ln>
+              <a:noFill/>
+            </a:ln>
+          </p:spPr>
+          <p:txBody>
+            <a:bodyPr anchorCtr="0" anchor="t" bIns="91425" lIns="91425" spcFirstLastPara="1" rIns="91425" wrap="square" tIns="91425">
+              <a:spAutoFit/>
+            </a:bodyPr>
+            <a:lstStyle/>
+            <a:p>
+              <a:pPr indent="0" lvl="0" marL="0" rtl="0" algn="l">
+                <a:spcBef>
+                  <a:spcPts val="0"/>
+                </a:spcBef>
+                <a:spcAft>
+                  <a:spcPts val="0"/>
+                </a:spcAft>
+                <a:buNone/>
+              </a:pPr>
+              <a:r>
+                <a:rPr lang="es" sz="800">
+                  <a:latin typeface="Nunito"/>
+                  <a:ea typeface="Nunito"/>
+                  <a:cs typeface="Nunito"/>
+                  <a:sym typeface="Nunito"/>
+                </a:rPr>
+                <a:t>Autopistas incluídas en el análisis</a:t>
+              </a:r>
+              <a:endParaRPr sz="800">
+                <a:latin typeface="Nunito"/>
+                <a:ea typeface="Nunito"/>
+                <a:cs typeface="Nunito"/>
+                <a:sym typeface="Nunito"/>
+              </a:endParaRPr>
+            </a:p>
+          </p:txBody>
+        </p:sp>
+        <p:sp>
+          <p:nvSpPr>
+            <p:cNvPr id="302" name="Google Shape;302;p16"/>
+            <p:cNvSpPr/>
+            <p:nvPr/>
+          </p:nvSpPr>
+          <p:spPr>
+            <a:xfrm>
+              <a:off x="459890" y="1598657"/>
+              <a:ext cx="1819304" cy="570856"/>
+            </a:xfrm>
+            <a:prstGeom prst="rect">
+              <a:avLst/>
+            </a:prstGeom>
+            <a:noFill/>
+            <a:ln cap="flat" cmpd="sng" w="9525">
+              <a:solidFill>
+                <a:schemeClr val="dk2"/>
+              </a:solidFill>
+              <a:prstDash val="solid"/>
+              <a:round/>
+              <a:headEnd len="sm" w="sm" type="none"/>
+              <a:tailEnd len="sm" w="sm" type="none"/>
+            </a:ln>
+          </p:spPr>
+          <p:txBody>
+            <a:bodyPr anchorCtr="0" anchor="ctr" bIns="91425" lIns="91425" spcFirstLastPara="1" rIns="91425" wrap="square" tIns="91425">
+              <a:noAutofit/>
+            </a:bodyPr>
+            <a:lstStyle/>
+            <a:p>
+              <a:pPr indent="0" lvl="0" marL="0" rtl="0" algn="l">
+                <a:spcBef>
+                  <a:spcPts val="0"/>
+                </a:spcBef>
+                <a:spcAft>
+                  <a:spcPts val="0"/>
+                </a:spcAft>
+                <a:buNone/>
+              </a:pPr>
+              <a:r>
+                <a:t/>
+              </a:r>
+              <a:endParaRPr/>
+            </a:p>
+          </p:txBody>
+        </p:sp>
+        <p:cxnSp>
+          <p:nvCxnSpPr>
+            <p:cNvPr id="303" name="Google Shape;303;p16"/>
+            <p:cNvCxnSpPr/>
+            <p:nvPr/>
+          </p:nvCxnSpPr>
+          <p:spPr>
+            <a:xfrm>
+              <a:off x="594379" y="1818819"/>
+              <a:ext cx="387698" cy="0"/>
+            </a:xfrm>
+            <a:prstGeom prst="straightConnector1">
+              <a:avLst/>
+            </a:prstGeom>
+            <a:noFill/>
+            <a:ln cap="flat" cmpd="sng" w="28575">
+              <a:solidFill>
+                <a:srgbClr val="0000FF"/>
+              </a:solidFill>
+              <a:prstDash val="solid"/>
+              <a:round/>
+              <a:headEnd len="med" w="med" type="none"/>
+              <a:tailEnd len="med" w="med" type="none"/>
+            </a:ln>
+          </p:spPr>
+        </p:cxnSp>
+      </p:grpSp>
+      <p:grpSp>
+        <p:nvGrpSpPr>
+          <p:cNvPr id="304" name="Google Shape;304;p16"/>
+          <p:cNvGrpSpPr/>
+          <p:nvPr/>
+        </p:nvGrpSpPr>
+        <p:grpSpPr>
+          <a:xfrm>
+            <a:off x="2877300" y="1198975"/>
+            <a:ext cx="3789525" cy="3824500"/>
+            <a:chOff x="2791575" y="1265650"/>
+            <a:chExt cx="3789525" cy="3824500"/>
+          </a:xfrm>
+        </p:grpSpPr>
+        <p:pic>
+          <p:nvPicPr>
+            <p:cNvPr id="305" name="Google Shape;305;p16"/>
+            <p:cNvPicPr preferRelativeResize="0"/>
+            <p:nvPr/>
+          </p:nvPicPr>
+          <p:blipFill>
+            <a:blip r:embed="rId3">
+              <a:alphaModFix/>
+            </a:blip>
+            <a:stretch>
+              <a:fillRect/>
+            </a:stretch>
+          </p:blipFill>
+          <p:spPr>
+            <a:xfrm>
+              <a:off x="2791575" y="1265650"/>
+              <a:ext cx="3789525" cy="3824500"/>
+            </a:xfrm>
+            <a:prstGeom prst="rect">
+              <a:avLst/>
+            </a:prstGeom>
+            <a:noFill/>
+            <a:ln>
+              <a:noFill/>
+            </a:ln>
+          </p:spPr>
+        </p:pic>
+        <p:sp>
+          <p:nvSpPr>
+            <p:cNvPr id="306" name="Google Shape;306;p16"/>
+            <p:cNvSpPr txBox="1"/>
+            <p:nvPr/>
+          </p:nvSpPr>
+          <p:spPr>
+            <a:xfrm rot="2517046">
+              <a:off x="4151282" y="4089218"/>
+              <a:ext cx="841446" cy="307813"/>
+            </a:xfrm>
+            <a:prstGeom prst="rect">
+              <a:avLst/>
+            </a:prstGeom>
+            <a:noFill/>
+            <a:ln>
+              <a:noFill/>
+            </a:ln>
+          </p:spPr>
+          <p:txBody>
+            <a:bodyPr anchorCtr="0" anchor="t" bIns="91425" lIns="91425" spcFirstLastPara="1" rIns="91425" wrap="square" tIns="91425">
+              <a:spAutoFit/>
+            </a:bodyPr>
+            <a:lstStyle/>
+            <a:p>
+              <a:pPr indent="0" lvl="0" marL="0" rtl="0" algn="l">
+                <a:spcBef>
+                  <a:spcPts val="0"/>
+                </a:spcBef>
+                <a:spcAft>
+                  <a:spcPts val="0"/>
+                </a:spcAft>
+                <a:buNone/>
+              </a:pPr>
+              <a:r>
+                <a:rPr b="1" lang="es" sz="800">
+                  <a:solidFill>
+                    <a:srgbClr val="0000FF"/>
+                  </a:solidFill>
+                  <a:latin typeface="Nunito"/>
+                  <a:ea typeface="Nunito"/>
+                  <a:cs typeface="Nunito"/>
+                  <a:sym typeface="Nunito"/>
+                </a:rPr>
+                <a:t>AU Campora</a:t>
+              </a:r>
+              <a:endParaRPr b="1" sz="800">
+                <a:solidFill>
+                  <a:srgbClr val="0000FF"/>
+                </a:solidFill>
+                <a:latin typeface="Nunito"/>
+                <a:ea typeface="Nunito"/>
+                <a:cs typeface="Nunito"/>
+                <a:sym typeface="Nunito"/>
+              </a:endParaRPr>
+            </a:p>
+          </p:txBody>
+        </p:sp>
+        <p:sp>
+          <p:nvSpPr>
+            <p:cNvPr id="307" name="Google Shape;307;p16"/>
+            <p:cNvSpPr txBox="1"/>
+            <p:nvPr/>
+          </p:nvSpPr>
+          <p:spPr>
+            <a:xfrm rot="-3944584">
+              <a:off x="3432656" y="4206900"/>
+              <a:ext cx="912788" cy="307897"/>
+            </a:xfrm>
+            <a:prstGeom prst="rect">
+              <a:avLst/>
+            </a:prstGeom>
+            <a:noFill/>
+            <a:ln>
+              <a:noFill/>
+            </a:ln>
+          </p:spPr>
+          <p:txBody>
+            <a:bodyPr anchorCtr="0" anchor="t" bIns="91425" lIns="91425" spcFirstLastPara="1" rIns="91425" wrap="square" tIns="91425">
+              <a:spAutoFit/>
+            </a:bodyPr>
+            <a:lstStyle/>
+            <a:p>
+              <a:pPr indent="0" lvl="0" marL="0" rtl="0" algn="l">
+                <a:spcBef>
+                  <a:spcPts val="0"/>
+                </a:spcBef>
+                <a:spcAft>
+                  <a:spcPts val="0"/>
+                </a:spcAft>
+                <a:buNone/>
+              </a:pPr>
+              <a:r>
+                <a:rPr b="1" lang="es" sz="800">
+                  <a:solidFill>
+                    <a:srgbClr val="0000FF"/>
+                  </a:solidFill>
+                  <a:latin typeface="Nunito"/>
+                  <a:ea typeface="Nunito"/>
+                  <a:cs typeface="Nunito"/>
+                  <a:sym typeface="Nunito"/>
+                </a:rPr>
+                <a:t>AU Dellepiane</a:t>
+              </a:r>
+              <a:endParaRPr b="1" sz="800">
+                <a:solidFill>
+                  <a:srgbClr val="0000FF"/>
+                </a:solidFill>
+                <a:latin typeface="Nunito"/>
+                <a:ea typeface="Nunito"/>
+                <a:cs typeface="Nunito"/>
+                <a:sym typeface="Nunito"/>
+              </a:endParaRPr>
+            </a:p>
+          </p:txBody>
+        </p:sp>
+        <p:sp>
+          <p:nvSpPr>
+            <p:cNvPr id="308" name="Google Shape;308;p16"/>
+            <p:cNvSpPr txBox="1"/>
+            <p:nvPr/>
+          </p:nvSpPr>
+          <p:spPr>
+            <a:xfrm rot="-562258">
+              <a:off x="4472362" y="3206303"/>
+              <a:ext cx="1020722" cy="307706"/>
+            </a:xfrm>
+            <a:prstGeom prst="rect">
+              <a:avLst/>
+            </a:prstGeom>
+            <a:noFill/>
+            <a:ln>
+              <a:noFill/>
+            </a:ln>
+          </p:spPr>
+          <p:txBody>
+            <a:bodyPr anchorCtr="0" anchor="t" bIns="91425" lIns="91425" spcFirstLastPara="1" rIns="91425" wrap="square" tIns="91425">
+              <a:spAutoFit/>
+            </a:bodyPr>
+            <a:lstStyle/>
+            <a:p>
+              <a:pPr indent="0" lvl="0" marL="0" rtl="0" algn="l">
+                <a:spcBef>
+                  <a:spcPts val="0"/>
+                </a:spcBef>
+                <a:spcAft>
+                  <a:spcPts val="0"/>
+                </a:spcAft>
+                <a:buNone/>
+              </a:pPr>
+              <a:r>
+                <a:rPr b="1" lang="es" sz="800">
+                  <a:solidFill>
+                    <a:srgbClr val="0000FF"/>
+                  </a:solidFill>
+                  <a:latin typeface="Nunito"/>
+                  <a:ea typeface="Nunito"/>
+                  <a:cs typeface="Nunito"/>
+                  <a:sym typeface="Nunito"/>
+                </a:rPr>
+                <a:t>AU 25 de Mayo</a:t>
+              </a:r>
+              <a:endParaRPr b="1" sz="800">
+                <a:solidFill>
+                  <a:srgbClr val="0000FF"/>
+                </a:solidFill>
+                <a:latin typeface="Nunito"/>
+                <a:ea typeface="Nunito"/>
+                <a:cs typeface="Nunito"/>
+                <a:sym typeface="Nunito"/>
+              </a:endParaRPr>
+            </a:p>
+          </p:txBody>
+        </p:sp>
+        <p:sp>
+          <p:nvSpPr>
+            <p:cNvPr id="309" name="Google Shape;309;p16"/>
+            <p:cNvSpPr txBox="1"/>
+            <p:nvPr/>
+          </p:nvSpPr>
+          <p:spPr>
+            <a:xfrm rot="1833696">
+              <a:off x="3143172" y="3440037"/>
+              <a:ext cx="1106862" cy="307726"/>
+            </a:xfrm>
+            <a:prstGeom prst="rect">
+              <a:avLst/>
+            </a:prstGeom>
+            <a:noFill/>
+            <a:ln>
+              <a:noFill/>
+            </a:ln>
+          </p:spPr>
+          <p:txBody>
+            <a:bodyPr anchorCtr="0" anchor="t" bIns="91425" lIns="91425" spcFirstLastPara="1" rIns="91425" wrap="square" tIns="91425">
+              <a:spAutoFit/>
+            </a:bodyPr>
+            <a:lstStyle/>
+            <a:p>
+              <a:pPr indent="0" lvl="0" marL="0" rtl="0" algn="l">
+                <a:spcBef>
+                  <a:spcPts val="0"/>
+                </a:spcBef>
+                <a:spcAft>
+                  <a:spcPts val="0"/>
+                </a:spcAft>
+                <a:buNone/>
+              </a:pPr>
+              <a:r>
+                <a:rPr b="1" lang="es" sz="800">
+                  <a:solidFill>
+                    <a:srgbClr val="0000FF"/>
+                  </a:solidFill>
+                  <a:latin typeface="Nunito"/>
+                  <a:ea typeface="Nunito"/>
+                  <a:cs typeface="Nunito"/>
+                  <a:sym typeface="Nunito"/>
+                </a:rPr>
+                <a:t>AU Perito Moreno</a:t>
+              </a:r>
+              <a:endParaRPr b="1" sz="800">
+                <a:solidFill>
+                  <a:srgbClr val="0000FF"/>
+                </a:solidFill>
+                <a:latin typeface="Nunito"/>
+                <a:ea typeface="Nunito"/>
+                <a:cs typeface="Nunito"/>
+                <a:sym typeface="Nunito"/>
+              </a:endParaRPr>
+            </a:p>
+          </p:txBody>
+        </p:sp>
+        <p:sp>
+          <p:nvSpPr>
+            <p:cNvPr id="310" name="Google Shape;310;p16"/>
+            <p:cNvSpPr txBox="1"/>
+            <p:nvPr/>
+          </p:nvSpPr>
+          <p:spPr>
+            <a:xfrm rot="2069779">
+              <a:off x="4119452" y="1677476"/>
+              <a:ext cx="798265" cy="307888"/>
+            </a:xfrm>
+            <a:prstGeom prst="rect">
+              <a:avLst/>
+            </a:prstGeom>
+            <a:noFill/>
+            <a:ln>
+              <a:noFill/>
+            </a:ln>
+          </p:spPr>
+          <p:txBody>
+            <a:bodyPr anchorCtr="0" anchor="t" bIns="91425" lIns="91425" spcFirstLastPara="1" rIns="91425" wrap="square" tIns="91425">
+              <a:spAutoFit/>
+            </a:bodyPr>
+            <a:lstStyle/>
+            <a:p>
+              <a:pPr indent="0" lvl="0" marL="0" rtl="0" algn="l">
+                <a:spcBef>
+                  <a:spcPts val="0"/>
+                </a:spcBef>
+                <a:spcAft>
+                  <a:spcPts val="0"/>
+                </a:spcAft>
+                <a:buNone/>
+              </a:pPr>
+              <a:r>
+                <a:rPr b="1" lang="es" sz="800">
+                  <a:solidFill>
+                    <a:srgbClr val="0000FF"/>
+                  </a:solidFill>
+                  <a:latin typeface="Nunito"/>
+                  <a:ea typeface="Nunito"/>
+                  <a:cs typeface="Nunito"/>
+                  <a:sym typeface="Nunito"/>
+                </a:rPr>
+                <a:t>Av Lugones</a:t>
+              </a:r>
+              <a:endParaRPr b="1" sz="800">
+                <a:solidFill>
+                  <a:srgbClr val="0000FF"/>
+                </a:solidFill>
+                <a:latin typeface="Nunito"/>
+                <a:ea typeface="Nunito"/>
+                <a:cs typeface="Nunito"/>
+                <a:sym typeface="Nunito"/>
+              </a:endParaRPr>
+            </a:p>
+          </p:txBody>
+        </p:sp>
+        <p:sp>
+          <p:nvSpPr>
+            <p:cNvPr id="311" name="Google Shape;311;p16"/>
+            <p:cNvSpPr txBox="1"/>
+            <p:nvPr/>
+          </p:nvSpPr>
+          <p:spPr>
+            <a:xfrm rot="2069779">
+              <a:off x="5004777" y="2301376"/>
+              <a:ext cx="798265" cy="307888"/>
+            </a:xfrm>
+            <a:prstGeom prst="rect">
+              <a:avLst/>
+            </a:prstGeom>
+            <a:noFill/>
+            <a:ln>
+              <a:noFill/>
+            </a:ln>
+          </p:spPr>
+          <p:txBody>
+            <a:bodyPr anchorCtr="0" anchor="t" bIns="91425" lIns="91425" spcFirstLastPara="1" rIns="91425" wrap="square" tIns="91425">
+              <a:spAutoFit/>
+            </a:bodyPr>
+            <a:lstStyle/>
+            <a:p>
+              <a:pPr indent="0" lvl="0" marL="0" rtl="0" algn="l">
+                <a:spcBef>
+                  <a:spcPts val="0"/>
+                </a:spcBef>
+                <a:spcAft>
+                  <a:spcPts val="0"/>
+                </a:spcAft>
+                <a:buNone/>
+              </a:pPr>
+              <a:r>
+                <a:rPr b="1" lang="es" sz="800">
+                  <a:solidFill>
+                    <a:srgbClr val="0000FF"/>
+                  </a:solidFill>
+                  <a:latin typeface="Nunito"/>
+                  <a:ea typeface="Nunito"/>
+                  <a:cs typeface="Nunito"/>
+                  <a:sym typeface="Nunito"/>
+                </a:rPr>
+                <a:t>Av Illia</a:t>
+              </a:r>
+              <a:endParaRPr b="1" sz="800">
+                <a:solidFill>
+                  <a:srgbClr val="0000FF"/>
+                </a:solidFill>
+                <a:latin typeface="Nunito"/>
+                <a:ea typeface="Nunito"/>
+                <a:cs typeface="Nunito"/>
+                <a:sym typeface="Nunito"/>
+              </a:endParaRPr>
+            </a:p>
+          </p:txBody>
+        </p:sp>
+        <p:sp>
+          <p:nvSpPr>
+            <p:cNvPr id="312" name="Google Shape;312;p16"/>
+            <p:cNvSpPr txBox="1"/>
+            <p:nvPr/>
+          </p:nvSpPr>
+          <p:spPr>
+            <a:xfrm rot="2069779">
+              <a:off x="4377052" y="1595476"/>
+              <a:ext cx="798265" cy="307888"/>
+            </a:xfrm>
+            <a:prstGeom prst="rect">
+              <a:avLst/>
+            </a:prstGeom>
+            <a:noFill/>
+            <a:ln>
+              <a:noFill/>
+            </a:ln>
+          </p:spPr>
+          <p:txBody>
+            <a:bodyPr anchorCtr="0" anchor="t" bIns="91425" lIns="91425" spcFirstLastPara="1" rIns="91425" wrap="square" tIns="91425">
+              <a:spAutoFit/>
+            </a:bodyPr>
+            <a:lstStyle/>
+            <a:p>
+              <a:pPr indent="0" lvl="0" marL="0" rtl="0" algn="l">
+                <a:spcBef>
+                  <a:spcPts val="0"/>
+                </a:spcBef>
+                <a:spcAft>
+                  <a:spcPts val="0"/>
+                </a:spcAft>
+                <a:buNone/>
+              </a:pPr>
+              <a:r>
+                <a:rPr b="1" lang="es" sz="800">
+                  <a:solidFill>
+                    <a:srgbClr val="0000FF"/>
+                  </a:solidFill>
+                  <a:latin typeface="Nunito"/>
+                  <a:ea typeface="Nunito"/>
+                  <a:cs typeface="Nunito"/>
+                  <a:sym typeface="Nunito"/>
+                </a:rPr>
+                <a:t>Av Cantilo</a:t>
+              </a:r>
+              <a:endParaRPr b="1" sz="800">
+                <a:solidFill>
+                  <a:srgbClr val="0000FF"/>
+                </a:solidFill>
+                <a:latin typeface="Nunito"/>
+                <a:ea typeface="Nunito"/>
+                <a:cs typeface="Nunito"/>
+                <a:sym typeface="Nunito"/>
+              </a:endParaRPr>
+            </a:p>
+          </p:txBody>
+        </p:sp>
+        <p:sp>
+          <p:nvSpPr>
+            <p:cNvPr id="313" name="Google Shape;313;p16"/>
+            <p:cNvSpPr txBox="1"/>
+            <p:nvPr/>
+          </p:nvSpPr>
+          <p:spPr>
+            <a:xfrm rot="4640503">
+              <a:off x="5453128" y="3575887"/>
+              <a:ext cx="777600" cy="307793"/>
+            </a:xfrm>
+            <a:prstGeom prst="rect">
+              <a:avLst/>
+            </a:prstGeom>
+            <a:noFill/>
+            <a:ln>
+              <a:noFill/>
+            </a:ln>
+          </p:spPr>
+          <p:txBody>
+            <a:bodyPr anchorCtr="0" anchor="t" bIns="91425" lIns="91425" spcFirstLastPara="1" rIns="91425" wrap="square" tIns="91425">
+              <a:spAutoFit/>
+            </a:bodyPr>
+            <a:lstStyle/>
+            <a:p>
+              <a:pPr indent="0" lvl="0" marL="0" rtl="0" algn="l">
+                <a:spcBef>
+                  <a:spcPts val="0"/>
+                </a:spcBef>
+                <a:spcAft>
+                  <a:spcPts val="0"/>
+                </a:spcAft>
+                <a:buNone/>
+              </a:pPr>
+              <a:r>
+                <a:rPr b="1" lang="es" sz="800">
+                  <a:solidFill>
+                    <a:srgbClr val="0000FF"/>
+                  </a:solidFill>
+                  <a:latin typeface="Nunito"/>
+                  <a:ea typeface="Nunito"/>
+                  <a:cs typeface="Nunito"/>
+                  <a:sym typeface="Nunito"/>
+                </a:rPr>
+                <a:t>AU Frondizi</a:t>
+              </a:r>
+              <a:endParaRPr b="1" sz="800">
+                <a:solidFill>
+                  <a:srgbClr val="0000FF"/>
+                </a:solidFill>
+                <a:latin typeface="Nunito"/>
+                <a:ea typeface="Nunito"/>
+                <a:cs typeface="Nunito"/>
+                <a:sym typeface="Nunito"/>
+              </a:endParaRPr>
+            </a:p>
+          </p:txBody>
+        </p:sp>
+      </p:grpSp>
+    </p:spTree>
+  </p:cSld>
+  <p:clrMapOvr>
+    <a:masterClrMapping/>
+  </p:clrMapOvr>
+</p:sld>
+</file>
+
+<file path=ppt/slides/slide5.xml><?xml version="1.0" encoding="utf-8"?>
+<p:sld xmlns:a="http://schemas.openxmlformats.org/drawingml/2006/main" xmlns:r="http://schemas.openxmlformats.org/officeDocument/2006/relationships" xmlns:mc="http://schemas.openxmlformats.org/markup-compatibility/2006" xmlns:mv="urn:schemas-microsoft-com:mac:vml" xmlns:p="http://schemas.openxmlformats.org/presentationml/2006/main" xmlns:c="http://schemas.openxmlformats.org/drawingml/2006/chart" xmlns:dgm="http://schemas.openxmlformats.org/drawingml/2006/diagram" xmlns:o="urn:schemas-microsoft-com:office:office" xmlns:v="urn:schemas-microsoft-com:vml" xmlns:pvml="urn:schemas-microsoft-com:office:powerpoint" xmlns:com="http://schemas.openxmlformats.org/drawingml/2006/compatibility" xmlns:p14="http://schemas.microsoft.com/office/powerpoint/2010/main" xmlns:p15="http://schemas.microsoft.com/office/powerpoint/2012/main" xmlns:ahyp="http://schemas.microsoft.com/office/drawing/2018/hyperlinkcolor">
+  <p:cSld>
+    <p:spTree>
+      <p:nvGrpSpPr>
+        <p:cNvPr id="317" name="Shape 317"/>
+        <p:cNvGrpSpPr/>
+        <p:nvPr/>
+      </p:nvGrpSpPr>
+      <p:grpSpPr>
+        <a:xfrm>
+          <a:off x="0" y="0"/>
+          <a:ext cx="0" cy="0"/>
+          <a:chOff x="0" y="0"/>
+          <a:chExt cx="0" cy="0"/>
+        </a:xfrm>
+      </p:grpSpPr>
+      <p:sp>
+        <p:nvSpPr>
+          <p:cNvPr id="318" name="Google Shape;318;p17"/>
+          <p:cNvSpPr txBox="1"/>
+          <p:nvPr>
+            <p:ph type="title"/>
+          </p:nvPr>
+        </p:nvSpPr>
+        <p:spPr>
+          <a:xfrm>
+            <a:off x="1303800" y="598575"/>
+            <a:ext cx="7030500" cy="999300"/>
+          </a:xfrm>
+          <a:prstGeom prst="rect">
+            <a:avLst/>
+          </a:prstGeom>
+        </p:spPr>
+        <p:txBody>
+          <a:bodyPr anchorCtr="0" anchor="t" bIns="91425" lIns="91425" spcFirstLastPara="1" rIns="91425" wrap="square" tIns="91425">
+            <a:normAutofit/>
+          </a:bodyPr>
+          <a:lstStyle/>
+          <a:p>
+            <a:pPr indent="0" lvl="0" marL="0" rtl="0" algn="l">
+              <a:spcBef>
+                <a:spcPts val="0"/>
+              </a:spcBef>
+              <a:spcAft>
+                <a:spcPts val="0"/>
+              </a:spcAft>
+              <a:buNone/>
+            </a:pPr>
+            <a:r>
+              <a:rPr lang="es"/>
               <a:t>Audiencia</a:t>
             </a:r>
             <a:endParaRPr/>
@@ -21611,7 +24572,7 @@
       </p:sp>
       <p:sp>
         <p:nvSpPr>
-          <p:cNvPr id="299" name="Google Shape;299;p16"/>
+          <p:cNvPr id="319" name="Google Shape;319;p17"/>
           <p:cNvSpPr txBox="1"/>
           <p:nvPr>
             <p:ph idx="1" type="body"/>
@@ -21723,7 +24684,7 @@
       </p:sp>
       <p:sp>
         <p:nvSpPr>
-          <p:cNvPr id="300" name="Google Shape;300;p16"/>
+          <p:cNvPr id="320" name="Google Shape;320;p17"/>
           <p:cNvSpPr txBox="1"/>
           <p:nvPr>
             <p:ph idx="12" type="sldNum"/>
@@ -21769,12 +24730,12 @@
 </p:sld>
 </file>
 
-<file path=ppt/slides/slide5.xml><?xml version="1.0" encoding="utf-8"?>
+<file path=ppt/slides/slide6.xml><?xml version="1.0" encoding="utf-8"?>
 <p:sld xmlns:a="http://schemas.openxmlformats.org/drawingml/2006/main" xmlns:r="http://schemas.openxmlformats.org/officeDocument/2006/relationships" xmlns:mc="http://schemas.openxmlformats.org/markup-compatibility/2006" xmlns:mv="urn:schemas-microsoft-com:mac:vml" xmlns:p="http://schemas.openxmlformats.org/presentationml/2006/main" xmlns:c="http://schemas.openxmlformats.org/drawingml/2006/chart" xmlns:dgm="http://schemas.openxmlformats.org/drawingml/2006/diagram" xmlns:o="urn:schemas-microsoft-com:office:office" xmlns:v="urn:schemas-microsoft-com:vml" xmlns:pvml="urn:schemas-microsoft-com:office:powerpoint" xmlns:com="http://schemas.openxmlformats.org/drawingml/2006/compatibility" xmlns:p14="http://schemas.microsoft.com/office/powerpoint/2010/main" xmlns:p15="http://schemas.microsoft.com/office/powerpoint/2012/main" xmlns:ahyp="http://schemas.microsoft.com/office/drawing/2018/hyperlinkcolor">
   <p:cSld>
     <p:spTree>
       <p:nvGrpSpPr>
-        <p:cNvPr id="304" name="Shape 304"/>
+        <p:cNvPr id="324" name="Shape 324"/>
         <p:cNvGrpSpPr/>
         <p:nvPr/>
       </p:nvGrpSpPr>
@@ -21788,7 +24749,7 @@
       </p:grpSpPr>
       <p:sp>
         <p:nvSpPr>
-          <p:cNvPr id="305" name="Google Shape;305;p17"/>
+          <p:cNvPr id="325" name="Google Shape;325;p18"/>
           <p:cNvSpPr txBox="1"/>
           <p:nvPr>
             <p:ph type="title"/>
@@ -21828,7 +24789,7 @@
       </p:sp>
       <p:sp>
         <p:nvSpPr>
-          <p:cNvPr id="306" name="Google Shape;306;p17"/>
+          <p:cNvPr id="326" name="Google Shape;326;p18"/>
           <p:cNvSpPr txBox="1"/>
           <p:nvPr>
             <p:ph idx="1" type="body"/>
@@ -21972,7 +24933,7 @@
       </p:sp>
       <p:pic>
         <p:nvPicPr>
-          <p:cNvPr id="307" name="Google Shape;307;p17"/>
+          <p:cNvPr id="327" name="Google Shape;327;p18"/>
           <p:cNvPicPr preferRelativeResize="0"/>
           <p:nvPr/>
         </p:nvPicPr>
@@ -22000,7 +24961,7 @@
       </p:pic>
       <p:pic>
         <p:nvPicPr>
-          <p:cNvPr id="308" name="Google Shape;308;p17"/>
+          <p:cNvPr id="328" name="Google Shape;328;p18"/>
           <p:cNvPicPr preferRelativeResize="0"/>
           <p:nvPr/>
         </p:nvPicPr>
@@ -22028,7 +24989,7 @@
       </p:pic>
       <p:pic>
         <p:nvPicPr>
-          <p:cNvPr id="309" name="Google Shape;309;p17"/>
+          <p:cNvPr id="329" name="Google Shape;329;p18"/>
           <p:cNvPicPr preferRelativeResize="0"/>
           <p:nvPr/>
         </p:nvPicPr>
@@ -22056,7 +25017,7 @@
       </p:pic>
       <p:pic>
         <p:nvPicPr>
-          <p:cNvPr id="310" name="Google Shape;310;p17"/>
+          <p:cNvPr id="330" name="Google Shape;330;p18"/>
           <p:cNvPicPr preferRelativeResize="0"/>
           <p:nvPr/>
         </p:nvPicPr>
@@ -22084,7 +25045,7 @@
       </p:pic>
       <p:pic>
         <p:nvPicPr>
-          <p:cNvPr id="311" name="Google Shape;311;p17"/>
+          <p:cNvPr id="331" name="Google Shape;331;p18"/>
           <p:cNvPicPr preferRelativeResize="0"/>
           <p:nvPr/>
         </p:nvPicPr>
@@ -22112,7 +25073,7 @@
       </p:pic>
       <p:pic>
         <p:nvPicPr>
-          <p:cNvPr id="312" name="Google Shape;312;p17"/>
+          <p:cNvPr id="332" name="Google Shape;332;p18"/>
           <p:cNvPicPr preferRelativeResize="0"/>
           <p:nvPr/>
         </p:nvPicPr>
@@ -22140,7 +25101,7 @@
       </p:pic>
       <p:sp>
         <p:nvSpPr>
-          <p:cNvPr id="313" name="Google Shape;313;p17"/>
+          <p:cNvPr id="333" name="Google Shape;333;p18"/>
           <p:cNvSpPr txBox="1"/>
           <p:nvPr>
             <p:ph idx="12" type="sldNum"/>
@@ -22180,7 +25141,7 @@
       </p:sp>
       <p:sp>
         <p:nvSpPr>
-          <p:cNvPr id="314" name="Google Shape;314;p17"/>
+          <p:cNvPr id="334" name="Google Shape;334;p18"/>
           <p:cNvSpPr txBox="1"/>
           <p:nvPr/>
         </p:nvSpPr>
@@ -22238,12 +25199,12 @@
 </p:sld>
 </file>
 
-<file path=ppt/slides/slide6.xml><?xml version="1.0" encoding="utf-8"?>
+<file path=ppt/slides/slide7.xml><?xml version="1.0" encoding="utf-8"?>
 <p:sld xmlns:a="http://schemas.openxmlformats.org/drawingml/2006/main" xmlns:r="http://schemas.openxmlformats.org/officeDocument/2006/relationships" xmlns:mc="http://schemas.openxmlformats.org/markup-compatibility/2006" xmlns:mv="urn:schemas-microsoft-com:mac:vml" xmlns:p="http://schemas.openxmlformats.org/presentationml/2006/main" xmlns:c="http://schemas.openxmlformats.org/drawingml/2006/chart" xmlns:dgm="http://schemas.openxmlformats.org/drawingml/2006/diagram" xmlns:o="urn:schemas-microsoft-com:office:office" xmlns:v="urn:schemas-microsoft-com:vml" xmlns:pvml="urn:schemas-microsoft-com:office:powerpoint" xmlns:com="http://schemas.openxmlformats.org/drawingml/2006/compatibility" xmlns:p14="http://schemas.microsoft.com/office/powerpoint/2010/main" xmlns:p15="http://schemas.microsoft.com/office/powerpoint/2012/main" xmlns:ahyp="http://schemas.microsoft.com/office/drawing/2018/hyperlinkcolor">
   <p:cSld>
     <p:spTree>
       <p:nvGrpSpPr>
-        <p:cNvPr id="318" name="Shape 318"/>
+        <p:cNvPr id="338" name="Shape 338"/>
         <p:cNvGrpSpPr/>
         <p:nvPr/>
       </p:nvGrpSpPr>
@@ -22257,7 +25218,7 @@
       </p:grpSpPr>
       <p:sp>
         <p:nvSpPr>
-          <p:cNvPr id="319" name="Google Shape;319;p18"/>
+          <p:cNvPr id="339" name="Google Shape;339;p19"/>
           <p:cNvSpPr txBox="1"/>
           <p:nvPr>
             <p:ph type="title"/>
@@ -22297,7 +25258,7 @@
       </p:sp>
       <p:sp>
         <p:nvSpPr>
-          <p:cNvPr id="320" name="Google Shape;320;p18"/>
+          <p:cNvPr id="340" name="Google Shape;340;p19"/>
           <p:cNvSpPr txBox="1"/>
           <p:nvPr/>
         </p:nvSpPr>
@@ -22404,7 +25365,7 @@
       </p:sp>
       <p:sp>
         <p:nvSpPr>
-          <p:cNvPr id="321" name="Google Shape;321;p18"/>
+          <p:cNvPr id="341" name="Google Shape;341;p19"/>
           <p:cNvSpPr txBox="1"/>
           <p:nvPr/>
         </p:nvSpPr>
@@ -22456,7 +25417,7 @@
       </p:sp>
       <p:pic>
         <p:nvPicPr>
-          <p:cNvPr id="322" name="Google Shape;322;p18"/>
+          <p:cNvPr id="342" name="Google Shape;342;p19"/>
           <p:cNvPicPr preferRelativeResize="0"/>
           <p:nvPr/>
         </p:nvPicPr>
@@ -22484,7 +25445,7 @@
       </p:pic>
       <p:sp>
         <p:nvSpPr>
-          <p:cNvPr id="323" name="Google Shape;323;p18"/>
+          <p:cNvPr id="343" name="Google Shape;343;p19"/>
           <p:cNvSpPr/>
           <p:nvPr/>
         </p:nvSpPr>
@@ -22550,7 +25511,7 @@
       </p:sp>
       <p:sp>
         <p:nvSpPr>
-          <p:cNvPr id="324" name="Google Shape;324;p18"/>
+          <p:cNvPr id="344" name="Google Shape;344;p19"/>
           <p:cNvSpPr/>
           <p:nvPr/>
         </p:nvSpPr>
@@ -22616,7 +25577,7 @@
       </p:sp>
       <p:sp>
         <p:nvSpPr>
-          <p:cNvPr id="325" name="Google Shape;325;p18"/>
+          <p:cNvPr id="345" name="Google Shape;345;p19"/>
           <p:cNvSpPr/>
           <p:nvPr/>
         </p:nvSpPr>
@@ -22682,7 +25643,7 @@
       </p:sp>
       <p:sp>
         <p:nvSpPr>
-          <p:cNvPr id="326" name="Google Shape;326;p18"/>
+          <p:cNvPr id="346" name="Google Shape;346;p19"/>
           <p:cNvSpPr/>
           <p:nvPr/>
         </p:nvSpPr>
@@ -22729,7 +25690,7 @@
       </p:sp>
       <p:sp>
         <p:nvSpPr>
-          <p:cNvPr id="327" name="Google Shape;327;p18"/>
+          <p:cNvPr id="347" name="Google Shape;347;p19"/>
           <p:cNvSpPr/>
           <p:nvPr/>
         </p:nvSpPr>
@@ -22779,7 +25740,7 @@
       </p:sp>
       <p:pic>
         <p:nvPicPr>
-          <p:cNvPr id="328" name="Google Shape;328;p18"/>
+          <p:cNvPr id="348" name="Google Shape;348;p19"/>
           <p:cNvPicPr preferRelativeResize="0"/>
           <p:nvPr/>
         </p:nvPicPr>
@@ -22807,7 +25768,7 @@
       </p:pic>
       <p:sp>
         <p:nvSpPr>
-          <p:cNvPr id="329" name="Google Shape;329;p18"/>
+          <p:cNvPr id="349" name="Google Shape;349;p19"/>
           <p:cNvSpPr/>
           <p:nvPr/>
         </p:nvSpPr>
@@ -22873,7 +25834,7 @@
       </p:sp>
       <p:pic>
         <p:nvPicPr>
-          <p:cNvPr id="330" name="Google Shape;330;p18"/>
+          <p:cNvPr id="350" name="Google Shape;350;p19"/>
           <p:cNvPicPr preferRelativeResize="0"/>
           <p:nvPr/>
         </p:nvPicPr>
@@ -22901,7 +25862,7 @@
       </p:pic>
       <p:sp>
         <p:nvSpPr>
-          <p:cNvPr id="331" name="Google Shape;331;p18"/>
+          <p:cNvPr id="351" name="Google Shape;351;p19"/>
           <p:cNvSpPr/>
           <p:nvPr/>
         </p:nvSpPr>
@@ -22967,7 +25928,7 @@
       </p:sp>
       <p:pic>
         <p:nvPicPr>
-          <p:cNvPr id="332" name="Google Shape;332;p18"/>
+          <p:cNvPr id="352" name="Google Shape;352;p19"/>
           <p:cNvPicPr preferRelativeResize="0"/>
           <p:nvPr/>
         </p:nvPicPr>
@@ -22995,7 +25956,7 @@
       </p:pic>
       <p:sp>
         <p:nvSpPr>
-          <p:cNvPr id="333" name="Google Shape;333;p18"/>
+          <p:cNvPr id="353" name="Google Shape;353;p19"/>
           <p:cNvSpPr/>
           <p:nvPr/>
         </p:nvSpPr>
@@ -23061,7 +26022,7 @@
       </p:sp>
       <p:pic>
         <p:nvPicPr>
-          <p:cNvPr id="334" name="Google Shape;334;p18"/>
+          <p:cNvPr id="354" name="Google Shape;354;p19"/>
           <p:cNvPicPr preferRelativeResize="0"/>
           <p:nvPr/>
         </p:nvPicPr>
@@ -23089,7 +26050,7 @@
       </p:pic>
       <p:sp>
         <p:nvSpPr>
-          <p:cNvPr id="335" name="Google Shape;335;p18"/>
+          <p:cNvPr id="355" name="Google Shape;355;p19"/>
           <p:cNvSpPr/>
           <p:nvPr/>
         </p:nvSpPr>
@@ -23155,7 +26116,7 @@
       </p:sp>
       <p:pic>
         <p:nvPicPr>
-          <p:cNvPr id="336" name="Google Shape;336;p18"/>
+          <p:cNvPr id="356" name="Google Shape;356;p19"/>
           <p:cNvPicPr preferRelativeResize="0"/>
           <p:nvPr/>
         </p:nvPicPr>
@@ -23183,7 +26144,7 @@
       </p:pic>
       <p:grpSp>
         <p:nvGrpSpPr>
-          <p:cNvPr id="337" name="Google Shape;337;p18"/>
+          <p:cNvPr id="357" name="Google Shape;357;p19"/>
           <p:cNvGrpSpPr/>
           <p:nvPr/>
         </p:nvGrpSpPr>
@@ -23197,7 +26158,7 @@
         </p:grpSpPr>
         <p:sp>
           <p:nvSpPr>
-            <p:cNvPr id="338" name="Google Shape;338;p18"/>
+            <p:cNvPr id="358" name="Google Shape;358;p19"/>
             <p:cNvSpPr txBox="1"/>
             <p:nvPr/>
           </p:nvSpPr>
@@ -23275,7 +26236,7 @@
         </p:sp>
         <p:pic>
           <p:nvPicPr>
-            <p:cNvPr id="339" name="Google Shape;339;p18"/>
+            <p:cNvPr id="359" name="Google Shape;359;p19"/>
             <p:cNvPicPr preferRelativeResize="0"/>
             <p:nvPr/>
           </p:nvPicPr>
@@ -23304,7 +26265,7 @@
       </p:grpSp>
       <p:pic>
         <p:nvPicPr>
-          <p:cNvPr id="340" name="Google Shape;340;p18"/>
+          <p:cNvPr id="360" name="Google Shape;360;p19"/>
           <p:cNvPicPr preferRelativeResize="0"/>
           <p:nvPr/>
         </p:nvPicPr>
@@ -23332,7 +26293,7 @@
       </p:pic>
       <p:pic>
         <p:nvPicPr>
-          <p:cNvPr id="341" name="Google Shape;341;p18"/>
+          <p:cNvPr id="361" name="Google Shape;361;p19"/>
           <p:cNvPicPr preferRelativeResize="0"/>
           <p:nvPr/>
         </p:nvPicPr>
@@ -23360,7 +26321,7 @@
       </p:pic>
       <p:pic>
         <p:nvPicPr>
-          <p:cNvPr id="342" name="Google Shape;342;p18"/>
+          <p:cNvPr id="362" name="Google Shape;362;p19"/>
           <p:cNvPicPr preferRelativeResize="0"/>
           <p:nvPr/>
         </p:nvPicPr>
@@ -23388,7 +26349,7 @@
       </p:pic>
       <p:pic>
         <p:nvPicPr>
-          <p:cNvPr id="343" name="Google Shape;343;p18"/>
+          <p:cNvPr id="363" name="Google Shape;363;p19"/>
           <p:cNvPicPr preferRelativeResize="0"/>
           <p:nvPr/>
         </p:nvPicPr>
@@ -23416,7 +26377,7 @@
       </p:pic>
       <p:pic>
         <p:nvPicPr>
-          <p:cNvPr id="344" name="Google Shape;344;p18"/>
+          <p:cNvPr id="364" name="Google Shape;364;p19"/>
           <p:cNvPicPr preferRelativeResize="0"/>
           <p:nvPr/>
         </p:nvPicPr>
@@ -23444,7 +26405,7 @@
       </p:pic>
       <p:pic>
         <p:nvPicPr>
-          <p:cNvPr id="345" name="Google Shape;345;p18"/>
+          <p:cNvPr id="365" name="Google Shape;365;p19"/>
           <p:cNvPicPr preferRelativeResize="0"/>
           <p:nvPr/>
         </p:nvPicPr>
@@ -23472,7 +26433,7 @@
       </p:pic>
       <p:sp>
         <p:nvSpPr>
-          <p:cNvPr id="346" name="Google Shape;346;p18"/>
+          <p:cNvPr id="366" name="Google Shape;366;p19"/>
           <p:cNvSpPr/>
           <p:nvPr/>
         </p:nvSpPr>
@@ -23522,7 +26483,7 @@
       </p:sp>
       <p:sp>
         <p:nvSpPr>
-          <p:cNvPr id="347" name="Google Shape;347;p18"/>
+          <p:cNvPr id="367" name="Google Shape;367;p19"/>
           <p:cNvSpPr txBox="1"/>
           <p:nvPr>
             <p:ph idx="12" type="sldNum"/>
@@ -23562,7 +26523,7 @@
       </p:sp>
       <p:sp>
         <p:nvSpPr>
-          <p:cNvPr id="348" name="Google Shape;348;p18"/>
+          <p:cNvPr id="368" name="Google Shape;368;p19"/>
           <p:cNvSpPr/>
           <p:nvPr/>
         </p:nvSpPr>
@@ -23612,7 +26573,7 @@
       </p:sp>
       <p:sp>
         <p:nvSpPr>
-          <p:cNvPr id="349" name="Google Shape;349;p18"/>
+          <p:cNvPr id="369" name="Google Shape;369;p19"/>
           <p:cNvSpPr/>
           <p:nvPr/>
         </p:nvSpPr>
@@ -23662,7 +26623,7 @@
       </p:sp>
       <p:sp>
         <p:nvSpPr>
-          <p:cNvPr id="350" name="Google Shape;350;p18"/>
+          <p:cNvPr id="370" name="Google Shape;370;p19"/>
           <p:cNvSpPr/>
           <p:nvPr/>
         </p:nvSpPr>
@@ -23712,7 +26673,7 @@
       </p:sp>
       <p:sp>
         <p:nvSpPr>
-          <p:cNvPr id="351" name="Google Shape;351;p18"/>
+          <p:cNvPr id="371" name="Google Shape;371;p19"/>
           <p:cNvSpPr/>
           <p:nvPr/>
         </p:nvSpPr>
@@ -23762,7 +26723,7 @@
       </p:sp>
       <p:pic>
         <p:nvPicPr>
-          <p:cNvPr id="352" name="Google Shape;352;p18"/>
+          <p:cNvPr id="372" name="Google Shape;372;p19"/>
           <p:cNvPicPr preferRelativeResize="0"/>
           <p:nvPr/>
         </p:nvPicPr>
@@ -23790,7 +26751,7 @@
       </p:pic>
       <p:pic>
         <p:nvPicPr>
-          <p:cNvPr id="353" name="Google Shape;353;p18"/>
+          <p:cNvPr id="373" name="Google Shape;373;p19"/>
           <p:cNvPicPr preferRelativeResize="0"/>
           <p:nvPr/>
         </p:nvPicPr>
@@ -23818,7 +26779,7 @@
       </p:pic>
       <p:pic>
         <p:nvPicPr>
-          <p:cNvPr id="354" name="Google Shape;354;p18"/>
+          <p:cNvPr id="374" name="Google Shape;374;p19"/>
           <p:cNvPicPr preferRelativeResize="0"/>
           <p:nvPr/>
         </p:nvPicPr>
@@ -23846,7 +26807,7 @@
       </p:pic>
       <p:pic>
         <p:nvPicPr>
-          <p:cNvPr id="355" name="Google Shape;355;p18"/>
+          <p:cNvPr id="375" name="Google Shape;375;p19"/>
           <p:cNvPicPr preferRelativeResize="0"/>
           <p:nvPr/>
         </p:nvPicPr>
@@ -23874,7 +26835,7 @@
       </p:pic>
       <p:pic>
         <p:nvPicPr>
-          <p:cNvPr id="356" name="Google Shape;356;p18"/>
+          <p:cNvPr id="376" name="Google Shape;376;p19"/>
           <p:cNvPicPr preferRelativeResize="0"/>
           <p:nvPr/>
         </p:nvPicPr>
@@ -23908,12 +26869,12 @@
 </p:sld>
 </file>
 
-<file path=ppt/slides/slide7.xml><?xml version="1.0" encoding="utf-8"?>
+<file path=ppt/slides/slide8.xml><?xml version="1.0" encoding="utf-8"?>
 <p:sld xmlns:a="http://schemas.openxmlformats.org/drawingml/2006/main" xmlns:r="http://schemas.openxmlformats.org/officeDocument/2006/relationships" xmlns:mc="http://schemas.openxmlformats.org/markup-compatibility/2006" xmlns:mv="urn:schemas-microsoft-com:mac:vml" xmlns:p="http://schemas.openxmlformats.org/presentationml/2006/main" xmlns:c="http://schemas.openxmlformats.org/drawingml/2006/chart" xmlns:dgm="http://schemas.openxmlformats.org/drawingml/2006/diagram" xmlns:o="urn:schemas-microsoft-com:office:office" xmlns:v="urn:schemas-microsoft-com:vml" xmlns:pvml="urn:schemas-microsoft-com:office:powerpoint" xmlns:com="http://schemas.openxmlformats.org/drawingml/2006/compatibility" xmlns:p14="http://schemas.microsoft.com/office/powerpoint/2010/main" xmlns:p15="http://schemas.microsoft.com/office/powerpoint/2012/main" xmlns:ahyp="http://schemas.microsoft.com/office/drawing/2018/hyperlinkcolor">
   <p:cSld>
     <p:spTree>
       <p:nvGrpSpPr>
-        <p:cNvPr id="360" name="Shape 360"/>
+        <p:cNvPr id="380" name="Shape 380"/>
         <p:cNvGrpSpPr/>
         <p:nvPr/>
       </p:nvGrpSpPr>
@@ -23927,7 +26888,7 @@
       </p:grpSpPr>
       <p:sp>
         <p:nvSpPr>
-          <p:cNvPr id="361" name="Google Shape;361;p19"/>
+          <p:cNvPr id="381" name="Google Shape;381;p20"/>
           <p:cNvSpPr txBox="1"/>
           <p:nvPr>
             <p:ph type="title"/>
@@ -23983,7 +26944,7 @@
       </p:sp>
       <p:sp>
         <p:nvSpPr>
-          <p:cNvPr id="362" name="Google Shape;362;p19"/>
+          <p:cNvPr id="382" name="Google Shape;382;p20"/>
           <p:cNvSpPr txBox="1"/>
           <p:nvPr>
             <p:ph idx="1" type="body"/>
@@ -24031,7 +26992,7 @@
       </p:sp>
       <p:sp>
         <p:nvSpPr>
-          <p:cNvPr id="363" name="Google Shape;363;p19"/>
+          <p:cNvPr id="383" name="Google Shape;383;p20"/>
           <p:cNvSpPr txBox="1"/>
           <p:nvPr>
             <p:ph idx="12" type="sldNum"/>
@@ -24077,12 +27038,12 @@
 </p:sld>
 </file>
 
-<file path=ppt/slides/slide8.xml><?xml version="1.0" encoding="utf-8"?>
+<file path=ppt/slides/slide9.xml><?xml version="1.0" encoding="utf-8"?>
 <p:sld xmlns:a="http://schemas.openxmlformats.org/drawingml/2006/main" xmlns:r="http://schemas.openxmlformats.org/officeDocument/2006/relationships" xmlns:mc="http://schemas.openxmlformats.org/markup-compatibility/2006" xmlns:mv="urn:schemas-microsoft-com:mac:vml" xmlns:p="http://schemas.openxmlformats.org/presentationml/2006/main" xmlns:c="http://schemas.openxmlformats.org/drawingml/2006/chart" xmlns:dgm="http://schemas.openxmlformats.org/drawingml/2006/diagram" xmlns:o="urn:schemas-microsoft-com:office:office" xmlns:v="urn:schemas-microsoft-com:vml" xmlns:pvml="urn:schemas-microsoft-com:office:powerpoint" xmlns:com="http://schemas.openxmlformats.org/drawingml/2006/compatibility" xmlns:p14="http://schemas.microsoft.com/office/powerpoint/2010/main" xmlns:p15="http://schemas.microsoft.com/office/powerpoint/2012/main" xmlns:ahyp="http://schemas.microsoft.com/office/drawing/2018/hyperlinkcolor">
   <p:cSld>
     <p:spTree>
       <p:nvGrpSpPr>
-        <p:cNvPr id="367" name="Shape 367"/>
+        <p:cNvPr id="387" name="Shape 387"/>
         <p:cNvGrpSpPr/>
         <p:nvPr/>
       </p:nvGrpSpPr>
@@ -24096,7 +27057,7 @@
       </p:grpSpPr>
       <p:sp>
         <p:nvSpPr>
-          <p:cNvPr id="368" name="Google Shape;368;p20"/>
+          <p:cNvPr id="388" name="Google Shape;388;p21"/>
           <p:cNvSpPr txBox="1"/>
           <p:nvPr>
             <p:ph type="title"/>
@@ -24136,7 +27097,7 @@
       </p:sp>
       <p:pic>
         <p:nvPicPr>
-          <p:cNvPr id="369" name="Google Shape;369;p20"/>
+          <p:cNvPr id="389" name="Google Shape;389;p21"/>
           <p:cNvPicPr preferRelativeResize="0"/>
           <p:nvPr/>
         </p:nvPicPr>
@@ -24164,7 +27125,7 @@
       </p:pic>
       <p:sp>
         <p:nvSpPr>
-          <p:cNvPr id="370" name="Google Shape;370;p20"/>
+          <p:cNvPr id="390" name="Google Shape;390;p21"/>
           <p:cNvSpPr txBox="1"/>
           <p:nvPr/>
         </p:nvSpPr>
@@ -24287,7 +27248,7 @@
       </p:sp>
       <p:pic>
         <p:nvPicPr>
-          <p:cNvPr id="371" name="Google Shape;371;p20"/>
+          <p:cNvPr id="391" name="Google Shape;391;p21"/>
           <p:cNvPicPr preferRelativeResize="0"/>
           <p:nvPr/>
         </p:nvPicPr>
@@ -24315,7 +27276,7 @@
       </p:pic>
       <p:pic>
         <p:nvPicPr>
-          <p:cNvPr id="372" name="Google Shape;372;p20"/>
+          <p:cNvPr id="392" name="Google Shape;392;p21"/>
           <p:cNvPicPr preferRelativeResize="0"/>
           <p:nvPr/>
         </p:nvPicPr>
@@ -24343,478 +27304,7 @@
       </p:pic>
       <p:sp>
         <p:nvSpPr>
-          <p:cNvPr id="373" name="Google Shape;373;p20"/>
-          <p:cNvSpPr txBox="1"/>
-          <p:nvPr>
-            <p:ph idx="12" type="sldNum"/>
-          </p:nvPr>
-        </p:nvSpPr>
-        <p:spPr>
-          <a:xfrm>
-            <a:off x="8451046" y="4736976"/>
-            <a:ext cx="548700" cy="393600"/>
-          </a:xfrm>
-          <a:prstGeom prst="rect">
-            <a:avLst/>
-          </a:prstGeom>
-        </p:spPr>
-        <p:txBody>
-          <a:bodyPr anchorCtr="0" anchor="ctr" bIns="91425" lIns="91425" spcFirstLastPara="1" rIns="91425" wrap="square" tIns="91425">
-            <a:normAutofit/>
-          </a:bodyPr>
-          <a:lstStyle/>
-          <a:p>
-            <a:pPr indent="0" lvl="0" marL="0" rtl="0" algn="r">
-              <a:spcBef>
-                <a:spcPts val="0"/>
-              </a:spcBef>
-              <a:spcAft>
-                <a:spcPts val="0"/>
-              </a:spcAft>
-              <a:buNone/>
-            </a:pPr>
-            <a:fld id="{00000000-1234-1234-1234-123412341234}" type="slidenum">
-              <a:rPr lang="es"/>
-              <a:t>‹#›</a:t>
-            </a:fld>
-            <a:endParaRPr/>
-          </a:p>
-        </p:txBody>
-      </p:sp>
-    </p:spTree>
-  </p:cSld>
-  <p:clrMapOvr>
-    <a:masterClrMapping/>
-  </p:clrMapOvr>
-</p:sld>
-</file>
-
-<file path=ppt/slides/slide9.xml><?xml version="1.0" encoding="utf-8"?>
-<p:sld xmlns:a="http://schemas.openxmlformats.org/drawingml/2006/main" xmlns:r="http://schemas.openxmlformats.org/officeDocument/2006/relationships" xmlns:mc="http://schemas.openxmlformats.org/markup-compatibility/2006" xmlns:mv="urn:schemas-microsoft-com:mac:vml" xmlns:p="http://schemas.openxmlformats.org/presentationml/2006/main" xmlns:c="http://schemas.openxmlformats.org/drawingml/2006/chart" xmlns:dgm="http://schemas.openxmlformats.org/drawingml/2006/diagram" xmlns:o="urn:schemas-microsoft-com:office:office" xmlns:v="urn:schemas-microsoft-com:vml" xmlns:pvml="urn:schemas-microsoft-com:office:powerpoint" xmlns:com="http://schemas.openxmlformats.org/drawingml/2006/compatibility" xmlns:p14="http://schemas.microsoft.com/office/powerpoint/2010/main" xmlns:p15="http://schemas.microsoft.com/office/powerpoint/2012/main" xmlns:ahyp="http://schemas.microsoft.com/office/drawing/2018/hyperlinkcolor">
-  <p:cSld>
-    <p:spTree>
-      <p:nvGrpSpPr>
-        <p:cNvPr id="377" name="Shape 377"/>
-        <p:cNvGrpSpPr/>
-        <p:nvPr/>
-      </p:nvGrpSpPr>
-      <p:grpSpPr>
-        <a:xfrm>
-          <a:off x="0" y="0"/>
-          <a:ext cx="0" cy="0"/>
-          <a:chOff x="0" y="0"/>
-          <a:chExt cx="0" cy="0"/>
-        </a:xfrm>
-      </p:grpSpPr>
-      <p:sp>
-        <p:nvSpPr>
-          <p:cNvPr id="378" name="Google Shape;378;p21"/>
-          <p:cNvSpPr txBox="1"/>
-          <p:nvPr>
-            <p:ph type="title"/>
-          </p:nvPr>
-        </p:nvSpPr>
-        <p:spPr>
-          <a:xfrm>
-            <a:off x="1303800" y="598575"/>
-            <a:ext cx="7030500" cy="999300"/>
-          </a:xfrm>
-          <a:prstGeom prst="rect">
-            <a:avLst/>
-          </a:prstGeom>
-        </p:spPr>
-        <p:txBody>
-          <a:bodyPr anchorCtr="0" anchor="t" bIns="91425" lIns="91425" spcFirstLastPara="1" rIns="91425" wrap="square" tIns="91425">
-            <a:normAutofit/>
-          </a:bodyPr>
-          <a:lstStyle/>
-          <a:p>
-            <a:pPr indent="0" lvl="0" marL="0" rtl="0" algn="l">
-              <a:spcBef>
-                <a:spcPts val="0"/>
-              </a:spcBef>
-              <a:spcAft>
-                <a:spcPts val="0"/>
-              </a:spcAft>
-              <a:buNone/>
-            </a:pPr>
-            <a:r>
-              <a:rPr lang="es"/>
-              <a:t>Accidentes por km por Autopista</a:t>
-            </a:r>
-            <a:endParaRPr/>
-          </a:p>
-        </p:txBody>
-      </p:sp>
-      <p:pic>
-        <p:nvPicPr>
-          <p:cNvPr id="379" name="Google Shape;379;p21"/>
-          <p:cNvPicPr preferRelativeResize="0"/>
-          <p:nvPr/>
-        </p:nvPicPr>
-        <p:blipFill>
-          <a:blip r:embed="rId3">
-            <a:alphaModFix/>
-          </a:blip>
-          <a:stretch>
-            <a:fillRect/>
-          </a:stretch>
-        </p:blipFill>
-        <p:spPr>
-          <a:xfrm>
-            <a:off x="6418850" y="1208450"/>
-            <a:ext cx="1754600" cy="1363300"/>
-          </a:xfrm>
-          <a:prstGeom prst="rect">
-            <a:avLst/>
-          </a:prstGeom>
-          <a:noFill/>
-          <a:ln>
-            <a:noFill/>
-          </a:ln>
-        </p:spPr>
-      </p:pic>
-      <p:pic>
-        <p:nvPicPr>
-          <p:cNvPr id="380" name="Google Shape;380;p21"/>
-          <p:cNvPicPr preferRelativeResize="0"/>
-          <p:nvPr/>
-        </p:nvPicPr>
-        <p:blipFill>
-          <a:blip r:embed="rId4">
-            <a:alphaModFix/>
-          </a:blip>
-          <a:stretch>
-            <a:fillRect/>
-          </a:stretch>
-        </p:blipFill>
-        <p:spPr>
-          <a:xfrm>
-            <a:off x="3069500" y="2834125"/>
-            <a:ext cx="5962450" cy="2234250"/>
-          </a:xfrm>
-          <a:prstGeom prst="rect">
-            <a:avLst/>
-          </a:prstGeom>
-          <a:noFill/>
-          <a:ln>
-            <a:noFill/>
-          </a:ln>
-        </p:spPr>
-      </p:pic>
-      <p:sp>
-        <p:nvSpPr>
-          <p:cNvPr id="381" name="Google Shape;381;p21"/>
-          <p:cNvSpPr txBox="1"/>
-          <p:nvPr/>
-        </p:nvSpPr>
-        <p:spPr>
-          <a:xfrm>
-            <a:off x="221825" y="1414575"/>
-            <a:ext cx="2695500" cy="1046700"/>
-          </a:xfrm>
-          <a:prstGeom prst="rect">
-            <a:avLst/>
-          </a:prstGeom>
-          <a:noFill/>
-          <a:ln>
-            <a:noFill/>
-          </a:ln>
-        </p:spPr>
-        <p:txBody>
-          <a:bodyPr anchorCtr="0" anchor="t" bIns="91425" lIns="91425" spcFirstLastPara="1" rIns="91425" wrap="square" tIns="91425">
-            <a:spAutoFit/>
-          </a:bodyPr>
-          <a:lstStyle/>
-          <a:p>
-            <a:pPr indent="0" lvl="0" marL="0" rtl="0" algn="l">
-              <a:spcBef>
-                <a:spcPts val="0"/>
-              </a:spcBef>
-              <a:spcAft>
-                <a:spcPts val="0"/>
-              </a:spcAft>
-              <a:buNone/>
-            </a:pPr>
-            <a:r>
-              <a:rPr lang="es">
-                <a:latin typeface="Nunito"/>
-                <a:ea typeface="Nunito"/>
-                <a:cs typeface="Nunito"/>
-                <a:sym typeface="Nunito"/>
-              </a:rPr>
-              <a:t>Contamos con la extensión de cada autopista, por lo que podemos calcular la cantidad de accidentes por km</a:t>
-            </a:r>
-            <a:endParaRPr>
-              <a:latin typeface="Nunito"/>
-              <a:ea typeface="Nunito"/>
-              <a:cs typeface="Nunito"/>
-              <a:sym typeface="Nunito"/>
-            </a:endParaRPr>
-          </a:p>
-        </p:txBody>
-      </p:sp>
-      <p:pic>
-        <p:nvPicPr>
-          <p:cNvPr id="382" name="Google Shape;382;p21"/>
-          <p:cNvPicPr preferRelativeResize="0"/>
-          <p:nvPr/>
-        </p:nvPicPr>
-        <p:blipFill>
-          <a:blip r:embed="rId5">
-            <a:alphaModFix/>
-          </a:blip>
-          <a:stretch>
-            <a:fillRect/>
-          </a:stretch>
-        </p:blipFill>
-        <p:spPr>
-          <a:xfrm>
-            <a:off x="3445925" y="1597875"/>
-            <a:ext cx="2062600" cy="412550"/>
-          </a:xfrm>
-          <a:prstGeom prst="rect">
-            <a:avLst/>
-          </a:prstGeom>
-          <a:noFill/>
-          <a:ln>
-            <a:noFill/>
-          </a:ln>
-        </p:spPr>
-      </p:pic>
-      <p:sp>
-        <p:nvSpPr>
-          <p:cNvPr id="383" name="Google Shape;383;p21"/>
-          <p:cNvSpPr txBox="1"/>
-          <p:nvPr/>
-        </p:nvSpPr>
-        <p:spPr>
-          <a:xfrm>
-            <a:off x="355025" y="3198675"/>
-            <a:ext cx="2562300" cy="1262100"/>
-          </a:xfrm>
-          <a:prstGeom prst="rect">
-            <a:avLst/>
-          </a:prstGeom>
-          <a:noFill/>
-          <a:ln>
-            <a:noFill/>
-          </a:ln>
-        </p:spPr>
-        <p:txBody>
-          <a:bodyPr anchorCtr="0" anchor="t" bIns="91425" lIns="91425" spcFirstLastPara="1" rIns="91425" wrap="square" tIns="91425">
-            <a:spAutoFit/>
-          </a:bodyPr>
-          <a:lstStyle/>
-          <a:p>
-            <a:pPr indent="0" lvl="0" marL="0" rtl="0" algn="l">
-              <a:spcBef>
-                <a:spcPts val="0"/>
-              </a:spcBef>
-              <a:spcAft>
-                <a:spcPts val="0"/>
-              </a:spcAft>
-              <a:buNone/>
-            </a:pPr>
-            <a:r>
-              <a:rPr lang="es">
-                <a:latin typeface="Nunito"/>
-                <a:ea typeface="Nunito"/>
-                <a:cs typeface="Nunito"/>
-                <a:sym typeface="Nunito"/>
-              </a:rPr>
-              <a:t>Luego de escalar los datos observamos que la autopista </a:t>
-            </a:r>
-            <a:r>
-              <a:rPr b="1" lang="es">
-                <a:latin typeface="Nunito"/>
-                <a:ea typeface="Nunito"/>
-                <a:cs typeface="Nunito"/>
-                <a:sym typeface="Nunito"/>
-              </a:rPr>
-              <a:t>Dellepiane</a:t>
-            </a:r>
-            <a:r>
-              <a:rPr lang="es">
-                <a:latin typeface="Nunito"/>
-                <a:ea typeface="Nunito"/>
-                <a:cs typeface="Nunito"/>
-                <a:sym typeface="Nunito"/>
-              </a:rPr>
-              <a:t> presenta mayor cantidad de accidentes por km.</a:t>
-            </a:r>
-            <a:endParaRPr>
-              <a:latin typeface="Nunito"/>
-              <a:ea typeface="Nunito"/>
-              <a:cs typeface="Nunito"/>
-              <a:sym typeface="Nunito"/>
-            </a:endParaRPr>
-          </a:p>
-        </p:txBody>
-      </p:sp>
-      <p:pic>
-        <p:nvPicPr>
-          <p:cNvPr id="384" name="Google Shape;384;p21"/>
-          <p:cNvPicPr preferRelativeResize="0"/>
-          <p:nvPr/>
-        </p:nvPicPr>
-        <p:blipFill>
-          <a:blip r:embed="rId6">
-            <a:alphaModFix amt="36000"/>
-          </a:blip>
-          <a:stretch>
-            <a:fillRect/>
-          </a:stretch>
-        </p:blipFill>
-        <p:spPr>
-          <a:xfrm>
-            <a:off x="152400" y="3279475"/>
-            <a:ext cx="259500" cy="259500"/>
-          </a:xfrm>
-          <a:prstGeom prst="rect">
-            <a:avLst/>
-          </a:prstGeom>
-          <a:noFill/>
-          <a:ln>
-            <a:noFill/>
-          </a:ln>
-        </p:spPr>
-      </p:pic>
-      <p:sp>
-        <p:nvSpPr>
-          <p:cNvPr id="385" name="Google Shape;385;p21"/>
-          <p:cNvSpPr/>
-          <p:nvPr/>
-        </p:nvSpPr>
-        <p:spPr>
-          <a:xfrm rot="-5400000">
-            <a:off x="2951725" y="1602100"/>
-            <a:ext cx="307800" cy="404100"/>
-          </a:xfrm>
-          <a:prstGeom prst="downArrow">
-            <a:avLst>
-              <a:gd fmla="val 50000" name="adj1"/>
-              <a:gd fmla="val 50000" name="adj2"/>
-            </a:avLst>
-          </a:prstGeom>
-          <a:gradFill>
-            <a:gsLst>
-              <a:gs pos="0">
-                <a:srgbClr val="D4E5F5"/>
-              </a:gs>
-              <a:gs pos="100000">
-                <a:srgbClr val="70A4D5"/>
-              </a:gs>
-            </a:gsLst>
-            <a:path path="circle">
-              <a:fillToRect b="50%" l="50%" r="50%" t="50%"/>
-            </a:path>
-            <a:tileRect/>
-          </a:gradFill>
-          <a:ln cap="flat" cmpd="sng" w="9525">
-            <a:solidFill>
-              <a:schemeClr val="lt1"/>
-            </a:solidFill>
-            <a:prstDash val="solid"/>
-            <a:round/>
-            <a:headEnd len="sm" w="sm" type="none"/>
-            <a:tailEnd len="sm" w="sm" type="none"/>
-          </a:ln>
-        </p:spPr>
-        <p:txBody>
-          <a:bodyPr anchorCtr="0" anchor="ctr" bIns="91425" lIns="91425" spcFirstLastPara="1" rIns="91425" wrap="square" tIns="91425">
-            <a:noAutofit/>
-          </a:bodyPr>
-          <a:lstStyle/>
-          <a:p>
-            <a:pPr indent="0" lvl="0" marL="0" marR="0" rtl="0" algn="l">
-              <a:lnSpc>
-                <a:spcPct val="100000"/>
-              </a:lnSpc>
-              <a:spcBef>
-                <a:spcPts val="0"/>
-              </a:spcBef>
-              <a:spcAft>
-                <a:spcPts val="0"/>
-              </a:spcAft>
-              <a:buNone/>
-            </a:pPr>
-            <a:r>
-              <a:t/>
-            </a:r>
-            <a:endParaRPr/>
-          </a:p>
-        </p:txBody>
-      </p:sp>
-      <p:sp>
-        <p:nvSpPr>
-          <p:cNvPr id="386" name="Google Shape;386;p21"/>
-          <p:cNvSpPr/>
-          <p:nvPr/>
-        </p:nvSpPr>
-        <p:spPr>
-          <a:xfrm rot="-5400000">
-            <a:off x="5809788" y="1602100"/>
-            <a:ext cx="307800" cy="404100"/>
-          </a:xfrm>
-          <a:prstGeom prst="downArrow">
-            <a:avLst>
-              <a:gd fmla="val 50000" name="adj1"/>
-              <a:gd fmla="val 50000" name="adj2"/>
-            </a:avLst>
-          </a:prstGeom>
-          <a:gradFill>
-            <a:gsLst>
-              <a:gs pos="0">
-                <a:srgbClr val="D4E5F5"/>
-              </a:gs>
-              <a:gs pos="100000">
-                <a:srgbClr val="70A4D5"/>
-              </a:gs>
-            </a:gsLst>
-            <a:path path="circle">
-              <a:fillToRect b="50%" l="50%" r="50%" t="50%"/>
-            </a:path>
-            <a:tileRect/>
-          </a:gradFill>
-          <a:ln cap="flat" cmpd="sng" w="9525">
-            <a:solidFill>
-              <a:schemeClr val="lt1"/>
-            </a:solidFill>
-            <a:prstDash val="solid"/>
-            <a:round/>
-            <a:headEnd len="sm" w="sm" type="none"/>
-            <a:tailEnd len="sm" w="sm" type="none"/>
-          </a:ln>
-        </p:spPr>
-        <p:txBody>
-          <a:bodyPr anchorCtr="0" anchor="ctr" bIns="91425" lIns="91425" spcFirstLastPara="1" rIns="91425" wrap="square" tIns="91425">
-            <a:noAutofit/>
-          </a:bodyPr>
-          <a:lstStyle/>
-          <a:p>
-            <a:pPr indent="0" lvl="0" marL="0" marR="0" rtl="0" algn="l">
-              <a:lnSpc>
-                <a:spcPct val="100000"/>
-              </a:lnSpc>
-              <a:spcBef>
-                <a:spcPts val="0"/>
-              </a:spcBef>
-              <a:spcAft>
-                <a:spcPts val="0"/>
-              </a:spcAft>
-              <a:buNone/>
-            </a:pPr>
-            <a:r>
-              <a:t/>
-            </a:r>
-            <a:endParaRPr/>
-          </a:p>
-        </p:txBody>
-      </p:sp>
-      <p:sp>
-        <p:nvSpPr>
-          <p:cNvPr id="387" name="Google Shape;387;p21"/>
+          <p:cNvPr id="393" name="Google Shape;393;p21"/>
           <p:cNvSpPr txBox="1"/>
           <p:nvPr>
             <p:ph idx="12" type="sldNum"/>
@@ -24861,6 +27351,285 @@
 </file>
 
 <file path=ppt/theme/theme1.xml><?xml version="1.0" encoding="utf-8"?>
+<a:theme xmlns:a="http://schemas.openxmlformats.org/drawingml/2006/main" xmlns:r="http://schemas.openxmlformats.org/officeDocument/2006/relationships">
+  <a:themeElements>
+    <a:clrScheme name="Default">
+      <a:dk1>
+        <a:srgbClr val="000000"/>
+      </a:dk1>
+      <a:lt1>
+        <a:srgbClr val="FFFFFF"/>
+      </a:lt1>
+      <a:dk2>
+        <a:srgbClr val="158158"/>
+      </a:dk2>
+      <a:lt2>
+        <a:srgbClr val="F3F3F3"/>
+      </a:lt2>
+      <a:accent1>
+        <a:srgbClr val="058DC7"/>
+      </a:accent1>
+      <a:accent2>
+        <a:srgbClr val="50B432"/>
+      </a:accent2>
+      <a:accent3>
+        <a:srgbClr val="ED561B"/>
+      </a:accent3>
+      <a:accent4>
+        <a:srgbClr val="EDEF00"/>
+      </a:accent4>
+      <a:accent5>
+        <a:srgbClr val="24CBE5"/>
+      </a:accent5>
+      <a:accent6>
+        <a:srgbClr val="64E572"/>
+      </a:accent6>
+      <a:hlink>
+        <a:srgbClr val="2200CC"/>
+      </a:hlink>
+      <a:folHlink>
+        <a:srgbClr val="551A8B"/>
+      </a:folHlink>
+    </a:clrScheme>
+    <a:fontScheme name="Office">
+      <a:majorFont>
+        <a:latin typeface="Arial"/>
+        <a:ea typeface=""/>
+        <a:cs typeface=""/>
+        <a:font script="Jpan" typeface="ＭＳ Ｐゴシック"/>
+        <a:font script="Hang" typeface="맑은 고딕"/>
+        <a:font script="Hans" typeface="宋体"/>
+        <a:font script="Hant" typeface="新細明體"/>
+        <a:font script="Arab" typeface="Times New Roman"/>
+        <a:font script="Hebr" typeface="Times New Roman"/>
+        <a:font script="Thai" typeface="Angsana New"/>
+        <a:font script="Ethi" typeface="Nyala"/>
+        <a:font script="Beng" typeface="Vrinda"/>
+        <a:font script="Gujr" typeface="Shruti"/>
+        <a:font script="Khmr" typeface="MoolBoran"/>
+        <a:font script="Knda" typeface="Tunga"/>
+        <a:font script="Guru" typeface="Raavi"/>
+        <a:font script="Cans" typeface="Euphemia"/>
+        <a:font script="Cher" typeface="Plantagenet Cherokee"/>
+        <a:font script="Yiii" typeface="Microsoft Yi Baiti"/>
+        <a:font script="Tibt" typeface="Microsoft Himalaya"/>
+        <a:font script="Thaa" typeface="MV Boli"/>
+        <a:font script="Deva" typeface="Mangal"/>
+        <a:font script="Telu" typeface="Gautami"/>
+        <a:font script="Taml" typeface="Latha"/>
+        <a:font script="Syrc" typeface="Estrangelo Edessa"/>
+        <a:font script="Orya" typeface="Kalinga"/>
+        <a:font script="Mlym" typeface="Kartika"/>
+        <a:font script="Laoo" typeface="DokChampa"/>
+        <a:font script="Sinh" typeface="Iskoola Pota"/>
+        <a:font script="Mong" typeface="Mongolian Baiti"/>
+        <a:font script="Viet" typeface="Times New Roman"/>
+        <a:font script="Uigh" typeface="Microsoft Uighur"/>
+        <a:font script="Geor" typeface="Sylfaen"/>
+      </a:majorFont>
+      <a:minorFont>
+        <a:latin typeface="Arial"/>
+        <a:ea typeface=""/>
+        <a:cs typeface=""/>
+        <a:font script="Jpan" typeface="ＭＳ Ｐゴシック"/>
+        <a:font script="Hang" typeface="맑은 고딕"/>
+        <a:font script="Hans" typeface="宋体"/>
+        <a:font script="Hant" typeface="新細明體"/>
+        <a:font script="Arab" typeface="Arial"/>
+        <a:font script="Hebr" typeface="Arial"/>
+        <a:font script="Thai" typeface="Cordia New"/>
+        <a:font script="Ethi" typeface="Nyala"/>
+        <a:font script="Beng" typeface="Vrinda"/>
+        <a:font script="Gujr" typeface="Shruti"/>
+        <a:font script="Khmr" typeface="DaunPenh"/>
+        <a:font script="Knda" typeface="Tunga"/>
+        <a:font script="Guru" typeface="Raavi"/>
+        <a:font script="Cans" typeface="Euphemia"/>
+        <a:font script="Cher" typeface="Plantagenet Cherokee"/>
+        <a:font script="Yiii" typeface="Microsoft Yi Baiti"/>
+        <a:font script="Tibt" typeface="Microsoft Himalaya"/>
+        <a:font script="Thaa" typeface="MV Boli"/>
+        <a:font script="Deva" typeface="Mangal"/>
+        <a:font script="Telu" typeface="Gautami"/>
+        <a:font script="Taml" typeface="Latha"/>
+        <a:font script="Syrc" typeface="Estrangelo Edessa"/>
+        <a:font script="Orya" typeface="Kalinga"/>
+        <a:font script="Mlym" typeface="Kartika"/>
+        <a:font script="Laoo" typeface="DokChampa"/>
+        <a:font script="Sinh" typeface="Iskoola Pota"/>
+        <a:font script="Mong" typeface="Mongolian Baiti"/>
+        <a:font script="Viet" typeface="Arial"/>
+        <a:font script="Uigh" typeface="Microsoft Uighur"/>
+        <a:font script="Geor" typeface="Sylfaen"/>
+      </a:minorFont>
+    </a:fontScheme>
+    <a:fmtScheme name="Office">
+      <a:fillStyleLst>
+        <a:solidFill>
+          <a:schemeClr val="phClr"/>
+        </a:solidFill>
+        <a:gradFill rotWithShape="1">
+          <a:gsLst>
+            <a:gs pos="0">
+              <a:schemeClr val="phClr">
+                <a:tint val="50000"/>
+                <a:satMod val="300000"/>
+              </a:schemeClr>
+            </a:gs>
+            <a:gs pos="35000">
+              <a:schemeClr val="phClr">
+                <a:tint val="37000"/>
+                <a:satMod val="300000"/>
+              </a:schemeClr>
+            </a:gs>
+            <a:gs pos="100000">
+              <a:schemeClr val="phClr">
+                <a:tint val="15000"/>
+                <a:satMod val="350000"/>
+              </a:schemeClr>
+            </a:gs>
+          </a:gsLst>
+          <a:lin ang="16200000" scaled="1"/>
+        </a:gradFill>
+        <a:gradFill rotWithShape="1">
+          <a:gsLst>
+            <a:gs pos="0">
+              <a:schemeClr val="phClr">
+                <a:tint val="100000"/>
+                <a:shade val="100000"/>
+                <a:satMod val="130000"/>
+              </a:schemeClr>
+            </a:gs>
+            <a:gs pos="100000">
+              <a:schemeClr val="phClr">
+                <a:tint val="50000"/>
+                <a:shade val="100000"/>
+                <a:satMod val="350000"/>
+              </a:schemeClr>
+            </a:gs>
+          </a:gsLst>
+          <a:lin ang="16200000" scaled="0"/>
+        </a:gradFill>
+      </a:fillStyleLst>
+      <a:lnStyleLst>
+        <a:ln w="9525" cap="flat" cmpd="sng" algn="ctr">
+          <a:solidFill>
+            <a:schemeClr val="phClr">
+              <a:shade val="95000"/>
+              <a:satMod val="105000"/>
+            </a:schemeClr>
+          </a:solidFill>
+          <a:prstDash val="solid"/>
+        </a:ln>
+        <a:ln w="25400" cap="flat" cmpd="sng" algn="ctr">
+          <a:solidFill>
+            <a:schemeClr val="phClr"/>
+          </a:solidFill>
+          <a:prstDash val="solid"/>
+        </a:ln>
+        <a:ln w="38100" cap="flat" cmpd="sng" algn="ctr">
+          <a:solidFill>
+            <a:schemeClr val="phClr"/>
+          </a:solidFill>
+          <a:prstDash val="solid"/>
+        </a:ln>
+      </a:lnStyleLst>
+      <a:effectStyleLst>
+        <a:effectStyle>
+          <a:effectLst>
+            <a:outerShdw blurRad="40000" dist="20000" dir="5400000" rotWithShape="0">
+              <a:srgbClr val="000000">
+                <a:alpha val="38000"/>
+              </a:srgbClr>
+            </a:outerShdw>
+          </a:effectLst>
+        </a:effectStyle>
+        <a:effectStyle>
+          <a:effectLst>
+            <a:outerShdw blurRad="40000" dist="23000" dir="5400000" rotWithShape="0">
+              <a:srgbClr val="000000">
+                <a:alpha val="35000"/>
+              </a:srgbClr>
+            </a:outerShdw>
+          </a:effectLst>
+        </a:effectStyle>
+        <a:effectStyle>
+          <a:effectLst>
+            <a:outerShdw blurRad="40000" dist="23000" dir="5400000" rotWithShape="0">
+              <a:srgbClr val="000000">
+                <a:alpha val="35000"/>
+              </a:srgbClr>
+            </a:outerShdw>
+          </a:effectLst>
+          <a:scene3d>
+            <a:camera prst="orthographicFront">
+              <a:rot lat="0" lon="0" rev="0"/>
+            </a:camera>
+            <a:lightRig rig="threePt" dir="t">
+              <a:rot lat="0" lon="0" rev="1200000"/>
+            </a:lightRig>
+          </a:scene3d>
+          <a:sp3d>
+            <a:bevelT w="63500" h="25400"/>
+          </a:sp3d>
+        </a:effectStyle>
+      </a:effectStyleLst>
+      <a:bgFillStyleLst>
+        <a:solidFill>
+          <a:schemeClr val="phClr"/>
+        </a:solidFill>
+        <a:gradFill rotWithShape="1">
+          <a:gsLst>
+            <a:gs pos="0">
+              <a:schemeClr val="phClr">
+                <a:tint val="40000"/>
+                <a:satMod val="350000"/>
+              </a:schemeClr>
+            </a:gs>
+            <a:gs pos="40000">
+              <a:schemeClr val="phClr">
+                <a:tint val="45000"/>
+                <a:shade val="99000"/>
+                <a:satMod val="350000"/>
+              </a:schemeClr>
+            </a:gs>
+            <a:gs pos="100000">
+              <a:schemeClr val="phClr">
+                <a:shade val="20000"/>
+                <a:satMod val="255000"/>
+              </a:schemeClr>
+            </a:gs>
+          </a:gsLst>
+          <a:path path="circle">
+            <a:fillToRect l="50000" t="-80000" r="50000" b="180000"/>
+          </a:path>
+        </a:gradFill>
+        <a:gradFill rotWithShape="1">
+          <a:gsLst>
+            <a:gs pos="0">
+              <a:schemeClr val="phClr">
+                <a:tint val="80000"/>
+                <a:satMod val="300000"/>
+              </a:schemeClr>
+            </a:gs>
+            <a:gs pos="100000">
+              <a:schemeClr val="phClr">
+                <a:shade val="30000"/>
+                <a:satMod val="200000"/>
+              </a:schemeClr>
+            </a:gs>
+          </a:gsLst>
+          <a:path path="circle">
+            <a:fillToRect l="50000" t="50000" r="50000" b="50000"/>
+          </a:path>
+        </a:gradFill>
+      </a:bgFillStyleLst>
+    </a:fmtScheme>
+  </a:themeElements>
+</a:theme>
+</file>
+
+<file path=ppt/theme/theme2.xml><?xml version="1.0" encoding="utf-8"?>
 <a:theme xmlns:a="http://schemas.openxmlformats.org/drawingml/2006/main" xmlns:r="http://schemas.openxmlformats.org/officeDocument/2006/relationships" name="Momentum">
   <a:themeElements>
     <a:clrScheme name="Momentum">
@@ -25137,283 +27906,4 @@
     </a:fmtScheme>
   </a:themeElements>
 </a:theme>
-</file>
-
-<file path=ppt/theme/theme2.xml><?xml version="1.0" encoding="utf-8"?>
-<a:theme xmlns:a="http://schemas.openxmlformats.org/drawingml/2006/main" xmlns:r="http://schemas.openxmlformats.org/officeDocument/2006/relationships">
-  <a:themeElements>
-    <a:clrScheme name="Default">
-      <a:dk1>
-        <a:srgbClr val="000000"/>
-      </a:dk1>
-      <a:lt1>
-        <a:srgbClr val="FFFFFF"/>
-      </a:lt1>
-      <a:dk2>
-        <a:srgbClr val="158158"/>
-      </a:dk2>
-      <a:lt2>
-        <a:srgbClr val="F3F3F3"/>
-      </a:lt2>
-      <a:accent1>
-        <a:srgbClr val="058DC7"/>
-      </a:accent1>
-      <a:accent2>
-        <a:srgbClr val="50B432"/>
-      </a:accent2>
-      <a:accent3>
-        <a:srgbClr val="ED561B"/>
-      </a:accent3>
-      <a:accent4>
-        <a:srgbClr val="EDEF00"/>
-      </a:accent4>
-      <a:accent5>
-        <a:srgbClr val="24CBE5"/>
-      </a:accent5>
-      <a:accent6>
-        <a:srgbClr val="64E572"/>
-      </a:accent6>
-      <a:hlink>
-        <a:srgbClr val="2200CC"/>
-      </a:hlink>
-      <a:folHlink>
-        <a:srgbClr val="551A8B"/>
-      </a:folHlink>
-    </a:clrScheme>
-    <a:fontScheme name="Office">
-      <a:majorFont>
-        <a:latin typeface="Arial"/>
-        <a:ea typeface=""/>
-        <a:cs typeface=""/>
-        <a:font script="Jpan" typeface="ＭＳ Ｐゴシック"/>
-        <a:font script="Hang" typeface="맑은 고딕"/>
-        <a:font script="Hans" typeface="宋体"/>
-        <a:font script="Hant" typeface="新細明體"/>
-        <a:font script="Arab" typeface="Times New Roman"/>
-        <a:font script="Hebr" typeface="Times New Roman"/>
-        <a:font script="Thai" typeface="Angsana New"/>
-        <a:font script="Ethi" typeface="Nyala"/>
-        <a:font script="Beng" typeface="Vrinda"/>
-        <a:font script="Gujr" typeface="Shruti"/>
-        <a:font script="Khmr" typeface="MoolBoran"/>
-        <a:font script="Knda" typeface="Tunga"/>
-        <a:font script="Guru" typeface="Raavi"/>
-        <a:font script="Cans" typeface="Euphemia"/>
-        <a:font script="Cher" typeface="Plantagenet Cherokee"/>
-        <a:font script="Yiii" typeface="Microsoft Yi Baiti"/>
-        <a:font script="Tibt" typeface="Microsoft Himalaya"/>
-        <a:font script="Thaa" typeface="MV Boli"/>
-        <a:font script="Deva" typeface="Mangal"/>
-        <a:font script="Telu" typeface="Gautami"/>
-        <a:font script="Taml" typeface="Latha"/>
-        <a:font script="Syrc" typeface="Estrangelo Edessa"/>
-        <a:font script="Orya" typeface="Kalinga"/>
-        <a:font script="Mlym" typeface="Kartika"/>
-        <a:font script="Laoo" typeface="DokChampa"/>
-        <a:font script="Sinh" typeface="Iskoola Pota"/>
-        <a:font script="Mong" typeface="Mongolian Baiti"/>
-        <a:font script="Viet" typeface="Times New Roman"/>
-        <a:font script="Uigh" typeface="Microsoft Uighur"/>
-        <a:font script="Geor" typeface="Sylfaen"/>
-      </a:majorFont>
-      <a:minorFont>
-        <a:latin typeface="Arial"/>
-        <a:ea typeface=""/>
-        <a:cs typeface=""/>
-        <a:font script="Jpan" typeface="ＭＳ Ｐゴシック"/>
-        <a:font script="Hang" typeface="맑은 고딕"/>
-        <a:font script="Hans" typeface="宋体"/>
-        <a:font script="Hant" typeface="新細明體"/>
-        <a:font script="Arab" typeface="Arial"/>
-        <a:font script="Hebr" typeface="Arial"/>
-        <a:font script="Thai" typeface="Cordia New"/>
-        <a:font script="Ethi" typeface="Nyala"/>
-        <a:font script="Beng" typeface="Vrinda"/>
-        <a:font script="Gujr" typeface="Shruti"/>
-        <a:font script="Khmr" typeface="DaunPenh"/>
-        <a:font script="Knda" typeface="Tunga"/>
-        <a:font script="Guru" typeface="Raavi"/>
-        <a:font script="Cans" typeface="Euphemia"/>
-        <a:font script="Cher" typeface="Plantagenet Cherokee"/>
-        <a:font script="Yiii" typeface="Microsoft Yi Baiti"/>
-        <a:font script="Tibt" typeface="Microsoft Himalaya"/>
-        <a:font script="Thaa" typeface="MV Boli"/>
-        <a:font script="Deva" typeface="Mangal"/>
-        <a:font script="Telu" typeface="Gautami"/>
-        <a:font script="Taml" typeface="Latha"/>
-        <a:font script="Syrc" typeface="Estrangelo Edessa"/>
-        <a:font script="Orya" typeface="Kalinga"/>
-        <a:font script="Mlym" typeface="Kartika"/>
-        <a:font script="Laoo" typeface="DokChampa"/>
-        <a:font script="Sinh" typeface="Iskoola Pota"/>
-        <a:font script="Mong" typeface="Mongolian Baiti"/>
-        <a:font script="Viet" typeface="Arial"/>
-        <a:font script="Uigh" typeface="Microsoft Uighur"/>
-        <a:font script="Geor" typeface="Sylfaen"/>
-      </a:minorFont>
-    </a:fontScheme>
-    <a:fmtScheme name="Office">
-      <a:fillStyleLst>
-        <a:solidFill>
-          <a:schemeClr val="phClr"/>
-        </a:solidFill>
-        <a:gradFill rotWithShape="1">
-          <a:gsLst>
-            <a:gs pos="0">
-              <a:schemeClr val="phClr">
-                <a:tint val="50000"/>
-                <a:satMod val="300000"/>
-              </a:schemeClr>
-            </a:gs>
-            <a:gs pos="35000">
-              <a:schemeClr val="phClr">
-                <a:tint val="37000"/>
-                <a:satMod val="300000"/>
-              </a:schemeClr>
-            </a:gs>
-            <a:gs pos="100000">
-              <a:schemeClr val="phClr">
-                <a:tint val="15000"/>
-                <a:satMod val="350000"/>
-              </a:schemeClr>
-            </a:gs>
-          </a:gsLst>
-          <a:lin ang="16200000" scaled="1"/>
-        </a:gradFill>
-        <a:gradFill rotWithShape="1">
-          <a:gsLst>
-            <a:gs pos="0">
-              <a:schemeClr val="phClr">
-                <a:tint val="100000"/>
-                <a:shade val="100000"/>
-                <a:satMod val="130000"/>
-              </a:schemeClr>
-            </a:gs>
-            <a:gs pos="100000">
-              <a:schemeClr val="phClr">
-                <a:tint val="50000"/>
-                <a:shade val="100000"/>
-                <a:satMod val="350000"/>
-              </a:schemeClr>
-            </a:gs>
-          </a:gsLst>
-          <a:lin ang="16200000" scaled="0"/>
-        </a:gradFill>
-      </a:fillStyleLst>
-      <a:lnStyleLst>
-        <a:ln w="9525" cap="flat" cmpd="sng" algn="ctr">
-          <a:solidFill>
-            <a:schemeClr val="phClr">
-              <a:shade val="95000"/>
-              <a:satMod val="105000"/>
-            </a:schemeClr>
-          </a:solidFill>
-          <a:prstDash val="solid"/>
-        </a:ln>
-        <a:ln w="25400" cap="flat" cmpd="sng" algn="ctr">
-          <a:solidFill>
-            <a:schemeClr val="phClr"/>
-          </a:solidFill>
-          <a:prstDash val="solid"/>
-        </a:ln>
-        <a:ln w="38100" cap="flat" cmpd="sng" algn="ctr">
-          <a:solidFill>
-            <a:schemeClr val="phClr"/>
-          </a:solidFill>
-          <a:prstDash val="solid"/>
-        </a:ln>
-      </a:lnStyleLst>
-      <a:effectStyleLst>
-        <a:effectStyle>
-          <a:effectLst>
-            <a:outerShdw blurRad="40000" dist="20000" dir="5400000" rotWithShape="0">
-              <a:srgbClr val="000000">
-                <a:alpha val="38000"/>
-              </a:srgbClr>
-            </a:outerShdw>
-          </a:effectLst>
-        </a:effectStyle>
-        <a:effectStyle>
-          <a:effectLst>
-            <a:outerShdw blurRad="40000" dist="23000" dir="5400000" rotWithShape="0">
-              <a:srgbClr val="000000">
-                <a:alpha val="35000"/>
-              </a:srgbClr>
-            </a:outerShdw>
-          </a:effectLst>
-        </a:effectStyle>
-        <a:effectStyle>
-          <a:effectLst>
-            <a:outerShdw blurRad="40000" dist="23000" dir="5400000" rotWithShape="0">
-              <a:srgbClr val="000000">
-                <a:alpha val="35000"/>
-              </a:srgbClr>
-            </a:outerShdw>
-          </a:effectLst>
-          <a:scene3d>
-            <a:camera prst="orthographicFront">
-              <a:rot lat="0" lon="0" rev="0"/>
-            </a:camera>
-            <a:lightRig rig="threePt" dir="t">
-              <a:rot lat="0" lon="0" rev="1200000"/>
-            </a:lightRig>
-          </a:scene3d>
-          <a:sp3d>
-            <a:bevelT w="63500" h="25400"/>
-          </a:sp3d>
-        </a:effectStyle>
-      </a:effectStyleLst>
-      <a:bgFillStyleLst>
-        <a:solidFill>
-          <a:schemeClr val="phClr"/>
-        </a:solidFill>
-        <a:gradFill rotWithShape="1">
-          <a:gsLst>
-            <a:gs pos="0">
-              <a:schemeClr val="phClr">
-                <a:tint val="40000"/>
-                <a:satMod val="350000"/>
-              </a:schemeClr>
-            </a:gs>
-            <a:gs pos="40000">
-              <a:schemeClr val="phClr">
-                <a:tint val="45000"/>
-                <a:shade val="99000"/>
-                <a:satMod val="350000"/>
-              </a:schemeClr>
-            </a:gs>
-            <a:gs pos="100000">
-              <a:schemeClr val="phClr">
-                <a:shade val="20000"/>
-                <a:satMod val="255000"/>
-              </a:schemeClr>
-            </a:gs>
-          </a:gsLst>
-          <a:path path="circle">
-            <a:fillToRect l="50000" t="-80000" r="50000" b="180000"/>
-          </a:path>
-        </a:gradFill>
-        <a:gradFill rotWithShape="1">
-          <a:gsLst>
-            <a:gs pos="0">
-              <a:schemeClr val="phClr">
-                <a:tint val="80000"/>
-                <a:satMod val="300000"/>
-              </a:schemeClr>
-            </a:gs>
-            <a:gs pos="100000">
-              <a:schemeClr val="phClr">
-                <a:shade val="30000"/>
-                <a:satMod val="200000"/>
-              </a:schemeClr>
-            </a:gs>
-          </a:gsLst>
-          <a:path path="circle">
-            <a:fillToRect l="50000" t="50000" r="50000" b="50000"/>
-          </a:path>
-        </a:gradFill>
-      </a:bgFillStyleLst>
-    </a:fmtScheme>
-  </a:themeElements>
-</a:theme>
 </file>
--- a/ProyectoFinal/Intervenciones de Seguridad Vial.pptx
+++ b/ProyectoFinal/Intervenciones de Seguridad Vial.pptx
@@ -20016,7 +20016,7 @@
             </a:pPr>
             <a:r>
               <a:rPr lang="es" sz="1362"/>
-              <a:t>Las horas entre las que se registran mayor cantidad de accidentes son entre las 7 - 9 hs</a:t>
+              <a:t>Las horas entre las que se registran mayor cantidad de accidentes son entre las 7 - 10 hs</a:t>
             </a:r>
             <a:r>
               <a:rPr lang="es" sz="1362"/>
@@ -20178,93 +20178,9 @@
           <a:chExt cx="0" cy="0"/>
         </a:xfrm>
       </p:grpSpPr>
-      <p:sp>
-        <p:nvSpPr>
-          <p:cNvPr id="485" name="Google Shape;485;p29"/>
-          <p:cNvSpPr txBox="1"/>
-          <p:nvPr>
-            <p:ph type="title"/>
-          </p:nvPr>
-        </p:nvSpPr>
-        <p:spPr>
-          <a:xfrm>
-            <a:off x="1303800" y="598575"/>
-            <a:ext cx="7030500" cy="999300"/>
-          </a:xfrm>
-          <a:prstGeom prst="rect">
-            <a:avLst/>
-          </a:prstGeom>
-        </p:spPr>
-        <p:txBody>
-          <a:bodyPr anchorCtr="0" anchor="t" bIns="91425" lIns="91425" spcFirstLastPara="1" rIns="91425" wrap="square" tIns="91425">
-            <a:normAutofit fontScale="90000"/>
-          </a:bodyPr>
-          <a:lstStyle/>
-          <a:p>
-            <a:pPr indent="0" lvl="0" marL="0" rtl="0" algn="l">
-              <a:spcBef>
-                <a:spcPts val="0"/>
-              </a:spcBef>
-              <a:spcAft>
-                <a:spcPts val="0"/>
-              </a:spcAft>
-              <a:buNone/>
-            </a:pPr>
-            <a:r>
-              <a:rPr lang="es"/>
-              <a:t>Meses con mayor cantidad de accidentes</a:t>
-            </a:r>
-            <a:endParaRPr/>
-          </a:p>
-        </p:txBody>
-      </p:sp>
-      <p:sp>
-        <p:nvSpPr>
-          <p:cNvPr id="486" name="Google Shape;486;p29"/>
-          <p:cNvSpPr txBox="1"/>
-          <p:nvPr>
-            <p:ph idx="1" type="body"/>
-          </p:nvPr>
-        </p:nvSpPr>
-        <p:spPr>
-          <a:xfrm>
-            <a:off x="69275" y="1347825"/>
-            <a:ext cx="2967600" cy="1131000"/>
-          </a:xfrm>
-          <a:prstGeom prst="rect">
-            <a:avLst/>
-          </a:prstGeom>
-        </p:spPr>
-        <p:txBody>
-          <a:bodyPr anchorCtr="0" anchor="t" bIns="91425" lIns="91425" spcFirstLastPara="1" rIns="91425" wrap="square" tIns="91425">
-            <a:noAutofit/>
-          </a:bodyPr>
-          <a:lstStyle/>
-          <a:p>
-            <a:pPr indent="0" lvl="0" marL="0" rtl="0" algn="l">
-              <a:lnSpc>
-                <a:spcPct val="95000"/>
-              </a:lnSpc>
-              <a:spcBef>
-                <a:spcPts val="0"/>
-              </a:spcBef>
-              <a:spcAft>
-                <a:spcPts val="1200"/>
-              </a:spcAft>
-              <a:buSzPts val="865"/>
-              <a:buNone/>
-            </a:pPr>
-            <a:r>
-              <a:rPr lang="es" sz="1020"/>
-              <a:t>Debido a que sería complejo analizar todos los años en conjunto, ya que la cantidad de accidentes bajan año a año, en su lugar intentaremos encontrar patrones analizando cada año por separado</a:t>
-            </a:r>
-            <a:endParaRPr sz="1020"/>
-          </a:p>
-        </p:txBody>
-      </p:sp>
       <p:pic>
         <p:nvPicPr>
-          <p:cNvPr id="487" name="Google Shape;487;p29"/>
+          <p:cNvPr id="485" name="Google Shape;485;p29"/>
           <p:cNvPicPr preferRelativeResize="0"/>
           <p:nvPr/>
         </p:nvPicPr>
@@ -20278,8 +20194,64 @@
         </p:blipFill>
         <p:spPr>
           <a:xfrm>
-            <a:off x="3103159" y="1393462"/>
-            <a:ext cx="2625000" cy="888225"/>
+            <a:off x="3067975" y="4137025"/>
+            <a:ext cx="2706326" cy="906497"/>
+          </a:xfrm>
+          <a:prstGeom prst="rect">
+            <a:avLst/>
+          </a:prstGeom>
+          <a:noFill/>
+          <a:ln>
+            <a:noFill/>
+          </a:ln>
+        </p:spPr>
+      </p:pic>
+      <p:pic>
+        <p:nvPicPr>
+          <p:cNvPr id="486" name="Google Shape;486;p29"/>
+          <p:cNvPicPr preferRelativeResize="0"/>
+          <p:nvPr/>
+        </p:nvPicPr>
+        <p:blipFill>
+          <a:blip r:embed="rId4">
+            <a:alphaModFix/>
+          </a:blip>
+          <a:stretch>
+            <a:fillRect/>
+          </a:stretch>
+        </p:blipFill>
+        <p:spPr>
+          <a:xfrm>
+            <a:off x="3067963" y="3169550"/>
+            <a:ext cx="2706338" cy="912350"/>
+          </a:xfrm>
+          <a:prstGeom prst="rect">
+            <a:avLst/>
+          </a:prstGeom>
+          <a:noFill/>
+          <a:ln>
+            <a:noFill/>
+          </a:ln>
+        </p:spPr>
+      </p:pic>
+      <p:pic>
+        <p:nvPicPr>
+          <p:cNvPr id="487" name="Google Shape;487;p29"/>
+          <p:cNvPicPr preferRelativeResize="0"/>
+          <p:nvPr/>
+        </p:nvPicPr>
+        <p:blipFill>
+          <a:blip r:embed="rId5">
+            <a:alphaModFix/>
+          </a:blip>
+          <a:stretch>
+            <a:fillRect/>
+          </a:stretch>
+        </p:blipFill>
+        <p:spPr>
+          <a:xfrm>
+            <a:off x="3094125" y="2222263"/>
+            <a:ext cx="2661175" cy="894275"/>
           </a:xfrm>
           <a:prstGeom prst="rect">
             <a:avLst/>
@@ -20297,7 +20269,7 @@
           <p:nvPr/>
         </p:nvPicPr>
         <p:blipFill>
-          <a:blip r:embed="rId4">
+          <a:blip r:embed="rId6">
             <a:alphaModFix/>
           </a:blip>
           <a:stretch>
@@ -20306,8 +20278,8 @@
         </p:blipFill>
         <p:spPr>
           <a:xfrm>
-            <a:off x="3122419" y="2281700"/>
-            <a:ext cx="2586462" cy="888250"/>
+            <a:off x="5902725" y="1210275"/>
+            <a:ext cx="2632224" cy="968502"/>
           </a:xfrm>
           <a:prstGeom prst="rect">
             <a:avLst/>
@@ -20325,7 +20297,7 @@
           <p:nvPr/>
         </p:nvPicPr>
         <p:blipFill>
-          <a:blip r:embed="rId5">
+          <a:blip r:embed="rId7">
             <a:alphaModFix/>
           </a:blip>
           <a:stretch>
@@ -20334,8 +20306,8 @@
         </p:blipFill>
         <p:spPr>
           <a:xfrm>
-            <a:off x="3129596" y="3220500"/>
-            <a:ext cx="2572107" cy="888250"/>
+            <a:off x="3108600" y="1210275"/>
+            <a:ext cx="2632224" cy="943138"/>
           </a:xfrm>
           <a:prstGeom prst="rect">
             <a:avLst/>
@@ -20353,7 +20325,7 @@
           <p:nvPr/>
         </p:nvPicPr>
         <p:blipFill>
-          <a:blip r:embed="rId6">
+          <a:blip r:embed="rId8">
             <a:alphaModFix/>
           </a:blip>
           <a:stretch>
@@ -20362,8 +20334,8 @@
         </p:blipFill>
         <p:spPr>
           <a:xfrm>
-            <a:off x="3129600" y="4176225"/>
-            <a:ext cx="2583462" cy="888250"/>
+            <a:off x="5904850" y="2218728"/>
+            <a:ext cx="2632226" cy="901346"/>
           </a:xfrm>
           <a:prstGeom prst="rect">
             <a:avLst/>
@@ -20381,7 +20353,7 @@
           <p:nvPr/>
         </p:nvPicPr>
         <p:blipFill>
-          <a:blip r:embed="rId7">
+          <a:blip r:embed="rId9">
             <a:alphaModFix/>
           </a:blip>
           <a:stretch>
@@ -20390,8 +20362,8 @@
         </p:blipFill>
         <p:spPr>
           <a:xfrm>
-            <a:off x="5990250" y="1393450"/>
-            <a:ext cx="2583500" cy="888250"/>
+            <a:off x="5902725" y="4120600"/>
+            <a:ext cx="2632225" cy="912355"/>
           </a:xfrm>
           <a:prstGeom prst="rect">
             <a:avLst/>
@@ -20409,7 +20381,7 @@
           <p:nvPr/>
         </p:nvPicPr>
         <p:blipFill>
-          <a:blip r:embed="rId8">
+          <a:blip r:embed="rId10">
             <a:alphaModFix/>
           </a:blip>
           <a:stretch>
@@ -20418,8 +20390,664 @@
         </p:blipFill>
         <p:spPr>
           <a:xfrm>
-            <a:off x="5990252" y="2281700"/>
-            <a:ext cx="2572101" cy="897659"/>
+            <a:off x="5902725" y="3165963"/>
+            <a:ext cx="2632224" cy="904206"/>
+          </a:xfrm>
+          <a:prstGeom prst="rect">
+            <a:avLst/>
+          </a:prstGeom>
+          <a:noFill/>
+          <a:ln>
+            <a:noFill/>
+          </a:ln>
+        </p:spPr>
+      </p:pic>
+      <p:sp>
+        <p:nvSpPr>
+          <p:cNvPr id="493" name="Google Shape;493;p29"/>
+          <p:cNvSpPr txBox="1"/>
+          <p:nvPr>
+            <p:ph type="title"/>
+          </p:nvPr>
+        </p:nvSpPr>
+        <p:spPr>
+          <a:xfrm>
+            <a:off x="1303800" y="598575"/>
+            <a:ext cx="7030500" cy="999300"/>
+          </a:xfrm>
+          <a:prstGeom prst="rect">
+            <a:avLst/>
+          </a:prstGeom>
+        </p:spPr>
+        <p:txBody>
+          <a:bodyPr anchorCtr="0" anchor="t" bIns="91425" lIns="91425" spcFirstLastPara="1" rIns="91425" wrap="square" tIns="91425">
+            <a:normAutofit fontScale="90000"/>
+          </a:bodyPr>
+          <a:lstStyle/>
+          <a:p>
+            <a:pPr indent="0" lvl="0" marL="0" rtl="0" algn="l">
+              <a:spcBef>
+                <a:spcPts val="0"/>
+              </a:spcBef>
+              <a:spcAft>
+                <a:spcPts val="0"/>
+              </a:spcAft>
+              <a:buNone/>
+            </a:pPr>
+            <a:r>
+              <a:rPr lang="es"/>
+              <a:t>Meses con mayor cantidad de accidentes</a:t>
+            </a:r>
+            <a:endParaRPr/>
+          </a:p>
+        </p:txBody>
+      </p:sp>
+      <p:sp>
+        <p:nvSpPr>
+          <p:cNvPr id="494" name="Google Shape;494;p29"/>
+          <p:cNvSpPr txBox="1"/>
+          <p:nvPr>
+            <p:ph idx="1" type="body"/>
+          </p:nvPr>
+        </p:nvSpPr>
+        <p:spPr>
+          <a:xfrm>
+            <a:off x="69275" y="1347825"/>
+            <a:ext cx="2967600" cy="1131000"/>
+          </a:xfrm>
+          <a:prstGeom prst="rect">
+            <a:avLst/>
+          </a:prstGeom>
+        </p:spPr>
+        <p:txBody>
+          <a:bodyPr anchorCtr="0" anchor="t" bIns="91425" lIns="91425" spcFirstLastPara="1" rIns="91425" wrap="square" tIns="91425">
+            <a:noAutofit/>
+          </a:bodyPr>
+          <a:lstStyle/>
+          <a:p>
+            <a:pPr indent="0" lvl="0" marL="0" rtl="0" algn="l">
+              <a:lnSpc>
+                <a:spcPct val="95000"/>
+              </a:lnSpc>
+              <a:spcBef>
+                <a:spcPts val="0"/>
+              </a:spcBef>
+              <a:spcAft>
+                <a:spcPts val="1200"/>
+              </a:spcAft>
+              <a:buSzPts val="865"/>
+              <a:buNone/>
+            </a:pPr>
+            <a:r>
+              <a:rPr lang="es" sz="1020"/>
+              <a:t>Debido a que sería complejo analizar todos los años en conjunto, ya que la cantidad de accidentes bajan año a año, en su lugar intentaremos encontrar patrones analizando cada año por separado</a:t>
+            </a:r>
+            <a:endParaRPr sz="1020"/>
+          </a:p>
+        </p:txBody>
+      </p:sp>
+      <p:sp>
+        <p:nvSpPr>
+          <p:cNvPr id="495" name="Google Shape;495;p29"/>
+          <p:cNvSpPr txBox="1"/>
+          <p:nvPr/>
+        </p:nvSpPr>
+        <p:spPr>
+          <a:xfrm>
+            <a:off x="3239500" y="3172575"/>
+            <a:ext cx="566400" cy="369300"/>
+          </a:xfrm>
+          <a:prstGeom prst="rect">
+            <a:avLst/>
+          </a:prstGeom>
+          <a:noFill/>
+          <a:ln>
+            <a:noFill/>
+          </a:ln>
+        </p:spPr>
+        <p:txBody>
+          <a:bodyPr anchorCtr="0" anchor="t" bIns="91425" lIns="91425" spcFirstLastPara="1" rIns="91425" wrap="square" tIns="91425">
+            <a:spAutoFit/>
+          </a:bodyPr>
+          <a:lstStyle/>
+          <a:p>
+            <a:pPr indent="0" lvl="0" marL="0" rtl="0" algn="l">
+              <a:spcBef>
+                <a:spcPts val="0"/>
+              </a:spcBef>
+              <a:spcAft>
+                <a:spcPts val="0"/>
+              </a:spcAft>
+              <a:buNone/>
+            </a:pPr>
+            <a:r>
+              <a:rPr lang="es" sz="1200">
+                <a:solidFill>
+                  <a:srgbClr val="666666"/>
+                </a:solidFill>
+                <a:latin typeface="Impact"/>
+                <a:ea typeface="Impact"/>
+                <a:cs typeface="Impact"/>
+                <a:sym typeface="Impact"/>
+              </a:rPr>
+              <a:t>2016</a:t>
+            </a:r>
+            <a:endParaRPr sz="1200">
+              <a:solidFill>
+                <a:srgbClr val="666666"/>
+              </a:solidFill>
+              <a:latin typeface="Impact"/>
+              <a:ea typeface="Impact"/>
+              <a:cs typeface="Impact"/>
+              <a:sym typeface="Impact"/>
+            </a:endParaRPr>
+          </a:p>
+        </p:txBody>
+      </p:sp>
+      <p:sp>
+        <p:nvSpPr>
+          <p:cNvPr id="496" name="Google Shape;496;p29"/>
+          <p:cNvSpPr txBox="1"/>
+          <p:nvPr/>
+        </p:nvSpPr>
+        <p:spPr>
+          <a:xfrm>
+            <a:off x="3239500" y="4134900"/>
+            <a:ext cx="566400" cy="369300"/>
+          </a:xfrm>
+          <a:prstGeom prst="rect">
+            <a:avLst/>
+          </a:prstGeom>
+          <a:noFill/>
+          <a:ln>
+            <a:noFill/>
+          </a:ln>
+        </p:spPr>
+        <p:txBody>
+          <a:bodyPr anchorCtr="0" anchor="t" bIns="91425" lIns="91425" spcFirstLastPara="1" rIns="91425" wrap="square" tIns="91425">
+            <a:spAutoFit/>
+          </a:bodyPr>
+          <a:lstStyle/>
+          <a:p>
+            <a:pPr indent="0" lvl="0" marL="0" rtl="0" algn="l">
+              <a:spcBef>
+                <a:spcPts val="0"/>
+              </a:spcBef>
+              <a:spcAft>
+                <a:spcPts val="0"/>
+              </a:spcAft>
+              <a:buNone/>
+            </a:pPr>
+            <a:r>
+              <a:rPr lang="es" sz="1200">
+                <a:solidFill>
+                  <a:srgbClr val="666666"/>
+                </a:solidFill>
+                <a:latin typeface="Impact"/>
+                <a:ea typeface="Impact"/>
+                <a:cs typeface="Impact"/>
+                <a:sym typeface="Impact"/>
+              </a:rPr>
+              <a:t>2017</a:t>
+            </a:r>
+            <a:endParaRPr sz="1200">
+              <a:solidFill>
+                <a:srgbClr val="666666"/>
+              </a:solidFill>
+              <a:latin typeface="Impact"/>
+              <a:ea typeface="Impact"/>
+              <a:cs typeface="Impact"/>
+              <a:sym typeface="Impact"/>
+            </a:endParaRPr>
+          </a:p>
+        </p:txBody>
+      </p:sp>
+      <p:sp>
+        <p:nvSpPr>
+          <p:cNvPr id="497" name="Google Shape;497;p29"/>
+          <p:cNvSpPr txBox="1"/>
+          <p:nvPr/>
+        </p:nvSpPr>
+        <p:spPr>
+          <a:xfrm>
+            <a:off x="6016150" y="1276525"/>
+            <a:ext cx="566400" cy="369300"/>
+          </a:xfrm>
+          <a:prstGeom prst="rect">
+            <a:avLst/>
+          </a:prstGeom>
+          <a:noFill/>
+          <a:ln>
+            <a:noFill/>
+          </a:ln>
+        </p:spPr>
+        <p:txBody>
+          <a:bodyPr anchorCtr="0" anchor="t" bIns="91425" lIns="91425" spcFirstLastPara="1" rIns="91425" wrap="square" tIns="91425">
+            <a:spAutoFit/>
+          </a:bodyPr>
+          <a:lstStyle/>
+          <a:p>
+            <a:pPr indent="0" lvl="0" marL="0" rtl="0" algn="l">
+              <a:spcBef>
+                <a:spcPts val="0"/>
+              </a:spcBef>
+              <a:spcAft>
+                <a:spcPts val="0"/>
+              </a:spcAft>
+              <a:buNone/>
+            </a:pPr>
+            <a:r>
+              <a:rPr lang="es" sz="1200">
+                <a:solidFill>
+                  <a:srgbClr val="666666"/>
+                </a:solidFill>
+                <a:latin typeface="Impact"/>
+                <a:ea typeface="Impact"/>
+                <a:cs typeface="Impact"/>
+                <a:sym typeface="Impact"/>
+              </a:rPr>
+              <a:t>2018</a:t>
+            </a:r>
+            <a:endParaRPr sz="1200">
+              <a:solidFill>
+                <a:srgbClr val="666666"/>
+              </a:solidFill>
+              <a:latin typeface="Impact"/>
+              <a:ea typeface="Impact"/>
+              <a:cs typeface="Impact"/>
+              <a:sym typeface="Impact"/>
+            </a:endParaRPr>
+          </a:p>
+        </p:txBody>
+      </p:sp>
+      <p:sp>
+        <p:nvSpPr>
+          <p:cNvPr id="498" name="Google Shape;498;p29"/>
+          <p:cNvSpPr txBox="1"/>
+          <p:nvPr/>
+        </p:nvSpPr>
+        <p:spPr>
+          <a:xfrm>
+            <a:off x="6016150" y="2224538"/>
+            <a:ext cx="566400" cy="369300"/>
+          </a:xfrm>
+          <a:prstGeom prst="rect">
+            <a:avLst/>
+          </a:prstGeom>
+          <a:noFill/>
+          <a:ln>
+            <a:noFill/>
+          </a:ln>
+        </p:spPr>
+        <p:txBody>
+          <a:bodyPr anchorCtr="0" anchor="t" bIns="91425" lIns="91425" spcFirstLastPara="1" rIns="91425" wrap="square" tIns="91425">
+            <a:spAutoFit/>
+          </a:bodyPr>
+          <a:lstStyle/>
+          <a:p>
+            <a:pPr indent="0" lvl="0" marL="0" rtl="0" algn="l">
+              <a:spcBef>
+                <a:spcPts val="0"/>
+              </a:spcBef>
+              <a:spcAft>
+                <a:spcPts val="0"/>
+              </a:spcAft>
+              <a:buNone/>
+            </a:pPr>
+            <a:r>
+              <a:rPr lang="es" sz="1200">
+                <a:solidFill>
+                  <a:srgbClr val="666666"/>
+                </a:solidFill>
+                <a:latin typeface="Impact"/>
+                <a:ea typeface="Impact"/>
+                <a:cs typeface="Impact"/>
+                <a:sym typeface="Impact"/>
+              </a:rPr>
+              <a:t>2019</a:t>
+            </a:r>
+            <a:endParaRPr sz="1200">
+              <a:solidFill>
+                <a:srgbClr val="666666"/>
+              </a:solidFill>
+              <a:latin typeface="Impact"/>
+              <a:ea typeface="Impact"/>
+              <a:cs typeface="Impact"/>
+              <a:sym typeface="Impact"/>
+            </a:endParaRPr>
+          </a:p>
+        </p:txBody>
+      </p:sp>
+      <p:sp>
+        <p:nvSpPr>
+          <p:cNvPr id="499" name="Google Shape;499;p29"/>
+          <p:cNvSpPr txBox="1"/>
+          <p:nvPr/>
+        </p:nvSpPr>
+        <p:spPr>
+          <a:xfrm>
+            <a:off x="6016150" y="3172563"/>
+            <a:ext cx="566400" cy="369300"/>
+          </a:xfrm>
+          <a:prstGeom prst="rect">
+            <a:avLst/>
+          </a:prstGeom>
+          <a:noFill/>
+          <a:ln>
+            <a:noFill/>
+          </a:ln>
+        </p:spPr>
+        <p:txBody>
+          <a:bodyPr anchorCtr="0" anchor="t" bIns="91425" lIns="91425" spcFirstLastPara="1" rIns="91425" wrap="square" tIns="91425">
+            <a:spAutoFit/>
+          </a:bodyPr>
+          <a:lstStyle/>
+          <a:p>
+            <a:pPr indent="0" lvl="0" marL="0" rtl="0" algn="l">
+              <a:spcBef>
+                <a:spcPts val="0"/>
+              </a:spcBef>
+              <a:spcAft>
+                <a:spcPts val="0"/>
+              </a:spcAft>
+              <a:buNone/>
+            </a:pPr>
+            <a:r>
+              <a:rPr lang="es" sz="1200">
+                <a:solidFill>
+                  <a:srgbClr val="666666"/>
+                </a:solidFill>
+                <a:latin typeface="Impact"/>
+                <a:ea typeface="Impact"/>
+                <a:cs typeface="Impact"/>
+                <a:sym typeface="Impact"/>
+              </a:rPr>
+              <a:t>2020</a:t>
+            </a:r>
+            <a:endParaRPr sz="1200">
+              <a:solidFill>
+                <a:srgbClr val="666666"/>
+              </a:solidFill>
+              <a:latin typeface="Impact"/>
+              <a:ea typeface="Impact"/>
+              <a:cs typeface="Impact"/>
+              <a:sym typeface="Impact"/>
+            </a:endParaRPr>
+          </a:p>
+        </p:txBody>
+      </p:sp>
+      <p:sp>
+        <p:nvSpPr>
+          <p:cNvPr id="500" name="Google Shape;500;p29"/>
+          <p:cNvSpPr txBox="1"/>
+          <p:nvPr/>
+        </p:nvSpPr>
+        <p:spPr>
+          <a:xfrm>
+            <a:off x="5992350" y="4120600"/>
+            <a:ext cx="566400" cy="369300"/>
+          </a:xfrm>
+          <a:prstGeom prst="rect">
+            <a:avLst/>
+          </a:prstGeom>
+          <a:noFill/>
+          <a:ln>
+            <a:noFill/>
+          </a:ln>
+        </p:spPr>
+        <p:txBody>
+          <a:bodyPr anchorCtr="0" anchor="t" bIns="91425" lIns="91425" spcFirstLastPara="1" rIns="91425" wrap="square" tIns="91425">
+            <a:spAutoFit/>
+          </a:bodyPr>
+          <a:lstStyle/>
+          <a:p>
+            <a:pPr indent="0" lvl="0" marL="0" rtl="0" algn="l">
+              <a:spcBef>
+                <a:spcPts val="0"/>
+              </a:spcBef>
+              <a:spcAft>
+                <a:spcPts val="0"/>
+              </a:spcAft>
+              <a:buNone/>
+            </a:pPr>
+            <a:r>
+              <a:rPr lang="es" sz="1200">
+                <a:solidFill>
+                  <a:srgbClr val="666666"/>
+                </a:solidFill>
+                <a:latin typeface="Impact"/>
+                <a:ea typeface="Impact"/>
+                <a:cs typeface="Impact"/>
+                <a:sym typeface="Impact"/>
+              </a:rPr>
+              <a:t>2021</a:t>
+            </a:r>
+            <a:endParaRPr sz="1200">
+              <a:solidFill>
+                <a:srgbClr val="666666"/>
+              </a:solidFill>
+              <a:latin typeface="Impact"/>
+              <a:ea typeface="Impact"/>
+              <a:cs typeface="Impact"/>
+              <a:sym typeface="Impact"/>
+            </a:endParaRPr>
+          </a:p>
+        </p:txBody>
+      </p:sp>
+      <p:sp>
+        <p:nvSpPr>
+          <p:cNvPr id="501" name="Google Shape;501;p29"/>
+          <p:cNvSpPr txBox="1"/>
+          <p:nvPr/>
+        </p:nvSpPr>
+        <p:spPr>
+          <a:xfrm>
+            <a:off x="280950" y="2416975"/>
+            <a:ext cx="2837100" cy="2339700"/>
+          </a:xfrm>
+          <a:prstGeom prst="rect">
+            <a:avLst/>
+          </a:prstGeom>
+          <a:noFill/>
+          <a:ln>
+            <a:noFill/>
+          </a:ln>
+        </p:spPr>
+        <p:txBody>
+          <a:bodyPr anchorCtr="0" anchor="t" bIns="91425" lIns="91425" spcFirstLastPara="1" rIns="91425" wrap="square" tIns="91425">
+            <a:spAutoFit/>
+          </a:bodyPr>
+          <a:lstStyle/>
+          <a:p>
+            <a:pPr indent="0" lvl="0" marL="0" rtl="0" algn="l">
+              <a:spcBef>
+                <a:spcPts val="0"/>
+              </a:spcBef>
+              <a:spcAft>
+                <a:spcPts val="0"/>
+              </a:spcAft>
+              <a:buNone/>
+            </a:pPr>
+            <a:r>
+              <a:rPr lang="es" sz="1000">
+                <a:latin typeface="Nunito"/>
+                <a:ea typeface="Nunito"/>
+                <a:cs typeface="Nunito"/>
+                <a:sym typeface="Nunito"/>
+              </a:rPr>
+              <a:t>Enero es el mes más tranquilo en cuanto a cantidad de accidentes. </a:t>
+            </a:r>
+            <a:endParaRPr sz="1000">
+              <a:latin typeface="Nunito"/>
+              <a:ea typeface="Nunito"/>
+              <a:cs typeface="Nunito"/>
+              <a:sym typeface="Nunito"/>
+            </a:endParaRPr>
+          </a:p>
+          <a:p>
+            <a:pPr indent="0" lvl="0" marL="0" rtl="0" algn="l">
+              <a:spcBef>
+                <a:spcPts val="0"/>
+              </a:spcBef>
+              <a:spcAft>
+                <a:spcPts val="0"/>
+              </a:spcAft>
+              <a:buNone/>
+            </a:pPr>
+            <a:r>
+              <a:rPr lang="es" sz="1000">
+                <a:latin typeface="Nunito"/>
+                <a:ea typeface="Nunito"/>
+                <a:cs typeface="Nunito"/>
+                <a:sym typeface="Nunito"/>
+              </a:rPr>
+              <a:t>Esto se puede deber a que mucha gente se encuentra de vacaciones.</a:t>
+            </a:r>
+            <a:endParaRPr sz="1000">
+              <a:latin typeface="Nunito"/>
+              <a:ea typeface="Nunito"/>
+              <a:cs typeface="Nunito"/>
+              <a:sym typeface="Nunito"/>
+            </a:endParaRPr>
+          </a:p>
+          <a:p>
+            <a:pPr indent="0" lvl="0" marL="0" rtl="0" algn="l">
+              <a:spcBef>
+                <a:spcPts val="0"/>
+              </a:spcBef>
+              <a:spcAft>
+                <a:spcPts val="0"/>
+              </a:spcAft>
+              <a:buNone/>
+            </a:pPr>
+            <a:r>
+              <a:t/>
+            </a:r>
+            <a:endParaRPr sz="1000">
+              <a:latin typeface="Nunito"/>
+              <a:ea typeface="Nunito"/>
+              <a:cs typeface="Nunito"/>
+              <a:sym typeface="Nunito"/>
+            </a:endParaRPr>
+          </a:p>
+          <a:p>
+            <a:pPr indent="0" lvl="0" marL="0" rtl="0" algn="l">
+              <a:spcBef>
+                <a:spcPts val="0"/>
+              </a:spcBef>
+              <a:spcAft>
+                <a:spcPts val="0"/>
+              </a:spcAft>
+              <a:buNone/>
+            </a:pPr>
+            <a:r>
+              <a:rPr lang="es" sz="1000">
+                <a:latin typeface="Nunito"/>
+                <a:ea typeface="Nunito"/>
+                <a:cs typeface="Nunito"/>
+                <a:sym typeface="Nunito"/>
+              </a:rPr>
+              <a:t>Junio y Diciembre parecen ser dos meses problemáticos, sin embargo también deberíamos considerar Abril, Julio y Noviembre.</a:t>
+            </a:r>
+            <a:endParaRPr sz="1000">
+              <a:latin typeface="Nunito"/>
+              <a:ea typeface="Nunito"/>
+              <a:cs typeface="Nunito"/>
+              <a:sym typeface="Nunito"/>
+            </a:endParaRPr>
+          </a:p>
+          <a:p>
+            <a:pPr indent="0" lvl="0" marL="0" rtl="0" algn="l">
+              <a:spcBef>
+                <a:spcPts val="0"/>
+              </a:spcBef>
+              <a:spcAft>
+                <a:spcPts val="0"/>
+              </a:spcAft>
+              <a:buNone/>
+            </a:pPr>
+            <a:r>
+              <a:t/>
+            </a:r>
+            <a:endParaRPr sz="1000">
+              <a:latin typeface="Nunito"/>
+              <a:ea typeface="Nunito"/>
+              <a:cs typeface="Nunito"/>
+              <a:sym typeface="Nunito"/>
+            </a:endParaRPr>
+          </a:p>
+          <a:p>
+            <a:pPr indent="0" lvl="0" marL="0" rtl="0" algn="l">
+              <a:spcBef>
+                <a:spcPts val="0"/>
+              </a:spcBef>
+              <a:spcAft>
+                <a:spcPts val="0"/>
+              </a:spcAft>
+              <a:buNone/>
+            </a:pPr>
+            <a:r>
+              <a:rPr lang="es" sz="1000">
+                <a:latin typeface="Nunito"/>
+                <a:ea typeface="Nunito"/>
+                <a:cs typeface="Nunito"/>
+                <a:sym typeface="Nunito"/>
+              </a:rPr>
+              <a:t>En 2020 los accidentes cayeron drásticamente</a:t>
+            </a:r>
+            <a:endParaRPr sz="1000">
+              <a:latin typeface="Nunito"/>
+              <a:ea typeface="Nunito"/>
+              <a:cs typeface="Nunito"/>
+              <a:sym typeface="Nunito"/>
+            </a:endParaRPr>
+          </a:p>
+          <a:p>
+            <a:pPr indent="0" lvl="0" marL="0" rtl="0" algn="l">
+              <a:spcBef>
+                <a:spcPts val="0"/>
+              </a:spcBef>
+              <a:spcAft>
+                <a:spcPts val="0"/>
+              </a:spcAft>
+              <a:buNone/>
+            </a:pPr>
+            <a:r>
+              <a:rPr lang="es" sz="1000">
+                <a:latin typeface="Nunito"/>
+                <a:ea typeface="Nunito"/>
+                <a:cs typeface="Nunito"/>
+                <a:sym typeface="Nunito"/>
+              </a:rPr>
+              <a:t>a partir de  febrero. Esto Coincide con la cuarentena por el Covid-19. Sin embargo los accidentes comenzaron a aumentar nuevamente a partir de Septiembre</a:t>
+            </a:r>
+            <a:endParaRPr sz="1000">
+              <a:latin typeface="Nunito"/>
+              <a:ea typeface="Nunito"/>
+              <a:cs typeface="Nunito"/>
+              <a:sym typeface="Nunito"/>
+            </a:endParaRPr>
+          </a:p>
+        </p:txBody>
+      </p:sp>
+      <p:pic>
+        <p:nvPicPr>
+          <p:cNvPr id="502" name="Google Shape;502;p29"/>
+          <p:cNvPicPr preferRelativeResize="0"/>
+          <p:nvPr/>
+        </p:nvPicPr>
+        <p:blipFill>
+          <a:blip r:embed="rId11">
+            <a:alphaModFix amt="36000"/>
+          </a:blip>
+          <a:stretch>
+            <a:fillRect/>
+          </a:stretch>
+        </p:blipFill>
+        <p:spPr>
+          <a:xfrm>
+            <a:off x="160925" y="2498150"/>
+            <a:ext cx="185300" cy="185300"/>
           </a:xfrm>
           <a:prstGeom prst="rect">
             <a:avLst/>
@@ -20432,13 +21060,13 @@
       </p:pic>
       <p:pic>
         <p:nvPicPr>
-          <p:cNvPr id="493" name="Google Shape;493;p29"/>
+          <p:cNvPr id="503" name="Google Shape;503;p29"/>
           <p:cNvPicPr preferRelativeResize="0"/>
           <p:nvPr/>
         </p:nvPicPr>
         <p:blipFill>
-          <a:blip r:embed="rId9">
-            <a:alphaModFix/>
+          <a:blip r:embed="rId11">
+            <a:alphaModFix amt="36000"/>
           </a:blip>
           <a:stretch>
             <a:fillRect/>
@@ -20446,8 +21074,8 @@
         </p:blipFill>
         <p:spPr>
           <a:xfrm>
-            <a:off x="5990250" y="3220500"/>
-            <a:ext cx="2544697" cy="888250"/>
+            <a:off x="160925" y="3264575"/>
+            <a:ext cx="185300" cy="185300"/>
           </a:xfrm>
           <a:prstGeom prst="rect">
             <a:avLst/>
@@ -20460,13 +21088,13 @@
       </p:pic>
       <p:pic>
         <p:nvPicPr>
-          <p:cNvPr id="494" name="Google Shape;494;p29"/>
+          <p:cNvPr id="504" name="Google Shape;504;p29"/>
           <p:cNvPicPr preferRelativeResize="0"/>
           <p:nvPr/>
         </p:nvPicPr>
         <p:blipFill>
-          <a:blip r:embed="rId10">
-            <a:alphaModFix/>
+          <a:blip r:embed="rId11">
+            <a:alphaModFix amt="36000"/>
           </a:blip>
           <a:stretch>
             <a:fillRect/>
@@ -20474,8 +21102,8 @@
         </p:blipFill>
         <p:spPr>
           <a:xfrm>
-            <a:off x="5990250" y="4149900"/>
-            <a:ext cx="2544700" cy="882244"/>
+            <a:off x="160925" y="3864375"/>
+            <a:ext cx="185300" cy="185300"/>
           </a:xfrm>
           <a:prstGeom prst="rect">
             <a:avLst/>
@@ -20488,13 +21116,53 @@
       </p:pic>
       <p:sp>
         <p:nvSpPr>
-          <p:cNvPr id="495" name="Google Shape;495;p29"/>
+          <p:cNvPr id="505" name="Google Shape;505;p29"/>
+          <p:cNvSpPr txBox="1"/>
+          <p:nvPr>
+            <p:ph idx="12" type="sldNum"/>
+          </p:nvPr>
+        </p:nvSpPr>
+        <p:spPr>
+          <a:xfrm>
+            <a:off x="8451046" y="4736976"/>
+            <a:ext cx="548700" cy="393600"/>
+          </a:xfrm>
+          <a:prstGeom prst="rect">
+            <a:avLst/>
+          </a:prstGeom>
+        </p:spPr>
+        <p:txBody>
+          <a:bodyPr anchorCtr="0" anchor="ctr" bIns="91425" lIns="91425" spcFirstLastPara="1" rIns="91425" wrap="square" tIns="91425">
+            <a:normAutofit/>
+          </a:bodyPr>
+          <a:lstStyle/>
+          <a:p>
+            <a:pPr indent="0" lvl="0" marL="0" rtl="0" algn="r">
+              <a:spcBef>
+                <a:spcPts val="0"/>
+              </a:spcBef>
+              <a:spcAft>
+                <a:spcPts val="0"/>
+              </a:spcAft>
+              <a:buNone/>
+            </a:pPr>
+            <a:fld id="{00000000-1234-1234-1234-123412341234}" type="slidenum">
+              <a:rPr lang="es"/>
+              <a:t>‹#›</a:t>
+            </a:fld>
+            <a:endParaRPr/>
+          </a:p>
+        </p:txBody>
+      </p:sp>
+      <p:sp>
+        <p:nvSpPr>
+          <p:cNvPr id="506" name="Google Shape;506;p29"/>
           <p:cNvSpPr txBox="1"/>
           <p:nvPr/>
         </p:nvSpPr>
         <p:spPr>
           <a:xfrm>
-            <a:off x="3239500" y="1601450"/>
+            <a:off x="3263300" y="1271625"/>
             <a:ext cx="566400" cy="369300"/>
           </a:xfrm>
           <a:prstGeom prst="rect">
@@ -20546,13 +21214,13 @@
       </p:sp>
       <p:sp>
         <p:nvSpPr>
-          <p:cNvPr id="496" name="Google Shape;496;p29"/>
+          <p:cNvPr id="507" name="Google Shape;507;p29"/>
           <p:cNvSpPr txBox="1"/>
           <p:nvPr/>
         </p:nvSpPr>
         <p:spPr>
           <a:xfrm>
-            <a:off x="3239500" y="2524450"/>
+            <a:off x="3239500" y="2224550"/>
             <a:ext cx="566400" cy="369300"/>
           </a:xfrm>
           <a:prstGeom prst="rect">
@@ -20599,674 +21267,6 @@
               <a:cs typeface="Impact"/>
               <a:sym typeface="Impact"/>
             </a:endParaRPr>
-          </a:p>
-        </p:txBody>
-      </p:sp>
-      <p:sp>
-        <p:nvSpPr>
-          <p:cNvPr id="497" name="Google Shape;497;p29"/>
-          <p:cNvSpPr txBox="1"/>
-          <p:nvPr/>
-        </p:nvSpPr>
-        <p:spPr>
-          <a:xfrm>
-            <a:off x="3239500" y="3447450"/>
-            <a:ext cx="566400" cy="369300"/>
-          </a:xfrm>
-          <a:prstGeom prst="rect">
-            <a:avLst/>
-          </a:prstGeom>
-          <a:noFill/>
-          <a:ln>
-            <a:noFill/>
-          </a:ln>
-        </p:spPr>
-        <p:txBody>
-          <a:bodyPr anchorCtr="0" anchor="t" bIns="91425" lIns="91425" spcFirstLastPara="1" rIns="91425" wrap="square" tIns="91425">
-            <a:spAutoFit/>
-          </a:bodyPr>
-          <a:lstStyle/>
-          <a:p>
-            <a:pPr indent="0" lvl="0" marL="0" rtl="0" algn="l">
-              <a:spcBef>
-                <a:spcPts val="0"/>
-              </a:spcBef>
-              <a:spcAft>
-                <a:spcPts val="0"/>
-              </a:spcAft>
-              <a:buNone/>
-            </a:pPr>
-            <a:r>
-              <a:rPr lang="es" sz="1200">
-                <a:solidFill>
-                  <a:srgbClr val="666666"/>
-                </a:solidFill>
-                <a:latin typeface="Impact"/>
-                <a:ea typeface="Impact"/>
-                <a:cs typeface="Impact"/>
-                <a:sym typeface="Impact"/>
-              </a:rPr>
-              <a:t>2016</a:t>
-            </a:r>
-            <a:endParaRPr sz="1200">
-              <a:solidFill>
-                <a:srgbClr val="666666"/>
-              </a:solidFill>
-              <a:latin typeface="Impact"/>
-              <a:ea typeface="Impact"/>
-              <a:cs typeface="Impact"/>
-              <a:sym typeface="Impact"/>
-            </a:endParaRPr>
-          </a:p>
-        </p:txBody>
-      </p:sp>
-      <p:sp>
-        <p:nvSpPr>
-          <p:cNvPr id="498" name="Google Shape;498;p29"/>
-          <p:cNvSpPr txBox="1"/>
-          <p:nvPr/>
-        </p:nvSpPr>
-        <p:spPr>
-          <a:xfrm>
-            <a:off x="3239500" y="4370450"/>
-            <a:ext cx="566400" cy="369300"/>
-          </a:xfrm>
-          <a:prstGeom prst="rect">
-            <a:avLst/>
-          </a:prstGeom>
-          <a:noFill/>
-          <a:ln>
-            <a:noFill/>
-          </a:ln>
-        </p:spPr>
-        <p:txBody>
-          <a:bodyPr anchorCtr="0" anchor="t" bIns="91425" lIns="91425" spcFirstLastPara="1" rIns="91425" wrap="square" tIns="91425">
-            <a:spAutoFit/>
-          </a:bodyPr>
-          <a:lstStyle/>
-          <a:p>
-            <a:pPr indent="0" lvl="0" marL="0" rtl="0" algn="l">
-              <a:spcBef>
-                <a:spcPts val="0"/>
-              </a:spcBef>
-              <a:spcAft>
-                <a:spcPts val="0"/>
-              </a:spcAft>
-              <a:buNone/>
-            </a:pPr>
-            <a:r>
-              <a:rPr lang="es" sz="1200">
-                <a:solidFill>
-                  <a:srgbClr val="666666"/>
-                </a:solidFill>
-                <a:latin typeface="Impact"/>
-                <a:ea typeface="Impact"/>
-                <a:cs typeface="Impact"/>
-                <a:sym typeface="Impact"/>
-              </a:rPr>
-              <a:t>2017</a:t>
-            </a:r>
-            <a:endParaRPr sz="1200">
-              <a:solidFill>
-                <a:srgbClr val="666666"/>
-              </a:solidFill>
-              <a:latin typeface="Impact"/>
-              <a:ea typeface="Impact"/>
-              <a:cs typeface="Impact"/>
-              <a:sym typeface="Impact"/>
-            </a:endParaRPr>
-          </a:p>
-        </p:txBody>
-      </p:sp>
-      <p:sp>
-        <p:nvSpPr>
-          <p:cNvPr id="499" name="Google Shape;499;p29"/>
-          <p:cNvSpPr txBox="1"/>
-          <p:nvPr/>
-        </p:nvSpPr>
-        <p:spPr>
-          <a:xfrm>
-            <a:off x="6103000" y="1601450"/>
-            <a:ext cx="566400" cy="369300"/>
-          </a:xfrm>
-          <a:prstGeom prst="rect">
-            <a:avLst/>
-          </a:prstGeom>
-          <a:noFill/>
-          <a:ln>
-            <a:noFill/>
-          </a:ln>
-        </p:spPr>
-        <p:txBody>
-          <a:bodyPr anchorCtr="0" anchor="t" bIns="91425" lIns="91425" spcFirstLastPara="1" rIns="91425" wrap="square" tIns="91425">
-            <a:spAutoFit/>
-          </a:bodyPr>
-          <a:lstStyle/>
-          <a:p>
-            <a:pPr indent="0" lvl="0" marL="0" rtl="0" algn="l">
-              <a:spcBef>
-                <a:spcPts val="0"/>
-              </a:spcBef>
-              <a:spcAft>
-                <a:spcPts val="0"/>
-              </a:spcAft>
-              <a:buNone/>
-            </a:pPr>
-            <a:r>
-              <a:rPr lang="es" sz="1200">
-                <a:solidFill>
-                  <a:srgbClr val="666666"/>
-                </a:solidFill>
-                <a:latin typeface="Impact"/>
-                <a:ea typeface="Impact"/>
-                <a:cs typeface="Impact"/>
-                <a:sym typeface="Impact"/>
-              </a:rPr>
-              <a:t>2018</a:t>
-            </a:r>
-            <a:endParaRPr sz="1200">
-              <a:solidFill>
-                <a:srgbClr val="666666"/>
-              </a:solidFill>
-              <a:latin typeface="Impact"/>
-              <a:ea typeface="Impact"/>
-              <a:cs typeface="Impact"/>
-              <a:sym typeface="Impact"/>
-            </a:endParaRPr>
-          </a:p>
-        </p:txBody>
-      </p:sp>
-      <p:sp>
-        <p:nvSpPr>
-          <p:cNvPr id="500" name="Google Shape;500;p29"/>
-          <p:cNvSpPr txBox="1"/>
-          <p:nvPr/>
-        </p:nvSpPr>
-        <p:spPr>
-          <a:xfrm>
-            <a:off x="6103000" y="2524450"/>
-            <a:ext cx="566400" cy="369300"/>
-          </a:xfrm>
-          <a:prstGeom prst="rect">
-            <a:avLst/>
-          </a:prstGeom>
-          <a:noFill/>
-          <a:ln>
-            <a:noFill/>
-          </a:ln>
-        </p:spPr>
-        <p:txBody>
-          <a:bodyPr anchorCtr="0" anchor="t" bIns="91425" lIns="91425" spcFirstLastPara="1" rIns="91425" wrap="square" tIns="91425">
-            <a:spAutoFit/>
-          </a:bodyPr>
-          <a:lstStyle/>
-          <a:p>
-            <a:pPr indent="0" lvl="0" marL="0" rtl="0" algn="l">
-              <a:spcBef>
-                <a:spcPts val="0"/>
-              </a:spcBef>
-              <a:spcAft>
-                <a:spcPts val="0"/>
-              </a:spcAft>
-              <a:buNone/>
-            </a:pPr>
-            <a:r>
-              <a:rPr lang="es" sz="1200">
-                <a:solidFill>
-                  <a:srgbClr val="666666"/>
-                </a:solidFill>
-                <a:latin typeface="Impact"/>
-                <a:ea typeface="Impact"/>
-                <a:cs typeface="Impact"/>
-                <a:sym typeface="Impact"/>
-              </a:rPr>
-              <a:t>2019</a:t>
-            </a:r>
-            <a:endParaRPr sz="1200">
-              <a:solidFill>
-                <a:srgbClr val="666666"/>
-              </a:solidFill>
-              <a:latin typeface="Impact"/>
-              <a:ea typeface="Impact"/>
-              <a:cs typeface="Impact"/>
-              <a:sym typeface="Impact"/>
-            </a:endParaRPr>
-          </a:p>
-        </p:txBody>
-      </p:sp>
-      <p:sp>
-        <p:nvSpPr>
-          <p:cNvPr id="501" name="Google Shape;501;p29"/>
-          <p:cNvSpPr txBox="1"/>
-          <p:nvPr/>
-        </p:nvSpPr>
-        <p:spPr>
-          <a:xfrm>
-            <a:off x="6049500" y="3459388"/>
-            <a:ext cx="566400" cy="369300"/>
-          </a:xfrm>
-          <a:prstGeom prst="rect">
-            <a:avLst/>
-          </a:prstGeom>
-          <a:noFill/>
-          <a:ln>
-            <a:noFill/>
-          </a:ln>
-        </p:spPr>
-        <p:txBody>
-          <a:bodyPr anchorCtr="0" anchor="t" bIns="91425" lIns="91425" spcFirstLastPara="1" rIns="91425" wrap="square" tIns="91425">
-            <a:spAutoFit/>
-          </a:bodyPr>
-          <a:lstStyle/>
-          <a:p>
-            <a:pPr indent="0" lvl="0" marL="0" rtl="0" algn="l">
-              <a:spcBef>
-                <a:spcPts val="0"/>
-              </a:spcBef>
-              <a:spcAft>
-                <a:spcPts val="0"/>
-              </a:spcAft>
-              <a:buNone/>
-            </a:pPr>
-            <a:r>
-              <a:rPr lang="es" sz="1200">
-                <a:solidFill>
-                  <a:srgbClr val="666666"/>
-                </a:solidFill>
-                <a:latin typeface="Impact"/>
-                <a:ea typeface="Impact"/>
-                <a:cs typeface="Impact"/>
-                <a:sym typeface="Impact"/>
-              </a:rPr>
-              <a:t>2020</a:t>
-            </a:r>
-            <a:endParaRPr sz="1200">
-              <a:solidFill>
-                <a:srgbClr val="666666"/>
-              </a:solidFill>
-              <a:latin typeface="Impact"/>
-              <a:ea typeface="Impact"/>
-              <a:cs typeface="Impact"/>
-              <a:sym typeface="Impact"/>
-            </a:endParaRPr>
-          </a:p>
-        </p:txBody>
-      </p:sp>
-      <p:sp>
-        <p:nvSpPr>
-          <p:cNvPr id="502" name="Google Shape;502;p29"/>
-          <p:cNvSpPr txBox="1"/>
-          <p:nvPr/>
-        </p:nvSpPr>
-        <p:spPr>
-          <a:xfrm>
-            <a:off x="6049500" y="4435500"/>
-            <a:ext cx="566400" cy="369300"/>
-          </a:xfrm>
-          <a:prstGeom prst="rect">
-            <a:avLst/>
-          </a:prstGeom>
-          <a:noFill/>
-          <a:ln>
-            <a:noFill/>
-          </a:ln>
-        </p:spPr>
-        <p:txBody>
-          <a:bodyPr anchorCtr="0" anchor="t" bIns="91425" lIns="91425" spcFirstLastPara="1" rIns="91425" wrap="square" tIns="91425">
-            <a:spAutoFit/>
-          </a:bodyPr>
-          <a:lstStyle/>
-          <a:p>
-            <a:pPr indent="0" lvl="0" marL="0" rtl="0" algn="l">
-              <a:spcBef>
-                <a:spcPts val="0"/>
-              </a:spcBef>
-              <a:spcAft>
-                <a:spcPts val="0"/>
-              </a:spcAft>
-              <a:buNone/>
-            </a:pPr>
-            <a:r>
-              <a:rPr lang="es" sz="1200">
-                <a:solidFill>
-                  <a:srgbClr val="666666"/>
-                </a:solidFill>
-                <a:latin typeface="Impact"/>
-                <a:ea typeface="Impact"/>
-                <a:cs typeface="Impact"/>
-                <a:sym typeface="Impact"/>
-              </a:rPr>
-              <a:t>2021</a:t>
-            </a:r>
-            <a:endParaRPr sz="1200">
-              <a:solidFill>
-                <a:srgbClr val="666666"/>
-              </a:solidFill>
-              <a:latin typeface="Impact"/>
-              <a:ea typeface="Impact"/>
-              <a:cs typeface="Impact"/>
-              <a:sym typeface="Impact"/>
-            </a:endParaRPr>
-          </a:p>
-        </p:txBody>
-      </p:sp>
-      <p:sp>
-        <p:nvSpPr>
-          <p:cNvPr id="503" name="Google Shape;503;p29"/>
-          <p:cNvSpPr txBox="1"/>
-          <p:nvPr/>
-        </p:nvSpPr>
-        <p:spPr>
-          <a:xfrm>
-            <a:off x="280950" y="2416975"/>
-            <a:ext cx="2837100" cy="2339700"/>
-          </a:xfrm>
-          <a:prstGeom prst="rect">
-            <a:avLst/>
-          </a:prstGeom>
-          <a:noFill/>
-          <a:ln>
-            <a:noFill/>
-          </a:ln>
-        </p:spPr>
-        <p:txBody>
-          <a:bodyPr anchorCtr="0" anchor="t" bIns="91425" lIns="91425" spcFirstLastPara="1" rIns="91425" wrap="square" tIns="91425">
-            <a:spAutoFit/>
-          </a:bodyPr>
-          <a:lstStyle/>
-          <a:p>
-            <a:pPr indent="0" lvl="0" marL="0" rtl="0" algn="l">
-              <a:spcBef>
-                <a:spcPts val="0"/>
-              </a:spcBef>
-              <a:spcAft>
-                <a:spcPts val="0"/>
-              </a:spcAft>
-              <a:buNone/>
-            </a:pPr>
-            <a:r>
-              <a:rPr lang="es" sz="1000">
-                <a:latin typeface="Nunito"/>
-                <a:ea typeface="Nunito"/>
-                <a:cs typeface="Nunito"/>
-                <a:sym typeface="Nunito"/>
-              </a:rPr>
-              <a:t>Enero es el mes más tranquilo en cuanto a cantidad de accidentes. </a:t>
-            </a:r>
-            <a:endParaRPr sz="1000">
-              <a:latin typeface="Nunito"/>
-              <a:ea typeface="Nunito"/>
-              <a:cs typeface="Nunito"/>
-              <a:sym typeface="Nunito"/>
-            </a:endParaRPr>
-          </a:p>
-          <a:p>
-            <a:pPr indent="0" lvl="0" marL="0" rtl="0" algn="l">
-              <a:spcBef>
-                <a:spcPts val="0"/>
-              </a:spcBef>
-              <a:spcAft>
-                <a:spcPts val="0"/>
-              </a:spcAft>
-              <a:buNone/>
-            </a:pPr>
-            <a:r>
-              <a:rPr lang="es" sz="1000">
-                <a:latin typeface="Nunito"/>
-                <a:ea typeface="Nunito"/>
-                <a:cs typeface="Nunito"/>
-                <a:sym typeface="Nunito"/>
-              </a:rPr>
-              <a:t>Esto se puede deber a que mucha gente se encuentra de vacaciones.</a:t>
-            </a:r>
-            <a:endParaRPr sz="1000">
-              <a:latin typeface="Nunito"/>
-              <a:ea typeface="Nunito"/>
-              <a:cs typeface="Nunito"/>
-              <a:sym typeface="Nunito"/>
-            </a:endParaRPr>
-          </a:p>
-          <a:p>
-            <a:pPr indent="0" lvl="0" marL="0" rtl="0" algn="l">
-              <a:spcBef>
-                <a:spcPts val="0"/>
-              </a:spcBef>
-              <a:spcAft>
-                <a:spcPts val="0"/>
-              </a:spcAft>
-              <a:buNone/>
-            </a:pPr>
-            <a:r>
-              <a:t/>
-            </a:r>
-            <a:endParaRPr sz="1000">
-              <a:latin typeface="Nunito"/>
-              <a:ea typeface="Nunito"/>
-              <a:cs typeface="Nunito"/>
-              <a:sym typeface="Nunito"/>
-            </a:endParaRPr>
-          </a:p>
-          <a:p>
-            <a:pPr indent="0" lvl="0" marL="0" rtl="0" algn="l">
-              <a:spcBef>
-                <a:spcPts val="0"/>
-              </a:spcBef>
-              <a:spcAft>
-                <a:spcPts val="0"/>
-              </a:spcAft>
-              <a:buNone/>
-            </a:pPr>
-            <a:r>
-              <a:rPr lang="es" sz="1000">
-                <a:latin typeface="Nunito"/>
-                <a:ea typeface="Nunito"/>
-                <a:cs typeface="Nunito"/>
-                <a:sym typeface="Nunito"/>
-              </a:rPr>
-              <a:t>Junio y Diciembre parecen ser dos meses problemáticos, sin embargo también deberíamos considerar Abril, Julio y Noviembre.</a:t>
-            </a:r>
-            <a:endParaRPr sz="1000">
-              <a:latin typeface="Nunito"/>
-              <a:ea typeface="Nunito"/>
-              <a:cs typeface="Nunito"/>
-              <a:sym typeface="Nunito"/>
-            </a:endParaRPr>
-          </a:p>
-          <a:p>
-            <a:pPr indent="0" lvl="0" marL="0" rtl="0" algn="l">
-              <a:spcBef>
-                <a:spcPts val="0"/>
-              </a:spcBef>
-              <a:spcAft>
-                <a:spcPts val="0"/>
-              </a:spcAft>
-              <a:buNone/>
-            </a:pPr>
-            <a:r>
-              <a:t/>
-            </a:r>
-            <a:endParaRPr sz="1000">
-              <a:latin typeface="Nunito"/>
-              <a:ea typeface="Nunito"/>
-              <a:cs typeface="Nunito"/>
-              <a:sym typeface="Nunito"/>
-            </a:endParaRPr>
-          </a:p>
-          <a:p>
-            <a:pPr indent="0" lvl="0" marL="0" rtl="0" algn="l">
-              <a:spcBef>
-                <a:spcPts val="0"/>
-              </a:spcBef>
-              <a:spcAft>
-                <a:spcPts val="0"/>
-              </a:spcAft>
-              <a:buNone/>
-            </a:pPr>
-            <a:r>
-              <a:rPr lang="es" sz="1000">
-                <a:latin typeface="Nunito"/>
-                <a:ea typeface="Nunito"/>
-                <a:cs typeface="Nunito"/>
-                <a:sym typeface="Nunito"/>
-              </a:rPr>
-              <a:t>En 2020 los accidentes cayeron drásticamente</a:t>
-            </a:r>
-            <a:endParaRPr sz="1000">
-              <a:latin typeface="Nunito"/>
-              <a:ea typeface="Nunito"/>
-              <a:cs typeface="Nunito"/>
-              <a:sym typeface="Nunito"/>
-            </a:endParaRPr>
-          </a:p>
-          <a:p>
-            <a:pPr indent="0" lvl="0" marL="0" rtl="0" algn="l">
-              <a:spcBef>
-                <a:spcPts val="0"/>
-              </a:spcBef>
-              <a:spcAft>
-                <a:spcPts val="0"/>
-              </a:spcAft>
-              <a:buNone/>
-            </a:pPr>
-            <a:r>
-              <a:rPr lang="es" sz="1000">
-                <a:latin typeface="Nunito"/>
-                <a:ea typeface="Nunito"/>
-                <a:cs typeface="Nunito"/>
-                <a:sym typeface="Nunito"/>
-              </a:rPr>
-              <a:t>a partir de  febrero. Esto Coincide con la cuarentena por el Covid-19. Sin embargo los accidentes comenzaron a aumentar nuevamente a partir de Septiembre</a:t>
-            </a:r>
-            <a:endParaRPr sz="1000">
-              <a:latin typeface="Nunito"/>
-              <a:ea typeface="Nunito"/>
-              <a:cs typeface="Nunito"/>
-              <a:sym typeface="Nunito"/>
-            </a:endParaRPr>
-          </a:p>
-        </p:txBody>
-      </p:sp>
-      <p:pic>
-        <p:nvPicPr>
-          <p:cNvPr id="504" name="Google Shape;504;p29"/>
-          <p:cNvPicPr preferRelativeResize="0"/>
-          <p:nvPr/>
-        </p:nvPicPr>
-        <p:blipFill>
-          <a:blip r:embed="rId11">
-            <a:alphaModFix amt="36000"/>
-          </a:blip>
-          <a:stretch>
-            <a:fillRect/>
-          </a:stretch>
-        </p:blipFill>
-        <p:spPr>
-          <a:xfrm>
-            <a:off x="160925" y="2498150"/>
-            <a:ext cx="185300" cy="185300"/>
-          </a:xfrm>
-          <a:prstGeom prst="rect">
-            <a:avLst/>
-          </a:prstGeom>
-          <a:noFill/>
-          <a:ln>
-            <a:noFill/>
-          </a:ln>
-        </p:spPr>
-      </p:pic>
-      <p:pic>
-        <p:nvPicPr>
-          <p:cNvPr id="505" name="Google Shape;505;p29"/>
-          <p:cNvPicPr preferRelativeResize="0"/>
-          <p:nvPr/>
-        </p:nvPicPr>
-        <p:blipFill>
-          <a:blip r:embed="rId11">
-            <a:alphaModFix amt="36000"/>
-          </a:blip>
-          <a:stretch>
-            <a:fillRect/>
-          </a:stretch>
-        </p:blipFill>
-        <p:spPr>
-          <a:xfrm>
-            <a:off x="160925" y="3264575"/>
-            <a:ext cx="185300" cy="185300"/>
-          </a:xfrm>
-          <a:prstGeom prst="rect">
-            <a:avLst/>
-          </a:prstGeom>
-          <a:noFill/>
-          <a:ln>
-            <a:noFill/>
-          </a:ln>
-        </p:spPr>
-      </p:pic>
-      <p:pic>
-        <p:nvPicPr>
-          <p:cNvPr id="506" name="Google Shape;506;p29"/>
-          <p:cNvPicPr preferRelativeResize="0"/>
-          <p:nvPr/>
-        </p:nvPicPr>
-        <p:blipFill>
-          <a:blip r:embed="rId11">
-            <a:alphaModFix amt="36000"/>
-          </a:blip>
-          <a:stretch>
-            <a:fillRect/>
-          </a:stretch>
-        </p:blipFill>
-        <p:spPr>
-          <a:xfrm>
-            <a:off x="160925" y="3864375"/>
-            <a:ext cx="185300" cy="185300"/>
-          </a:xfrm>
-          <a:prstGeom prst="rect">
-            <a:avLst/>
-          </a:prstGeom>
-          <a:noFill/>
-          <a:ln>
-            <a:noFill/>
-          </a:ln>
-        </p:spPr>
-      </p:pic>
-      <p:sp>
-        <p:nvSpPr>
-          <p:cNvPr id="507" name="Google Shape;507;p29"/>
-          <p:cNvSpPr txBox="1"/>
-          <p:nvPr>
-            <p:ph idx="12" type="sldNum"/>
-          </p:nvPr>
-        </p:nvSpPr>
-        <p:spPr>
-          <a:xfrm>
-            <a:off x="8451046" y="4736976"/>
-            <a:ext cx="548700" cy="393600"/>
-          </a:xfrm>
-          <a:prstGeom prst="rect">
-            <a:avLst/>
-          </a:prstGeom>
-        </p:spPr>
-        <p:txBody>
-          <a:bodyPr anchorCtr="0" anchor="ctr" bIns="91425" lIns="91425" spcFirstLastPara="1" rIns="91425" wrap="square" tIns="91425">
-            <a:normAutofit/>
-          </a:bodyPr>
-          <a:lstStyle/>
-          <a:p>
-            <a:pPr indent="0" lvl="0" marL="0" rtl="0" algn="r">
-              <a:spcBef>
-                <a:spcPts val="0"/>
-              </a:spcBef>
-              <a:spcAft>
-                <a:spcPts val="0"/>
-              </a:spcAft>
-              <a:buNone/>
-            </a:pPr>
-            <a:fld id="{00000000-1234-1234-1234-123412341234}" type="slidenum">
-              <a:rPr lang="es"/>
-              <a:t>‹#›</a:t>
-            </a:fld>
-            <a:endParaRPr/>
           </a:p>
         </p:txBody>
       </p:sp>
